--- a/slides/11-shrinkage-methods.pptx
+++ b/slides/11-shrinkage-methods.pptx
@@ -5,28 +5,30 @@
     <p:sldMasterId id="2147483852" r:id="rId1"/>
   </p:sldMasterIdLst>
   <p:notesMasterIdLst>
-    <p:notesMasterId r:id="rId21"/>
+    <p:notesMasterId r:id="rId23"/>
   </p:notesMasterIdLst>
   <p:sldIdLst>
     <p:sldId id="256" r:id="rId2"/>
-    <p:sldId id="570" r:id="rId3"/>
-    <p:sldId id="491" r:id="rId4"/>
-    <p:sldId id="572" r:id="rId5"/>
-    <p:sldId id="573" r:id="rId6"/>
-    <p:sldId id="574" r:id="rId7"/>
-    <p:sldId id="575" r:id="rId8"/>
-    <p:sldId id="576" r:id="rId9"/>
-    <p:sldId id="577" r:id="rId10"/>
-    <p:sldId id="578" r:id="rId11"/>
-    <p:sldId id="579" r:id="rId12"/>
-    <p:sldId id="580" r:id="rId13"/>
-    <p:sldId id="581" r:id="rId14"/>
-    <p:sldId id="582" r:id="rId15"/>
-    <p:sldId id="583" r:id="rId16"/>
-    <p:sldId id="584" r:id="rId17"/>
-    <p:sldId id="585" r:id="rId18"/>
-    <p:sldId id="586" r:id="rId19"/>
-    <p:sldId id="587" r:id="rId20"/>
+    <p:sldId id="335" r:id="rId3"/>
+    <p:sldId id="570" r:id="rId4"/>
+    <p:sldId id="491" r:id="rId5"/>
+    <p:sldId id="572" r:id="rId6"/>
+    <p:sldId id="573" r:id="rId7"/>
+    <p:sldId id="574" r:id="rId8"/>
+    <p:sldId id="575" r:id="rId9"/>
+    <p:sldId id="576" r:id="rId10"/>
+    <p:sldId id="577" r:id="rId11"/>
+    <p:sldId id="578" r:id="rId12"/>
+    <p:sldId id="579" r:id="rId13"/>
+    <p:sldId id="580" r:id="rId14"/>
+    <p:sldId id="581" r:id="rId15"/>
+    <p:sldId id="582" r:id="rId16"/>
+    <p:sldId id="583" r:id="rId17"/>
+    <p:sldId id="584" r:id="rId18"/>
+    <p:sldId id="585" r:id="rId19"/>
+    <p:sldId id="586" r:id="rId20"/>
+    <p:sldId id="587" r:id="rId21"/>
+    <p:sldId id="588" r:id="rId22"/>
   </p:sldIdLst>
   <p:sldSz cx="12192000" cy="6858000"/>
   <p:notesSz cx="6858000" cy="9144000"/>
@@ -215,7 +217,7 @@
           <a:p>
             <a:fld id="{3CBB8A52-8AC5-C74C-97FB-632C448F3674}" type="datetimeFigureOut">
               <a:rPr lang="en-US" smtClean="0"/>
-              <a:t>2/28/24</a:t>
+              <a:t>2/29/24</a:t>
             </a:fld>
             <a:endParaRPr lang="en-US"/>
           </a:p>
@@ -585,7 +587,7 @@
           <a:p>
             <a:fld id="{E666506D-5C9B-294C-B2AE-15ACE8B5B9F7}" type="slidenum">
               <a:rPr lang="en-US" smtClean="0"/>
-              <a:t>3</a:t>
+              <a:t>4</a:t>
             </a:fld>
             <a:endParaRPr lang="en-US"/>
           </a:p>
@@ -697,7 +699,7 @@
           <a:p>
             <a:fld id="{E666506D-5C9B-294C-B2AE-15ACE8B5B9F7}" type="slidenum">
               <a:rPr lang="en-US" smtClean="0"/>
-              <a:t>12</a:t>
+              <a:t>13</a:t>
             </a:fld>
             <a:endParaRPr lang="en-US"/>
           </a:p>
@@ -809,7 +811,7 @@
           <a:p>
             <a:fld id="{E666506D-5C9B-294C-B2AE-15ACE8B5B9F7}" type="slidenum">
               <a:rPr lang="en-US" smtClean="0"/>
-              <a:t>13</a:t>
+              <a:t>14</a:t>
             </a:fld>
             <a:endParaRPr lang="en-US"/>
           </a:p>
@@ -921,7 +923,7 @@
           <a:p>
             <a:fld id="{E666506D-5C9B-294C-B2AE-15ACE8B5B9F7}" type="slidenum">
               <a:rPr lang="en-US" smtClean="0"/>
-              <a:t>14</a:t>
+              <a:t>15</a:t>
             </a:fld>
             <a:endParaRPr lang="en-US"/>
           </a:p>
@@ -1033,7 +1035,7 @@
           <a:p>
             <a:fld id="{E666506D-5C9B-294C-B2AE-15ACE8B5B9F7}" type="slidenum">
               <a:rPr lang="en-US" smtClean="0"/>
-              <a:t>15</a:t>
+              <a:t>16</a:t>
             </a:fld>
             <a:endParaRPr lang="en-US"/>
           </a:p>
@@ -1158,7 +1160,7 @@
           <a:p>
             <a:fld id="{E666506D-5C9B-294C-B2AE-15ACE8B5B9F7}" type="slidenum">
               <a:rPr lang="en-US" smtClean="0"/>
-              <a:t>16</a:t>
+              <a:t>17</a:t>
             </a:fld>
             <a:endParaRPr lang="en-US"/>
           </a:p>
@@ -1321,7 +1323,7 @@
           <a:p>
             <a:fld id="{E666506D-5C9B-294C-B2AE-15ACE8B5B9F7}" type="slidenum">
               <a:rPr lang="en-US" smtClean="0"/>
-              <a:t>17</a:t>
+              <a:t>18</a:t>
             </a:fld>
             <a:endParaRPr lang="en-US"/>
           </a:p>
@@ -1512,7 +1514,7 @@
           <a:p>
             <a:fld id="{E666506D-5C9B-294C-B2AE-15ACE8B5B9F7}" type="slidenum">
               <a:rPr lang="en-US" smtClean="0"/>
-              <a:t>18</a:t>
+              <a:t>19</a:t>
             </a:fld>
             <a:endParaRPr lang="en-US"/>
           </a:p>
@@ -1624,7 +1626,7 @@
           <a:p>
             <a:fld id="{E666506D-5C9B-294C-B2AE-15ACE8B5B9F7}" type="slidenum">
               <a:rPr lang="en-US" smtClean="0"/>
-              <a:t>19</a:t>
+              <a:t>20</a:t>
             </a:fld>
             <a:endParaRPr lang="en-US"/>
           </a:p>
@@ -1634,6 +1636,118 @@
     <p:extLst>
       <p:ext uri="{BB962C8B-B14F-4D97-AF65-F5344CB8AC3E}">
         <p14:creationId xmlns:p14="http://schemas.microsoft.com/office/powerpoint/2010/main" val="4274304206"/>
+      </p:ext>
+    </p:extLst>
+  </p:cSld>
+  <p:clrMapOvr>
+    <a:masterClrMapping/>
+  </p:clrMapOvr>
+</p:notes>
+</file>
+
+<file path=ppt/notesSlides/notesSlide18.xml><?xml version="1.0" encoding="utf-8"?>
+<p:notes xmlns:a="http://schemas.openxmlformats.org/drawingml/2006/main" xmlns:r="http://schemas.openxmlformats.org/officeDocument/2006/relationships" xmlns:p="http://schemas.openxmlformats.org/presentationml/2006/main">
+  <p:cSld>
+    <p:spTree>
+      <p:nvGrpSpPr>
+        <p:cNvPr id="1" name="">
+          <a:extLst>
+            <a:ext uri="{FF2B5EF4-FFF2-40B4-BE49-F238E27FC236}">
+              <a16:creationId xmlns:a16="http://schemas.microsoft.com/office/drawing/2014/main" id="{9F07CB9C-C306-9BDE-DAAD-25559C577483}"/>
+            </a:ext>
+          </a:extLst>
+        </p:cNvPr>
+        <p:cNvGrpSpPr/>
+        <p:nvPr/>
+      </p:nvGrpSpPr>
+      <p:grpSpPr>
+        <a:xfrm>
+          <a:off x="0" y="0"/>
+          <a:ext cx="0" cy="0"/>
+          <a:chOff x="0" y="0"/>
+          <a:chExt cx="0" cy="0"/>
+        </a:xfrm>
+      </p:grpSpPr>
+      <p:sp>
+        <p:nvSpPr>
+          <p:cNvPr id="2" name="Slide Image Placeholder 1">
+            <a:extLst>
+              <a:ext uri="{FF2B5EF4-FFF2-40B4-BE49-F238E27FC236}">
+                <a16:creationId xmlns:a16="http://schemas.microsoft.com/office/drawing/2014/main" id="{0FFF9E86-D12D-929A-8B46-B093F8250B3C}"/>
+              </a:ext>
+            </a:extLst>
+          </p:cNvPr>
+          <p:cNvSpPr>
+            <a:spLocks noGrp="1" noRot="1" noChangeAspect="1"/>
+          </p:cNvSpPr>
+          <p:nvPr>
+            <p:ph type="sldImg"/>
+          </p:nvPr>
+        </p:nvSpPr>
+        <p:spPr/>
+      </p:sp>
+      <p:sp>
+        <p:nvSpPr>
+          <p:cNvPr id="3" name="Notes Placeholder 2">
+            <a:extLst>
+              <a:ext uri="{FF2B5EF4-FFF2-40B4-BE49-F238E27FC236}">
+                <a16:creationId xmlns:a16="http://schemas.microsoft.com/office/drawing/2014/main" id="{C1450D9F-9BD6-CC59-6FE7-C9D02B5A9167}"/>
+              </a:ext>
+            </a:extLst>
+          </p:cNvPr>
+          <p:cNvSpPr>
+            <a:spLocks noGrp="1"/>
+          </p:cNvSpPr>
+          <p:nvPr>
+            <p:ph type="body" idx="1"/>
+          </p:nvPr>
+        </p:nvSpPr>
+        <p:spPr/>
+        <p:txBody>
+          <a:bodyPr/>
+          <a:lstStyle/>
+          <a:p>
+            <a:pPr marL="0" indent="0">
+              <a:buNone/>
+              <a:defRPr/>
+            </a:pPr>
+            <a:endParaRPr lang="en-US" dirty="0"/>
+          </a:p>
+        </p:txBody>
+      </p:sp>
+      <p:sp>
+        <p:nvSpPr>
+          <p:cNvPr id="4" name="Slide Number Placeholder 3">
+            <a:extLst>
+              <a:ext uri="{FF2B5EF4-FFF2-40B4-BE49-F238E27FC236}">
+                <a16:creationId xmlns:a16="http://schemas.microsoft.com/office/drawing/2014/main" id="{44984949-7C0A-7769-7798-23EDD41573BE}"/>
+              </a:ext>
+            </a:extLst>
+          </p:cNvPr>
+          <p:cNvSpPr>
+            <a:spLocks noGrp="1"/>
+          </p:cNvSpPr>
+          <p:nvPr>
+            <p:ph type="sldNum" sz="quarter" idx="5"/>
+          </p:nvPr>
+        </p:nvSpPr>
+        <p:spPr/>
+        <p:txBody>
+          <a:bodyPr/>
+          <a:lstStyle/>
+          <a:p>
+            <a:fld id="{E666506D-5C9B-294C-B2AE-15ACE8B5B9F7}" type="slidenum">
+              <a:rPr lang="en-US" smtClean="0"/>
+              <a:t>21</a:t>
+            </a:fld>
+            <a:endParaRPr lang="en-US"/>
+          </a:p>
+        </p:txBody>
+      </p:sp>
+    </p:spTree>
+    <p:extLst>
+      <p:ext uri="{BB962C8B-B14F-4D97-AF65-F5344CB8AC3E}">
+        <p14:creationId xmlns:p14="http://schemas.microsoft.com/office/powerpoint/2010/main" val="3008296509"/>
       </p:ext>
     </p:extLst>
   </p:cSld>
@@ -1744,7 +1858,7 @@
           <a:p>
             <a:fld id="{E666506D-5C9B-294C-B2AE-15ACE8B5B9F7}" type="slidenum">
               <a:rPr lang="en-US" smtClean="0"/>
-              <a:t>4</a:t>
+              <a:t>5</a:t>
             </a:fld>
             <a:endParaRPr lang="en-US"/>
           </a:p>
@@ -1856,7 +1970,7 @@
           <a:p>
             <a:fld id="{E666506D-5C9B-294C-B2AE-15ACE8B5B9F7}" type="slidenum">
               <a:rPr lang="en-US" smtClean="0"/>
-              <a:t>5</a:t>
+              <a:t>6</a:t>
             </a:fld>
             <a:endParaRPr lang="en-US"/>
           </a:p>
@@ -1968,7 +2082,7 @@
           <a:p>
             <a:fld id="{E666506D-5C9B-294C-B2AE-15ACE8B5B9F7}" type="slidenum">
               <a:rPr lang="en-US" smtClean="0"/>
-              <a:t>6</a:t>
+              <a:t>7</a:t>
             </a:fld>
             <a:endParaRPr lang="en-US"/>
           </a:p>
@@ -2083,7 +2197,7 @@
           <a:p>
             <a:fld id="{E666506D-5C9B-294C-B2AE-15ACE8B5B9F7}" type="slidenum">
               <a:rPr lang="en-US" smtClean="0"/>
-              <a:t>7</a:t>
+              <a:t>8</a:t>
             </a:fld>
             <a:endParaRPr lang="en-US"/>
           </a:p>
@@ -2228,7 +2342,7 @@
           <a:p>
             <a:fld id="{E666506D-5C9B-294C-B2AE-15ACE8B5B9F7}" type="slidenum">
               <a:rPr lang="en-US" smtClean="0"/>
-              <a:t>8</a:t>
+              <a:t>9</a:t>
             </a:fld>
             <a:endParaRPr lang="en-US"/>
           </a:p>
@@ -2353,7 +2467,7 @@
           <a:p>
             <a:fld id="{E666506D-5C9B-294C-B2AE-15ACE8B5B9F7}" type="slidenum">
               <a:rPr lang="en-US" smtClean="0"/>
-              <a:t>9</a:t>
+              <a:t>10</a:t>
             </a:fld>
             <a:endParaRPr lang="en-US"/>
           </a:p>
@@ -2534,7 +2648,7 @@
           <a:p>
             <a:fld id="{E666506D-5C9B-294C-B2AE-15ACE8B5B9F7}" type="slidenum">
               <a:rPr lang="en-US" smtClean="0"/>
-              <a:t>10</a:t>
+              <a:t>11</a:t>
             </a:fld>
             <a:endParaRPr lang="en-US"/>
           </a:p>
@@ -2646,7 +2760,7 @@
           <a:p>
             <a:fld id="{E666506D-5C9B-294C-B2AE-15ACE8B5B9F7}" type="slidenum">
               <a:rPr lang="en-US" smtClean="0"/>
-              <a:t>11</a:t>
+              <a:t>12</a:t>
             </a:fld>
             <a:endParaRPr lang="en-US"/>
           </a:p>
@@ -2890,7 +3004,7 @@
             <a:fld id="{5586B75A-687E-405C-8A0B-8D00578BA2C3}" type="datetimeFigureOut">
               <a:rPr lang="en-US" smtClean="0"/>
               <a:pPr/>
-              <a:t>2/28/24</a:t>
+              <a:t>2/29/24</a:t>
             </a:fld>
             <a:endParaRPr lang="en-US" dirty="0"/>
           </a:p>
@@ -3062,7 +3176,7 @@
             <a:fld id="{5586B75A-687E-405C-8A0B-8D00578BA2C3}" type="datetimeFigureOut">
               <a:rPr lang="en-US" smtClean="0"/>
               <a:pPr/>
-              <a:t>2/28/24</a:t>
+              <a:t>2/29/24</a:t>
             </a:fld>
             <a:endParaRPr lang="en-US" dirty="0"/>
           </a:p>
@@ -3244,7 +3358,7 @@
             <a:fld id="{5586B75A-687E-405C-8A0B-8D00578BA2C3}" type="datetimeFigureOut">
               <a:rPr lang="en-US" smtClean="0"/>
               <a:pPr/>
-              <a:t>2/28/24</a:t>
+              <a:t>2/29/24</a:t>
             </a:fld>
             <a:endParaRPr lang="en-US" dirty="0"/>
           </a:p>
@@ -3416,7 +3530,7 @@
             <a:fld id="{5586B75A-687E-405C-8A0B-8D00578BA2C3}" type="datetimeFigureOut">
               <a:rPr lang="en-US" smtClean="0"/>
               <a:pPr/>
-              <a:t>2/28/24</a:t>
+              <a:t>2/29/24</a:t>
             </a:fld>
             <a:endParaRPr lang="en-US" dirty="0"/>
           </a:p>
@@ -3672,7 +3786,7 @@
             <a:fld id="{5586B75A-687E-405C-8A0B-8D00578BA2C3}" type="datetimeFigureOut">
               <a:rPr lang="en-US" smtClean="0"/>
               <a:pPr/>
-              <a:t>2/28/24</a:t>
+              <a:t>2/29/24</a:t>
             </a:fld>
             <a:endParaRPr lang="en-US" dirty="0"/>
           </a:p>
@@ -3962,7 +4076,7 @@
             <a:fld id="{5586B75A-687E-405C-8A0B-8D00578BA2C3}" type="datetimeFigureOut">
               <a:rPr lang="en-US" smtClean="0"/>
               <a:pPr/>
-              <a:t>2/28/24</a:t>
+              <a:t>2/29/24</a:t>
             </a:fld>
             <a:endParaRPr lang="en-US" dirty="0"/>
           </a:p>
@@ -4406,7 +4520,7 @@
             <a:fld id="{5586B75A-687E-405C-8A0B-8D00578BA2C3}" type="datetimeFigureOut">
               <a:rPr lang="en-US" smtClean="0"/>
               <a:pPr/>
-              <a:t>2/28/24</a:t>
+              <a:t>2/29/24</a:t>
             </a:fld>
             <a:endParaRPr lang="en-US" dirty="0"/>
           </a:p>
@@ -4526,7 +4640,7 @@
             <a:fld id="{5586B75A-687E-405C-8A0B-8D00578BA2C3}" type="datetimeFigureOut">
               <a:rPr lang="en-US" smtClean="0"/>
               <a:pPr/>
-              <a:t>2/28/24</a:t>
+              <a:t>2/29/24</a:t>
             </a:fld>
             <a:endParaRPr lang="en-US" dirty="0"/>
           </a:p>
@@ -4623,7 +4737,7 @@
             <a:fld id="{5586B75A-687E-405C-8A0B-8D00578BA2C3}" type="datetimeFigureOut">
               <a:rPr lang="en-US" smtClean="0"/>
               <a:pPr/>
-              <a:t>2/28/24</a:t>
+              <a:t>2/29/24</a:t>
             </a:fld>
             <a:endParaRPr lang="en-US" dirty="0"/>
           </a:p>
@@ -4913,7 +5027,7 @@
             <a:fld id="{5586B75A-687E-405C-8A0B-8D00578BA2C3}" type="datetimeFigureOut">
               <a:rPr lang="en-US" smtClean="0"/>
               <a:pPr/>
-              <a:t>2/28/24</a:t>
+              <a:t>2/29/24</a:t>
             </a:fld>
             <a:endParaRPr lang="en-US" dirty="0"/>
           </a:p>
@@ -5188,7 +5302,7 @@
             <a:fld id="{5586B75A-687E-405C-8A0B-8D00578BA2C3}" type="datetimeFigureOut">
               <a:rPr lang="en-US" smtClean="0"/>
               <a:pPr/>
-              <a:t>2/28/24</a:t>
+              <a:t>2/29/24</a:t>
             </a:fld>
             <a:endParaRPr lang="en-US" dirty="0"/>
           </a:p>
@@ -5487,7 +5601,7 @@
             <a:fld id="{5586B75A-687E-405C-8A0B-8D00578BA2C3}" type="datetimeFigureOut">
               <a:rPr lang="en-US" smtClean="0"/>
               <a:pPr/>
-              <a:t>2/28/24</a:t>
+              <a:t>2/29/24</a:t>
             </a:fld>
             <a:endParaRPr lang="en-US" dirty="0"/>
           </a:p>
@@ -6088,6 +6202,1783 @@
 </file>
 
 <file path=ppt/slides/slide10.xml><?xml version="1.0" encoding="utf-8"?>
+<p:sld xmlns:a="http://schemas.openxmlformats.org/drawingml/2006/main" xmlns:r="http://schemas.openxmlformats.org/officeDocument/2006/relationships" xmlns:p="http://schemas.openxmlformats.org/presentationml/2006/main">
+  <p:cSld>
+    <p:spTree>
+      <p:nvGrpSpPr>
+        <p:cNvPr id="1" name="">
+          <a:extLst>
+            <a:ext uri="{FF2B5EF4-FFF2-40B4-BE49-F238E27FC236}">
+              <a16:creationId xmlns:a16="http://schemas.microsoft.com/office/drawing/2014/main" id="{712AAF67-A345-98DA-69C3-3CA71EDF3495}"/>
+            </a:ext>
+          </a:extLst>
+        </p:cNvPr>
+        <p:cNvGrpSpPr/>
+        <p:nvPr/>
+      </p:nvGrpSpPr>
+      <p:grpSpPr>
+        <a:xfrm>
+          <a:off x="0" y="0"/>
+          <a:ext cx="0" cy="0"/>
+          <a:chOff x="0" y="0"/>
+          <a:chExt cx="0" cy="0"/>
+        </a:xfrm>
+      </p:grpSpPr>
+      <p:sp>
+        <p:nvSpPr>
+          <p:cNvPr id="2" name="Title 1">
+            <a:extLst>
+              <a:ext uri="{FF2B5EF4-FFF2-40B4-BE49-F238E27FC236}">
+                <a16:creationId xmlns:a16="http://schemas.microsoft.com/office/drawing/2014/main" id="{49D68B16-1444-0535-4551-B35753588DA5}"/>
+              </a:ext>
+            </a:extLst>
+          </p:cNvPr>
+          <p:cNvSpPr>
+            <a:spLocks noGrp="1"/>
+          </p:cNvSpPr>
+          <p:nvPr>
+            <p:ph type="title"/>
+          </p:nvPr>
+        </p:nvSpPr>
+        <p:spPr/>
+        <p:txBody>
+          <a:bodyPr/>
+          <a:lstStyle/>
+          <a:p>
+            <a:r>
+              <a:rPr lang="en-US" dirty="0"/>
+              <a:t>Ridge Regression</a:t>
+            </a:r>
+          </a:p>
+        </p:txBody>
+      </p:sp>
+      <p:sp>
+        <p:nvSpPr>
+          <p:cNvPr id="14" name="Content Placeholder 2">
+            <a:extLst>
+              <a:ext uri="{FF2B5EF4-FFF2-40B4-BE49-F238E27FC236}">
+                <a16:creationId xmlns:a16="http://schemas.microsoft.com/office/drawing/2014/main" id="{0D922CBD-9289-F23A-D0BF-C7BFADFFE4A8}"/>
+              </a:ext>
+            </a:extLst>
+          </p:cNvPr>
+          <p:cNvSpPr txBox="1">
+            <a:spLocks/>
+          </p:cNvSpPr>
+          <p:nvPr/>
+        </p:nvSpPr>
+        <p:spPr>
+          <a:xfrm>
+            <a:off x="3557392" y="801666"/>
+            <a:ext cx="7779476" cy="5849653"/>
+          </a:xfrm>
+          <a:prstGeom prst="rect">
+            <a:avLst/>
+          </a:prstGeom>
+        </p:spPr>
+        <p:txBody>
+          <a:bodyPr vert="horz" lIns="91440" tIns="45720" rIns="91440" bIns="45720" rtlCol="0" anchor="t">
+            <a:normAutofit/>
+          </a:bodyPr>
+          <a:lstStyle>
+            <a:lvl1pPr marL="182880" indent="-182880" algn="l" defTabSz="914400" rtl="0" eaLnBrk="1" latinLnBrk="0" hangingPunct="1">
+              <a:lnSpc>
+                <a:spcPct val="90000"/>
+              </a:lnSpc>
+              <a:spcBef>
+                <a:spcPts val="1200"/>
+              </a:spcBef>
+              <a:buClr>
+                <a:schemeClr val="accent1"/>
+              </a:buClr>
+              <a:buFont typeface="Wingdings 2" pitchFamily="18" charset="2"/>
+              <a:buChar char=""/>
+              <a:defRPr sz="2000" kern="1200">
+                <a:solidFill>
+                  <a:schemeClr val="tx1">
+                    <a:lumMod val="75000"/>
+                    <a:lumOff val="25000"/>
+                  </a:schemeClr>
+                </a:solidFill>
+                <a:latin typeface="+mn-lt"/>
+                <a:ea typeface="+mn-ea"/>
+                <a:cs typeface="+mn-cs"/>
+              </a:defRPr>
+            </a:lvl1pPr>
+            <a:lvl2pPr marL="685800" indent="-182880" algn="l" defTabSz="914400" rtl="0" eaLnBrk="1" latinLnBrk="0" hangingPunct="1">
+              <a:lnSpc>
+                <a:spcPct val="90000"/>
+              </a:lnSpc>
+              <a:spcBef>
+                <a:spcPts val="250"/>
+              </a:spcBef>
+              <a:spcAft>
+                <a:spcPts val="250"/>
+              </a:spcAft>
+              <a:buClr>
+                <a:schemeClr val="accent1"/>
+              </a:buClr>
+              <a:buFont typeface="Wingdings 2" pitchFamily="18" charset="2"/>
+              <a:buChar char=""/>
+              <a:defRPr sz="1800" kern="1200">
+                <a:solidFill>
+                  <a:schemeClr val="tx1">
+                    <a:lumMod val="75000"/>
+                    <a:lumOff val="25000"/>
+                  </a:schemeClr>
+                </a:solidFill>
+                <a:latin typeface="+mn-lt"/>
+                <a:ea typeface="+mn-ea"/>
+                <a:cs typeface="+mn-cs"/>
+              </a:defRPr>
+            </a:lvl2pPr>
+            <a:lvl3pPr marL="1143000" indent="-182880" algn="l" defTabSz="914400" rtl="0" eaLnBrk="1" latinLnBrk="0" hangingPunct="1">
+              <a:lnSpc>
+                <a:spcPct val="90000"/>
+              </a:lnSpc>
+              <a:spcBef>
+                <a:spcPts val="250"/>
+              </a:spcBef>
+              <a:spcAft>
+                <a:spcPts val="250"/>
+              </a:spcAft>
+              <a:buClr>
+                <a:schemeClr val="accent1"/>
+              </a:buClr>
+              <a:buFont typeface="Wingdings 2" pitchFamily="18" charset="2"/>
+              <a:buChar char=""/>
+              <a:defRPr sz="1600" kern="1200">
+                <a:solidFill>
+                  <a:schemeClr val="tx1">
+                    <a:lumMod val="75000"/>
+                    <a:lumOff val="25000"/>
+                  </a:schemeClr>
+                </a:solidFill>
+                <a:latin typeface="+mn-lt"/>
+                <a:ea typeface="+mn-ea"/>
+                <a:cs typeface="+mn-cs"/>
+              </a:defRPr>
+            </a:lvl3pPr>
+            <a:lvl4pPr marL="1600200" indent="-182880" algn="l" defTabSz="914400" rtl="0" eaLnBrk="1" latinLnBrk="0" hangingPunct="1">
+              <a:lnSpc>
+                <a:spcPct val="90000"/>
+              </a:lnSpc>
+              <a:spcBef>
+                <a:spcPts val="250"/>
+              </a:spcBef>
+              <a:spcAft>
+                <a:spcPts val="250"/>
+              </a:spcAft>
+              <a:buClr>
+                <a:schemeClr val="accent1"/>
+              </a:buClr>
+              <a:buFont typeface="Wingdings 2" pitchFamily="18" charset="2"/>
+              <a:buChar char=""/>
+              <a:defRPr sz="1400" kern="1200">
+                <a:solidFill>
+                  <a:schemeClr val="tx1">
+                    <a:lumMod val="75000"/>
+                    <a:lumOff val="25000"/>
+                  </a:schemeClr>
+                </a:solidFill>
+                <a:latin typeface="+mn-lt"/>
+                <a:ea typeface="+mn-ea"/>
+                <a:cs typeface="+mn-cs"/>
+              </a:defRPr>
+            </a:lvl4pPr>
+            <a:lvl5pPr marL="2057400" indent="-182880" algn="l" defTabSz="914400" rtl="0" eaLnBrk="1" latinLnBrk="0" hangingPunct="1">
+              <a:lnSpc>
+                <a:spcPct val="90000"/>
+              </a:lnSpc>
+              <a:spcBef>
+                <a:spcPts val="250"/>
+              </a:spcBef>
+              <a:spcAft>
+                <a:spcPts val="250"/>
+              </a:spcAft>
+              <a:buClr>
+                <a:schemeClr val="accent1"/>
+              </a:buClr>
+              <a:buFont typeface="Wingdings 2" pitchFamily="18" charset="2"/>
+              <a:buChar char=""/>
+              <a:defRPr sz="1400" kern="1200">
+                <a:solidFill>
+                  <a:schemeClr val="tx1">
+                    <a:lumMod val="75000"/>
+                    <a:lumOff val="25000"/>
+                  </a:schemeClr>
+                </a:solidFill>
+                <a:latin typeface="+mn-lt"/>
+                <a:ea typeface="+mn-ea"/>
+                <a:cs typeface="+mn-cs"/>
+              </a:defRPr>
+            </a:lvl5pPr>
+            <a:lvl6pPr marL="2514600" indent="-228600" algn="l" defTabSz="914400" rtl="0" eaLnBrk="1" latinLnBrk="0" hangingPunct="1">
+              <a:lnSpc>
+                <a:spcPct val="90000"/>
+              </a:lnSpc>
+              <a:spcBef>
+                <a:spcPts val="250"/>
+              </a:spcBef>
+              <a:spcAft>
+                <a:spcPts val="250"/>
+              </a:spcAft>
+              <a:buClr>
+                <a:schemeClr val="accent1"/>
+              </a:buClr>
+              <a:buFont typeface="Wingdings 2" pitchFamily="18" charset="2"/>
+              <a:buChar char=""/>
+              <a:defRPr sz="1400" kern="1200">
+                <a:solidFill>
+                  <a:schemeClr val="tx1">
+                    <a:lumMod val="75000"/>
+                    <a:lumOff val="25000"/>
+                  </a:schemeClr>
+                </a:solidFill>
+                <a:latin typeface="+mn-lt"/>
+                <a:ea typeface="+mn-ea"/>
+                <a:cs typeface="+mn-cs"/>
+              </a:defRPr>
+            </a:lvl6pPr>
+            <a:lvl7pPr marL="2971800" indent="-228600" algn="l" defTabSz="914400" rtl="0" eaLnBrk="1" latinLnBrk="0" hangingPunct="1">
+              <a:lnSpc>
+                <a:spcPct val="90000"/>
+              </a:lnSpc>
+              <a:spcBef>
+                <a:spcPts val="250"/>
+              </a:spcBef>
+              <a:spcAft>
+                <a:spcPts val="250"/>
+              </a:spcAft>
+              <a:buClr>
+                <a:schemeClr val="accent1"/>
+              </a:buClr>
+              <a:buFont typeface="Wingdings 2" pitchFamily="18" charset="2"/>
+              <a:buChar char=""/>
+              <a:defRPr sz="1400" kern="1200">
+                <a:solidFill>
+                  <a:schemeClr val="tx1">
+                    <a:lumMod val="75000"/>
+                    <a:lumOff val="25000"/>
+                  </a:schemeClr>
+                </a:solidFill>
+                <a:latin typeface="+mn-lt"/>
+                <a:ea typeface="+mn-ea"/>
+                <a:cs typeface="+mn-cs"/>
+              </a:defRPr>
+            </a:lvl7pPr>
+            <a:lvl8pPr marL="3429000" indent="-228600" algn="l" defTabSz="914400" rtl="0" eaLnBrk="1" latinLnBrk="0" hangingPunct="1">
+              <a:lnSpc>
+                <a:spcPct val="90000"/>
+              </a:lnSpc>
+              <a:spcBef>
+                <a:spcPts val="250"/>
+              </a:spcBef>
+              <a:spcAft>
+                <a:spcPts val="250"/>
+              </a:spcAft>
+              <a:buClr>
+                <a:schemeClr val="accent1"/>
+              </a:buClr>
+              <a:buFont typeface="Wingdings 2" pitchFamily="18" charset="2"/>
+              <a:buChar char=""/>
+              <a:defRPr sz="1400" kern="1200">
+                <a:solidFill>
+                  <a:schemeClr val="tx1">
+                    <a:lumMod val="75000"/>
+                    <a:lumOff val="25000"/>
+                  </a:schemeClr>
+                </a:solidFill>
+                <a:latin typeface="+mn-lt"/>
+                <a:ea typeface="+mn-ea"/>
+                <a:cs typeface="+mn-cs"/>
+              </a:defRPr>
+            </a:lvl8pPr>
+            <a:lvl9pPr marL="3886200" indent="-228600" algn="l" defTabSz="914400" rtl="0" eaLnBrk="1" latinLnBrk="0" hangingPunct="1">
+              <a:lnSpc>
+                <a:spcPct val="90000"/>
+              </a:lnSpc>
+              <a:spcBef>
+                <a:spcPts val="250"/>
+              </a:spcBef>
+              <a:spcAft>
+                <a:spcPts val="250"/>
+              </a:spcAft>
+              <a:buClr>
+                <a:schemeClr val="accent1"/>
+              </a:buClr>
+              <a:buFont typeface="Wingdings 2" pitchFamily="18" charset="2"/>
+              <a:buChar char=""/>
+              <a:defRPr sz="1400" kern="1200">
+                <a:solidFill>
+                  <a:schemeClr val="tx1">
+                    <a:lumMod val="75000"/>
+                    <a:lumOff val="25000"/>
+                  </a:schemeClr>
+                </a:solidFill>
+                <a:latin typeface="+mn-lt"/>
+                <a:ea typeface="+mn-ea"/>
+                <a:cs typeface="+mn-cs"/>
+              </a:defRPr>
+            </a:lvl9pPr>
+          </a:lstStyle>
+          <a:p>
+            <a:pPr marL="502920" lvl="1" indent="0">
+              <a:buNone/>
+            </a:pPr>
+            <a:endParaRPr lang="en-US" sz="2200" dirty="0"/>
+          </a:p>
+        </p:txBody>
+      </p:sp>
+      <p:sp>
+        <p:nvSpPr>
+          <p:cNvPr id="12" name="Content Placeholder 2">
+            <a:extLst>
+              <a:ext uri="{FF2B5EF4-FFF2-40B4-BE49-F238E27FC236}">
+                <a16:creationId xmlns:a16="http://schemas.microsoft.com/office/drawing/2014/main" id="{AC3521A5-7227-AA6B-AB4B-63920AA02E24}"/>
+              </a:ext>
+            </a:extLst>
+          </p:cNvPr>
+          <p:cNvSpPr txBox="1">
+            <a:spLocks/>
+          </p:cNvSpPr>
+          <p:nvPr/>
+        </p:nvSpPr>
+        <p:spPr>
+          <a:xfrm>
+            <a:off x="3869268" y="864108"/>
+            <a:ext cx="7467600" cy="5192226"/>
+          </a:xfrm>
+          <a:prstGeom prst="rect">
+            <a:avLst/>
+          </a:prstGeom>
+        </p:spPr>
+        <p:txBody>
+          <a:bodyPr vert="horz" lIns="91440" tIns="45720" rIns="91440" bIns="45720" rtlCol="0" anchor="t">
+            <a:normAutofit/>
+          </a:bodyPr>
+          <a:lstStyle>
+            <a:lvl1pPr marL="182880" indent="-182880" algn="l" defTabSz="914400" rtl="0" eaLnBrk="1" latinLnBrk="0" hangingPunct="1">
+              <a:lnSpc>
+                <a:spcPct val="90000"/>
+              </a:lnSpc>
+              <a:spcBef>
+                <a:spcPts val="1200"/>
+              </a:spcBef>
+              <a:buClr>
+                <a:schemeClr val="accent1"/>
+              </a:buClr>
+              <a:buFont typeface="Wingdings 2" pitchFamily="18" charset="2"/>
+              <a:buChar char=""/>
+              <a:defRPr sz="2000" kern="1200">
+                <a:solidFill>
+                  <a:schemeClr val="tx1">
+                    <a:lumMod val="75000"/>
+                    <a:lumOff val="25000"/>
+                  </a:schemeClr>
+                </a:solidFill>
+                <a:latin typeface="+mn-lt"/>
+                <a:ea typeface="+mn-ea"/>
+                <a:cs typeface="+mn-cs"/>
+              </a:defRPr>
+            </a:lvl1pPr>
+            <a:lvl2pPr marL="685800" indent="-182880" algn="l" defTabSz="914400" rtl="0" eaLnBrk="1" latinLnBrk="0" hangingPunct="1">
+              <a:lnSpc>
+                <a:spcPct val="90000"/>
+              </a:lnSpc>
+              <a:spcBef>
+                <a:spcPts val="250"/>
+              </a:spcBef>
+              <a:spcAft>
+                <a:spcPts val="250"/>
+              </a:spcAft>
+              <a:buClr>
+                <a:schemeClr val="accent1"/>
+              </a:buClr>
+              <a:buFont typeface="Wingdings 2" pitchFamily="18" charset="2"/>
+              <a:buChar char=""/>
+              <a:defRPr sz="1800" kern="1200">
+                <a:solidFill>
+                  <a:schemeClr val="tx1">
+                    <a:lumMod val="75000"/>
+                    <a:lumOff val="25000"/>
+                  </a:schemeClr>
+                </a:solidFill>
+                <a:latin typeface="+mn-lt"/>
+                <a:ea typeface="+mn-ea"/>
+                <a:cs typeface="+mn-cs"/>
+              </a:defRPr>
+            </a:lvl2pPr>
+            <a:lvl3pPr marL="1143000" indent="-182880" algn="l" defTabSz="914400" rtl="0" eaLnBrk="1" latinLnBrk="0" hangingPunct="1">
+              <a:lnSpc>
+                <a:spcPct val="90000"/>
+              </a:lnSpc>
+              <a:spcBef>
+                <a:spcPts val="250"/>
+              </a:spcBef>
+              <a:spcAft>
+                <a:spcPts val="250"/>
+              </a:spcAft>
+              <a:buClr>
+                <a:schemeClr val="accent1"/>
+              </a:buClr>
+              <a:buFont typeface="Wingdings 2" pitchFamily="18" charset="2"/>
+              <a:buChar char=""/>
+              <a:defRPr sz="1600" kern="1200">
+                <a:solidFill>
+                  <a:schemeClr val="tx1">
+                    <a:lumMod val="75000"/>
+                    <a:lumOff val="25000"/>
+                  </a:schemeClr>
+                </a:solidFill>
+                <a:latin typeface="+mn-lt"/>
+                <a:ea typeface="+mn-ea"/>
+                <a:cs typeface="+mn-cs"/>
+              </a:defRPr>
+            </a:lvl3pPr>
+            <a:lvl4pPr marL="1600200" indent="-182880" algn="l" defTabSz="914400" rtl="0" eaLnBrk="1" latinLnBrk="0" hangingPunct="1">
+              <a:lnSpc>
+                <a:spcPct val="90000"/>
+              </a:lnSpc>
+              <a:spcBef>
+                <a:spcPts val="250"/>
+              </a:spcBef>
+              <a:spcAft>
+                <a:spcPts val="250"/>
+              </a:spcAft>
+              <a:buClr>
+                <a:schemeClr val="accent1"/>
+              </a:buClr>
+              <a:buFont typeface="Wingdings 2" pitchFamily="18" charset="2"/>
+              <a:buChar char=""/>
+              <a:defRPr sz="1400" kern="1200">
+                <a:solidFill>
+                  <a:schemeClr val="tx1">
+                    <a:lumMod val="75000"/>
+                    <a:lumOff val="25000"/>
+                  </a:schemeClr>
+                </a:solidFill>
+                <a:latin typeface="+mn-lt"/>
+                <a:ea typeface="+mn-ea"/>
+                <a:cs typeface="+mn-cs"/>
+              </a:defRPr>
+            </a:lvl4pPr>
+            <a:lvl5pPr marL="2057400" indent="-182880" algn="l" defTabSz="914400" rtl="0" eaLnBrk="1" latinLnBrk="0" hangingPunct="1">
+              <a:lnSpc>
+                <a:spcPct val="90000"/>
+              </a:lnSpc>
+              <a:spcBef>
+                <a:spcPts val="250"/>
+              </a:spcBef>
+              <a:spcAft>
+                <a:spcPts val="250"/>
+              </a:spcAft>
+              <a:buClr>
+                <a:schemeClr val="accent1"/>
+              </a:buClr>
+              <a:buFont typeface="Wingdings 2" pitchFamily="18" charset="2"/>
+              <a:buChar char=""/>
+              <a:defRPr sz="1400" kern="1200">
+                <a:solidFill>
+                  <a:schemeClr val="tx1">
+                    <a:lumMod val="75000"/>
+                    <a:lumOff val="25000"/>
+                  </a:schemeClr>
+                </a:solidFill>
+                <a:latin typeface="+mn-lt"/>
+                <a:ea typeface="+mn-ea"/>
+                <a:cs typeface="+mn-cs"/>
+              </a:defRPr>
+            </a:lvl5pPr>
+            <a:lvl6pPr marL="2514600" indent="-228600" algn="l" defTabSz="914400" rtl="0" eaLnBrk="1" latinLnBrk="0" hangingPunct="1">
+              <a:lnSpc>
+                <a:spcPct val="90000"/>
+              </a:lnSpc>
+              <a:spcBef>
+                <a:spcPts val="250"/>
+              </a:spcBef>
+              <a:spcAft>
+                <a:spcPts val="250"/>
+              </a:spcAft>
+              <a:buClr>
+                <a:schemeClr val="accent1"/>
+              </a:buClr>
+              <a:buFont typeface="Wingdings 2" pitchFamily="18" charset="2"/>
+              <a:buChar char=""/>
+              <a:defRPr sz="1400" kern="1200">
+                <a:solidFill>
+                  <a:schemeClr val="tx1">
+                    <a:lumMod val="75000"/>
+                    <a:lumOff val="25000"/>
+                  </a:schemeClr>
+                </a:solidFill>
+                <a:latin typeface="+mn-lt"/>
+                <a:ea typeface="+mn-ea"/>
+                <a:cs typeface="+mn-cs"/>
+              </a:defRPr>
+            </a:lvl6pPr>
+            <a:lvl7pPr marL="2971800" indent="-228600" algn="l" defTabSz="914400" rtl="0" eaLnBrk="1" latinLnBrk="0" hangingPunct="1">
+              <a:lnSpc>
+                <a:spcPct val="90000"/>
+              </a:lnSpc>
+              <a:spcBef>
+                <a:spcPts val="250"/>
+              </a:spcBef>
+              <a:spcAft>
+                <a:spcPts val="250"/>
+              </a:spcAft>
+              <a:buClr>
+                <a:schemeClr val="accent1"/>
+              </a:buClr>
+              <a:buFont typeface="Wingdings 2" pitchFamily="18" charset="2"/>
+              <a:buChar char=""/>
+              <a:defRPr sz="1400" kern="1200">
+                <a:solidFill>
+                  <a:schemeClr val="tx1">
+                    <a:lumMod val="75000"/>
+                    <a:lumOff val="25000"/>
+                  </a:schemeClr>
+                </a:solidFill>
+                <a:latin typeface="+mn-lt"/>
+                <a:ea typeface="+mn-ea"/>
+                <a:cs typeface="+mn-cs"/>
+              </a:defRPr>
+            </a:lvl7pPr>
+            <a:lvl8pPr marL="3429000" indent="-228600" algn="l" defTabSz="914400" rtl="0" eaLnBrk="1" latinLnBrk="0" hangingPunct="1">
+              <a:lnSpc>
+                <a:spcPct val="90000"/>
+              </a:lnSpc>
+              <a:spcBef>
+                <a:spcPts val="250"/>
+              </a:spcBef>
+              <a:spcAft>
+                <a:spcPts val="250"/>
+              </a:spcAft>
+              <a:buClr>
+                <a:schemeClr val="accent1"/>
+              </a:buClr>
+              <a:buFont typeface="Wingdings 2" pitchFamily="18" charset="2"/>
+              <a:buChar char=""/>
+              <a:defRPr sz="1400" kern="1200">
+                <a:solidFill>
+                  <a:schemeClr val="tx1">
+                    <a:lumMod val="75000"/>
+                    <a:lumOff val="25000"/>
+                  </a:schemeClr>
+                </a:solidFill>
+                <a:latin typeface="+mn-lt"/>
+                <a:ea typeface="+mn-ea"/>
+                <a:cs typeface="+mn-cs"/>
+              </a:defRPr>
+            </a:lvl8pPr>
+            <a:lvl9pPr marL="3886200" indent="-228600" algn="l" defTabSz="914400" rtl="0" eaLnBrk="1" latinLnBrk="0" hangingPunct="1">
+              <a:lnSpc>
+                <a:spcPct val="90000"/>
+              </a:lnSpc>
+              <a:spcBef>
+                <a:spcPts val="250"/>
+              </a:spcBef>
+              <a:spcAft>
+                <a:spcPts val="250"/>
+              </a:spcAft>
+              <a:buClr>
+                <a:schemeClr val="accent1"/>
+              </a:buClr>
+              <a:buFont typeface="Wingdings 2" pitchFamily="18" charset="2"/>
+              <a:buChar char=""/>
+              <a:defRPr sz="1400" kern="1200">
+                <a:solidFill>
+                  <a:schemeClr val="tx1">
+                    <a:lumMod val="75000"/>
+                    <a:lumOff val="25000"/>
+                  </a:schemeClr>
+                </a:solidFill>
+                <a:latin typeface="+mn-lt"/>
+                <a:ea typeface="+mn-ea"/>
+                <a:cs typeface="+mn-cs"/>
+              </a:defRPr>
+            </a:lvl9pPr>
+          </a:lstStyle>
+          <a:p>
+            <a:pPr marL="0" indent="0">
+              <a:buNone/>
+              <a:defRPr/>
+            </a:pPr>
+            <a:endParaRPr lang="en-US" dirty="0">
+              <a:solidFill>
+                <a:schemeClr val="tx1">
+                  <a:lumMod val="90000"/>
+                  <a:lumOff val="10000"/>
+                </a:schemeClr>
+              </a:solidFill>
+            </a:endParaRPr>
+          </a:p>
+        </p:txBody>
+      </p:sp>
+      <mc:AlternateContent xmlns:mc="http://schemas.openxmlformats.org/markup-compatibility/2006" xmlns:a14="http://schemas.microsoft.com/office/drawing/2010/main">
+        <mc:Choice Requires="a14">
+          <p:sp>
+            <p:nvSpPr>
+              <p:cNvPr id="8" name="Content Placeholder 2">
+                <a:extLst>
+                  <a:ext uri="{FF2B5EF4-FFF2-40B4-BE49-F238E27FC236}">
+                    <a16:creationId xmlns:a16="http://schemas.microsoft.com/office/drawing/2014/main" id="{240DBC71-789D-5E2F-2986-984B3D17DF5C}"/>
+                  </a:ext>
+                </a:extLst>
+              </p:cNvPr>
+              <p:cNvSpPr txBox="1">
+                <a:spLocks/>
+              </p:cNvSpPr>
+              <p:nvPr/>
+            </p:nvSpPr>
+            <p:spPr>
+              <a:xfrm>
+                <a:off x="4021668" y="801666"/>
+                <a:ext cx="7467600" cy="5407068"/>
+              </a:xfrm>
+              <a:prstGeom prst="rect">
+                <a:avLst/>
+              </a:prstGeom>
+            </p:spPr>
+            <p:txBody>
+              <a:bodyPr vert="horz" lIns="91440" tIns="45720" rIns="91440" bIns="45720" rtlCol="0" anchor="t">
+                <a:normAutofit/>
+              </a:bodyPr>
+              <a:lstStyle>
+                <a:lvl1pPr marL="182880" indent="-182880" algn="l" defTabSz="914400" rtl="0" eaLnBrk="1" latinLnBrk="0" hangingPunct="1">
+                  <a:lnSpc>
+                    <a:spcPct val="90000"/>
+                  </a:lnSpc>
+                  <a:spcBef>
+                    <a:spcPts val="1200"/>
+                  </a:spcBef>
+                  <a:buClr>
+                    <a:schemeClr val="accent1"/>
+                  </a:buClr>
+                  <a:buFont typeface="Wingdings 2" pitchFamily="18" charset="2"/>
+                  <a:buChar char=""/>
+                  <a:defRPr sz="2000" kern="1200">
+                    <a:solidFill>
+                      <a:schemeClr val="tx1">
+                        <a:lumMod val="75000"/>
+                        <a:lumOff val="25000"/>
+                      </a:schemeClr>
+                    </a:solidFill>
+                    <a:latin typeface="+mn-lt"/>
+                    <a:ea typeface="+mn-ea"/>
+                    <a:cs typeface="+mn-cs"/>
+                  </a:defRPr>
+                </a:lvl1pPr>
+                <a:lvl2pPr marL="685800" indent="-182880" algn="l" defTabSz="914400" rtl="0" eaLnBrk="1" latinLnBrk="0" hangingPunct="1">
+                  <a:lnSpc>
+                    <a:spcPct val="90000"/>
+                  </a:lnSpc>
+                  <a:spcBef>
+                    <a:spcPts val="250"/>
+                  </a:spcBef>
+                  <a:spcAft>
+                    <a:spcPts val="250"/>
+                  </a:spcAft>
+                  <a:buClr>
+                    <a:schemeClr val="accent1"/>
+                  </a:buClr>
+                  <a:buFont typeface="Wingdings 2" pitchFamily="18" charset="2"/>
+                  <a:buChar char=""/>
+                  <a:defRPr sz="1800" kern="1200">
+                    <a:solidFill>
+                      <a:schemeClr val="tx1">
+                        <a:lumMod val="75000"/>
+                        <a:lumOff val="25000"/>
+                      </a:schemeClr>
+                    </a:solidFill>
+                    <a:latin typeface="+mn-lt"/>
+                    <a:ea typeface="+mn-ea"/>
+                    <a:cs typeface="+mn-cs"/>
+                  </a:defRPr>
+                </a:lvl2pPr>
+                <a:lvl3pPr marL="1143000" indent="-182880" algn="l" defTabSz="914400" rtl="0" eaLnBrk="1" latinLnBrk="0" hangingPunct="1">
+                  <a:lnSpc>
+                    <a:spcPct val="90000"/>
+                  </a:lnSpc>
+                  <a:spcBef>
+                    <a:spcPts val="250"/>
+                  </a:spcBef>
+                  <a:spcAft>
+                    <a:spcPts val="250"/>
+                  </a:spcAft>
+                  <a:buClr>
+                    <a:schemeClr val="accent1"/>
+                  </a:buClr>
+                  <a:buFont typeface="Wingdings 2" pitchFamily="18" charset="2"/>
+                  <a:buChar char=""/>
+                  <a:defRPr sz="1600" kern="1200">
+                    <a:solidFill>
+                      <a:schemeClr val="tx1">
+                        <a:lumMod val="75000"/>
+                        <a:lumOff val="25000"/>
+                      </a:schemeClr>
+                    </a:solidFill>
+                    <a:latin typeface="+mn-lt"/>
+                    <a:ea typeface="+mn-ea"/>
+                    <a:cs typeface="+mn-cs"/>
+                  </a:defRPr>
+                </a:lvl3pPr>
+                <a:lvl4pPr marL="1600200" indent="-182880" algn="l" defTabSz="914400" rtl="0" eaLnBrk="1" latinLnBrk="0" hangingPunct="1">
+                  <a:lnSpc>
+                    <a:spcPct val="90000"/>
+                  </a:lnSpc>
+                  <a:spcBef>
+                    <a:spcPts val="250"/>
+                  </a:spcBef>
+                  <a:spcAft>
+                    <a:spcPts val="250"/>
+                  </a:spcAft>
+                  <a:buClr>
+                    <a:schemeClr val="accent1"/>
+                  </a:buClr>
+                  <a:buFont typeface="Wingdings 2" pitchFamily="18" charset="2"/>
+                  <a:buChar char=""/>
+                  <a:defRPr sz="1400" kern="1200">
+                    <a:solidFill>
+                      <a:schemeClr val="tx1">
+                        <a:lumMod val="75000"/>
+                        <a:lumOff val="25000"/>
+                      </a:schemeClr>
+                    </a:solidFill>
+                    <a:latin typeface="+mn-lt"/>
+                    <a:ea typeface="+mn-ea"/>
+                    <a:cs typeface="+mn-cs"/>
+                  </a:defRPr>
+                </a:lvl4pPr>
+                <a:lvl5pPr marL="2057400" indent="-182880" algn="l" defTabSz="914400" rtl="0" eaLnBrk="1" latinLnBrk="0" hangingPunct="1">
+                  <a:lnSpc>
+                    <a:spcPct val="90000"/>
+                  </a:lnSpc>
+                  <a:spcBef>
+                    <a:spcPts val="250"/>
+                  </a:spcBef>
+                  <a:spcAft>
+                    <a:spcPts val="250"/>
+                  </a:spcAft>
+                  <a:buClr>
+                    <a:schemeClr val="accent1"/>
+                  </a:buClr>
+                  <a:buFont typeface="Wingdings 2" pitchFamily="18" charset="2"/>
+                  <a:buChar char=""/>
+                  <a:defRPr sz="1400" kern="1200">
+                    <a:solidFill>
+                      <a:schemeClr val="tx1">
+                        <a:lumMod val="75000"/>
+                        <a:lumOff val="25000"/>
+                      </a:schemeClr>
+                    </a:solidFill>
+                    <a:latin typeface="+mn-lt"/>
+                    <a:ea typeface="+mn-ea"/>
+                    <a:cs typeface="+mn-cs"/>
+                  </a:defRPr>
+                </a:lvl5pPr>
+                <a:lvl6pPr marL="2514600" indent="-228600" algn="l" defTabSz="914400" rtl="0" eaLnBrk="1" latinLnBrk="0" hangingPunct="1">
+                  <a:lnSpc>
+                    <a:spcPct val="90000"/>
+                  </a:lnSpc>
+                  <a:spcBef>
+                    <a:spcPts val="250"/>
+                  </a:spcBef>
+                  <a:spcAft>
+                    <a:spcPts val="250"/>
+                  </a:spcAft>
+                  <a:buClr>
+                    <a:schemeClr val="accent1"/>
+                  </a:buClr>
+                  <a:buFont typeface="Wingdings 2" pitchFamily="18" charset="2"/>
+                  <a:buChar char=""/>
+                  <a:defRPr sz="1400" kern="1200">
+                    <a:solidFill>
+                      <a:schemeClr val="tx1">
+                        <a:lumMod val="75000"/>
+                        <a:lumOff val="25000"/>
+                      </a:schemeClr>
+                    </a:solidFill>
+                    <a:latin typeface="+mn-lt"/>
+                    <a:ea typeface="+mn-ea"/>
+                    <a:cs typeface="+mn-cs"/>
+                  </a:defRPr>
+                </a:lvl6pPr>
+                <a:lvl7pPr marL="2971800" indent="-228600" algn="l" defTabSz="914400" rtl="0" eaLnBrk="1" latinLnBrk="0" hangingPunct="1">
+                  <a:lnSpc>
+                    <a:spcPct val="90000"/>
+                  </a:lnSpc>
+                  <a:spcBef>
+                    <a:spcPts val="250"/>
+                  </a:spcBef>
+                  <a:spcAft>
+                    <a:spcPts val="250"/>
+                  </a:spcAft>
+                  <a:buClr>
+                    <a:schemeClr val="accent1"/>
+                  </a:buClr>
+                  <a:buFont typeface="Wingdings 2" pitchFamily="18" charset="2"/>
+                  <a:buChar char=""/>
+                  <a:defRPr sz="1400" kern="1200">
+                    <a:solidFill>
+                      <a:schemeClr val="tx1">
+                        <a:lumMod val="75000"/>
+                        <a:lumOff val="25000"/>
+                      </a:schemeClr>
+                    </a:solidFill>
+                    <a:latin typeface="+mn-lt"/>
+                    <a:ea typeface="+mn-ea"/>
+                    <a:cs typeface="+mn-cs"/>
+                  </a:defRPr>
+                </a:lvl7pPr>
+                <a:lvl8pPr marL="3429000" indent="-228600" algn="l" defTabSz="914400" rtl="0" eaLnBrk="1" latinLnBrk="0" hangingPunct="1">
+                  <a:lnSpc>
+                    <a:spcPct val="90000"/>
+                  </a:lnSpc>
+                  <a:spcBef>
+                    <a:spcPts val="250"/>
+                  </a:spcBef>
+                  <a:spcAft>
+                    <a:spcPts val="250"/>
+                  </a:spcAft>
+                  <a:buClr>
+                    <a:schemeClr val="accent1"/>
+                  </a:buClr>
+                  <a:buFont typeface="Wingdings 2" pitchFamily="18" charset="2"/>
+                  <a:buChar char=""/>
+                  <a:defRPr sz="1400" kern="1200">
+                    <a:solidFill>
+                      <a:schemeClr val="tx1">
+                        <a:lumMod val="75000"/>
+                        <a:lumOff val="25000"/>
+                      </a:schemeClr>
+                    </a:solidFill>
+                    <a:latin typeface="+mn-lt"/>
+                    <a:ea typeface="+mn-ea"/>
+                    <a:cs typeface="+mn-cs"/>
+                  </a:defRPr>
+                </a:lvl8pPr>
+                <a:lvl9pPr marL="3886200" indent="-228600" algn="l" defTabSz="914400" rtl="0" eaLnBrk="1" latinLnBrk="0" hangingPunct="1">
+                  <a:lnSpc>
+                    <a:spcPct val="90000"/>
+                  </a:lnSpc>
+                  <a:spcBef>
+                    <a:spcPts val="250"/>
+                  </a:spcBef>
+                  <a:spcAft>
+                    <a:spcPts val="250"/>
+                  </a:spcAft>
+                  <a:buClr>
+                    <a:schemeClr val="accent1"/>
+                  </a:buClr>
+                  <a:buFont typeface="Wingdings 2" pitchFamily="18" charset="2"/>
+                  <a:buChar char=""/>
+                  <a:defRPr sz="1400" kern="1200">
+                    <a:solidFill>
+                      <a:schemeClr val="tx1">
+                        <a:lumMod val="75000"/>
+                        <a:lumOff val="25000"/>
+                      </a:schemeClr>
+                    </a:solidFill>
+                    <a:latin typeface="+mn-lt"/>
+                    <a:ea typeface="+mn-ea"/>
+                    <a:cs typeface="+mn-cs"/>
+                  </a:defRPr>
+                </a:lvl9pPr>
+              </a:lstStyle>
+              <a:p>
+                <a:pPr marL="0" indent="0">
+                  <a:buNone/>
+                  <a:defRPr/>
+                </a:pPr>
+                <a:r>
+                  <a:rPr lang="en-US" sz="2400" b="1" dirty="0">
+                    <a:solidFill>
+                      <a:schemeClr val="tx1">
+                        <a:lumMod val="90000"/>
+                        <a:lumOff val="10000"/>
+                      </a:schemeClr>
+                    </a:solidFill>
+                  </a:rPr>
+                  <a:t>Big idea</a:t>
+                </a:r>
+                <a:r>
+                  <a:rPr lang="en-US" sz="2400" dirty="0">
+                    <a:solidFill>
+                      <a:schemeClr val="tx1">
+                        <a:lumMod val="90000"/>
+                        <a:lumOff val="10000"/>
+                      </a:schemeClr>
+                    </a:solidFill>
+                  </a:rPr>
+                  <a:t>: minimize RSS plus an additional penalty that rewards small (sum of) coefficient values.</a:t>
+                </a:r>
+              </a:p>
+              <a:p>
+                <a:pPr marL="0" indent="0">
+                  <a:buNone/>
+                  <a:defRPr/>
+                </a:pPr>
+                <a:endParaRPr lang="en-US" sz="2400" dirty="0">
+                  <a:solidFill>
+                    <a:schemeClr val="tx1">
+                      <a:lumMod val="90000"/>
+                      <a:lumOff val="10000"/>
+                    </a:schemeClr>
+                  </a:solidFill>
+                </a:endParaRPr>
+              </a:p>
+              <a:p>
+                <a:pPr marL="0" indent="0">
+                  <a:buNone/>
+                  <a:defRPr/>
+                </a:pPr>
+                <a:r>
+                  <a:rPr lang="en-US" sz="2400" dirty="0">
+                    <a:solidFill>
+                      <a:schemeClr val="tx1">
+                        <a:lumMod val="90000"/>
+                        <a:lumOff val="10000"/>
+                      </a:schemeClr>
+                    </a:solidFill>
+                  </a:rPr>
+                  <a:t>Least squares fits by finding coefficients that minimize</a:t>
+                </a:r>
+              </a:p>
+              <a:p>
+                <a:pPr marL="0" indent="0">
+                  <a:buNone/>
+                  <a:defRPr/>
+                </a:pPr>
+                <a14:m>
+                  <m:oMathPara xmlns:m="http://schemas.openxmlformats.org/officeDocument/2006/math">
+                    <m:oMathParaPr>
+                      <m:jc m:val="centerGroup"/>
+                    </m:oMathParaPr>
+                    <m:oMath xmlns:m="http://schemas.openxmlformats.org/officeDocument/2006/math">
+                      <m:r>
+                        <a:rPr lang="en-US" sz="2400" b="0" i="1" smtClean="0">
+                          <a:solidFill>
+                            <a:schemeClr val="tx1">
+                              <a:lumMod val="90000"/>
+                              <a:lumOff val="10000"/>
+                            </a:schemeClr>
+                          </a:solidFill>
+                          <a:latin typeface="Cambria Math" panose="02040503050406030204" pitchFamily="18" charset="0"/>
+                        </a:rPr>
+                        <m:t>𝑅𝑆𝑆</m:t>
+                      </m:r>
+                      <m:r>
+                        <a:rPr lang="en-US" sz="2400" b="0" i="1" smtClean="0">
+                          <a:solidFill>
+                            <a:schemeClr val="tx1">
+                              <a:lumMod val="90000"/>
+                              <a:lumOff val="10000"/>
+                            </a:schemeClr>
+                          </a:solidFill>
+                          <a:latin typeface="Cambria Math" panose="02040503050406030204" pitchFamily="18" charset="0"/>
+                        </a:rPr>
+                        <m:t>=</m:t>
+                      </m:r>
+                      <m:nary>
+                        <m:naryPr>
+                          <m:chr m:val="∑"/>
+                          <m:ctrlPr>
+                            <a:rPr lang="en-US" sz="2400" b="0" i="1" smtClean="0">
+                              <a:solidFill>
+                                <a:schemeClr val="tx1">
+                                  <a:lumMod val="90000"/>
+                                  <a:lumOff val="10000"/>
+                                </a:schemeClr>
+                              </a:solidFill>
+                              <a:latin typeface="Cambria Math" panose="02040503050406030204" pitchFamily="18" charset="0"/>
+                            </a:rPr>
+                          </m:ctrlPr>
+                        </m:naryPr>
+                        <m:sub>
+                          <m:r>
+                            <m:rPr>
+                              <m:brk m:alnAt="23"/>
+                            </m:rPr>
+                            <a:rPr lang="en-US" sz="2400" b="0" i="1" smtClean="0">
+                              <a:solidFill>
+                                <a:schemeClr val="tx1">
+                                  <a:lumMod val="90000"/>
+                                  <a:lumOff val="10000"/>
+                                </a:schemeClr>
+                              </a:solidFill>
+                              <a:latin typeface="Cambria Math" panose="02040503050406030204" pitchFamily="18" charset="0"/>
+                            </a:rPr>
+                            <m:t>𝑖</m:t>
+                          </m:r>
+                          <m:r>
+                            <a:rPr lang="en-US" sz="2400" b="0" i="1" smtClean="0">
+                              <a:solidFill>
+                                <a:schemeClr val="tx1">
+                                  <a:lumMod val="90000"/>
+                                  <a:lumOff val="10000"/>
+                                </a:schemeClr>
+                              </a:solidFill>
+                              <a:latin typeface="Cambria Math" panose="02040503050406030204" pitchFamily="18" charset="0"/>
+                            </a:rPr>
+                            <m:t>=1</m:t>
+                          </m:r>
+                        </m:sub>
+                        <m:sup>
+                          <m:r>
+                            <a:rPr lang="en-US" sz="2400" b="0" i="1" smtClean="0">
+                              <a:solidFill>
+                                <a:schemeClr val="tx1">
+                                  <a:lumMod val="90000"/>
+                                  <a:lumOff val="10000"/>
+                                </a:schemeClr>
+                              </a:solidFill>
+                              <a:latin typeface="Cambria Math" panose="02040503050406030204" pitchFamily="18" charset="0"/>
+                            </a:rPr>
+                            <m:t>𝑛</m:t>
+                          </m:r>
+                        </m:sup>
+                        <m:e>
+                          <m:sSup>
+                            <m:sSupPr>
+                              <m:ctrlPr>
+                                <a:rPr lang="en-US" sz="2400" b="0" i="1" smtClean="0">
+                                  <a:solidFill>
+                                    <a:schemeClr val="tx1">
+                                      <a:lumMod val="90000"/>
+                                      <a:lumOff val="10000"/>
+                                    </a:schemeClr>
+                                  </a:solidFill>
+                                  <a:latin typeface="Cambria Math" panose="02040503050406030204" pitchFamily="18" charset="0"/>
+                                </a:rPr>
+                              </m:ctrlPr>
+                            </m:sSupPr>
+                            <m:e>
+                              <m:d>
+                                <m:dPr>
+                                  <m:ctrlPr>
+                                    <a:rPr lang="en-US" sz="2400" b="0" i="1" smtClean="0">
+                                      <a:solidFill>
+                                        <a:schemeClr val="tx1">
+                                          <a:lumMod val="90000"/>
+                                          <a:lumOff val="10000"/>
+                                        </a:schemeClr>
+                                      </a:solidFill>
+                                      <a:latin typeface="Cambria Math" panose="02040503050406030204" pitchFamily="18" charset="0"/>
+                                    </a:rPr>
+                                  </m:ctrlPr>
+                                </m:dPr>
+                                <m:e>
+                                  <m:sSub>
+                                    <m:sSubPr>
+                                      <m:ctrlPr>
+                                        <a:rPr lang="en-US" sz="2400" b="0" i="1" smtClean="0">
+                                          <a:solidFill>
+                                            <a:schemeClr val="tx1">
+                                              <a:lumMod val="90000"/>
+                                              <a:lumOff val="10000"/>
+                                            </a:schemeClr>
+                                          </a:solidFill>
+                                          <a:latin typeface="Cambria Math" panose="02040503050406030204" pitchFamily="18" charset="0"/>
+                                        </a:rPr>
+                                      </m:ctrlPr>
+                                    </m:sSubPr>
+                                    <m:e>
+                                      <m:r>
+                                        <a:rPr lang="en-US" sz="2400" b="0" i="1" smtClean="0">
+                                          <a:solidFill>
+                                            <a:schemeClr val="tx1">
+                                              <a:lumMod val="90000"/>
+                                              <a:lumOff val="10000"/>
+                                            </a:schemeClr>
+                                          </a:solidFill>
+                                          <a:latin typeface="Cambria Math" panose="02040503050406030204" pitchFamily="18" charset="0"/>
+                                        </a:rPr>
+                                        <m:t>𝑦</m:t>
+                                      </m:r>
+                                    </m:e>
+                                    <m:sub>
+                                      <m:r>
+                                        <a:rPr lang="en-US" sz="2400" b="0" i="1" smtClean="0">
+                                          <a:solidFill>
+                                            <a:schemeClr val="tx1">
+                                              <a:lumMod val="90000"/>
+                                              <a:lumOff val="10000"/>
+                                            </a:schemeClr>
+                                          </a:solidFill>
+                                          <a:latin typeface="Cambria Math" panose="02040503050406030204" pitchFamily="18" charset="0"/>
+                                        </a:rPr>
+                                        <m:t>𝑖</m:t>
+                                      </m:r>
+                                    </m:sub>
+                                  </m:sSub>
+                                  <m:r>
+                                    <a:rPr lang="en-US" sz="2400" b="0" i="1" smtClean="0">
+                                      <a:solidFill>
+                                        <a:schemeClr val="tx1">
+                                          <a:lumMod val="90000"/>
+                                          <a:lumOff val="10000"/>
+                                        </a:schemeClr>
+                                      </a:solidFill>
+                                      <a:latin typeface="Cambria Math" panose="02040503050406030204" pitchFamily="18" charset="0"/>
+                                    </a:rPr>
+                                    <m:t>−</m:t>
+                                  </m:r>
+                                  <m:sSub>
+                                    <m:sSubPr>
+                                      <m:ctrlPr>
+                                        <a:rPr lang="en-US" sz="2400" b="0" i="1" smtClean="0">
+                                          <a:solidFill>
+                                            <a:schemeClr val="tx1">
+                                              <a:lumMod val="90000"/>
+                                              <a:lumOff val="10000"/>
+                                            </a:schemeClr>
+                                          </a:solidFill>
+                                          <a:latin typeface="Cambria Math" panose="02040503050406030204" pitchFamily="18" charset="0"/>
+                                        </a:rPr>
+                                      </m:ctrlPr>
+                                    </m:sSubPr>
+                                    <m:e>
+                                      <m:r>
+                                        <a:rPr lang="en-US" sz="2400" b="0" i="1" smtClean="0">
+                                          <a:solidFill>
+                                            <a:schemeClr val="tx1">
+                                              <a:lumMod val="90000"/>
+                                              <a:lumOff val="10000"/>
+                                            </a:schemeClr>
+                                          </a:solidFill>
+                                          <a:latin typeface="Cambria Math" panose="02040503050406030204" pitchFamily="18" charset="0"/>
+                                        </a:rPr>
+                                        <m:t>𝛽</m:t>
+                                      </m:r>
+                                    </m:e>
+                                    <m:sub>
+                                      <m:r>
+                                        <a:rPr lang="en-US" sz="2400" b="0" i="1" smtClean="0">
+                                          <a:solidFill>
+                                            <a:schemeClr val="tx1">
+                                              <a:lumMod val="90000"/>
+                                              <a:lumOff val="10000"/>
+                                            </a:schemeClr>
+                                          </a:solidFill>
+                                          <a:latin typeface="Cambria Math" panose="02040503050406030204" pitchFamily="18" charset="0"/>
+                                        </a:rPr>
+                                        <m:t>0</m:t>
+                                      </m:r>
+                                    </m:sub>
+                                  </m:sSub>
+                                  <m:r>
+                                    <a:rPr lang="en-US" sz="2400" b="0" i="1" smtClean="0">
+                                      <a:solidFill>
+                                        <a:schemeClr val="tx1">
+                                          <a:lumMod val="90000"/>
+                                          <a:lumOff val="10000"/>
+                                        </a:schemeClr>
+                                      </a:solidFill>
+                                      <a:latin typeface="Cambria Math" panose="02040503050406030204" pitchFamily="18" charset="0"/>
+                                    </a:rPr>
+                                    <m:t>−</m:t>
+                                  </m:r>
+                                  <m:nary>
+                                    <m:naryPr>
+                                      <m:chr m:val="∑"/>
+                                      <m:ctrlPr>
+                                        <a:rPr lang="en-US" sz="2400" b="0" i="1" smtClean="0">
+                                          <a:solidFill>
+                                            <a:schemeClr val="tx1">
+                                              <a:lumMod val="90000"/>
+                                              <a:lumOff val="10000"/>
+                                            </a:schemeClr>
+                                          </a:solidFill>
+                                          <a:latin typeface="Cambria Math" panose="02040503050406030204" pitchFamily="18" charset="0"/>
+                                        </a:rPr>
+                                      </m:ctrlPr>
+                                    </m:naryPr>
+                                    <m:sub>
+                                      <m:r>
+                                        <m:rPr>
+                                          <m:brk m:alnAt="23"/>
+                                        </m:rPr>
+                                        <a:rPr lang="en-US" sz="2400" b="0" i="1" smtClean="0">
+                                          <a:solidFill>
+                                            <a:schemeClr val="tx1">
+                                              <a:lumMod val="90000"/>
+                                              <a:lumOff val="10000"/>
+                                            </a:schemeClr>
+                                          </a:solidFill>
+                                          <a:latin typeface="Cambria Math" panose="02040503050406030204" pitchFamily="18" charset="0"/>
+                                        </a:rPr>
+                                        <m:t>𝑗</m:t>
+                                      </m:r>
+                                      <m:r>
+                                        <a:rPr lang="en-US" sz="2400" b="0" i="1" smtClean="0">
+                                          <a:solidFill>
+                                            <a:schemeClr val="tx1">
+                                              <a:lumMod val="90000"/>
+                                              <a:lumOff val="10000"/>
+                                            </a:schemeClr>
+                                          </a:solidFill>
+                                          <a:latin typeface="Cambria Math" panose="02040503050406030204" pitchFamily="18" charset="0"/>
+                                        </a:rPr>
+                                        <m:t>=1</m:t>
+                                      </m:r>
+                                    </m:sub>
+                                    <m:sup>
+                                      <m:r>
+                                        <a:rPr lang="en-US" sz="2400" b="0" i="1" smtClean="0">
+                                          <a:solidFill>
+                                            <a:schemeClr val="tx1">
+                                              <a:lumMod val="90000"/>
+                                              <a:lumOff val="10000"/>
+                                            </a:schemeClr>
+                                          </a:solidFill>
+                                          <a:latin typeface="Cambria Math" panose="02040503050406030204" pitchFamily="18" charset="0"/>
+                                        </a:rPr>
+                                        <m:t>𝑝</m:t>
+                                      </m:r>
+                                    </m:sup>
+                                    <m:e>
+                                      <m:sSub>
+                                        <m:sSubPr>
+                                          <m:ctrlPr>
+                                            <a:rPr lang="en-US" sz="2400" b="0" i="1" smtClean="0">
+                                              <a:solidFill>
+                                                <a:schemeClr val="tx1">
+                                                  <a:lumMod val="90000"/>
+                                                  <a:lumOff val="10000"/>
+                                                </a:schemeClr>
+                                              </a:solidFill>
+                                              <a:latin typeface="Cambria Math" panose="02040503050406030204" pitchFamily="18" charset="0"/>
+                                            </a:rPr>
+                                          </m:ctrlPr>
+                                        </m:sSubPr>
+                                        <m:e>
+                                          <m:r>
+                                            <a:rPr lang="en-US" sz="2400" b="0" i="1" smtClean="0">
+                                              <a:solidFill>
+                                                <a:schemeClr val="tx1">
+                                                  <a:lumMod val="90000"/>
+                                                  <a:lumOff val="10000"/>
+                                                </a:schemeClr>
+                                              </a:solidFill>
+                                              <a:latin typeface="Cambria Math" panose="02040503050406030204" pitchFamily="18" charset="0"/>
+                                            </a:rPr>
+                                            <m:t>𝛽</m:t>
+                                          </m:r>
+                                        </m:e>
+                                        <m:sub>
+                                          <m:r>
+                                            <a:rPr lang="en-US" sz="2400" b="0" i="1" smtClean="0">
+                                              <a:solidFill>
+                                                <a:schemeClr val="tx1">
+                                                  <a:lumMod val="90000"/>
+                                                  <a:lumOff val="10000"/>
+                                                </a:schemeClr>
+                                              </a:solidFill>
+                                              <a:latin typeface="Cambria Math" panose="02040503050406030204" pitchFamily="18" charset="0"/>
+                                            </a:rPr>
+                                            <m:t>𝑗</m:t>
+                                          </m:r>
+                                        </m:sub>
+                                      </m:sSub>
+                                      <m:sSub>
+                                        <m:sSubPr>
+                                          <m:ctrlPr>
+                                            <a:rPr lang="en-US" sz="2400" b="0" i="1" smtClean="0">
+                                              <a:solidFill>
+                                                <a:schemeClr val="tx1">
+                                                  <a:lumMod val="90000"/>
+                                                  <a:lumOff val="10000"/>
+                                                </a:schemeClr>
+                                              </a:solidFill>
+                                              <a:latin typeface="Cambria Math" panose="02040503050406030204" pitchFamily="18" charset="0"/>
+                                            </a:rPr>
+                                          </m:ctrlPr>
+                                        </m:sSubPr>
+                                        <m:e>
+                                          <m:r>
+                                            <a:rPr lang="en-US" sz="2400" b="0" i="1" smtClean="0">
+                                              <a:solidFill>
+                                                <a:schemeClr val="tx1">
+                                                  <a:lumMod val="90000"/>
+                                                  <a:lumOff val="10000"/>
+                                                </a:schemeClr>
+                                              </a:solidFill>
+                                              <a:latin typeface="Cambria Math" panose="02040503050406030204" pitchFamily="18" charset="0"/>
+                                            </a:rPr>
+                                            <m:t>𝑥</m:t>
+                                          </m:r>
+                                        </m:e>
+                                        <m:sub>
+                                          <m:r>
+                                            <a:rPr lang="en-US" sz="2400" b="0" i="1" smtClean="0">
+                                              <a:solidFill>
+                                                <a:schemeClr val="tx1">
+                                                  <a:lumMod val="90000"/>
+                                                  <a:lumOff val="10000"/>
+                                                </a:schemeClr>
+                                              </a:solidFill>
+                                              <a:latin typeface="Cambria Math" panose="02040503050406030204" pitchFamily="18" charset="0"/>
+                                            </a:rPr>
+                                            <m:t>𝑖𝑗</m:t>
+                                          </m:r>
+                                        </m:sub>
+                                      </m:sSub>
+                                    </m:e>
+                                  </m:nary>
+                                </m:e>
+                              </m:d>
+                            </m:e>
+                            <m:sup>
+                              <m:r>
+                                <a:rPr lang="en-US" sz="2400" b="0" i="1" smtClean="0">
+                                  <a:solidFill>
+                                    <a:schemeClr val="tx1">
+                                      <a:lumMod val="90000"/>
+                                      <a:lumOff val="10000"/>
+                                    </a:schemeClr>
+                                  </a:solidFill>
+                                  <a:latin typeface="Cambria Math" panose="02040503050406030204" pitchFamily="18" charset="0"/>
+                                </a:rPr>
+                                <m:t>2</m:t>
+                              </m:r>
+                            </m:sup>
+                          </m:sSup>
+                        </m:e>
+                      </m:nary>
+                    </m:oMath>
+                  </m:oMathPara>
+                </a14:m>
+                <a:endParaRPr lang="en-US" sz="2400" dirty="0">
+                  <a:solidFill>
+                    <a:schemeClr val="tx1">
+                      <a:lumMod val="90000"/>
+                      <a:lumOff val="10000"/>
+                    </a:schemeClr>
+                  </a:solidFill>
+                </a:endParaRPr>
+              </a:p>
+              <a:p>
+                <a:pPr marL="0" indent="0">
+                  <a:buNone/>
+                  <a:defRPr/>
+                </a:pPr>
+                <a:r>
+                  <a:rPr lang="en-US" sz="2400" dirty="0">
+                    <a:solidFill>
+                      <a:schemeClr val="tx1">
+                        <a:lumMod val="90000"/>
+                        <a:lumOff val="10000"/>
+                      </a:schemeClr>
+                    </a:solidFill>
+                  </a:rPr>
+                  <a:t>Ridge Regression fits by finding coefficients that minimize</a:t>
+                </a:r>
+              </a:p>
+              <a:p>
+                <a:pPr marL="0" indent="0">
+                  <a:buNone/>
+                  <a:defRPr/>
+                </a:pPr>
+                <a14:m>
+                  <m:oMathPara xmlns:m="http://schemas.openxmlformats.org/officeDocument/2006/math">
+                    <m:oMathParaPr>
+                      <m:jc m:val="centerGroup"/>
+                    </m:oMathParaPr>
+                    <m:oMath xmlns:m="http://schemas.openxmlformats.org/officeDocument/2006/math">
+                      <m:r>
+                        <a:rPr lang="en-US" sz="2400" i="1" smtClean="0">
+                          <a:solidFill>
+                            <a:schemeClr val="tx1">
+                              <a:lumMod val="90000"/>
+                              <a:lumOff val="10000"/>
+                            </a:schemeClr>
+                          </a:solidFill>
+                          <a:latin typeface="Cambria Math" panose="02040503050406030204" pitchFamily="18" charset="0"/>
+                        </a:rPr>
+                        <m:t>𝑅</m:t>
+                      </m:r>
+                      <m:r>
+                        <a:rPr lang="en-US" sz="2400" b="0" i="1" smtClean="0">
+                          <a:solidFill>
+                            <a:schemeClr val="tx1">
+                              <a:lumMod val="90000"/>
+                              <a:lumOff val="10000"/>
+                            </a:schemeClr>
+                          </a:solidFill>
+                          <a:latin typeface="Cambria Math" panose="02040503050406030204" pitchFamily="18" charset="0"/>
+                        </a:rPr>
+                        <m:t>𝑆𝑆</m:t>
+                      </m:r>
+                      <m:r>
+                        <a:rPr lang="en-US" sz="2400" b="0" i="1" smtClean="0">
+                          <a:solidFill>
+                            <a:schemeClr val="tx1">
+                              <a:lumMod val="90000"/>
+                              <a:lumOff val="10000"/>
+                            </a:schemeClr>
+                          </a:solidFill>
+                          <a:latin typeface="Cambria Math" panose="02040503050406030204" pitchFamily="18" charset="0"/>
+                        </a:rPr>
+                        <m:t>+</m:t>
+                      </m:r>
+                      <m:r>
+                        <a:rPr lang="en-US" sz="2400" b="0" i="1" smtClean="0">
+                          <a:solidFill>
+                            <a:schemeClr val="tx1">
+                              <a:lumMod val="90000"/>
+                              <a:lumOff val="10000"/>
+                            </a:schemeClr>
+                          </a:solidFill>
+                          <a:latin typeface="Cambria Math" panose="02040503050406030204" pitchFamily="18" charset="0"/>
+                        </a:rPr>
+                        <m:t>𝜆</m:t>
+                      </m:r>
+                      <m:nary>
+                        <m:naryPr>
+                          <m:chr m:val="∑"/>
+                          <m:ctrlPr>
+                            <a:rPr lang="en-US" sz="2400" b="0" i="1" smtClean="0">
+                              <a:solidFill>
+                                <a:schemeClr val="tx1">
+                                  <a:lumMod val="90000"/>
+                                  <a:lumOff val="10000"/>
+                                </a:schemeClr>
+                              </a:solidFill>
+                              <a:latin typeface="Cambria Math" panose="02040503050406030204" pitchFamily="18" charset="0"/>
+                            </a:rPr>
+                          </m:ctrlPr>
+                        </m:naryPr>
+                        <m:sub>
+                          <m:r>
+                            <m:rPr>
+                              <m:brk m:alnAt="23"/>
+                            </m:rPr>
+                            <a:rPr lang="en-US" sz="2400" b="0" i="1" smtClean="0">
+                              <a:solidFill>
+                                <a:schemeClr val="tx1">
+                                  <a:lumMod val="90000"/>
+                                  <a:lumOff val="10000"/>
+                                </a:schemeClr>
+                              </a:solidFill>
+                              <a:latin typeface="Cambria Math" panose="02040503050406030204" pitchFamily="18" charset="0"/>
+                            </a:rPr>
+                            <m:t>𝑗</m:t>
+                          </m:r>
+                          <m:r>
+                            <a:rPr lang="en-US" sz="2400" b="0" i="1" smtClean="0">
+                              <a:solidFill>
+                                <a:schemeClr val="tx1">
+                                  <a:lumMod val="90000"/>
+                                  <a:lumOff val="10000"/>
+                                </a:schemeClr>
+                              </a:solidFill>
+                              <a:latin typeface="Cambria Math" panose="02040503050406030204" pitchFamily="18" charset="0"/>
+                            </a:rPr>
+                            <m:t>=1</m:t>
+                          </m:r>
+                        </m:sub>
+                        <m:sup>
+                          <m:r>
+                            <a:rPr lang="en-US" sz="2400" b="0" i="1" smtClean="0">
+                              <a:solidFill>
+                                <a:schemeClr val="tx1">
+                                  <a:lumMod val="90000"/>
+                                  <a:lumOff val="10000"/>
+                                </a:schemeClr>
+                              </a:solidFill>
+                              <a:latin typeface="Cambria Math" panose="02040503050406030204" pitchFamily="18" charset="0"/>
+                            </a:rPr>
+                            <m:t>𝑝</m:t>
+                          </m:r>
+                        </m:sup>
+                        <m:e>
+                          <m:sSubSup>
+                            <m:sSubSupPr>
+                              <m:ctrlPr>
+                                <a:rPr lang="en-US" sz="2400" b="0" i="1" smtClean="0">
+                                  <a:solidFill>
+                                    <a:schemeClr val="tx1">
+                                      <a:lumMod val="90000"/>
+                                      <a:lumOff val="10000"/>
+                                    </a:schemeClr>
+                                  </a:solidFill>
+                                  <a:latin typeface="Cambria Math" panose="02040503050406030204" pitchFamily="18" charset="0"/>
+                                </a:rPr>
+                              </m:ctrlPr>
+                            </m:sSubSupPr>
+                            <m:e>
+                              <m:r>
+                                <a:rPr lang="en-US" sz="2400" b="0" i="1" smtClean="0">
+                                  <a:solidFill>
+                                    <a:schemeClr val="tx1">
+                                      <a:lumMod val="90000"/>
+                                      <a:lumOff val="10000"/>
+                                    </a:schemeClr>
+                                  </a:solidFill>
+                                  <a:latin typeface="Cambria Math" panose="02040503050406030204" pitchFamily="18" charset="0"/>
+                                </a:rPr>
+                                <m:t>𝛽</m:t>
+                              </m:r>
+                            </m:e>
+                            <m:sub>
+                              <m:r>
+                                <a:rPr lang="en-US" sz="2400" b="0" i="1" smtClean="0">
+                                  <a:solidFill>
+                                    <a:schemeClr val="tx1">
+                                      <a:lumMod val="90000"/>
+                                      <a:lumOff val="10000"/>
+                                    </a:schemeClr>
+                                  </a:solidFill>
+                                  <a:latin typeface="Cambria Math" panose="02040503050406030204" pitchFamily="18" charset="0"/>
+                                </a:rPr>
+                                <m:t>𝑗</m:t>
+                              </m:r>
+                            </m:sub>
+                            <m:sup>
+                              <m:r>
+                                <a:rPr lang="en-US" sz="2400" b="0" i="1" smtClean="0">
+                                  <a:solidFill>
+                                    <a:schemeClr val="tx1">
+                                      <a:lumMod val="90000"/>
+                                      <a:lumOff val="10000"/>
+                                    </a:schemeClr>
+                                  </a:solidFill>
+                                  <a:latin typeface="Cambria Math" panose="02040503050406030204" pitchFamily="18" charset="0"/>
+                                </a:rPr>
+                                <m:t>2</m:t>
+                              </m:r>
+                            </m:sup>
+                          </m:sSubSup>
+                        </m:e>
+                      </m:nary>
+                    </m:oMath>
+                  </m:oMathPara>
+                </a14:m>
+                <a:endParaRPr lang="en-US" sz="2400" dirty="0">
+                  <a:solidFill>
+                    <a:schemeClr val="tx1">
+                      <a:lumMod val="90000"/>
+                      <a:lumOff val="10000"/>
+                    </a:schemeClr>
+                  </a:solidFill>
+                </a:endParaRPr>
+              </a:p>
+              <a:p>
+                <a:pPr marL="0" indent="0">
+                  <a:buNone/>
+                  <a:defRPr/>
+                </a:pPr>
+                <a:r>
+                  <a:rPr lang="en-US" sz="2400" dirty="0">
+                    <a:solidFill>
+                      <a:schemeClr val="tx1">
+                        <a:lumMod val="90000"/>
+                        <a:lumOff val="10000"/>
+                      </a:schemeClr>
+                    </a:solidFill>
+                  </a:rPr>
+                  <a:t>where </a:t>
+                </a:r>
+                <a14:m>
+                  <m:oMath xmlns:m="http://schemas.openxmlformats.org/officeDocument/2006/math">
+                    <m:r>
+                      <a:rPr lang="en-US" sz="2400" b="0" i="1" smtClean="0">
+                        <a:solidFill>
+                          <a:schemeClr val="tx1">
+                            <a:lumMod val="90000"/>
+                            <a:lumOff val="10000"/>
+                          </a:schemeClr>
+                        </a:solidFill>
+                        <a:latin typeface="Cambria Math" panose="02040503050406030204" pitchFamily="18" charset="0"/>
+                      </a:rPr>
+                      <m:t>𝜆</m:t>
+                    </m:r>
+                    <m:r>
+                      <a:rPr lang="en-US" sz="2400" b="0" i="1" smtClean="0">
+                        <a:solidFill>
+                          <a:schemeClr val="tx1">
+                            <a:lumMod val="90000"/>
+                            <a:lumOff val="10000"/>
+                          </a:schemeClr>
+                        </a:solidFill>
+                        <a:latin typeface="Cambria Math" panose="02040503050406030204" pitchFamily="18" charset="0"/>
+                      </a:rPr>
+                      <m:t>≥0</m:t>
+                    </m:r>
+                  </m:oMath>
+                </a14:m>
+                <a:r>
+                  <a:rPr lang="en-US" sz="2400" dirty="0">
+                    <a:solidFill>
+                      <a:schemeClr val="tx1">
+                        <a:lumMod val="90000"/>
+                        <a:lumOff val="10000"/>
+                      </a:schemeClr>
+                    </a:solidFill>
+                  </a:rPr>
+                  <a:t> is a tuning parameter determined separately</a:t>
+                </a:r>
+              </a:p>
+            </p:txBody>
+          </p:sp>
+        </mc:Choice>
+        <mc:Fallback xmlns="">
+          <p:sp>
+            <p:nvSpPr>
+              <p:cNvPr id="8" name="Content Placeholder 2">
+                <a:extLst>
+                  <a:ext uri="{FF2B5EF4-FFF2-40B4-BE49-F238E27FC236}">
+                    <a16:creationId xmlns:a16="http://schemas.microsoft.com/office/drawing/2014/main" id="{240DBC71-789D-5E2F-2986-984B3D17DF5C}"/>
+                  </a:ext>
+                </a:extLst>
+              </p:cNvPr>
+              <p:cNvSpPr txBox="1">
+                <a:spLocks noRot="1" noChangeAspect="1" noMove="1" noResize="1" noEditPoints="1" noAdjustHandles="1" noChangeArrowheads="1" noChangeShapeType="1" noTextEdit="1"/>
+              </p:cNvSpPr>
+              <p:nvPr/>
+            </p:nvSpPr>
+            <p:spPr>
+              <a:xfrm>
+                <a:off x="4021668" y="801666"/>
+                <a:ext cx="7467600" cy="5407068"/>
+              </a:xfrm>
+              <a:prstGeom prst="rect">
+                <a:avLst/>
+              </a:prstGeom>
+              <a:blipFill>
+                <a:blip r:embed="rId3"/>
+                <a:stretch>
+                  <a:fillRect l="-1188" t="-1408" r="-1358" b="-11972"/>
+                </a:stretch>
+              </a:blipFill>
+            </p:spPr>
+            <p:txBody>
+              <a:bodyPr/>
+              <a:lstStyle/>
+              <a:p>
+                <a:r>
+                  <a:rPr lang="en-US">
+                    <a:noFill/>
+                  </a:rPr>
+                  <a:t> </a:t>
+                </a:r>
+              </a:p>
+            </p:txBody>
+          </p:sp>
+        </mc:Fallback>
+      </mc:AlternateContent>
+      <p:sp>
+        <p:nvSpPr>
+          <p:cNvPr id="3" name="Rounded Rectangular Callout 2">
+            <a:extLst>
+              <a:ext uri="{FF2B5EF4-FFF2-40B4-BE49-F238E27FC236}">
+                <a16:creationId xmlns:a16="http://schemas.microsoft.com/office/drawing/2014/main" id="{2ACC2915-3CBE-EF09-E3CE-9D837E5E35DF}"/>
+              </a:ext>
+            </a:extLst>
+          </p:cNvPr>
+          <p:cNvSpPr/>
+          <p:nvPr/>
+        </p:nvSpPr>
+        <p:spPr>
+          <a:xfrm>
+            <a:off x="9405258" y="4093028"/>
+            <a:ext cx="1719942" cy="903515"/>
+          </a:xfrm>
+          <a:prstGeom prst="wedgeRoundRectCallout">
+            <a:avLst>
+              <a:gd name="adj1" fmla="val -90211"/>
+              <a:gd name="adj2" fmla="val -4655"/>
+              <a:gd name="adj3" fmla="val 16667"/>
+            </a:avLst>
+          </a:prstGeom>
+        </p:spPr>
+        <p:style>
+          <a:lnRef idx="0">
+            <a:schemeClr val="accent3"/>
+          </a:lnRef>
+          <a:fillRef idx="3">
+            <a:schemeClr val="accent3"/>
+          </a:fillRef>
+          <a:effectRef idx="3">
+            <a:schemeClr val="accent3"/>
+          </a:effectRef>
+          <a:fontRef idx="minor">
+            <a:schemeClr val="lt1"/>
+          </a:fontRef>
+        </p:style>
+        <p:txBody>
+          <a:bodyPr rtlCol="0" anchor="ctr"/>
+          <a:lstStyle/>
+          <a:p>
+            <a:pPr algn="ctr"/>
+            <a:r>
+              <a:rPr lang="en-US" sz="2400" dirty="0"/>
+              <a:t>Shrinkage Penalty</a:t>
+            </a:r>
+          </a:p>
+        </p:txBody>
+      </p:sp>
+      <p:sp>
+        <p:nvSpPr>
+          <p:cNvPr id="4" name="Rounded Rectangle 3">
+            <a:extLst>
+              <a:ext uri="{FF2B5EF4-FFF2-40B4-BE49-F238E27FC236}">
+                <a16:creationId xmlns:a16="http://schemas.microsoft.com/office/drawing/2014/main" id="{54F20718-FAB8-EDB6-D479-F4851C2E0460}"/>
+              </a:ext>
+            </a:extLst>
+          </p:cNvPr>
+          <p:cNvSpPr/>
+          <p:nvPr/>
+        </p:nvSpPr>
+        <p:spPr>
+          <a:xfrm>
+            <a:off x="3512278" y="5540830"/>
+            <a:ext cx="7976990" cy="1110490"/>
+          </a:xfrm>
+          <a:prstGeom prst="roundRect">
+            <a:avLst/>
+          </a:prstGeom>
+        </p:spPr>
+        <p:style>
+          <a:lnRef idx="0">
+            <a:schemeClr val="accent5"/>
+          </a:lnRef>
+          <a:fillRef idx="3">
+            <a:schemeClr val="accent5"/>
+          </a:fillRef>
+          <a:effectRef idx="3">
+            <a:schemeClr val="accent5"/>
+          </a:effectRef>
+          <a:fontRef idx="minor">
+            <a:schemeClr val="lt1"/>
+          </a:fontRef>
+        </p:style>
+        <p:txBody>
+          <a:bodyPr rtlCol="0" anchor="ctr"/>
+          <a:lstStyle/>
+          <a:p>
+            <a:pPr algn="ctr"/>
+            <a:r>
+              <a:rPr lang="en-US" sz="2400" dirty="0"/>
+              <a:t>RSS is scale invariant (multiplying any predictor by a constant won’t change RSS). Is the shrinkage penalty? </a:t>
+            </a:r>
+          </a:p>
+        </p:txBody>
+      </p:sp>
+    </p:spTree>
+    <p:extLst>
+      <p:ext uri="{BB962C8B-B14F-4D97-AF65-F5344CB8AC3E}">
+        <p14:creationId xmlns:p14="http://schemas.microsoft.com/office/powerpoint/2010/main" val="2330486351"/>
+      </p:ext>
+    </p:extLst>
+  </p:cSld>
+  <p:clrMapOvr>
+    <a:masterClrMapping/>
+  </p:clrMapOvr>
+</p:sld>
+</file>
+
+<file path=ppt/slides/slide11.xml><?xml version="1.0" encoding="utf-8"?>
 <p:sld xmlns:a="http://schemas.openxmlformats.org/drawingml/2006/main" xmlns:r="http://schemas.openxmlformats.org/officeDocument/2006/relationships" xmlns:p="http://schemas.openxmlformats.org/presentationml/2006/main">
   <p:cSld>
     <p:spTree>
@@ -7341,7 +9232,7 @@
 </p:sld>
 </file>
 
-<file path=ppt/slides/slide11.xml><?xml version="1.0" encoding="utf-8"?>
+<file path=ppt/slides/slide12.xml><?xml version="1.0" encoding="utf-8"?>
 <p:sld xmlns:a="http://schemas.openxmlformats.org/drawingml/2006/main" xmlns:r="http://schemas.openxmlformats.org/officeDocument/2006/relationships" xmlns:p="http://schemas.openxmlformats.org/presentationml/2006/main">
   <p:cSld>
     <p:spTree>
@@ -8653,7 +10544,7 @@
 </p:sld>
 </file>
 
-<file path=ppt/slides/slide12.xml><?xml version="1.0" encoding="utf-8"?>
+<file path=ppt/slides/slide13.xml><?xml version="1.0" encoding="utf-8"?>
 <p:sld xmlns:a="http://schemas.openxmlformats.org/drawingml/2006/main" xmlns:r="http://schemas.openxmlformats.org/officeDocument/2006/relationships" xmlns:p="http://schemas.openxmlformats.org/presentationml/2006/main">
   <p:cSld>
     <p:spTree>
@@ -9631,7 +11522,7 @@
 </p:sld>
 </file>
 
-<file path=ppt/slides/slide13.xml><?xml version="1.0" encoding="utf-8"?>
+<file path=ppt/slides/slide14.xml><?xml version="1.0" encoding="utf-8"?>
 <p:sld xmlns:a="http://schemas.openxmlformats.org/drawingml/2006/main" xmlns:r="http://schemas.openxmlformats.org/officeDocument/2006/relationships" xmlns:p="http://schemas.openxmlformats.org/presentationml/2006/main">
   <p:cSld>
     <p:spTree>
@@ -11698,7 +13589,7 @@
 </p:sld>
 </file>
 
-<file path=ppt/slides/slide14.xml><?xml version="1.0" encoding="utf-8"?>
+<file path=ppt/slides/slide15.xml><?xml version="1.0" encoding="utf-8"?>
 <p:sld xmlns:a="http://schemas.openxmlformats.org/drawingml/2006/main" xmlns:r="http://schemas.openxmlformats.org/officeDocument/2006/relationships" xmlns:p="http://schemas.openxmlformats.org/presentationml/2006/main">
   <p:cSld>
     <p:spTree>
@@ -13847,7 +15738,7 @@
 </p:sld>
 </file>
 
-<file path=ppt/slides/slide15.xml><?xml version="1.0" encoding="utf-8"?>
+<file path=ppt/slides/slide16.xml><?xml version="1.0" encoding="utf-8"?>
 <p:sld xmlns:a="http://schemas.openxmlformats.org/drawingml/2006/main" xmlns:r="http://schemas.openxmlformats.org/officeDocument/2006/relationships" xmlns:p="http://schemas.openxmlformats.org/presentationml/2006/main">
   <p:cSld>
     <p:spTree>
@@ -15517,7 +17408,7 @@
 </p:sld>
 </file>
 
-<file path=ppt/slides/slide16.xml><?xml version="1.0" encoding="utf-8"?>
+<file path=ppt/slides/slide17.xml><?xml version="1.0" encoding="utf-8"?>
 <p:sld xmlns:a="http://schemas.openxmlformats.org/drawingml/2006/main" xmlns:r="http://schemas.openxmlformats.org/officeDocument/2006/relationships" xmlns:p="http://schemas.openxmlformats.org/presentationml/2006/main">
   <p:cSld>
     <p:spTree>
@@ -17316,7 +19207,7 @@
 </p:sld>
 </file>
 
-<file path=ppt/slides/slide17.xml><?xml version="1.0" encoding="utf-8"?>
+<file path=ppt/slides/slide18.xml><?xml version="1.0" encoding="utf-8"?>
 <p:sld xmlns:a="http://schemas.openxmlformats.org/drawingml/2006/main" xmlns:r="http://schemas.openxmlformats.org/officeDocument/2006/relationships" xmlns:p="http://schemas.openxmlformats.org/presentationml/2006/main">
   <p:cSld>
     <p:spTree>
@@ -19090,7 +20981,7 @@
 </p:sld>
 </file>
 
-<file path=ppt/slides/slide18.xml><?xml version="1.0" encoding="utf-8"?>
+<file path=ppt/slides/slide19.xml><?xml version="1.0" encoding="utf-8"?>
 <p:sld xmlns:a="http://schemas.openxmlformats.org/drawingml/2006/main" xmlns:r="http://schemas.openxmlformats.org/officeDocument/2006/relationships" xmlns:p="http://schemas.openxmlformats.org/presentationml/2006/main">
   <p:cSld>
     <p:spTree>
@@ -20139,7 +22030,115 @@
 </p:sld>
 </file>
 
-<file path=ppt/slides/slide19.xml><?xml version="1.0" encoding="utf-8"?>
+<file path=ppt/slides/slide2.xml><?xml version="1.0" encoding="utf-8"?>
+<p:sld xmlns:a="http://schemas.openxmlformats.org/drawingml/2006/main" xmlns:r="http://schemas.openxmlformats.org/officeDocument/2006/relationships" xmlns:p="http://schemas.openxmlformats.org/presentationml/2006/main">
+  <p:cSld>
+    <p:spTree>
+      <p:nvGrpSpPr>
+        <p:cNvPr id="1" name=""/>
+        <p:cNvGrpSpPr/>
+        <p:nvPr/>
+      </p:nvGrpSpPr>
+      <p:grpSpPr>
+        <a:xfrm>
+          <a:off x="0" y="0"/>
+          <a:ext cx="0" cy="0"/>
+          <a:chOff x="0" y="0"/>
+          <a:chExt cx="0" cy="0"/>
+        </a:xfrm>
+      </p:grpSpPr>
+      <p:sp>
+        <p:nvSpPr>
+          <p:cNvPr id="2" name="Title 1">
+            <a:extLst>
+              <a:ext uri="{FF2B5EF4-FFF2-40B4-BE49-F238E27FC236}">
+                <a16:creationId xmlns:a16="http://schemas.microsoft.com/office/drawing/2014/main" id="{BEA6A380-698D-F04F-898D-CC6BD20937D1}"/>
+              </a:ext>
+            </a:extLst>
+          </p:cNvPr>
+          <p:cNvSpPr>
+            <a:spLocks noGrp="1"/>
+          </p:cNvSpPr>
+          <p:nvPr>
+            <p:ph type="title"/>
+          </p:nvPr>
+        </p:nvSpPr>
+        <p:spPr/>
+        <p:txBody>
+          <a:bodyPr/>
+          <a:lstStyle/>
+          <a:p>
+            <a:r>
+              <a:rPr lang="en-US" dirty="0"/>
+              <a:t>Reminder</a:t>
+            </a:r>
+          </a:p>
+        </p:txBody>
+      </p:sp>
+      <p:sp>
+        <p:nvSpPr>
+          <p:cNvPr id="3" name="Content Placeholder 2">
+            <a:extLst>
+              <a:ext uri="{FF2B5EF4-FFF2-40B4-BE49-F238E27FC236}">
+                <a16:creationId xmlns:a16="http://schemas.microsoft.com/office/drawing/2014/main" id="{E5144880-6285-A04C-B6DB-BE442B8A2762}"/>
+              </a:ext>
+            </a:extLst>
+          </p:cNvPr>
+          <p:cNvSpPr>
+            <a:spLocks noGrp="1"/>
+          </p:cNvSpPr>
+          <p:nvPr>
+            <p:ph idx="1"/>
+          </p:nvPr>
+        </p:nvSpPr>
+        <p:spPr/>
+        <p:txBody>
+          <a:bodyPr>
+            <a:normAutofit/>
+          </a:bodyPr>
+          <a:lstStyle/>
+          <a:p>
+            <a:r>
+              <a:rPr lang="en-US" sz="2400" dirty="0"/>
+              <a:t>It is your responsibility to submit your assignments on </a:t>
+            </a:r>
+            <a:r>
+              <a:rPr lang="en-US" sz="2400" dirty="0" err="1"/>
+              <a:t>Gradescope</a:t>
+            </a:r>
+            <a:r>
+              <a:rPr lang="en-US" sz="2400" dirty="0"/>
+              <a:t> (and quizzes on PLATO) on time</a:t>
+            </a:r>
+          </a:p>
+          <a:p>
+            <a:r>
+              <a:rPr lang="en-US" sz="2400" dirty="0"/>
+              <a:t>A lot of people are missing submissions – I will not track you down and I will not accept late assignments</a:t>
+            </a:r>
+          </a:p>
+          <a:p>
+            <a:pPr marL="0" indent="0">
+              <a:buNone/>
+            </a:pPr>
+            <a:endParaRPr lang="en-US" sz="2400" dirty="0"/>
+          </a:p>
+        </p:txBody>
+      </p:sp>
+    </p:spTree>
+    <p:extLst>
+      <p:ext uri="{BB962C8B-B14F-4D97-AF65-F5344CB8AC3E}">
+        <p14:creationId xmlns:p14="http://schemas.microsoft.com/office/powerpoint/2010/main" val="973025610"/>
+      </p:ext>
+    </p:extLst>
+  </p:cSld>
+  <p:clrMapOvr>
+    <a:masterClrMapping/>
+  </p:clrMapOvr>
+</p:sld>
+</file>
+
+<file path=ppt/slides/slide20.xml><?xml version="1.0" encoding="utf-8"?>
 <p:sld xmlns:a="http://schemas.openxmlformats.org/drawingml/2006/main" xmlns:r="http://schemas.openxmlformats.org/officeDocument/2006/relationships" xmlns:p="http://schemas.openxmlformats.org/presentationml/2006/main">
   <p:cSld>
     <p:spTree>
@@ -21037,8 +23036,8 @@
           </a:p>
         </p:txBody>
       </p:sp>
-      <mc:AlternateContent xmlns:mc="http://schemas.openxmlformats.org/markup-compatibility/2006">
-        <mc:Choice xmlns:a14="http://schemas.microsoft.com/office/drawing/2010/main" Requires="a14">
+      <mc:AlternateContent xmlns:mc="http://schemas.openxmlformats.org/markup-compatibility/2006" xmlns:a14="http://schemas.microsoft.com/office/drawing/2010/main">
+        <mc:Choice Requires="a14">
           <p:sp>
             <p:nvSpPr>
               <p:cNvPr id="4" name="Content Placeholder 2">
@@ -21486,7 +23485,7 @@
             </p:txBody>
           </p:sp>
         </mc:Choice>
-        <mc:Fallback>
+        <mc:Fallback xmlns="">
           <p:sp>
             <p:nvSpPr>
               <p:cNvPr id="4" name="Content Placeholder 2">
@@ -21544,7 +23543,1511 @@
 </p:sld>
 </file>
 
-<file path=ppt/slides/slide2.xml><?xml version="1.0" encoding="utf-8"?>
+<file path=ppt/slides/slide21.xml><?xml version="1.0" encoding="utf-8"?>
+<p:sld xmlns:a="http://schemas.openxmlformats.org/drawingml/2006/main" xmlns:r="http://schemas.openxmlformats.org/officeDocument/2006/relationships" xmlns:p="http://schemas.openxmlformats.org/presentationml/2006/main">
+  <p:cSld>
+    <p:spTree>
+      <p:nvGrpSpPr>
+        <p:cNvPr id="1" name="">
+          <a:extLst>
+            <a:ext uri="{FF2B5EF4-FFF2-40B4-BE49-F238E27FC236}">
+              <a16:creationId xmlns:a16="http://schemas.microsoft.com/office/drawing/2014/main" id="{712AAF67-A345-98DA-69C3-3CA71EDF3495}"/>
+            </a:ext>
+          </a:extLst>
+        </p:cNvPr>
+        <p:cNvGrpSpPr/>
+        <p:nvPr/>
+      </p:nvGrpSpPr>
+      <p:grpSpPr>
+        <a:xfrm>
+          <a:off x="0" y="0"/>
+          <a:ext cx="0" cy="0"/>
+          <a:chOff x="0" y="0"/>
+          <a:chExt cx="0" cy="0"/>
+        </a:xfrm>
+      </p:grpSpPr>
+      <p:sp>
+        <p:nvSpPr>
+          <p:cNvPr id="2" name="Title 1">
+            <a:extLst>
+              <a:ext uri="{FF2B5EF4-FFF2-40B4-BE49-F238E27FC236}">
+                <a16:creationId xmlns:a16="http://schemas.microsoft.com/office/drawing/2014/main" id="{49D68B16-1444-0535-4551-B35753588DA5}"/>
+              </a:ext>
+            </a:extLst>
+          </p:cNvPr>
+          <p:cNvSpPr>
+            <a:spLocks noGrp="1"/>
+          </p:cNvSpPr>
+          <p:nvPr>
+            <p:ph type="title"/>
+          </p:nvPr>
+        </p:nvSpPr>
+        <p:spPr/>
+        <p:txBody>
+          <a:bodyPr/>
+          <a:lstStyle/>
+          <a:p>
+            <a:r>
+              <a:rPr lang="en-US" dirty="0"/>
+              <a:t>Inventory</a:t>
+            </a:r>
+          </a:p>
+        </p:txBody>
+      </p:sp>
+      <p:sp>
+        <p:nvSpPr>
+          <p:cNvPr id="14" name="Content Placeholder 2">
+            <a:extLst>
+              <a:ext uri="{FF2B5EF4-FFF2-40B4-BE49-F238E27FC236}">
+                <a16:creationId xmlns:a16="http://schemas.microsoft.com/office/drawing/2014/main" id="{0D922CBD-9289-F23A-D0BF-C7BFADFFE4A8}"/>
+              </a:ext>
+            </a:extLst>
+          </p:cNvPr>
+          <p:cNvSpPr txBox="1">
+            <a:spLocks/>
+          </p:cNvSpPr>
+          <p:nvPr/>
+        </p:nvSpPr>
+        <p:spPr>
+          <a:xfrm>
+            <a:off x="3557392" y="801666"/>
+            <a:ext cx="7779476" cy="5849653"/>
+          </a:xfrm>
+          <a:prstGeom prst="rect">
+            <a:avLst/>
+          </a:prstGeom>
+        </p:spPr>
+        <p:txBody>
+          <a:bodyPr vert="horz" lIns="91440" tIns="45720" rIns="91440" bIns="45720" rtlCol="0" anchor="t">
+            <a:normAutofit/>
+          </a:bodyPr>
+          <a:lstStyle>
+            <a:lvl1pPr marL="182880" indent="-182880" algn="l" defTabSz="914400" rtl="0" eaLnBrk="1" latinLnBrk="0" hangingPunct="1">
+              <a:lnSpc>
+                <a:spcPct val="90000"/>
+              </a:lnSpc>
+              <a:spcBef>
+                <a:spcPts val="1200"/>
+              </a:spcBef>
+              <a:buClr>
+                <a:schemeClr val="accent1"/>
+              </a:buClr>
+              <a:buFont typeface="Wingdings 2" pitchFamily="18" charset="2"/>
+              <a:buChar char=""/>
+              <a:defRPr sz="2000" kern="1200">
+                <a:solidFill>
+                  <a:schemeClr val="tx1">
+                    <a:lumMod val="75000"/>
+                    <a:lumOff val="25000"/>
+                  </a:schemeClr>
+                </a:solidFill>
+                <a:latin typeface="+mn-lt"/>
+                <a:ea typeface="+mn-ea"/>
+                <a:cs typeface="+mn-cs"/>
+              </a:defRPr>
+            </a:lvl1pPr>
+            <a:lvl2pPr marL="685800" indent="-182880" algn="l" defTabSz="914400" rtl="0" eaLnBrk="1" latinLnBrk="0" hangingPunct="1">
+              <a:lnSpc>
+                <a:spcPct val="90000"/>
+              </a:lnSpc>
+              <a:spcBef>
+                <a:spcPts val="250"/>
+              </a:spcBef>
+              <a:spcAft>
+                <a:spcPts val="250"/>
+              </a:spcAft>
+              <a:buClr>
+                <a:schemeClr val="accent1"/>
+              </a:buClr>
+              <a:buFont typeface="Wingdings 2" pitchFamily="18" charset="2"/>
+              <a:buChar char=""/>
+              <a:defRPr sz="1800" kern="1200">
+                <a:solidFill>
+                  <a:schemeClr val="tx1">
+                    <a:lumMod val="75000"/>
+                    <a:lumOff val="25000"/>
+                  </a:schemeClr>
+                </a:solidFill>
+                <a:latin typeface="+mn-lt"/>
+                <a:ea typeface="+mn-ea"/>
+                <a:cs typeface="+mn-cs"/>
+              </a:defRPr>
+            </a:lvl2pPr>
+            <a:lvl3pPr marL="1143000" indent="-182880" algn="l" defTabSz="914400" rtl="0" eaLnBrk="1" latinLnBrk="0" hangingPunct="1">
+              <a:lnSpc>
+                <a:spcPct val="90000"/>
+              </a:lnSpc>
+              <a:spcBef>
+                <a:spcPts val="250"/>
+              </a:spcBef>
+              <a:spcAft>
+                <a:spcPts val="250"/>
+              </a:spcAft>
+              <a:buClr>
+                <a:schemeClr val="accent1"/>
+              </a:buClr>
+              <a:buFont typeface="Wingdings 2" pitchFamily="18" charset="2"/>
+              <a:buChar char=""/>
+              <a:defRPr sz="1600" kern="1200">
+                <a:solidFill>
+                  <a:schemeClr val="tx1">
+                    <a:lumMod val="75000"/>
+                    <a:lumOff val="25000"/>
+                  </a:schemeClr>
+                </a:solidFill>
+                <a:latin typeface="+mn-lt"/>
+                <a:ea typeface="+mn-ea"/>
+                <a:cs typeface="+mn-cs"/>
+              </a:defRPr>
+            </a:lvl3pPr>
+            <a:lvl4pPr marL="1600200" indent="-182880" algn="l" defTabSz="914400" rtl="0" eaLnBrk="1" latinLnBrk="0" hangingPunct="1">
+              <a:lnSpc>
+                <a:spcPct val="90000"/>
+              </a:lnSpc>
+              <a:spcBef>
+                <a:spcPts val="250"/>
+              </a:spcBef>
+              <a:spcAft>
+                <a:spcPts val="250"/>
+              </a:spcAft>
+              <a:buClr>
+                <a:schemeClr val="accent1"/>
+              </a:buClr>
+              <a:buFont typeface="Wingdings 2" pitchFamily="18" charset="2"/>
+              <a:buChar char=""/>
+              <a:defRPr sz="1400" kern="1200">
+                <a:solidFill>
+                  <a:schemeClr val="tx1">
+                    <a:lumMod val="75000"/>
+                    <a:lumOff val="25000"/>
+                  </a:schemeClr>
+                </a:solidFill>
+                <a:latin typeface="+mn-lt"/>
+                <a:ea typeface="+mn-ea"/>
+                <a:cs typeface="+mn-cs"/>
+              </a:defRPr>
+            </a:lvl4pPr>
+            <a:lvl5pPr marL="2057400" indent="-182880" algn="l" defTabSz="914400" rtl="0" eaLnBrk="1" latinLnBrk="0" hangingPunct="1">
+              <a:lnSpc>
+                <a:spcPct val="90000"/>
+              </a:lnSpc>
+              <a:spcBef>
+                <a:spcPts val="250"/>
+              </a:spcBef>
+              <a:spcAft>
+                <a:spcPts val="250"/>
+              </a:spcAft>
+              <a:buClr>
+                <a:schemeClr val="accent1"/>
+              </a:buClr>
+              <a:buFont typeface="Wingdings 2" pitchFamily="18" charset="2"/>
+              <a:buChar char=""/>
+              <a:defRPr sz="1400" kern="1200">
+                <a:solidFill>
+                  <a:schemeClr val="tx1">
+                    <a:lumMod val="75000"/>
+                    <a:lumOff val="25000"/>
+                  </a:schemeClr>
+                </a:solidFill>
+                <a:latin typeface="+mn-lt"/>
+                <a:ea typeface="+mn-ea"/>
+                <a:cs typeface="+mn-cs"/>
+              </a:defRPr>
+            </a:lvl5pPr>
+            <a:lvl6pPr marL="2514600" indent="-228600" algn="l" defTabSz="914400" rtl="0" eaLnBrk="1" latinLnBrk="0" hangingPunct="1">
+              <a:lnSpc>
+                <a:spcPct val="90000"/>
+              </a:lnSpc>
+              <a:spcBef>
+                <a:spcPts val="250"/>
+              </a:spcBef>
+              <a:spcAft>
+                <a:spcPts val="250"/>
+              </a:spcAft>
+              <a:buClr>
+                <a:schemeClr val="accent1"/>
+              </a:buClr>
+              <a:buFont typeface="Wingdings 2" pitchFamily="18" charset="2"/>
+              <a:buChar char=""/>
+              <a:defRPr sz="1400" kern="1200">
+                <a:solidFill>
+                  <a:schemeClr val="tx1">
+                    <a:lumMod val="75000"/>
+                    <a:lumOff val="25000"/>
+                  </a:schemeClr>
+                </a:solidFill>
+                <a:latin typeface="+mn-lt"/>
+                <a:ea typeface="+mn-ea"/>
+                <a:cs typeface="+mn-cs"/>
+              </a:defRPr>
+            </a:lvl6pPr>
+            <a:lvl7pPr marL="2971800" indent="-228600" algn="l" defTabSz="914400" rtl="0" eaLnBrk="1" latinLnBrk="0" hangingPunct="1">
+              <a:lnSpc>
+                <a:spcPct val="90000"/>
+              </a:lnSpc>
+              <a:spcBef>
+                <a:spcPts val="250"/>
+              </a:spcBef>
+              <a:spcAft>
+                <a:spcPts val="250"/>
+              </a:spcAft>
+              <a:buClr>
+                <a:schemeClr val="accent1"/>
+              </a:buClr>
+              <a:buFont typeface="Wingdings 2" pitchFamily="18" charset="2"/>
+              <a:buChar char=""/>
+              <a:defRPr sz="1400" kern="1200">
+                <a:solidFill>
+                  <a:schemeClr val="tx1">
+                    <a:lumMod val="75000"/>
+                    <a:lumOff val="25000"/>
+                  </a:schemeClr>
+                </a:solidFill>
+                <a:latin typeface="+mn-lt"/>
+                <a:ea typeface="+mn-ea"/>
+                <a:cs typeface="+mn-cs"/>
+              </a:defRPr>
+            </a:lvl7pPr>
+            <a:lvl8pPr marL="3429000" indent="-228600" algn="l" defTabSz="914400" rtl="0" eaLnBrk="1" latinLnBrk="0" hangingPunct="1">
+              <a:lnSpc>
+                <a:spcPct val="90000"/>
+              </a:lnSpc>
+              <a:spcBef>
+                <a:spcPts val="250"/>
+              </a:spcBef>
+              <a:spcAft>
+                <a:spcPts val="250"/>
+              </a:spcAft>
+              <a:buClr>
+                <a:schemeClr val="accent1"/>
+              </a:buClr>
+              <a:buFont typeface="Wingdings 2" pitchFamily="18" charset="2"/>
+              <a:buChar char=""/>
+              <a:defRPr sz="1400" kern="1200">
+                <a:solidFill>
+                  <a:schemeClr val="tx1">
+                    <a:lumMod val="75000"/>
+                    <a:lumOff val="25000"/>
+                  </a:schemeClr>
+                </a:solidFill>
+                <a:latin typeface="+mn-lt"/>
+                <a:ea typeface="+mn-ea"/>
+                <a:cs typeface="+mn-cs"/>
+              </a:defRPr>
+            </a:lvl8pPr>
+            <a:lvl9pPr marL="3886200" indent="-228600" algn="l" defTabSz="914400" rtl="0" eaLnBrk="1" latinLnBrk="0" hangingPunct="1">
+              <a:lnSpc>
+                <a:spcPct val="90000"/>
+              </a:lnSpc>
+              <a:spcBef>
+                <a:spcPts val="250"/>
+              </a:spcBef>
+              <a:spcAft>
+                <a:spcPts val="250"/>
+              </a:spcAft>
+              <a:buClr>
+                <a:schemeClr val="accent1"/>
+              </a:buClr>
+              <a:buFont typeface="Wingdings 2" pitchFamily="18" charset="2"/>
+              <a:buChar char=""/>
+              <a:defRPr sz="1400" kern="1200">
+                <a:solidFill>
+                  <a:schemeClr val="tx1">
+                    <a:lumMod val="75000"/>
+                    <a:lumOff val="25000"/>
+                  </a:schemeClr>
+                </a:solidFill>
+                <a:latin typeface="+mn-lt"/>
+                <a:ea typeface="+mn-ea"/>
+                <a:cs typeface="+mn-cs"/>
+              </a:defRPr>
+            </a:lvl9pPr>
+          </a:lstStyle>
+          <a:p>
+            <a:pPr marL="502920" lvl="1" indent="0">
+              <a:buNone/>
+            </a:pPr>
+            <a:endParaRPr lang="en-US" sz="2200" dirty="0"/>
+          </a:p>
+        </p:txBody>
+      </p:sp>
+      <p:sp>
+        <p:nvSpPr>
+          <p:cNvPr id="8" name="Content Placeholder 2">
+            <a:extLst>
+              <a:ext uri="{FF2B5EF4-FFF2-40B4-BE49-F238E27FC236}">
+                <a16:creationId xmlns:a16="http://schemas.microsoft.com/office/drawing/2014/main" id="{240DBC71-789D-5E2F-2986-984B3D17DF5C}"/>
+              </a:ext>
+            </a:extLst>
+          </p:cNvPr>
+          <p:cNvSpPr txBox="1">
+            <a:spLocks/>
+          </p:cNvSpPr>
+          <p:nvPr/>
+        </p:nvSpPr>
+        <p:spPr>
+          <a:xfrm>
+            <a:off x="4021668" y="801666"/>
+            <a:ext cx="7467600" cy="5407068"/>
+          </a:xfrm>
+          <a:prstGeom prst="rect">
+            <a:avLst/>
+          </a:prstGeom>
+        </p:spPr>
+        <p:txBody>
+          <a:bodyPr vert="horz" lIns="91440" tIns="45720" rIns="91440" bIns="45720" rtlCol="0" anchor="t">
+            <a:normAutofit/>
+          </a:bodyPr>
+          <a:lstStyle>
+            <a:lvl1pPr marL="182880" indent="-182880" algn="l" defTabSz="914400" rtl="0" eaLnBrk="1" latinLnBrk="0" hangingPunct="1">
+              <a:lnSpc>
+                <a:spcPct val="90000"/>
+              </a:lnSpc>
+              <a:spcBef>
+                <a:spcPts val="1200"/>
+              </a:spcBef>
+              <a:buClr>
+                <a:schemeClr val="accent1"/>
+              </a:buClr>
+              <a:buFont typeface="Wingdings 2" pitchFamily="18" charset="2"/>
+              <a:buChar char=""/>
+              <a:defRPr sz="2000" kern="1200">
+                <a:solidFill>
+                  <a:schemeClr val="tx1">
+                    <a:lumMod val="75000"/>
+                    <a:lumOff val="25000"/>
+                  </a:schemeClr>
+                </a:solidFill>
+                <a:latin typeface="+mn-lt"/>
+                <a:ea typeface="+mn-ea"/>
+                <a:cs typeface="+mn-cs"/>
+              </a:defRPr>
+            </a:lvl1pPr>
+            <a:lvl2pPr marL="685800" indent="-182880" algn="l" defTabSz="914400" rtl="0" eaLnBrk="1" latinLnBrk="0" hangingPunct="1">
+              <a:lnSpc>
+                <a:spcPct val="90000"/>
+              </a:lnSpc>
+              <a:spcBef>
+                <a:spcPts val="250"/>
+              </a:spcBef>
+              <a:spcAft>
+                <a:spcPts val="250"/>
+              </a:spcAft>
+              <a:buClr>
+                <a:schemeClr val="accent1"/>
+              </a:buClr>
+              <a:buFont typeface="Wingdings 2" pitchFamily="18" charset="2"/>
+              <a:buChar char=""/>
+              <a:defRPr sz="1800" kern="1200">
+                <a:solidFill>
+                  <a:schemeClr val="tx1">
+                    <a:lumMod val="75000"/>
+                    <a:lumOff val="25000"/>
+                  </a:schemeClr>
+                </a:solidFill>
+                <a:latin typeface="+mn-lt"/>
+                <a:ea typeface="+mn-ea"/>
+                <a:cs typeface="+mn-cs"/>
+              </a:defRPr>
+            </a:lvl2pPr>
+            <a:lvl3pPr marL="1143000" indent="-182880" algn="l" defTabSz="914400" rtl="0" eaLnBrk="1" latinLnBrk="0" hangingPunct="1">
+              <a:lnSpc>
+                <a:spcPct val="90000"/>
+              </a:lnSpc>
+              <a:spcBef>
+                <a:spcPts val="250"/>
+              </a:spcBef>
+              <a:spcAft>
+                <a:spcPts val="250"/>
+              </a:spcAft>
+              <a:buClr>
+                <a:schemeClr val="accent1"/>
+              </a:buClr>
+              <a:buFont typeface="Wingdings 2" pitchFamily="18" charset="2"/>
+              <a:buChar char=""/>
+              <a:defRPr sz="1600" kern="1200">
+                <a:solidFill>
+                  <a:schemeClr val="tx1">
+                    <a:lumMod val="75000"/>
+                    <a:lumOff val="25000"/>
+                  </a:schemeClr>
+                </a:solidFill>
+                <a:latin typeface="+mn-lt"/>
+                <a:ea typeface="+mn-ea"/>
+                <a:cs typeface="+mn-cs"/>
+              </a:defRPr>
+            </a:lvl3pPr>
+            <a:lvl4pPr marL="1600200" indent="-182880" algn="l" defTabSz="914400" rtl="0" eaLnBrk="1" latinLnBrk="0" hangingPunct="1">
+              <a:lnSpc>
+                <a:spcPct val="90000"/>
+              </a:lnSpc>
+              <a:spcBef>
+                <a:spcPts val="250"/>
+              </a:spcBef>
+              <a:spcAft>
+                <a:spcPts val="250"/>
+              </a:spcAft>
+              <a:buClr>
+                <a:schemeClr val="accent1"/>
+              </a:buClr>
+              <a:buFont typeface="Wingdings 2" pitchFamily="18" charset="2"/>
+              <a:buChar char=""/>
+              <a:defRPr sz="1400" kern="1200">
+                <a:solidFill>
+                  <a:schemeClr val="tx1">
+                    <a:lumMod val="75000"/>
+                    <a:lumOff val="25000"/>
+                  </a:schemeClr>
+                </a:solidFill>
+                <a:latin typeface="+mn-lt"/>
+                <a:ea typeface="+mn-ea"/>
+                <a:cs typeface="+mn-cs"/>
+              </a:defRPr>
+            </a:lvl4pPr>
+            <a:lvl5pPr marL="2057400" indent="-182880" algn="l" defTabSz="914400" rtl="0" eaLnBrk="1" latinLnBrk="0" hangingPunct="1">
+              <a:lnSpc>
+                <a:spcPct val="90000"/>
+              </a:lnSpc>
+              <a:spcBef>
+                <a:spcPts val="250"/>
+              </a:spcBef>
+              <a:spcAft>
+                <a:spcPts val="250"/>
+              </a:spcAft>
+              <a:buClr>
+                <a:schemeClr val="accent1"/>
+              </a:buClr>
+              <a:buFont typeface="Wingdings 2" pitchFamily="18" charset="2"/>
+              <a:buChar char=""/>
+              <a:defRPr sz="1400" kern="1200">
+                <a:solidFill>
+                  <a:schemeClr val="tx1">
+                    <a:lumMod val="75000"/>
+                    <a:lumOff val="25000"/>
+                  </a:schemeClr>
+                </a:solidFill>
+                <a:latin typeface="+mn-lt"/>
+                <a:ea typeface="+mn-ea"/>
+                <a:cs typeface="+mn-cs"/>
+              </a:defRPr>
+            </a:lvl5pPr>
+            <a:lvl6pPr marL="2514600" indent="-228600" algn="l" defTabSz="914400" rtl="0" eaLnBrk="1" latinLnBrk="0" hangingPunct="1">
+              <a:lnSpc>
+                <a:spcPct val="90000"/>
+              </a:lnSpc>
+              <a:spcBef>
+                <a:spcPts val="250"/>
+              </a:spcBef>
+              <a:spcAft>
+                <a:spcPts val="250"/>
+              </a:spcAft>
+              <a:buClr>
+                <a:schemeClr val="accent1"/>
+              </a:buClr>
+              <a:buFont typeface="Wingdings 2" pitchFamily="18" charset="2"/>
+              <a:buChar char=""/>
+              <a:defRPr sz="1400" kern="1200">
+                <a:solidFill>
+                  <a:schemeClr val="tx1">
+                    <a:lumMod val="75000"/>
+                    <a:lumOff val="25000"/>
+                  </a:schemeClr>
+                </a:solidFill>
+                <a:latin typeface="+mn-lt"/>
+                <a:ea typeface="+mn-ea"/>
+                <a:cs typeface="+mn-cs"/>
+              </a:defRPr>
+            </a:lvl6pPr>
+            <a:lvl7pPr marL="2971800" indent="-228600" algn="l" defTabSz="914400" rtl="0" eaLnBrk="1" latinLnBrk="0" hangingPunct="1">
+              <a:lnSpc>
+                <a:spcPct val="90000"/>
+              </a:lnSpc>
+              <a:spcBef>
+                <a:spcPts val="250"/>
+              </a:spcBef>
+              <a:spcAft>
+                <a:spcPts val="250"/>
+              </a:spcAft>
+              <a:buClr>
+                <a:schemeClr val="accent1"/>
+              </a:buClr>
+              <a:buFont typeface="Wingdings 2" pitchFamily="18" charset="2"/>
+              <a:buChar char=""/>
+              <a:defRPr sz="1400" kern="1200">
+                <a:solidFill>
+                  <a:schemeClr val="tx1">
+                    <a:lumMod val="75000"/>
+                    <a:lumOff val="25000"/>
+                  </a:schemeClr>
+                </a:solidFill>
+                <a:latin typeface="+mn-lt"/>
+                <a:ea typeface="+mn-ea"/>
+                <a:cs typeface="+mn-cs"/>
+              </a:defRPr>
+            </a:lvl7pPr>
+            <a:lvl8pPr marL="3429000" indent="-228600" algn="l" defTabSz="914400" rtl="0" eaLnBrk="1" latinLnBrk="0" hangingPunct="1">
+              <a:lnSpc>
+                <a:spcPct val="90000"/>
+              </a:lnSpc>
+              <a:spcBef>
+                <a:spcPts val="250"/>
+              </a:spcBef>
+              <a:spcAft>
+                <a:spcPts val="250"/>
+              </a:spcAft>
+              <a:buClr>
+                <a:schemeClr val="accent1"/>
+              </a:buClr>
+              <a:buFont typeface="Wingdings 2" pitchFamily="18" charset="2"/>
+              <a:buChar char=""/>
+              <a:defRPr sz="1400" kern="1200">
+                <a:solidFill>
+                  <a:schemeClr val="tx1">
+                    <a:lumMod val="75000"/>
+                    <a:lumOff val="25000"/>
+                  </a:schemeClr>
+                </a:solidFill>
+                <a:latin typeface="+mn-lt"/>
+                <a:ea typeface="+mn-ea"/>
+                <a:cs typeface="+mn-cs"/>
+              </a:defRPr>
+            </a:lvl8pPr>
+            <a:lvl9pPr marL="3886200" indent="-228600" algn="l" defTabSz="914400" rtl="0" eaLnBrk="1" latinLnBrk="0" hangingPunct="1">
+              <a:lnSpc>
+                <a:spcPct val="90000"/>
+              </a:lnSpc>
+              <a:spcBef>
+                <a:spcPts val="250"/>
+              </a:spcBef>
+              <a:spcAft>
+                <a:spcPts val="250"/>
+              </a:spcAft>
+              <a:buClr>
+                <a:schemeClr val="accent1"/>
+              </a:buClr>
+              <a:buFont typeface="Wingdings 2" pitchFamily="18" charset="2"/>
+              <a:buChar char=""/>
+              <a:defRPr sz="1400" kern="1200">
+                <a:solidFill>
+                  <a:schemeClr val="tx1">
+                    <a:lumMod val="75000"/>
+                    <a:lumOff val="25000"/>
+                  </a:schemeClr>
+                </a:solidFill>
+                <a:latin typeface="+mn-lt"/>
+                <a:ea typeface="+mn-ea"/>
+                <a:cs typeface="+mn-cs"/>
+              </a:defRPr>
+            </a:lvl9pPr>
+          </a:lstStyle>
+          <a:p>
+            <a:pPr marL="0" indent="0">
+              <a:buNone/>
+              <a:defRPr/>
+            </a:pPr>
+            <a:endParaRPr lang="en-US" sz="2200" dirty="0">
+              <a:solidFill>
+                <a:schemeClr val="tx1">
+                  <a:lumMod val="90000"/>
+                  <a:lumOff val="10000"/>
+                </a:schemeClr>
+              </a:solidFill>
+            </a:endParaRPr>
+          </a:p>
+        </p:txBody>
+      </p:sp>
+      <p:sp>
+        <p:nvSpPr>
+          <p:cNvPr id="3" name="Content Placeholder 2">
+            <a:extLst>
+              <a:ext uri="{FF2B5EF4-FFF2-40B4-BE49-F238E27FC236}">
+                <a16:creationId xmlns:a16="http://schemas.microsoft.com/office/drawing/2014/main" id="{21266C77-78DB-EC46-B688-07B236F7811D}"/>
+              </a:ext>
+            </a:extLst>
+          </p:cNvPr>
+          <p:cNvSpPr txBox="1">
+            <a:spLocks/>
+          </p:cNvSpPr>
+          <p:nvPr/>
+        </p:nvSpPr>
+        <p:spPr>
+          <a:xfrm>
+            <a:off x="3404992" y="812107"/>
+            <a:ext cx="7467600" cy="5407068"/>
+          </a:xfrm>
+          <a:prstGeom prst="rect">
+            <a:avLst/>
+          </a:prstGeom>
+        </p:spPr>
+        <p:txBody>
+          <a:bodyPr vert="horz" lIns="91440" tIns="45720" rIns="91440" bIns="45720" rtlCol="0" anchor="t">
+            <a:normAutofit/>
+          </a:bodyPr>
+          <a:lstStyle>
+            <a:lvl1pPr marL="182880" indent="-182880" algn="l" defTabSz="914400" rtl="0" eaLnBrk="1" latinLnBrk="0" hangingPunct="1">
+              <a:lnSpc>
+                <a:spcPct val="90000"/>
+              </a:lnSpc>
+              <a:spcBef>
+                <a:spcPts val="1200"/>
+              </a:spcBef>
+              <a:buClr>
+                <a:schemeClr val="accent1"/>
+              </a:buClr>
+              <a:buFont typeface="Wingdings 2" pitchFamily="18" charset="2"/>
+              <a:buChar char=""/>
+              <a:defRPr sz="2000" kern="1200">
+                <a:solidFill>
+                  <a:schemeClr val="tx1">
+                    <a:lumMod val="75000"/>
+                    <a:lumOff val="25000"/>
+                  </a:schemeClr>
+                </a:solidFill>
+                <a:latin typeface="+mn-lt"/>
+                <a:ea typeface="+mn-ea"/>
+                <a:cs typeface="+mn-cs"/>
+              </a:defRPr>
+            </a:lvl1pPr>
+            <a:lvl2pPr marL="685800" indent="-182880" algn="l" defTabSz="914400" rtl="0" eaLnBrk="1" latinLnBrk="0" hangingPunct="1">
+              <a:lnSpc>
+                <a:spcPct val="90000"/>
+              </a:lnSpc>
+              <a:spcBef>
+                <a:spcPts val="250"/>
+              </a:spcBef>
+              <a:spcAft>
+                <a:spcPts val="250"/>
+              </a:spcAft>
+              <a:buClr>
+                <a:schemeClr val="accent1"/>
+              </a:buClr>
+              <a:buFont typeface="Wingdings 2" pitchFamily="18" charset="2"/>
+              <a:buChar char=""/>
+              <a:defRPr sz="1800" kern="1200">
+                <a:solidFill>
+                  <a:schemeClr val="tx1">
+                    <a:lumMod val="75000"/>
+                    <a:lumOff val="25000"/>
+                  </a:schemeClr>
+                </a:solidFill>
+                <a:latin typeface="+mn-lt"/>
+                <a:ea typeface="+mn-ea"/>
+                <a:cs typeface="+mn-cs"/>
+              </a:defRPr>
+            </a:lvl2pPr>
+            <a:lvl3pPr marL="1143000" indent="-182880" algn="l" defTabSz="914400" rtl="0" eaLnBrk="1" latinLnBrk="0" hangingPunct="1">
+              <a:lnSpc>
+                <a:spcPct val="90000"/>
+              </a:lnSpc>
+              <a:spcBef>
+                <a:spcPts val="250"/>
+              </a:spcBef>
+              <a:spcAft>
+                <a:spcPts val="250"/>
+              </a:spcAft>
+              <a:buClr>
+                <a:schemeClr val="accent1"/>
+              </a:buClr>
+              <a:buFont typeface="Wingdings 2" pitchFamily="18" charset="2"/>
+              <a:buChar char=""/>
+              <a:defRPr sz="1600" kern="1200">
+                <a:solidFill>
+                  <a:schemeClr val="tx1">
+                    <a:lumMod val="75000"/>
+                    <a:lumOff val="25000"/>
+                  </a:schemeClr>
+                </a:solidFill>
+                <a:latin typeface="+mn-lt"/>
+                <a:ea typeface="+mn-ea"/>
+                <a:cs typeface="+mn-cs"/>
+              </a:defRPr>
+            </a:lvl3pPr>
+            <a:lvl4pPr marL="1600200" indent="-182880" algn="l" defTabSz="914400" rtl="0" eaLnBrk="1" latinLnBrk="0" hangingPunct="1">
+              <a:lnSpc>
+                <a:spcPct val="90000"/>
+              </a:lnSpc>
+              <a:spcBef>
+                <a:spcPts val="250"/>
+              </a:spcBef>
+              <a:spcAft>
+                <a:spcPts val="250"/>
+              </a:spcAft>
+              <a:buClr>
+                <a:schemeClr val="accent1"/>
+              </a:buClr>
+              <a:buFont typeface="Wingdings 2" pitchFamily="18" charset="2"/>
+              <a:buChar char=""/>
+              <a:defRPr sz="1400" kern="1200">
+                <a:solidFill>
+                  <a:schemeClr val="tx1">
+                    <a:lumMod val="75000"/>
+                    <a:lumOff val="25000"/>
+                  </a:schemeClr>
+                </a:solidFill>
+                <a:latin typeface="+mn-lt"/>
+                <a:ea typeface="+mn-ea"/>
+                <a:cs typeface="+mn-cs"/>
+              </a:defRPr>
+            </a:lvl4pPr>
+            <a:lvl5pPr marL="2057400" indent="-182880" algn="l" defTabSz="914400" rtl="0" eaLnBrk="1" latinLnBrk="0" hangingPunct="1">
+              <a:lnSpc>
+                <a:spcPct val="90000"/>
+              </a:lnSpc>
+              <a:spcBef>
+                <a:spcPts val="250"/>
+              </a:spcBef>
+              <a:spcAft>
+                <a:spcPts val="250"/>
+              </a:spcAft>
+              <a:buClr>
+                <a:schemeClr val="accent1"/>
+              </a:buClr>
+              <a:buFont typeface="Wingdings 2" pitchFamily="18" charset="2"/>
+              <a:buChar char=""/>
+              <a:defRPr sz="1400" kern="1200">
+                <a:solidFill>
+                  <a:schemeClr val="tx1">
+                    <a:lumMod val="75000"/>
+                    <a:lumOff val="25000"/>
+                  </a:schemeClr>
+                </a:solidFill>
+                <a:latin typeface="+mn-lt"/>
+                <a:ea typeface="+mn-ea"/>
+                <a:cs typeface="+mn-cs"/>
+              </a:defRPr>
+            </a:lvl5pPr>
+            <a:lvl6pPr marL="2514600" indent="-228600" algn="l" defTabSz="914400" rtl="0" eaLnBrk="1" latinLnBrk="0" hangingPunct="1">
+              <a:lnSpc>
+                <a:spcPct val="90000"/>
+              </a:lnSpc>
+              <a:spcBef>
+                <a:spcPts val="250"/>
+              </a:spcBef>
+              <a:spcAft>
+                <a:spcPts val="250"/>
+              </a:spcAft>
+              <a:buClr>
+                <a:schemeClr val="accent1"/>
+              </a:buClr>
+              <a:buFont typeface="Wingdings 2" pitchFamily="18" charset="2"/>
+              <a:buChar char=""/>
+              <a:defRPr sz="1400" kern="1200">
+                <a:solidFill>
+                  <a:schemeClr val="tx1">
+                    <a:lumMod val="75000"/>
+                    <a:lumOff val="25000"/>
+                  </a:schemeClr>
+                </a:solidFill>
+                <a:latin typeface="+mn-lt"/>
+                <a:ea typeface="+mn-ea"/>
+                <a:cs typeface="+mn-cs"/>
+              </a:defRPr>
+            </a:lvl6pPr>
+            <a:lvl7pPr marL="2971800" indent="-228600" algn="l" defTabSz="914400" rtl="0" eaLnBrk="1" latinLnBrk="0" hangingPunct="1">
+              <a:lnSpc>
+                <a:spcPct val="90000"/>
+              </a:lnSpc>
+              <a:spcBef>
+                <a:spcPts val="250"/>
+              </a:spcBef>
+              <a:spcAft>
+                <a:spcPts val="250"/>
+              </a:spcAft>
+              <a:buClr>
+                <a:schemeClr val="accent1"/>
+              </a:buClr>
+              <a:buFont typeface="Wingdings 2" pitchFamily="18" charset="2"/>
+              <a:buChar char=""/>
+              <a:defRPr sz="1400" kern="1200">
+                <a:solidFill>
+                  <a:schemeClr val="tx1">
+                    <a:lumMod val="75000"/>
+                    <a:lumOff val="25000"/>
+                  </a:schemeClr>
+                </a:solidFill>
+                <a:latin typeface="+mn-lt"/>
+                <a:ea typeface="+mn-ea"/>
+                <a:cs typeface="+mn-cs"/>
+              </a:defRPr>
+            </a:lvl7pPr>
+            <a:lvl8pPr marL="3429000" indent="-228600" algn="l" defTabSz="914400" rtl="0" eaLnBrk="1" latinLnBrk="0" hangingPunct="1">
+              <a:lnSpc>
+                <a:spcPct val="90000"/>
+              </a:lnSpc>
+              <a:spcBef>
+                <a:spcPts val="250"/>
+              </a:spcBef>
+              <a:spcAft>
+                <a:spcPts val="250"/>
+              </a:spcAft>
+              <a:buClr>
+                <a:schemeClr val="accent1"/>
+              </a:buClr>
+              <a:buFont typeface="Wingdings 2" pitchFamily="18" charset="2"/>
+              <a:buChar char=""/>
+              <a:defRPr sz="1400" kern="1200">
+                <a:solidFill>
+                  <a:schemeClr val="tx1">
+                    <a:lumMod val="75000"/>
+                    <a:lumOff val="25000"/>
+                  </a:schemeClr>
+                </a:solidFill>
+                <a:latin typeface="+mn-lt"/>
+                <a:ea typeface="+mn-ea"/>
+                <a:cs typeface="+mn-cs"/>
+              </a:defRPr>
+            </a:lvl8pPr>
+            <a:lvl9pPr marL="3886200" indent="-228600" algn="l" defTabSz="914400" rtl="0" eaLnBrk="1" latinLnBrk="0" hangingPunct="1">
+              <a:lnSpc>
+                <a:spcPct val="90000"/>
+              </a:lnSpc>
+              <a:spcBef>
+                <a:spcPts val="250"/>
+              </a:spcBef>
+              <a:spcAft>
+                <a:spcPts val="250"/>
+              </a:spcAft>
+              <a:buClr>
+                <a:schemeClr val="accent1"/>
+              </a:buClr>
+              <a:buFont typeface="Wingdings 2" pitchFamily="18" charset="2"/>
+              <a:buChar char=""/>
+              <a:defRPr sz="1400" kern="1200">
+                <a:solidFill>
+                  <a:schemeClr val="tx1">
+                    <a:lumMod val="75000"/>
+                    <a:lumOff val="25000"/>
+                  </a:schemeClr>
+                </a:solidFill>
+                <a:latin typeface="+mn-lt"/>
+                <a:ea typeface="+mn-ea"/>
+                <a:cs typeface="+mn-cs"/>
+              </a:defRPr>
+            </a:lvl9pPr>
+          </a:lstStyle>
+          <a:p>
+            <a:pPr marL="0" indent="0">
+              <a:buNone/>
+              <a:defRPr/>
+            </a:pPr>
+            <a:endParaRPr lang="en-US" sz="2400" dirty="0">
+              <a:solidFill>
+                <a:schemeClr val="tx1">
+                  <a:lumMod val="90000"/>
+                  <a:lumOff val="10000"/>
+                </a:schemeClr>
+              </a:solidFill>
+            </a:endParaRPr>
+          </a:p>
+        </p:txBody>
+      </p:sp>
+      <mc:AlternateContent xmlns:mc="http://schemas.openxmlformats.org/markup-compatibility/2006" xmlns:a14="http://schemas.microsoft.com/office/drawing/2010/main">
+        <mc:Choice Requires="a14">
+          <p:sp>
+            <p:nvSpPr>
+              <p:cNvPr id="4" name="Content Placeholder 2">
+                <a:extLst>
+                  <a:ext uri="{FF2B5EF4-FFF2-40B4-BE49-F238E27FC236}">
+                    <a16:creationId xmlns:a16="http://schemas.microsoft.com/office/drawing/2014/main" id="{FBE9E997-9E00-69A0-0A84-73C99F9AF220}"/>
+                  </a:ext>
+                </a:extLst>
+              </p:cNvPr>
+              <p:cNvSpPr txBox="1">
+                <a:spLocks/>
+              </p:cNvSpPr>
+              <p:nvPr/>
+            </p:nvSpPr>
+            <p:spPr>
+              <a:xfrm>
+                <a:off x="3557392" y="206680"/>
+                <a:ext cx="7779476" cy="6651319"/>
+              </a:xfrm>
+              <a:prstGeom prst="rect">
+                <a:avLst/>
+              </a:prstGeom>
+            </p:spPr>
+            <p:txBody>
+              <a:bodyPr vert="horz" lIns="91440" tIns="45720" rIns="91440" bIns="45720" rtlCol="0" anchor="t">
+                <a:normAutofit fontScale="77500" lnSpcReduction="20000"/>
+              </a:bodyPr>
+              <a:lstStyle>
+                <a:lvl1pPr marL="182880" indent="-182880" algn="l" defTabSz="914400" rtl="0" eaLnBrk="1" latinLnBrk="0" hangingPunct="1">
+                  <a:lnSpc>
+                    <a:spcPct val="90000"/>
+                  </a:lnSpc>
+                  <a:spcBef>
+                    <a:spcPts val="1200"/>
+                  </a:spcBef>
+                  <a:buClr>
+                    <a:schemeClr val="accent1"/>
+                  </a:buClr>
+                  <a:buFont typeface="Wingdings 2" pitchFamily="18" charset="2"/>
+                  <a:buChar char=""/>
+                  <a:defRPr sz="2000" kern="1200">
+                    <a:solidFill>
+                      <a:schemeClr val="tx1">
+                        <a:lumMod val="75000"/>
+                        <a:lumOff val="25000"/>
+                      </a:schemeClr>
+                    </a:solidFill>
+                    <a:latin typeface="+mn-lt"/>
+                    <a:ea typeface="+mn-ea"/>
+                    <a:cs typeface="+mn-cs"/>
+                  </a:defRPr>
+                </a:lvl1pPr>
+                <a:lvl2pPr marL="685800" indent="-182880" algn="l" defTabSz="914400" rtl="0" eaLnBrk="1" latinLnBrk="0" hangingPunct="1">
+                  <a:lnSpc>
+                    <a:spcPct val="90000"/>
+                  </a:lnSpc>
+                  <a:spcBef>
+                    <a:spcPts val="250"/>
+                  </a:spcBef>
+                  <a:spcAft>
+                    <a:spcPts val="250"/>
+                  </a:spcAft>
+                  <a:buClr>
+                    <a:schemeClr val="accent1"/>
+                  </a:buClr>
+                  <a:buFont typeface="Wingdings 2" pitchFamily="18" charset="2"/>
+                  <a:buChar char=""/>
+                  <a:defRPr sz="1800" kern="1200">
+                    <a:solidFill>
+                      <a:schemeClr val="tx1">
+                        <a:lumMod val="75000"/>
+                        <a:lumOff val="25000"/>
+                      </a:schemeClr>
+                    </a:solidFill>
+                    <a:latin typeface="+mn-lt"/>
+                    <a:ea typeface="+mn-ea"/>
+                    <a:cs typeface="+mn-cs"/>
+                  </a:defRPr>
+                </a:lvl2pPr>
+                <a:lvl3pPr marL="1143000" indent="-182880" algn="l" defTabSz="914400" rtl="0" eaLnBrk="1" latinLnBrk="0" hangingPunct="1">
+                  <a:lnSpc>
+                    <a:spcPct val="90000"/>
+                  </a:lnSpc>
+                  <a:spcBef>
+                    <a:spcPts val="250"/>
+                  </a:spcBef>
+                  <a:spcAft>
+                    <a:spcPts val="250"/>
+                  </a:spcAft>
+                  <a:buClr>
+                    <a:schemeClr val="accent1"/>
+                  </a:buClr>
+                  <a:buFont typeface="Wingdings 2" pitchFamily="18" charset="2"/>
+                  <a:buChar char=""/>
+                  <a:defRPr sz="1600" kern="1200">
+                    <a:solidFill>
+                      <a:schemeClr val="tx1">
+                        <a:lumMod val="75000"/>
+                        <a:lumOff val="25000"/>
+                      </a:schemeClr>
+                    </a:solidFill>
+                    <a:latin typeface="+mn-lt"/>
+                    <a:ea typeface="+mn-ea"/>
+                    <a:cs typeface="+mn-cs"/>
+                  </a:defRPr>
+                </a:lvl3pPr>
+                <a:lvl4pPr marL="1600200" indent="-182880" algn="l" defTabSz="914400" rtl="0" eaLnBrk="1" latinLnBrk="0" hangingPunct="1">
+                  <a:lnSpc>
+                    <a:spcPct val="90000"/>
+                  </a:lnSpc>
+                  <a:spcBef>
+                    <a:spcPts val="250"/>
+                  </a:spcBef>
+                  <a:spcAft>
+                    <a:spcPts val="250"/>
+                  </a:spcAft>
+                  <a:buClr>
+                    <a:schemeClr val="accent1"/>
+                  </a:buClr>
+                  <a:buFont typeface="Wingdings 2" pitchFamily="18" charset="2"/>
+                  <a:buChar char=""/>
+                  <a:defRPr sz="1400" kern="1200">
+                    <a:solidFill>
+                      <a:schemeClr val="tx1">
+                        <a:lumMod val="75000"/>
+                        <a:lumOff val="25000"/>
+                      </a:schemeClr>
+                    </a:solidFill>
+                    <a:latin typeface="+mn-lt"/>
+                    <a:ea typeface="+mn-ea"/>
+                    <a:cs typeface="+mn-cs"/>
+                  </a:defRPr>
+                </a:lvl4pPr>
+                <a:lvl5pPr marL="2057400" indent="-182880" algn="l" defTabSz="914400" rtl="0" eaLnBrk="1" latinLnBrk="0" hangingPunct="1">
+                  <a:lnSpc>
+                    <a:spcPct val="90000"/>
+                  </a:lnSpc>
+                  <a:spcBef>
+                    <a:spcPts val="250"/>
+                  </a:spcBef>
+                  <a:spcAft>
+                    <a:spcPts val="250"/>
+                  </a:spcAft>
+                  <a:buClr>
+                    <a:schemeClr val="accent1"/>
+                  </a:buClr>
+                  <a:buFont typeface="Wingdings 2" pitchFamily="18" charset="2"/>
+                  <a:buChar char=""/>
+                  <a:defRPr sz="1400" kern="1200">
+                    <a:solidFill>
+                      <a:schemeClr val="tx1">
+                        <a:lumMod val="75000"/>
+                        <a:lumOff val="25000"/>
+                      </a:schemeClr>
+                    </a:solidFill>
+                    <a:latin typeface="+mn-lt"/>
+                    <a:ea typeface="+mn-ea"/>
+                    <a:cs typeface="+mn-cs"/>
+                  </a:defRPr>
+                </a:lvl5pPr>
+                <a:lvl6pPr marL="2514600" indent="-228600" algn="l" defTabSz="914400" rtl="0" eaLnBrk="1" latinLnBrk="0" hangingPunct="1">
+                  <a:lnSpc>
+                    <a:spcPct val="90000"/>
+                  </a:lnSpc>
+                  <a:spcBef>
+                    <a:spcPts val="250"/>
+                  </a:spcBef>
+                  <a:spcAft>
+                    <a:spcPts val="250"/>
+                  </a:spcAft>
+                  <a:buClr>
+                    <a:schemeClr val="accent1"/>
+                  </a:buClr>
+                  <a:buFont typeface="Wingdings 2" pitchFamily="18" charset="2"/>
+                  <a:buChar char=""/>
+                  <a:defRPr sz="1400" kern="1200">
+                    <a:solidFill>
+                      <a:schemeClr val="tx1">
+                        <a:lumMod val="75000"/>
+                        <a:lumOff val="25000"/>
+                      </a:schemeClr>
+                    </a:solidFill>
+                    <a:latin typeface="+mn-lt"/>
+                    <a:ea typeface="+mn-ea"/>
+                    <a:cs typeface="+mn-cs"/>
+                  </a:defRPr>
+                </a:lvl6pPr>
+                <a:lvl7pPr marL="2971800" indent="-228600" algn="l" defTabSz="914400" rtl="0" eaLnBrk="1" latinLnBrk="0" hangingPunct="1">
+                  <a:lnSpc>
+                    <a:spcPct val="90000"/>
+                  </a:lnSpc>
+                  <a:spcBef>
+                    <a:spcPts val="250"/>
+                  </a:spcBef>
+                  <a:spcAft>
+                    <a:spcPts val="250"/>
+                  </a:spcAft>
+                  <a:buClr>
+                    <a:schemeClr val="accent1"/>
+                  </a:buClr>
+                  <a:buFont typeface="Wingdings 2" pitchFamily="18" charset="2"/>
+                  <a:buChar char=""/>
+                  <a:defRPr sz="1400" kern="1200">
+                    <a:solidFill>
+                      <a:schemeClr val="tx1">
+                        <a:lumMod val="75000"/>
+                        <a:lumOff val="25000"/>
+                      </a:schemeClr>
+                    </a:solidFill>
+                    <a:latin typeface="+mn-lt"/>
+                    <a:ea typeface="+mn-ea"/>
+                    <a:cs typeface="+mn-cs"/>
+                  </a:defRPr>
+                </a:lvl7pPr>
+                <a:lvl8pPr marL="3429000" indent="-228600" algn="l" defTabSz="914400" rtl="0" eaLnBrk="1" latinLnBrk="0" hangingPunct="1">
+                  <a:lnSpc>
+                    <a:spcPct val="90000"/>
+                  </a:lnSpc>
+                  <a:spcBef>
+                    <a:spcPts val="250"/>
+                  </a:spcBef>
+                  <a:spcAft>
+                    <a:spcPts val="250"/>
+                  </a:spcAft>
+                  <a:buClr>
+                    <a:schemeClr val="accent1"/>
+                  </a:buClr>
+                  <a:buFont typeface="Wingdings 2" pitchFamily="18" charset="2"/>
+                  <a:buChar char=""/>
+                  <a:defRPr sz="1400" kern="1200">
+                    <a:solidFill>
+                      <a:schemeClr val="tx1">
+                        <a:lumMod val="75000"/>
+                        <a:lumOff val="25000"/>
+                      </a:schemeClr>
+                    </a:solidFill>
+                    <a:latin typeface="+mn-lt"/>
+                    <a:ea typeface="+mn-ea"/>
+                    <a:cs typeface="+mn-cs"/>
+                  </a:defRPr>
+                </a:lvl8pPr>
+                <a:lvl9pPr marL="3886200" indent="-228600" algn="l" defTabSz="914400" rtl="0" eaLnBrk="1" latinLnBrk="0" hangingPunct="1">
+                  <a:lnSpc>
+                    <a:spcPct val="90000"/>
+                  </a:lnSpc>
+                  <a:spcBef>
+                    <a:spcPts val="250"/>
+                  </a:spcBef>
+                  <a:spcAft>
+                    <a:spcPts val="250"/>
+                  </a:spcAft>
+                  <a:buClr>
+                    <a:schemeClr val="accent1"/>
+                  </a:buClr>
+                  <a:buFont typeface="Wingdings 2" pitchFamily="18" charset="2"/>
+                  <a:buChar char=""/>
+                  <a:defRPr sz="1400" kern="1200">
+                    <a:solidFill>
+                      <a:schemeClr val="tx1">
+                        <a:lumMod val="75000"/>
+                        <a:lumOff val="25000"/>
+                      </a:schemeClr>
+                    </a:solidFill>
+                    <a:latin typeface="+mn-lt"/>
+                    <a:ea typeface="+mn-ea"/>
+                    <a:cs typeface="+mn-cs"/>
+                  </a:defRPr>
+                </a:lvl9pPr>
+              </a:lstStyle>
+              <a:p>
+                <a:pPr marL="0" indent="0">
+                  <a:buNone/>
+                  <a:defRPr/>
+                </a:pPr>
+                <a:r>
+                  <a:rPr lang="en-US" sz="2800" dirty="0">
+                    <a:solidFill>
+                      <a:schemeClr val="tx1">
+                        <a:lumMod val="90000"/>
+                        <a:lumOff val="10000"/>
+                      </a:schemeClr>
+                    </a:solidFill>
+                  </a:rPr>
+                  <a:t>So far, we’ve talked about solving the problem of </a:t>
+                </a:r>
+                <a14:m>
+                  <m:oMath xmlns:m="http://schemas.openxmlformats.org/officeDocument/2006/math">
+                    <m:r>
+                      <a:rPr lang="en-US" sz="2800" b="0" i="1" smtClean="0">
+                        <a:solidFill>
+                          <a:schemeClr val="tx1">
+                            <a:lumMod val="90000"/>
+                            <a:lumOff val="10000"/>
+                          </a:schemeClr>
+                        </a:solidFill>
+                        <a:latin typeface="Cambria Math" panose="02040503050406030204" pitchFamily="18" charset="0"/>
+                      </a:rPr>
+                      <m:t>𝑛</m:t>
+                    </m:r>
+                    <m:r>
+                      <a:rPr lang="en-US" sz="2800" b="0" i="1" smtClean="0">
+                        <a:solidFill>
+                          <a:schemeClr val="tx1">
+                            <a:lumMod val="90000"/>
+                            <a:lumOff val="10000"/>
+                          </a:schemeClr>
+                        </a:solidFill>
+                        <a:latin typeface="Cambria Math" panose="02040503050406030204" pitchFamily="18" charset="0"/>
+                      </a:rPr>
+                      <m:t>≤</m:t>
+                    </m:r>
+                    <m:r>
+                      <a:rPr lang="en-US" sz="2800" b="0" i="1" smtClean="0">
+                        <a:solidFill>
+                          <a:schemeClr val="tx1">
+                            <a:lumMod val="90000"/>
+                            <a:lumOff val="10000"/>
+                          </a:schemeClr>
+                        </a:solidFill>
+                        <a:latin typeface="Cambria Math" panose="02040503050406030204" pitchFamily="18" charset="0"/>
+                      </a:rPr>
+                      <m:t>𝑝</m:t>
+                    </m:r>
+                  </m:oMath>
+                </a14:m>
+                <a:r>
+                  <a:rPr lang="en-US" sz="2800" dirty="0">
+                    <a:solidFill>
+                      <a:schemeClr val="tx1">
+                        <a:lumMod val="90000"/>
+                        <a:lumOff val="10000"/>
+                      </a:schemeClr>
+                    </a:solidFill>
+                  </a:rPr>
+                  <a:t> in linear regression via subset selection (best and stepwise approaches), and via shrinkage methods (ridge regression and the lasso). </a:t>
+                </a:r>
+              </a:p>
+              <a:p>
+                <a:pPr marL="0" indent="0">
+                  <a:buNone/>
+                  <a:defRPr/>
+                </a:pPr>
+                <a:endParaRPr lang="en-US" sz="2800" dirty="0">
+                  <a:solidFill>
+                    <a:schemeClr val="tx1">
+                      <a:lumMod val="90000"/>
+                      <a:lumOff val="10000"/>
+                    </a:schemeClr>
+                  </a:solidFill>
+                </a:endParaRPr>
+              </a:p>
+              <a:p>
+                <a:pPr marL="0" indent="0">
+                  <a:buNone/>
+                  <a:defRPr/>
+                </a:pPr>
+                <a:r>
+                  <a:rPr lang="en-US" sz="2800" dirty="0">
+                    <a:solidFill>
+                      <a:schemeClr val="tx1">
+                        <a:lumMod val="90000"/>
+                        <a:lumOff val="10000"/>
+                      </a:schemeClr>
+                    </a:solidFill>
+                  </a:rPr>
+                  <a:t>Let’s recap and take inventory of these options. Break into 4 groups. Each group will be assigned one option. </a:t>
+                </a:r>
+              </a:p>
+              <a:p>
+                <a:pPr marL="0" indent="0">
+                  <a:buNone/>
+                  <a:defRPr/>
+                </a:pPr>
+                <a:endParaRPr lang="en-US" sz="2800" dirty="0">
+                  <a:solidFill>
+                    <a:schemeClr val="tx1">
+                      <a:lumMod val="90000"/>
+                      <a:lumOff val="10000"/>
+                    </a:schemeClr>
+                  </a:solidFill>
+                </a:endParaRPr>
+              </a:p>
+              <a:p>
+                <a:pPr marL="0" indent="0">
+                  <a:buNone/>
+                  <a:defRPr/>
+                </a:pPr>
+                <a:r>
+                  <a:rPr lang="en-US" sz="2800" dirty="0">
+                    <a:solidFill>
+                      <a:schemeClr val="tx1">
+                        <a:lumMod val="90000"/>
+                        <a:lumOff val="10000"/>
+                      </a:schemeClr>
+                    </a:solidFill>
+                  </a:rPr>
+                  <a:t>With your group: </a:t>
+                </a:r>
+              </a:p>
+              <a:p>
+                <a:pPr>
+                  <a:defRPr/>
+                </a:pPr>
+                <a:r>
+                  <a:rPr lang="en-US" sz="2800" dirty="0">
+                    <a:solidFill>
+                      <a:schemeClr val="tx1">
+                        <a:lumMod val="90000"/>
+                        <a:lumOff val="10000"/>
+                      </a:schemeClr>
+                    </a:solidFill>
+                  </a:rPr>
+                  <a:t>If you’ve been assigned a subset selection approach</a:t>
+                </a:r>
+              </a:p>
+              <a:p>
+                <a:pPr lvl="1">
+                  <a:defRPr/>
+                </a:pPr>
+                <a:r>
+                  <a:rPr lang="en-US" sz="2800" dirty="0">
+                    <a:solidFill>
+                      <a:schemeClr val="tx1">
+                        <a:lumMod val="90000"/>
+                        <a:lumOff val="10000"/>
+                      </a:schemeClr>
+                    </a:solidFill>
+                  </a:rPr>
+                  <a:t>Write out the algorithm in pseudo code </a:t>
+                </a:r>
+              </a:p>
+              <a:p>
+                <a:pPr lvl="1">
+                  <a:defRPr/>
+                </a:pPr>
+                <a:r>
+                  <a:rPr lang="en-US" sz="2800" dirty="0">
+                    <a:solidFill>
+                      <a:schemeClr val="tx1">
+                        <a:lumMod val="90000"/>
+                        <a:lumOff val="10000"/>
+                      </a:schemeClr>
+                    </a:solidFill>
+                  </a:rPr>
+                  <a:t>Visualize the algorithm running on an example</a:t>
+                </a:r>
+              </a:p>
+              <a:p>
+                <a:pPr lvl="1">
+                  <a:defRPr/>
+                </a:pPr>
+                <a:r>
+                  <a:rPr lang="en-US" sz="2800" dirty="0">
+                    <a:solidFill>
+                      <a:schemeClr val="tx1">
+                        <a:lumMod val="90000"/>
+                        <a:lumOff val="10000"/>
+                      </a:schemeClr>
+                    </a:solidFill>
+                  </a:rPr>
+                  <a:t>ID the pro’s and con’s to your approach compared to others </a:t>
+                </a:r>
+              </a:p>
+              <a:p>
+                <a:pPr>
+                  <a:defRPr/>
+                </a:pPr>
+                <a:r>
+                  <a:rPr lang="en-US" sz="2800" dirty="0">
+                    <a:solidFill>
+                      <a:schemeClr val="tx1">
+                        <a:lumMod val="90000"/>
+                        <a:lumOff val="10000"/>
+                      </a:schemeClr>
+                    </a:solidFill>
+                  </a:rPr>
+                  <a:t>If you’ve been assigned a shrinkage method</a:t>
+                </a:r>
+              </a:p>
+              <a:p>
+                <a:pPr lvl="1">
+                  <a:defRPr/>
+                </a:pPr>
+                <a:r>
+                  <a:rPr lang="en-US" sz="2800" dirty="0">
+                    <a:solidFill>
+                      <a:schemeClr val="tx1">
+                        <a:lumMod val="90000"/>
+                        <a:lumOff val="10000"/>
+                      </a:schemeClr>
+                    </a:solidFill>
+                  </a:rPr>
+                  <a:t>Write out the shrinkage penalty for your approach</a:t>
+                </a:r>
+              </a:p>
+              <a:p>
+                <a:pPr lvl="1">
+                  <a:defRPr/>
+                </a:pPr>
+                <a:r>
+                  <a:rPr lang="en-US" sz="2800" dirty="0">
+                    <a:solidFill>
+                      <a:schemeClr val="tx1">
+                        <a:lumMod val="90000"/>
+                        <a:lumOff val="10000"/>
+                      </a:schemeClr>
+                    </a:solidFill>
+                  </a:rPr>
+                  <a:t>Show how the penalty works with an example </a:t>
+                </a:r>
+              </a:p>
+              <a:p>
+                <a:pPr lvl="1">
+                  <a:defRPr/>
+                </a:pPr>
+                <a:r>
+                  <a:rPr lang="en-US" sz="2800" dirty="0">
+                    <a:solidFill>
+                      <a:schemeClr val="tx1">
+                        <a:lumMod val="90000"/>
+                        <a:lumOff val="10000"/>
+                      </a:schemeClr>
+                    </a:solidFill>
+                  </a:rPr>
+                  <a:t>ID the pro’s and con’s to your approach compared to others</a:t>
+                </a:r>
+              </a:p>
+              <a:p>
+                <a:pPr>
+                  <a:defRPr/>
+                </a:pPr>
+                <a:r>
+                  <a:rPr lang="en-US" sz="2800" dirty="0">
+                    <a:solidFill>
+                      <a:schemeClr val="tx1">
+                        <a:lumMod val="90000"/>
+                        <a:lumOff val="10000"/>
+                      </a:schemeClr>
+                    </a:solidFill>
+                  </a:rPr>
+                  <a:t> Be prepared to share with the class</a:t>
+                </a:r>
+              </a:p>
+            </p:txBody>
+          </p:sp>
+        </mc:Choice>
+        <mc:Fallback xmlns="">
+          <p:sp>
+            <p:nvSpPr>
+              <p:cNvPr id="4" name="Content Placeholder 2">
+                <a:extLst>
+                  <a:ext uri="{FF2B5EF4-FFF2-40B4-BE49-F238E27FC236}">
+                    <a16:creationId xmlns:a16="http://schemas.microsoft.com/office/drawing/2014/main" id="{FBE9E997-9E00-69A0-0A84-73C99F9AF220}"/>
+                  </a:ext>
+                </a:extLst>
+              </p:cNvPr>
+              <p:cNvSpPr txBox="1">
+                <a:spLocks noRot="1" noChangeAspect="1" noMove="1" noResize="1" noEditPoints="1" noAdjustHandles="1" noChangeArrowheads="1" noChangeShapeType="1" noTextEdit="1"/>
+              </p:cNvSpPr>
+              <p:nvPr/>
+            </p:nvSpPr>
+            <p:spPr>
+              <a:xfrm>
+                <a:off x="3557392" y="206680"/>
+                <a:ext cx="7779476" cy="6651319"/>
+              </a:xfrm>
+              <a:prstGeom prst="rect">
+                <a:avLst/>
+              </a:prstGeom>
+              <a:blipFill>
+                <a:blip r:embed="rId3"/>
+                <a:stretch>
+                  <a:fillRect l="-979" t="-1908"/>
+                </a:stretch>
+              </a:blipFill>
+            </p:spPr>
+            <p:txBody>
+              <a:bodyPr/>
+              <a:lstStyle/>
+              <a:p>
+                <a:r>
+                  <a:rPr lang="en-US">
+                    <a:noFill/>
+                  </a:rPr>
+                  <a:t> </a:t>
+                </a:r>
+              </a:p>
+            </p:txBody>
+          </p:sp>
+        </mc:Fallback>
+      </mc:AlternateContent>
+    </p:spTree>
+    <p:extLst>
+      <p:ext uri="{BB962C8B-B14F-4D97-AF65-F5344CB8AC3E}">
+        <p14:creationId xmlns:p14="http://schemas.microsoft.com/office/powerpoint/2010/main" val="32605618"/>
+      </p:ext>
+    </p:extLst>
+  </p:cSld>
+  <p:clrMapOvr>
+    <a:masterClrMapping/>
+  </p:clrMapOvr>
+</p:sld>
+</file>
+
+<file path=ppt/slides/slide3.xml><?xml version="1.0" encoding="utf-8"?>
 <p:sld xmlns:a="http://schemas.openxmlformats.org/drawingml/2006/main" xmlns:r="http://schemas.openxmlformats.org/officeDocument/2006/relationships" xmlns:p="http://schemas.openxmlformats.org/presentationml/2006/main">
   <p:cSld>
     <p:spTree>
@@ -21618,7 +25121,8 @@
           </a:bodyPr>
           <a:lstStyle/>
           <a:p>
-            <a:pPr>
+            <a:pPr marL="0" indent="0">
+              <a:buNone/>
               <a:defRPr/>
             </a:pPr>
             <a:endParaRPr lang="en-US" sz="2400" dirty="0"/>
@@ -21675,7 +25179,7 @@
 </p:sld>
 </file>
 
-<file path=ppt/slides/slide3.xml><?xml version="1.0" encoding="utf-8"?>
+<file path=ppt/slides/slide4.xml><?xml version="1.0" encoding="utf-8"?>
 <p:sld xmlns:a="http://schemas.openxmlformats.org/drawingml/2006/main" xmlns:r="http://schemas.openxmlformats.org/officeDocument/2006/relationships" xmlns:p="http://schemas.openxmlformats.org/presentationml/2006/main">
   <p:cSld>
     <p:spTree>
@@ -22415,7 +25919,7 @@
 </p:sld>
 </file>
 
-<file path=ppt/slides/slide4.xml><?xml version="1.0" encoding="utf-8"?>
+<file path=ppt/slides/slide5.xml><?xml version="1.0" encoding="utf-8"?>
 <p:sld xmlns:a="http://schemas.openxmlformats.org/drawingml/2006/main" xmlns:r="http://schemas.openxmlformats.org/officeDocument/2006/relationships" xmlns:p="http://schemas.openxmlformats.org/presentationml/2006/main">
   <p:cSld>
     <p:spTree>
@@ -23329,7 +26833,7 @@
 </p:sld>
 </file>
 
-<file path=ppt/slides/slide5.xml><?xml version="1.0" encoding="utf-8"?>
+<file path=ppt/slides/slide6.xml><?xml version="1.0" encoding="utf-8"?>
 <p:sld xmlns:a="http://schemas.openxmlformats.org/drawingml/2006/main" xmlns:r="http://schemas.openxmlformats.org/officeDocument/2006/relationships" xmlns:p="http://schemas.openxmlformats.org/presentationml/2006/main">
   <p:cSld>
     <p:spTree>
@@ -24393,7 +27897,7 @@
 </p:sld>
 </file>
 
-<file path=ppt/slides/slide6.xml><?xml version="1.0" encoding="utf-8"?>
+<file path=ppt/slides/slide7.xml><?xml version="1.0" encoding="utf-8"?>
 <p:sld xmlns:a="http://schemas.openxmlformats.org/drawingml/2006/main" xmlns:r="http://schemas.openxmlformats.org/officeDocument/2006/relationships" xmlns:p="http://schemas.openxmlformats.org/presentationml/2006/main">
   <p:cSld>
     <p:spTree>
@@ -25810,7 +29314,7 @@
 </p:sld>
 </file>
 
-<file path=ppt/slides/slide7.xml><?xml version="1.0" encoding="utf-8"?>
+<file path=ppt/slides/slide8.xml><?xml version="1.0" encoding="utf-8"?>
 <p:sld xmlns:a="http://schemas.openxmlformats.org/drawingml/2006/main" xmlns:r="http://schemas.openxmlformats.org/officeDocument/2006/relationships" xmlns:p="http://schemas.openxmlformats.org/presentationml/2006/main">
   <p:cSld>
     <p:spTree>
@@ -27587,7 +31091,7 @@
 </p:sld>
 </file>
 
-<file path=ppt/slides/slide8.xml><?xml version="1.0" encoding="utf-8"?>
+<file path=ppt/slides/slide9.xml><?xml version="1.0" encoding="utf-8"?>
 <p:sld xmlns:a="http://schemas.openxmlformats.org/drawingml/2006/main" xmlns:r="http://schemas.openxmlformats.org/officeDocument/2006/relationships" xmlns:p="http://schemas.openxmlformats.org/presentationml/2006/main">
   <p:cSld>
     <p:spTree>
@@ -29426,1783 +32930,6 @@
 </p:sld>
 </file>
 
-<file path=ppt/slides/slide9.xml><?xml version="1.0" encoding="utf-8"?>
-<p:sld xmlns:a="http://schemas.openxmlformats.org/drawingml/2006/main" xmlns:r="http://schemas.openxmlformats.org/officeDocument/2006/relationships" xmlns:p="http://schemas.openxmlformats.org/presentationml/2006/main">
-  <p:cSld>
-    <p:spTree>
-      <p:nvGrpSpPr>
-        <p:cNvPr id="1" name="">
-          <a:extLst>
-            <a:ext uri="{FF2B5EF4-FFF2-40B4-BE49-F238E27FC236}">
-              <a16:creationId xmlns:a16="http://schemas.microsoft.com/office/drawing/2014/main" id="{712AAF67-A345-98DA-69C3-3CA71EDF3495}"/>
-            </a:ext>
-          </a:extLst>
-        </p:cNvPr>
-        <p:cNvGrpSpPr/>
-        <p:nvPr/>
-      </p:nvGrpSpPr>
-      <p:grpSpPr>
-        <a:xfrm>
-          <a:off x="0" y="0"/>
-          <a:ext cx="0" cy="0"/>
-          <a:chOff x="0" y="0"/>
-          <a:chExt cx="0" cy="0"/>
-        </a:xfrm>
-      </p:grpSpPr>
-      <p:sp>
-        <p:nvSpPr>
-          <p:cNvPr id="2" name="Title 1">
-            <a:extLst>
-              <a:ext uri="{FF2B5EF4-FFF2-40B4-BE49-F238E27FC236}">
-                <a16:creationId xmlns:a16="http://schemas.microsoft.com/office/drawing/2014/main" id="{49D68B16-1444-0535-4551-B35753588DA5}"/>
-              </a:ext>
-            </a:extLst>
-          </p:cNvPr>
-          <p:cNvSpPr>
-            <a:spLocks noGrp="1"/>
-          </p:cNvSpPr>
-          <p:nvPr>
-            <p:ph type="title"/>
-          </p:nvPr>
-        </p:nvSpPr>
-        <p:spPr/>
-        <p:txBody>
-          <a:bodyPr/>
-          <a:lstStyle/>
-          <a:p>
-            <a:r>
-              <a:rPr lang="en-US" dirty="0"/>
-              <a:t>Ridge Regression</a:t>
-            </a:r>
-          </a:p>
-        </p:txBody>
-      </p:sp>
-      <p:sp>
-        <p:nvSpPr>
-          <p:cNvPr id="14" name="Content Placeholder 2">
-            <a:extLst>
-              <a:ext uri="{FF2B5EF4-FFF2-40B4-BE49-F238E27FC236}">
-                <a16:creationId xmlns:a16="http://schemas.microsoft.com/office/drawing/2014/main" id="{0D922CBD-9289-F23A-D0BF-C7BFADFFE4A8}"/>
-              </a:ext>
-            </a:extLst>
-          </p:cNvPr>
-          <p:cNvSpPr txBox="1">
-            <a:spLocks/>
-          </p:cNvSpPr>
-          <p:nvPr/>
-        </p:nvSpPr>
-        <p:spPr>
-          <a:xfrm>
-            <a:off x="3557392" y="801666"/>
-            <a:ext cx="7779476" cy="5849653"/>
-          </a:xfrm>
-          <a:prstGeom prst="rect">
-            <a:avLst/>
-          </a:prstGeom>
-        </p:spPr>
-        <p:txBody>
-          <a:bodyPr vert="horz" lIns="91440" tIns="45720" rIns="91440" bIns="45720" rtlCol="0" anchor="t">
-            <a:normAutofit/>
-          </a:bodyPr>
-          <a:lstStyle>
-            <a:lvl1pPr marL="182880" indent="-182880" algn="l" defTabSz="914400" rtl="0" eaLnBrk="1" latinLnBrk="0" hangingPunct="1">
-              <a:lnSpc>
-                <a:spcPct val="90000"/>
-              </a:lnSpc>
-              <a:spcBef>
-                <a:spcPts val="1200"/>
-              </a:spcBef>
-              <a:buClr>
-                <a:schemeClr val="accent1"/>
-              </a:buClr>
-              <a:buFont typeface="Wingdings 2" pitchFamily="18" charset="2"/>
-              <a:buChar char=""/>
-              <a:defRPr sz="2000" kern="1200">
-                <a:solidFill>
-                  <a:schemeClr val="tx1">
-                    <a:lumMod val="75000"/>
-                    <a:lumOff val="25000"/>
-                  </a:schemeClr>
-                </a:solidFill>
-                <a:latin typeface="+mn-lt"/>
-                <a:ea typeface="+mn-ea"/>
-                <a:cs typeface="+mn-cs"/>
-              </a:defRPr>
-            </a:lvl1pPr>
-            <a:lvl2pPr marL="685800" indent="-182880" algn="l" defTabSz="914400" rtl="0" eaLnBrk="1" latinLnBrk="0" hangingPunct="1">
-              <a:lnSpc>
-                <a:spcPct val="90000"/>
-              </a:lnSpc>
-              <a:spcBef>
-                <a:spcPts val="250"/>
-              </a:spcBef>
-              <a:spcAft>
-                <a:spcPts val="250"/>
-              </a:spcAft>
-              <a:buClr>
-                <a:schemeClr val="accent1"/>
-              </a:buClr>
-              <a:buFont typeface="Wingdings 2" pitchFamily="18" charset="2"/>
-              <a:buChar char=""/>
-              <a:defRPr sz="1800" kern="1200">
-                <a:solidFill>
-                  <a:schemeClr val="tx1">
-                    <a:lumMod val="75000"/>
-                    <a:lumOff val="25000"/>
-                  </a:schemeClr>
-                </a:solidFill>
-                <a:latin typeface="+mn-lt"/>
-                <a:ea typeface="+mn-ea"/>
-                <a:cs typeface="+mn-cs"/>
-              </a:defRPr>
-            </a:lvl2pPr>
-            <a:lvl3pPr marL="1143000" indent="-182880" algn="l" defTabSz="914400" rtl="0" eaLnBrk="1" latinLnBrk="0" hangingPunct="1">
-              <a:lnSpc>
-                <a:spcPct val="90000"/>
-              </a:lnSpc>
-              <a:spcBef>
-                <a:spcPts val="250"/>
-              </a:spcBef>
-              <a:spcAft>
-                <a:spcPts val="250"/>
-              </a:spcAft>
-              <a:buClr>
-                <a:schemeClr val="accent1"/>
-              </a:buClr>
-              <a:buFont typeface="Wingdings 2" pitchFamily="18" charset="2"/>
-              <a:buChar char=""/>
-              <a:defRPr sz="1600" kern="1200">
-                <a:solidFill>
-                  <a:schemeClr val="tx1">
-                    <a:lumMod val="75000"/>
-                    <a:lumOff val="25000"/>
-                  </a:schemeClr>
-                </a:solidFill>
-                <a:latin typeface="+mn-lt"/>
-                <a:ea typeface="+mn-ea"/>
-                <a:cs typeface="+mn-cs"/>
-              </a:defRPr>
-            </a:lvl3pPr>
-            <a:lvl4pPr marL="1600200" indent="-182880" algn="l" defTabSz="914400" rtl="0" eaLnBrk="1" latinLnBrk="0" hangingPunct="1">
-              <a:lnSpc>
-                <a:spcPct val="90000"/>
-              </a:lnSpc>
-              <a:spcBef>
-                <a:spcPts val="250"/>
-              </a:spcBef>
-              <a:spcAft>
-                <a:spcPts val="250"/>
-              </a:spcAft>
-              <a:buClr>
-                <a:schemeClr val="accent1"/>
-              </a:buClr>
-              <a:buFont typeface="Wingdings 2" pitchFamily="18" charset="2"/>
-              <a:buChar char=""/>
-              <a:defRPr sz="1400" kern="1200">
-                <a:solidFill>
-                  <a:schemeClr val="tx1">
-                    <a:lumMod val="75000"/>
-                    <a:lumOff val="25000"/>
-                  </a:schemeClr>
-                </a:solidFill>
-                <a:latin typeface="+mn-lt"/>
-                <a:ea typeface="+mn-ea"/>
-                <a:cs typeface="+mn-cs"/>
-              </a:defRPr>
-            </a:lvl4pPr>
-            <a:lvl5pPr marL="2057400" indent="-182880" algn="l" defTabSz="914400" rtl="0" eaLnBrk="1" latinLnBrk="0" hangingPunct="1">
-              <a:lnSpc>
-                <a:spcPct val="90000"/>
-              </a:lnSpc>
-              <a:spcBef>
-                <a:spcPts val="250"/>
-              </a:spcBef>
-              <a:spcAft>
-                <a:spcPts val="250"/>
-              </a:spcAft>
-              <a:buClr>
-                <a:schemeClr val="accent1"/>
-              </a:buClr>
-              <a:buFont typeface="Wingdings 2" pitchFamily="18" charset="2"/>
-              <a:buChar char=""/>
-              <a:defRPr sz="1400" kern="1200">
-                <a:solidFill>
-                  <a:schemeClr val="tx1">
-                    <a:lumMod val="75000"/>
-                    <a:lumOff val="25000"/>
-                  </a:schemeClr>
-                </a:solidFill>
-                <a:latin typeface="+mn-lt"/>
-                <a:ea typeface="+mn-ea"/>
-                <a:cs typeface="+mn-cs"/>
-              </a:defRPr>
-            </a:lvl5pPr>
-            <a:lvl6pPr marL="2514600" indent="-228600" algn="l" defTabSz="914400" rtl="0" eaLnBrk="1" latinLnBrk="0" hangingPunct="1">
-              <a:lnSpc>
-                <a:spcPct val="90000"/>
-              </a:lnSpc>
-              <a:spcBef>
-                <a:spcPts val="250"/>
-              </a:spcBef>
-              <a:spcAft>
-                <a:spcPts val="250"/>
-              </a:spcAft>
-              <a:buClr>
-                <a:schemeClr val="accent1"/>
-              </a:buClr>
-              <a:buFont typeface="Wingdings 2" pitchFamily="18" charset="2"/>
-              <a:buChar char=""/>
-              <a:defRPr sz="1400" kern="1200">
-                <a:solidFill>
-                  <a:schemeClr val="tx1">
-                    <a:lumMod val="75000"/>
-                    <a:lumOff val="25000"/>
-                  </a:schemeClr>
-                </a:solidFill>
-                <a:latin typeface="+mn-lt"/>
-                <a:ea typeface="+mn-ea"/>
-                <a:cs typeface="+mn-cs"/>
-              </a:defRPr>
-            </a:lvl6pPr>
-            <a:lvl7pPr marL="2971800" indent="-228600" algn="l" defTabSz="914400" rtl="0" eaLnBrk="1" latinLnBrk="0" hangingPunct="1">
-              <a:lnSpc>
-                <a:spcPct val="90000"/>
-              </a:lnSpc>
-              <a:spcBef>
-                <a:spcPts val="250"/>
-              </a:spcBef>
-              <a:spcAft>
-                <a:spcPts val="250"/>
-              </a:spcAft>
-              <a:buClr>
-                <a:schemeClr val="accent1"/>
-              </a:buClr>
-              <a:buFont typeface="Wingdings 2" pitchFamily="18" charset="2"/>
-              <a:buChar char=""/>
-              <a:defRPr sz="1400" kern="1200">
-                <a:solidFill>
-                  <a:schemeClr val="tx1">
-                    <a:lumMod val="75000"/>
-                    <a:lumOff val="25000"/>
-                  </a:schemeClr>
-                </a:solidFill>
-                <a:latin typeface="+mn-lt"/>
-                <a:ea typeface="+mn-ea"/>
-                <a:cs typeface="+mn-cs"/>
-              </a:defRPr>
-            </a:lvl7pPr>
-            <a:lvl8pPr marL="3429000" indent="-228600" algn="l" defTabSz="914400" rtl="0" eaLnBrk="1" latinLnBrk="0" hangingPunct="1">
-              <a:lnSpc>
-                <a:spcPct val="90000"/>
-              </a:lnSpc>
-              <a:spcBef>
-                <a:spcPts val="250"/>
-              </a:spcBef>
-              <a:spcAft>
-                <a:spcPts val="250"/>
-              </a:spcAft>
-              <a:buClr>
-                <a:schemeClr val="accent1"/>
-              </a:buClr>
-              <a:buFont typeface="Wingdings 2" pitchFamily="18" charset="2"/>
-              <a:buChar char=""/>
-              <a:defRPr sz="1400" kern="1200">
-                <a:solidFill>
-                  <a:schemeClr val="tx1">
-                    <a:lumMod val="75000"/>
-                    <a:lumOff val="25000"/>
-                  </a:schemeClr>
-                </a:solidFill>
-                <a:latin typeface="+mn-lt"/>
-                <a:ea typeface="+mn-ea"/>
-                <a:cs typeface="+mn-cs"/>
-              </a:defRPr>
-            </a:lvl8pPr>
-            <a:lvl9pPr marL="3886200" indent="-228600" algn="l" defTabSz="914400" rtl="0" eaLnBrk="1" latinLnBrk="0" hangingPunct="1">
-              <a:lnSpc>
-                <a:spcPct val="90000"/>
-              </a:lnSpc>
-              <a:spcBef>
-                <a:spcPts val="250"/>
-              </a:spcBef>
-              <a:spcAft>
-                <a:spcPts val="250"/>
-              </a:spcAft>
-              <a:buClr>
-                <a:schemeClr val="accent1"/>
-              </a:buClr>
-              <a:buFont typeface="Wingdings 2" pitchFamily="18" charset="2"/>
-              <a:buChar char=""/>
-              <a:defRPr sz="1400" kern="1200">
-                <a:solidFill>
-                  <a:schemeClr val="tx1">
-                    <a:lumMod val="75000"/>
-                    <a:lumOff val="25000"/>
-                  </a:schemeClr>
-                </a:solidFill>
-                <a:latin typeface="+mn-lt"/>
-                <a:ea typeface="+mn-ea"/>
-                <a:cs typeface="+mn-cs"/>
-              </a:defRPr>
-            </a:lvl9pPr>
-          </a:lstStyle>
-          <a:p>
-            <a:pPr marL="502920" lvl="1" indent="0">
-              <a:buNone/>
-            </a:pPr>
-            <a:endParaRPr lang="en-US" sz="2200" dirty="0"/>
-          </a:p>
-        </p:txBody>
-      </p:sp>
-      <p:sp>
-        <p:nvSpPr>
-          <p:cNvPr id="12" name="Content Placeholder 2">
-            <a:extLst>
-              <a:ext uri="{FF2B5EF4-FFF2-40B4-BE49-F238E27FC236}">
-                <a16:creationId xmlns:a16="http://schemas.microsoft.com/office/drawing/2014/main" id="{AC3521A5-7227-AA6B-AB4B-63920AA02E24}"/>
-              </a:ext>
-            </a:extLst>
-          </p:cNvPr>
-          <p:cNvSpPr txBox="1">
-            <a:spLocks/>
-          </p:cNvSpPr>
-          <p:nvPr/>
-        </p:nvSpPr>
-        <p:spPr>
-          <a:xfrm>
-            <a:off x="3869268" y="864108"/>
-            <a:ext cx="7467600" cy="5192226"/>
-          </a:xfrm>
-          <a:prstGeom prst="rect">
-            <a:avLst/>
-          </a:prstGeom>
-        </p:spPr>
-        <p:txBody>
-          <a:bodyPr vert="horz" lIns="91440" tIns="45720" rIns="91440" bIns="45720" rtlCol="0" anchor="t">
-            <a:normAutofit/>
-          </a:bodyPr>
-          <a:lstStyle>
-            <a:lvl1pPr marL="182880" indent="-182880" algn="l" defTabSz="914400" rtl="0" eaLnBrk="1" latinLnBrk="0" hangingPunct="1">
-              <a:lnSpc>
-                <a:spcPct val="90000"/>
-              </a:lnSpc>
-              <a:spcBef>
-                <a:spcPts val="1200"/>
-              </a:spcBef>
-              <a:buClr>
-                <a:schemeClr val="accent1"/>
-              </a:buClr>
-              <a:buFont typeface="Wingdings 2" pitchFamily="18" charset="2"/>
-              <a:buChar char=""/>
-              <a:defRPr sz="2000" kern="1200">
-                <a:solidFill>
-                  <a:schemeClr val="tx1">
-                    <a:lumMod val="75000"/>
-                    <a:lumOff val="25000"/>
-                  </a:schemeClr>
-                </a:solidFill>
-                <a:latin typeface="+mn-lt"/>
-                <a:ea typeface="+mn-ea"/>
-                <a:cs typeface="+mn-cs"/>
-              </a:defRPr>
-            </a:lvl1pPr>
-            <a:lvl2pPr marL="685800" indent="-182880" algn="l" defTabSz="914400" rtl="0" eaLnBrk="1" latinLnBrk="0" hangingPunct="1">
-              <a:lnSpc>
-                <a:spcPct val="90000"/>
-              </a:lnSpc>
-              <a:spcBef>
-                <a:spcPts val="250"/>
-              </a:spcBef>
-              <a:spcAft>
-                <a:spcPts val="250"/>
-              </a:spcAft>
-              <a:buClr>
-                <a:schemeClr val="accent1"/>
-              </a:buClr>
-              <a:buFont typeface="Wingdings 2" pitchFamily="18" charset="2"/>
-              <a:buChar char=""/>
-              <a:defRPr sz="1800" kern="1200">
-                <a:solidFill>
-                  <a:schemeClr val="tx1">
-                    <a:lumMod val="75000"/>
-                    <a:lumOff val="25000"/>
-                  </a:schemeClr>
-                </a:solidFill>
-                <a:latin typeface="+mn-lt"/>
-                <a:ea typeface="+mn-ea"/>
-                <a:cs typeface="+mn-cs"/>
-              </a:defRPr>
-            </a:lvl2pPr>
-            <a:lvl3pPr marL="1143000" indent="-182880" algn="l" defTabSz="914400" rtl="0" eaLnBrk="1" latinLnBrk="0" hangingPunct="1">
-              <a:lnSpc>
-                <a:spcPct val="90000"/>
-              </a:lnSpc>
-              <a:spcBef>
-                <a:spcPts val="250"/>
-              </a:spcBef>
-              <a:spcAft>
-                <a:spcPts val="250"/>
-              </a:spcAft>
-              <a:buClr>
-                <a:schemeClr val="accent1"/>
-              </a:buClr>
-              <a:buFont typeface="Wingdings 2" pitchFamily="18" charset="2"/>
-              <a:buChar char=""/>
-              <a:defRPr sz="1600" kern="1200">
-                <a:solidFill>
-                  <a:schemeClr val="tx1">
-                    <a:lumMod val="75000"/>
-                    <a:lumOff val="25000"/>
-                  </a:schemeClr>
-                </a:solidFill>
-                <a:latin typeface="+mn-lt"/>
-                <a:ea typeface="+mn-ea"/>
-                <a:cs typeface="+mn-cs"/>
-              </a:defRPr>
-            </a:lvl3pPr>
-            <a:lvl4pPr marL="1600200" indent="-182880" algn="l" defTabSz="914400" rtl="0" eaLnBrk="1" latinLnBrk="0" hangingPunct="1">
-              <a:lnSpc>
-                <a:spcPct val="90000"/>
-              </a:lnSpc>
-              <a:spcBef>
-                <a:spcPts val="250"/>
-              </a:spcBef>
-              <a:spcAft>
-                <a:spcPts val="250"/>
-              </a:spcAft>
-              <a:buClr>
-                <a:schemeClr val="accent1"/>
-              </a:buClr>
-              <a:buFont typeface="Wingdings 2" pitchFamily="18" charset="2"/>
-              <a:buChar char=""/>
-              <a:defRPr sz="1400" kern="1200">
-                <a:solidFill>
-                  <a:schemeClr val="tx1">
-                    <a:lumMod val="75000"/>
-                    <a:lumOff val="25000"/>
-                  </a:schemeClr>
-                </a:solidFill>
-                <a:latin typeface="+mn-lt"/>
-                <a:ea typeface="+mn-ea"/>
-                <a:cs typeface="+mn-cs"/>
-              </a:defRPr>
-            </a:lvl4pPr>
-            <a:lvl5pPr marL="2057400" indent="-182880" algn="l" defTabSz="914400" rtl="0" eaLnBrk="1" latinLnBrk="0" hangingPunct="1">
-              <a:lnSpc>
-                <a:spcPct val="90000"/>
-              </a:lnSpc>
-              <a:spcBef>
-                <a:spcPts val="250"/>
-              </a:spcBef>
-              <a:spcAft>
-                <a:spcPts val="250"/>
-              </a:spcAft>
-              <a:buClr>
-                <a:schemeClr val="accent1"/>
-              </a:buClr>
-              <a:buFont typeface="Wingdings 2" pitchFamily="18" charset="2"/>
-              <a:buChar char=""/>
-              <a:defRPr sz="1400" kern="1200">
-                <a:solidFill>
-                  <a:schemeClr val="tx1">
-                    <a:lumMod val="75000"/>
-                    <a:lumOff val="25000"/>
-                  </a:schemeClr>
-                </a:solidFill>
-                <a:latin typeface="+mn-lt"/>
-                <a:ea typeface="+mn-ea"/>
-                <a:cs typeface="+mn-cs"/>
-              </a:defRPr>
-            </a:lvl5pPr>
-            <a:lvl6pPr marL="2514600" indent="-228600" algn="l" defTabSz="914400" rtl="0" eaLnBrk="1" latinLnBrk="0" hangingPunct="1">
-              <a:lnSpc>
-                <a:spcPct val="90000"/>
-              </a:lnSpc>
-              <a:spcBef>
-                <a:spcPts val="250"/>
-              </a:spcBef>
-              <a:spcAft>
-                <a:spcPts val="250"/>
-              </a:spcAft>
-              <a:buClr>
-                <a:schemeClr val="accent1"/>
-              </a:buClr>
-              <a:buFont typeface="Wingdings 2" pitchFamily="18" charset="2"/>
-              <a:buChar char=""/>
-              <a:defRPr sz="1400" kern="1200">
-                <a:solidFill>
-                  <a:schemeClr val="tx1">
-                    <a:lumMod val="75000"/>
-                    <a:lumOff val="25000"/>
-                  </a:schemeClr>
-                </a:solidFill>
-                <a:latin typeface="+mn-lt"/>
-                <a:ea typeface="+mn-ea"/>
-                <a:cs typeface="+mn-cs"/>
-              </a:defRPr>
-            </a:lvl6pPr>
-            <a:lvl7pPr marL="2971800" indent="-228600" algn="l" defTabSz="914400" rtl="0" eaLnBrk="1" latinLnBrk="0" hangingPunct="1">
-              <a:lnSpc>
-                <a:spcPct val="90000"/>
-              </a:lnSpc>
-              <a:spcBef>
-                <a:spcPts val="250"/>
-              </a:spcBef>
-              <a:spcAft>
-                <a:spcPts val="250"/>
-              </a:spcAft>
-              <a:buClr>
-                <a:schemeClr val="accent1"/>
-              </a:buClr>
-              <a:buFont typeface="Wingdings 2" pitchFamily="18" charset="2"/>
-              <a:buChar char=""/>
-              <a:defRPr sz="1400" kern="1200">
-                <a:solidFill>
-                  <a:schemeClr val="tx1">
-                    <a:lumMod val="75000"/>
-                    <a:lumOff val="25000"/>
-                  </a:schemeClr>
-                </a:solidFill>
-                <a:latin typeface="+mn-lt"/>
-                <a:ea typeface="+mn-ea"/>
-                <a:cs typeface="+mn-cs"/>
-              </a:defRPr>
-            </a:lvl7pPr>
-            <a:lvl8pPr marL="3429000" indent="-228600" algn="l" defTabSz="914400" rtl="0" eaLnBrk="1" latinLnBrk="0" hangingPunct="1">
-              <a:lnSpc>
-                <a:spcPct val="90000"/>
-              </a:lnSpc>
-              <a:spcBef>
-                <a:spcPts val="250"/>
-              </a:spcBef>
-              <a:spcAft>
-                <a:spcPts val="250"/>
-              </a:spcAft>
-              <a:buClr>
-                <a:schemeClr val="accent1"/>
-              </a:buClr>
-              <a:buFont typeface="Wingdings 2" pitchFamily="18" charset="2"/>
-              <a:buChar char=""/>
-              <a:defRPr sz="1400" kern="1200">
-                <a:solidFill>
-                  <a:schemeClr val="tx1">
-                    <a:lumMod val="75000"/>
-                    <a:lumOff val="25000"/>
-                  </a:schemeClr>
-                </a:solidFill>
-                <a:latin typeface="+mn-lt"/>
-                <a:ea typeface="+mn-ea"/>
-                <a:cs typeface="+mn-cs"/>
-              </a:defRPr>
-            </a:lvl8pPr>
-            <a:lvl9pPr marL="3886200" indent="-228600" algn="l" defTabSz="914400" rtl="0" eaLnBrk="1" latinLnBrk="0" hangingPunct="1">
-              <a:lnSpc>
-                <a:spcPct val="90000"/>
-              </a:lnSpc>
-              <a:spcBef>
-                <a:spcPts val="250"/>
-              </a:spcBef>
-              <a:spcAft>
-                <a:spcPts val="250"/>
-              </a:spcAft>
-              <a:buClr>
-                <a:schemeClr val="accent1"/>
-              </a:buClr>
-              <a:buFont typeface="Wingdings 2" pitchFamily="18" charset="2"/>
-              <a:buChar char=""/>
-              <a:defRPr sz="1400" kern="1200">
-                <a:solidFill>
-                  <a:schemeClr val="tx1">
-                    <a:lumMod val="75000"/>
-                    <a:lumOff val="25000"/>
-                  </a:schemeClr>
-                </a:solidFill>
-                <a:latin typeface="+mn-lt"/>
-                <a:ea typeface="+mn-ea"/>
-                <a:cs typeface="+mn-cs"/>
-              </a:defRPr>
-            </a:lvl9pPr>
-          </a:lstStyle>
-          <a:p>
-            <a:pPr marL="0" indent="0">
-              <a:buNone/>
-              <a:defRPr/>
-            </a:pPr>
-            <a:endParaRPr lang="en-US" dirty="0">
-              <a:solidFill>
-                <a:schemeClr val="tx1">
-                  <a:lumMod val="90000"/>
-                  <a:lumOff val="10000"/>
-                </a:schemeClr>
-              </a:solidFill>
-            </a:endParaRPr>
-          </a:p>
-        </p:txBody>
-      </p:sp>
-      <mc:AlternateContent xmlns:mc="http://schemas.openxmlformats.org/markup-compatibility/2006" xmlns:a14="http://schemas.microsoft.com/office/drawing/2010/main">
-        <mc:Choice Requires="a14">
-          <p:sp>
-            <p:nvSpPr>
-              <p:cNvPr id="8" name="Content Placeholder 2">
-                <a:extLst>
-                  <a:ext uri="{FF2B5EF4-FFF2-40B4-BE49-F238E27FC236}">
-                    <a16:creationId xmlns:a16="http://schemas.microsoft.com/office/drawing/2014/main" id="{240DBC71-789D-5E2F-2986-984B3D17DF5C}"/>
-                  </a:ext>
-                </a:extLst>
-              </p:cNvPr>
-              <p:cNvSpPr txBox="1">
-                <a:spLocks/>
-              </p:cNvSpPr>
-              <p:nvPr/>
-            </p:nvSpPr>
-            <p:spPr>
-              <a:xfrm>
-                <a:off x="4021668" y="801666"/>
-                <a:ext cx="7467600" cy="5407068"/>
-              </a:xfrm>
-              <a:prstGeom prst="rect">
-                <a:avLst/>
-              </a:prstGeom>
-            </p:spPr>
-            <p:txBody>
-              <a:bodyPr vert="horz" lIns="91440" tIns="45720" rIns="91440" bIns="45720" rtlCol="0" anchor="t">
-                <a:normAutofit/>
-              </a:bodyPr>
-              <a:lstStyle>
-                <a:lvl1pPr marL="182880" indent="-182880" algn="l" defTabSz="914400" rtl="0" eaLnBrk="1" latinLnBrk="0" hangingPunct="1">
-                  <a:lnSpc>
-                    <a:spcPct val="90000"/>
-                  </a:lnSpc>
-                  <a:spcBef>
-                    <a:spcPts val="1200"/>
-                  </a:spcBef>
-                  <a:buClr>
-                    <a:schemeClr val="accent1"/>
-                  </a:buClr>
-                  <a:buFont typeface="Wingdings 2" pitchFamily="18" charset="2"/>
-                  <a:buChar char=""/>
-                  <a:defRPr sz="2000" kern="1200">
-                    <a:solidFill>
-                      <a:schemeClr val="tx1">
-                        <a:lumMod val="75000"/>
-                        <a:lumOff val="25000"/>
-                      </a:schemeClr>
-                    </a:solidFill>
-                    <a:latin typeface="+mn-lt"/>
-                    <a:ea typeface="+mn-ea"/>
-                    <a:cs typeface="+mn-cs"/>
-                  </a:defRPr>
-                </a:lvl1pPr>
-                <a:lvl2pPr marL="685800" indent="-182880" algn="l" defTabSz="914400" rtl="0" eaLnBrk="1" latinLnBrk="0" hangingPunct="1">
-                  <a:lnSpc>
-                    <a:spcPct val="90000"/>
-                  </a:lnSpc>
-                  <a:spcBef>
-                    <a:spcPts val="250"/>
-                  </a:spcBef>
-                  <a:spcAft>
-                    <a:spcPts val="250"/>
-                  </a:spcAft>
-                  <a:buClr>
-                    <a:schemeClr val="accent1"/>
-                  </a:buClr>
-                  <a:buFont typeface="Wingdings 2" pitchFamily="18" charset="2"/>
-                  <a:buChar char=""/>
-                  <a:defRPr sz="1800" kern="1200">
-                    <a:solidFill>
-                      <a:schemeClr val="tx1">
-                        <a:lumMod val="75000"/>
-                        <a:lumOff val="25000"/>
-                      </a:schemeClr>
-                    </a:solidFill>
-                    <a:latin typeface="+mn-lt"/>
-                    <a:ea typeface="+mn-ea"/>
-                    <a:cs typeface="+mn-cs"/>
-                  </a:defRPr>
-                </a:lvl2pPr>
-                <a:lvl3pPr marL="1143000" indent="-182880" algn="l" defTabSz="914400" rtl="0" eaLnBrk="1" latinLnBrk="0" hangingPunct="1">
-                  <a:lnSpc>
-                    <a:spcPct val="90000"/>
-                  </a:lnSpc>
-                  <a:spcBef>
-                    <a:spcPts val="250"/>
-                  </a:spcBef>
-                  <a:spcAft>
-                    <a:spcPts val="250"/>
-                  </a:spcAft>
-                  <a:buClr>
-                    <a:schemeClr val="accent1"/>
-                  </a:buClr>
-                  <a:buFont typeface="Wingdings 2" pitchFamily="18" charset="2"/>
-                  <a:buChar char=""/>
-                  <a:defRPr sz="1600" kern="1200">
-                    <a:solidFill>
-                      <a:schemeClr val="tx1">
-                        <a:lumMod val="75000"/>
-                        <a:lumOff val="25000"/>
-                      </a:schemeClr>
-                    </a:solidFill>
-                    <a:latin typeface="+mn-lt"/>
-                    <a:ea typeface="+mn-ea"/>
-                    <a:cs typeface="+mn-cs"/>
-                  </a:defRPr>
-                </a:lvl3pPr>
-                <a:lvl4pPr marL="1600200" indent="-182880" algn="l" defTabSz="914400" rtl="0" eaLnBrk="1" latinLnBrk="0" hangingPunct="1">
-                  <a:lnSpc>
-                    <a:spcPct val="90000"/>
-                  </a:lnSpc>
-                  <a:spcBef>
-                    <a:spcPts val="250"/>
-                  </a:spcBef>
-                  <a:spcAft>
-                    <a:spcPts val="250"/>
-                  </a:spcAft>
-                  <a:buClr>
-                    <a:schemeClr val="accent1"/>
-                  </a:buClr>
-                  <a:buFont typeface="Wingdings 2" pitchFamily="18" charset="2"/>
-                  <a:buChar char=""/>
-                  <a:defRPr sz="1400" kern="1200">
-                    <a:solidFill>
-                      <a:schemeClr val="tx1">
-                        <a:lumMod val="75000"/>
-                        <a:lumOff val="25000"/>
-                      </a:schemeClr>
-                    </a:solidFill>
-                    <a:latin typeface="+mn-lt"/>
-                    <a:ea typeface="+mn-ea"/>
-                    <a:cs typeface="+mn-cs"/>
-                  </a:defRPr>
-                </a:lvl4pPr>
-                <a:lvl5pPr marL="2057400" indent="-182880" algn="l" defTabSz="914400" rtl="0" eaLnBrk="1" latinLnBrk="0" hangingPunct="1">
-                  <a:lnSpc>
-                    <a:spcPct val="90000"/>
-                  </a:lnSpc>
-                  <a:spcBef>
-                    <a:spcPts val="250"/>
-                  </a:spcBef>
-                  <a:spcAft>
-                    <a:spcPts val="250"/>
-                  </a:spcAft>
-                  <a:buClr>
-                    <a:schemeClr val="accent1"/>
-                  </a:buClr>
-                  <a:buFont typeface="Wingdings 2" pitchFamily="18" charset="2"/>
-                  <a:buChar char=""/>
-                  <a:defRPr sz="1400" kern="1200">
-                    <a:solidFill>
-                      <a:schemeClr val="tx1">
-                        <a:lumMod val="75000"/>
-                        <a:lumOff val="25000"/>
-                      </a:schemeClr>
-                    </a:solidFill>
-                    <a:latin typeface="+mn-lt"/>
-                    <a:ea typeface="+mn-ea"/>
-                    <a:cs typeface="+mn-cs"/>
-                  </a:defRPr>
-                </a:lvl5pPr>
-                <a:lvl6pPr marL="2514600" indent="-228600" algn="l" defTabSz="914400" rtl="0" eaLnBrk="1" latinLnBrk="0" hangingPunct="1">
-                  <a:lnSpc>
-                    <a:spcPct val="90000"/>
-                  </a:lnSpc>
-                  <a:spcBef>
-                    <a:spcPts val="250"/>
-                  </a:spcBef>
-                  <a:spcAft>
-                    <a:spcPts val="250"/>
-                  </a:spcAft>
-                  <a:buClr>
-                    <a:schemeClr val="accent1"/>
-                  </a:buClr>
-                  <a:buFont typeface="Wingdings 2" pitchFamily="18" charset="2"/>
-                  <a:buChar char=""/>
-                  <a:defRPr sz="1400" kern="1200">
-                    <a:solidFill>
-                      <a:schemeClr val="tx1">
-                        <a:lumMod val="75000"/>
-                        <a:lumOff val="25000"/>
-                      </a:schemeClr>
-                    </a:solidFill>
-                    <a:latin typeface="+mn-lt"/>
-                    <a:ea typeface="+mn-ea"/>
-                    <a:cs typeface="+mn-cs"/>
-                  </a:defRPr>
-                </a:lvl6pPr>
-                <a:lvl7pPr marL="2971800" indent="-228600" algn="l" defTabSz="914400" rtl="0" eaLnBrk="1" latinLnBrk="0" hangingPunct="1">
-                  <a:lnSpc>
-                    <a:spcPct val="90000"/>
-                  </a:lnSpc>
-                  <a:spcBef>
-                    <a:spcPts val="250"/>
-                  </a:spcBef>
-                  <a:spcAft>
-                    <a:spcPts val="250"/>
-                  </a:spcAft>
-                  <a:buClr>
-                    <a:schemeClr val="accent1"/>
-                  </a:buClr>
-                  <a:buFont typeface="Wingdings 2" pitchFamily="18" charset="2"/>
-                  <a:buChar char=""/>
-                  <a:defRPr sz="1400" kern="1200">
-                    <a:solidFill>
-                      <a:schemeClr val="tx1">
-                        <a:lumMod val="75000"/>
-                        <a:lumOff val="25000"/>
-                      </a:schemeClr>
-                    </a:solidFill>
-                    <a:latin typeface="+mn-lt"/>
-                    <a:ea typeface="+mn-ea"/>
-                    <a:cs typeface="+mn-cs"/>
-                  </a:defRPr>
-                </a:lvl7pPr>
-                <a:lvl8pPr marL="3429000" indent="-228600" algn="l" defTabSz="914400" rtl="0" eaLnBrk="1" latinLnBrk="0" hangingPunct="1">
-                  <a:lnSpc>
-                    <a:spcPct val="90000"/>
-                  </a:lnSpc>
-                  <a:spcBef>
-                    <a:spcPts val="250"/>
-                  </a:spcBef>
-                  <a:spcAft>
-                    <a:spcPts val="250"/>
-                  </a:spcAft>
-                  <a:buClr>
-                    <a:schemeClr val="accent1"/>
-                  </a:buClr>
-                  <a:buFont typeface="Wingdings 2" pitchFamily="18" charset="2"/>
-                  <a:buChar char=""/>
-                  <a:defRPr sz="1400" kern="1200">
-                    <a:solidFill>
-                      <a:schemeClr val="tx1">
-                        <a:lumMod val="75000"/>
-                        <a:lumOff val="25000"/>
-                      </a:schemeClr>
-                    </a:solidFill>
-                    <a:latin typeface="+mn-lt"/>
-                    <a:ea typeface="+mn-ea"/>
-                    <a:cs typeface="+mn-cs"/>
-                  </a:defRPr>
-                </a:lvl8pPr>
-                <a:lvl9pPr marL="3886200" indent="-228600" algn="l" defTabSz="914400" rtl="0" eaLnBrk="1" latinLnBrk="0" hangingPunct="1">
-                  <a:lnSpc>
-                    <a:spcPct val="90000"/>
-                  </a:lnSpc>
-                  <a:spcBef>
-                    <a:spcPts val="250"/>
-                  </a:spcBef>
-                  <a:spcAft>
-                    <a:spcPts val="250"/>
-                  </a:spcAft>
-                  <a:buClr>
-                    <a:schemeClr val="accent1"/>
-                  </a:buClr>
-                  <a:buFont typeface="Wingdings 2" pitchFamily="18" charset="2"/>
-                  <a:buChar char=""/>
-                  <a:defRPr sz="1400" kern="1200">
-                    <a:solidFill>
-                      <a:schemeClr val="tx1">
-                        <a:lumMod val="75000"/>
-                        <a:lumOff val="25000"/>
-                      </a:schemeClr>
-                    </a:solidFill>
-                    <a:latin typeface="+mn-lt"/>
-                    <a:ea typeface="+mn-ea"/>
-                    <a:cs typeface="+mn-cs"/>
-                  </a:defRPr>
-                </a:lvl9pPr>
-              </a:lstStyle>
-              <a:p>
-                <a:pPr marL="0" indent="0">
-                  <a:buNone/>
-                  <a:defRPr/>
-                </a:pPr>
-                <a:r>
-                  <a:rPr lang="en-US" sz="2400" b="1" dirty="0">
-                    <a:solidFill>
-                      <a:schemeClr val="tx1">
-                        <a:lumMod val="90000"/>
-                        <a:lumOff val="10000"/>
-                      </a:schemeClr>
-                    </a:solidFill>
-                  </a:rPr>
-                  <a:t>Big idea</a:t>
-                </a:r>
-                <a:r>
-                  <a:rPr lang="en-US" sz="2400" dirty="0">
-                    <a:solidFill>
-                      <a:schemeClr val="tx1">
-                        <a:lumMod val="90000"/>
-                        <a:lumOff val="10000"/>
-                      </a:schemeClr>
-                    </a:solidFill>
-                  </a:rPr>
-                  <a:t>: minimize RSS plus an additional penalty that rewards small (sum of) coefficient values.</a:t>
-                </a:r>
-              </a:p>
-              <a:p>
-                <a:pPr marL="0" indent="0">
-                  <a:buNone/>
-                  <a:defRPr/>
-                </a:pPr>
-                <a:endParaRPr lang="en-US" sz="2400" dirty="0">
-                  <a:solidFill>
-                    <a:schemeClr val="tx1">
-                      <a:lumMod val="90000"/>
-                      <a:lumOff val="10000"/>
-                    </a:schemeClr>
-                  </a:solidFill>
-                </a:endParaRPr>
-              </a:p>
-              <a:p>
-                <a:pPr marL="0" indent="0">
-                  <a:buNone/>
-                  <a:defRPr/>
-                </a:pPr>
-                <a:r>
-                  <a:rPr lang="en-US" sz="2400" dirty="0">
-                    <a:solidFill>
-                      <a:schemeClr val="tx1">
-                        <a:lumMod val="90000"/>
-                        <a:lumOff val="10000"/>
-                      </a:schemeClr>
-                    </a:solidFill>
-                  </a:rPr>
-                  <a:t>Least squares fits by finding coefficients that minimize</a:t>
-                </a:r>
-              </a:p>
-              <a:p>
-                <a:pPr marL="0" indent="0">
-                  <a:buNone/>
-                  <a:defRPr/>
-                </a:pPr>
-                <a14:m>
-                  <m:oMathPara xmlns:m="http://schemas.openxmlformats.org/officeDocument/2006/math">
-                    <m:oMathParaPr>
-                      <m:jc m:val="centerGroup"/>
-                    </m:oMathParaPr>
-                    <m:oMath xmlns:m="http://schemas.openxmlformats.org/officeDocument/2006/math">
-                      <m:r>
-                        <a:rPr lang="en-US" sz="2400" b="0" i="1" smtClean="0">
-                          <a:solidFill>
-                            <a:schemeClr val="tx1">
-                              <a:lumMod val="90000"/>
-                              <a:lumOff val="10000"/>
-                            </a:schemeClr>
-                          </a:solidFill>
-                          <a:latin typeface="Cambria Math" panose="02040503050406030204" pitchFamily="18" charset="0"/>
-                        </a:rPr>
-                        <m:t>𝑅𝑆𝑆</m:t>
-                      </m:r>
-                      <m:r>
-                        <a:rPr lang="en-US" sz="2400" b="0" i="1" smtClean="0">
-                          <a:solidFill>
-                            <a:schemeClr val="tx1">
-                              <a:lumMod val="90000"/>
-                              <a:lumOff val="10000"/>
-                            </a:schemeClr>
-                          </a:solidFill>
-                          <a:latin typeface="Cambria Math" panose="02040503050406030204" pitchFamily="18" charset="0"/>
-                        </a:rPr>
-                        <m:t>=</m:t>
-                      </m:r>
-                      <m:nary>
-                        <m:naryPr>
-                          <m:chr m:val="∑"/>
-                          <m:ctrlPr>
-                            <a:rPr lang="en-US" sz="2400" b="0" i="1" smtClean="0">
-                              <a:solidFill>
-                                <a:schemeClr val="tx1">
-                                  <a:lumMod val="90000"/>
-                                  <a:lumOff val="10000"/>
-                                </a:schemeClr>
-                              </a:solidFill>
-                              <a:latin typeface="Cambria Math" panose="02040503050406030204" pitchFamily="18" charset="0"/>
-                            </a:rPr>
-                          </m:ctrlPr>
-                        </m:naryPr>
-                        <m:sub>
-                          <m:r>
-                            <m:rPr>
-                              <m:brk m:alnAt="23"/>
-                            </m:rPr>
-                            <a:rPr lang="en-US" sz="2400" b="0" i="1" smtClean="0">
-                              <a:solidFill>
-                                <a:schemeClr val="tx1">
-                                  <a:lumMod val="90000"/>
-                                  <a:lumOff val="10000"/>
-                                </a:schemeClr>
-                              </a:solidFill>
-                              <a:latin typeface="Cambria Math" panose="02040503050406030204" pitchFamily="18" charset="0"/>
-                            </a:rPr>
-                            <m:t>𝑖</m:t>
-                          </m:r>
-                          <m:r>
-                            <a:rPr lang="en-US" sz="2400" b="0" i="1" smtClean="0">
-                              <a:solidFill>
-                                <a:schemeClr val="tx1">
-                                  <a:lumMod val="90000"/>
-                                  <a:lumOff val="10000"/>
-                                </a:schemeClr>
-                              </a:solidFill>
-                              <a:latin typeface="Cambria Math" panose="02040503050406030204" pitchFamily="18" charset="0"/>
-                            </a:rPr>
-                            <m:t>=1</m:t>
-                          </m:r>
-                        </m:sub>
-                        <m:sup>
-                          <m:r>
-                            <a:rPr lang="en-US" sz="2400" b="0" i="1" smtClean="0">
-                              <a:solidFill>
-                                <a:schemeClr val="tx1">
-                                  <a:lumMod val="90000"/>
-                                  <a:lumOff val="10000"/>
-                                </a:schemeClr>
-                              </a:solidFill>
-                              <a:latin typeface="Cambria Math" panose="02040503050406030204" pitchFamily="18" charset="0"/>
-                            </a:rPr>
-                            <m:t>𝑛</m:t>
-                          </m:r>
-                        </m:sup>
-                        <m:e>
-                          <m:sSup>
-                            <m:sSupPr>
-                              <m:ctrlPr>
-                                <a:rPr lang="en-US" sz="2400" b="0" i="1" smtClean="0">
-                                  <a:solidFill>
-                                    <a:schemeClr val="tx1">
-                                      <a:lumMod val="90000"/>
-                                      <a:lumOff val="10000"/>
-                                    </a:schemeClr>
-                                  </a:solidFill>
-                                  <a:latin typeface="Cambria Math" panose="02040503050406030204" pitchFamily="18" charset="0"/>
-                                </a:rPr>
-                              </m:ctrlPr>
-                            </m:sSupPr>
-                            <m:e>
-                              <m:d>
-                                <m:dPr>
-                                  <m:ctrlPr>
-                                    <a:rPr lang="en-US" sz="2400" b="0" i="1" smtClean="0">
-                                      <a:solidFill>
-                                        <a:schemeClr val="tx1">
-                                          <a:lumMod val="90000"/>
-                                          <a:lumOff val="10000"/>
-                                        </a:schemeClr>
-                                      </a:solidFill>
-                                      <a:latin typeface="Cambria Math" panose="02040503050406030204" pitchFamily="18" charset="0"/>
-                                    </a:rPr>
-                                  </m:ctrlPr>
-                                </m:dPr>
-                                <m:e>
-                                  <m:sSub>
-                                    <m:sSubPr>
-                                      <m:ctrlPr>
-                                        <a:rPr lang="en-US" sz="2400" b="0" i="1" smtClean="0">
-                                          <a:solidFill>
-                                            <a:schemeClr val="tx1">
-                                              <a:lumMod val="90000"/>
-                                              <a:lumOff val="10000"/>
-                                            </a:schemeClr>
-                                          </a:solidFill>
-                                          <a:latin typeface="Cambria Math" panose="02040503050406030204" pitchFamily="18" charset="0"/>
-                                        </a:rPr>
-                                      </m:ctrlPr>
-                                    </m:sSubPr>
-                                    <m:e>
-                                      <m:r>
-                                        <a:rPr lang="en-US" sz="2400" b="0" i="1" smtClean="0">
-                                          <a:solidFill>
-                                            <a:schemeClr val="tx1">
-                                              <a:lumMod val="90000"/>
-                                              <a:lumOff val="10000"/>
-                                            </a:schemeClr>
-                                          </a:solidFill>
-                                          <a:latin typeface="Cambria Math" panose="02040503050406030204" pitchFamily="18" charset="0"/>
-                                        </a:rPr>
-                                        <m:t>𝑦</m:t>
-                                      </m:r>
-                                    </m:e>
-                                    <m:sub>
-                                      <m:r>
-                                        <a:rPr lang="en-US" sz="2400" b="0" i="1" smtClean="0">
-                                          <a:solidFill>
-                                            <a:schemeClr val="tx1">
-                                              <a:lumMod val="90000"/>
-                                              <a:lumOff val="10000"/>
-                                            </a:schemeClr>
-                                          </a:solidFill>
-                                          <a:latin typeface="Cambria Math" panose="02040503050406030204" pitchFamily="18" charset="0"/>
-                                        </a:rPr>
-                                        <m:t>𝑖</m:t>
-                                      </m:r>
-                                    </m:sub>
-                                  </m:sSub>
-                                  <m:r>
-                                    <a:rPr lang="en-US" sz="2400" b="0" i="1" smtClean="0">
-                                      <a:solidFill>
-                                        <a:schemeClr val="tx1">
-                                          <a:lumMod val="90000"/>
-                                          <a:lumOff val="10000"/>
-                                        </a:schemeClr>
-                                      </a:solidFill>
-                                      <a:latin typeface="Cambria Math" panose="02040503050406030204" pitchFamily="18" charset="0"/>
-                                    </a:rPr>
-                                    <m:t>−</m:t>
-                                  </m:r>
-                                  <m:sSub>
-                                    <m:sSubPr>
-                                      <m:ctrlPr>
-                                        <a:rPr lang="en-US" sz="2400" b="0" i="1" smtClean="0">
-                                          <a:solidFill>
-                                            <a:schemeClr val="tx1">
-                                              <a:lumMod val="90000"/>
-                                              <a:lumOff val="10000"/>
-                                            </a:schemeClr>
-                                          </a:solidFill>
-                                          <a:latin typeface="Cambria Math" panose="02040503050406030204" pitchFamily="18" charset="0"/>
-                                        </a:rPr>
-                                      </m:ctrlPr>
-                                    </m:sSubPr>
-                                    <m:e>
-                                      <m:r>
-                                        <a:rPr lang="en-US" sz="2400" b="0" i="1" smtClean="0">
-                                          <a:solidFill>
-                                            <a:schemeClr val="tx1">
-                                              <a:lumMod val="90000"/>
-                                              <a:lumOff val="10000"/>
-                                            </a:schemeClr>
-                                          </a:solidFill>
-                                          <a:latin typeface="Cambria Math" panose="02040503050406030204" pitchFamily="18" charset="0"/>
-                                        </a:rPr>
-                                        <m:t>𝛽</m:t>
-                                      </m:r>
-                                    </m:e>
-                                    <m:sub>
-                                      <m:r>
-                                        <a:rPr lang="en-US" sz="2400" b="0" i="1" smtClean="0">
-                                          <a:solidFill>
-                                            <a:schemeClr val="tx1">
-                                              <a:lumMod val="90000"/>
-                                              <a:lumOff val="10000"/>
-                                            </a:schemeClr>
-                                          </a:solidFill>
-                                          <a:latin typeface="Cambria Math" panose="02040503050406030204" pitchFamily="18" charset="0"/>
-                                        </a:rPr>
-                                        <m:t>0</m:t>
-                                      </m:r>
-                                    </m:sub>
-                                  </m:sSub>
-                                  <m:r>
-                                    <a:rPr lang="en-US" sz="2400" b="0" i="1" smtClean="0">
-                                      <a:solidFill>
-                                        <a:schemeClr val="tx1">
-                                          <a:lumMod val="90000"/>
-                                          <a:lumOff val="10000"/>
-                                        </a:schemeClr>
-                                      </a:solidFill>
-                                      <a:latin typeface="Cambria Math" panose="02040503050406030204" pitchFamily="18" charset="0"/>
-                                    </a:rPr>
-                                    <m:t>−</m:t>
-                                  </m:r>
-                                  <m:nary>
-                                    <m:naryPr>
-                                      <m:chr m:val="∑"/>
-                                      <m:ctrlPr>
-                                        <a:rPr lang="en-US" sz="2400" b="0" i="1" smtClean="0">
-                                          <a:solidFill>
-                                            <a:schemeClr val="tx1">
-                                              <a:lumMod val="90000"/>
-                                              <a:lumOff val="10000"/>
-                                            </a:schemeClr>
-                                          </a:solidFill>
-                                          <a:latin typeface="Cambria Math" panose="02040503050406030204" pitchFamily="18" charset="0"/>
-                                        </a:rPr>
-                                      </m:ctrlPr>
-                                    </m:naryPr>
-                                    <m:sub>
-                                      <m:r>
-                                        <m:rPr>
-                                          <m:brk m:alnAt="23"/>
-                                        </m:rPr>
-                                        <a:rPr lang="en-US" sz="2400" b="0" i="1" smtClean="0">
-                                          <a:solidFill>
-                                            <a:schemeClr val="tx1">
-                                              <a:lumMod val="90000"/>
-                                              <a:lumOff val="10000"/>
-                                            </a:schemeClr>
-                                          </a:solidFill>
-                                          <a:latin typeface="Cambria Math" panose="02040503050406030204" pitchFamily="18" charset="0"/>
-                                        </a:rPr>
-                                        <m:t>𝑗</m:t>
-                                      </m:r>
-                                      <m:r>
-                                        <a:rPr lang="en-US" sz="2400" b="0" i="1" smtClean="0">
-                                          <a:solidFill>
-                                            <a:schemeClr val="tx1">
-                                              <a:lumMod val="90000"/>
-                                              <a:lumOff val="10000"/>
-                                            </a:schemeClr>
-                                          </a:solidFill>
-                                          <a:latin typeface="Cambria Math" panose="02040503050406030204" pitchFamily="18" charset="0"/>
-                                        </a:rPr>
-                                        <m:t>=1</m:t>
-                                      </m:r>
-                                    </m:sub>
-                                    <m:sup>
-                                      <m:r>
-                                        <a:rPr lang="en-US" sz="2400" b="0" i="1" smtClean="0">
-                                          <a:solidFill>
-                                            <a:schemeClr val="tx1">
-                                              <a:lumMod val="90000"/>
-                                              <a:lumOff val="10000"/>
-                                            </a:schemeClr>
-                                          </a:solidFill>
-                                          <a:latin typeface="Cambria Math" panose="02040503050406030204" pitchFamily="18" charset="0"/>
-                                        </a:rPr>
-                                        <m:t>𝑝</m:t>
-                                      </m:r>
-                                    </m:sup>
-                                    <m:e>
-                                      <m:sSub>
-                                        <m:sSubPr>
-                                          <m:ctrlPr>
-                                            <a:rPr lang="en-US" sz="2400" b="0" i="1" smtClean="0">
-                                              <a:solidFill>
-                                                <a:schemeClr val="tx1">
-                                                  <a:lumMod val="90000"/>
-                                                  <a:lumOff val="10000"/>
-                                                </a:schemeClr>
-                                              </a:solidFill>
-                                              <a:latin typeface="Cambria Math" panose="02040503050406030204" pitchFamily="18" charset="0"/>
-                                            </a:rPr>
-                                          </m:ctrlPr>
-                                        </m:sSubPr>
-                                        <m:e>
-                                          <m:r>
-                                            <a:rPr lang="en-US" sz="2400" b="0" i="1" smtClean="0">
-                                              <a:solidFill>
-                                                <a:schemeClr val="tx1">
-                                                  <a:lumMod val="90000"/>
-                                                  <a:lumOff val="10000"/>
-                                                </a:schemeClr>
-                                              </a:solidFill>
-                                              <a:latin typeface="Cambria Math" panose="02040503050406030204" pitchFamily="18" charset="0"/>
-                                            </a:rPr>
-                                            <m:t>𝛽</m:t>
-                                          </m:r>
-                                        </m:e>
-                                        <m:sub>
-                                          <m:r>
-                                            <a:rPr lang="en-US" sz="2400" b="0" i="1" smtClean="0">
-                                              <a:solidFill>
-                                                <a:schemeClr val="tx1">
-                                                  <a:lumMod val="90000"/>
-                                                  <a:lumOff val="10000"/>
-                                                </a:schemeClr>
-                                              </a:solidFill>
-                                              <a:latin typeface="Cambria Math" panose="02040503050406030204" pitchFamily="18" charset="0"/>
-                                            </a:rPr>
-                                            <m:t>𝑗</m:t>
-                                          </m:r>
-                                        </m:sub>
-                                      </m:sSub>
-                                      <m:sSub>
-                                        <m:sSubPr>
-                                          <m:ctrlPr>
-                                            <a:rPr lang="en-US" sz="2400" b="0" i="1" smtClean="0">
-                                              <a:solidFill>
-                                                <a:schemeClr val="tx1">
-                                                  <a:lumMod val="90000"/>
-                                                  <a:lumOff val="10000"/>
-                                                </a:schemeClr>
-                                              </a:solidFill>
-                                              <a:latin typeface="Cambria Math" panose="02040503050406030204" pitchFamily="18" charset="0"/>
-                                            </a:rPr>
-                                          </m:ctrlPr>
-                                        </m:sSubPr>
-                                        <m:e>
-                                          <m:r>
-                                            <a:rPr lang="en-US" sz="2400" b="0" i="1" smtClean="0">
-                                              <a:solidFill>
-                                                <a:schemeClr val="tx1">
-                                                  <a:lumMod val="90000"/>
-                                                  <a:lumOff val="10000"/>
-                                                </a:schemeClr>
-                                              </a:solidFill>
-                                              <a:latin typeface="Cambria Math" panose="02040503050406030204" pitchFamily="18" charset="0"/>
-                                            </a:rPr>
-                                            <m:t>𝑥</m:t>
-                                          </m:r>
-                                        </m:e>
-                                        <m:sub>
-                                          <m:r>
-                                            <a:rPr lang="en-US" sz="2400" b="0" i="1" smtClean="0">
-                                              <a:solidFill>
-                                                <a:schemeClr val="tx1">
-                                                  <a:lumMod val="90000"/>
-                                                  <a:lumOff val="10000"/>
-                                                </a:schemeClr>
-                                              </a:solidFill>
-                                              <a:latin typeface="Cambria Math" panose="02040503050406030204" pitchFamily="18" charset="0"/>
-                                            </a:rPr>
-                                            <m:t>𝑖𝑗</m:t>
-                                          </m:r>
-                                        </m:sub>
-                                      </m:sSub>
-                                    </m:e>
-                                  </m:nary>
-                                </m:e>
-                              </m:d>
-                            </m:e>
-                            <m:sup>
-                              <m:r>
-                                <a:rPr lang="en-US" sz="2400" b="0" i="1" smtClean="0">
-                                  <a:solidFill>
-                                    <a:schemeClr val="tx1">
-                                      <a:lumMod val="90000"/>
-                                      <a:lumOff val="10000"/>
-                                    </a:schemeClr>
-                                  </a:solidFill>
-                                  <a:latin typeface="Cambria Math" panose="02040503050406030204" pitchFamily="18" charset="0"/>
-                                </a:rPr>
-                                <m:t>2</m:t>
-                              </m:r>
-                            </m:sup>
-                          </m:sSup>
-                        </m:e>
-                      </m:nary>
-                    </m:oMath>
-                  </m:oMathPara>
-                </a14:m>
-                <a:endParaRPr lang="en-US" sz="2400" dirty="0">
-                  <a:solidFill>
-                    <a:schemeClr val="tx1">
-                      <a:lumMod val="90000"/>
-                      <a:lumOff val="10000"/>
-                    </a:schemeClr>
-                  </a:solidFill>
-                </a:endParaRPr>
-              </a:p>
-              <a:p>
-                <a:pPr marL="0" indent="0">
-                  <a:buNone/>
-                  <a:defRPr/>
-                </a:pPr>
-                <a:r>
-                  <a:rPr lang="en-US" sz="2400" dirty="0">
-                    <a:solidFill>
-                      <a:schemeClr val="tx1">
-                        <a:lumMod val="90000"/>
-                        <a:lumOff val="10000"/>
-                      </a:schemeClr>
-                    </a:solidFill>
-                  </a:rPr>
-                  <a:t>Ridge Regression fits by finding coefficients that minimize</a:t>
-                </a:r>
-              </a:p>
-              <a:p>
-                <a:pPr marL="0" indent="0">
-                  <a:buNone/>
-                  <a:defRPr/>
-                </a:pPr>
-                <a14:m>
-                  <m:oMathPara xmlns:m="http://schemas.openxmlformats.org/officeDocument/2006/math">
-                    <m:oMathParaPr>
-                      <m:jc m:val="centerGroup"/>
-                    </m:oMathParaPr>
-                    <m:oMath xmlns:m="http://schemas.openxmlformats.org/officeDocument/2006/math">
-                      <m:r>
-                        <a:rPr lang="en-US" sz="2400" i="1" smtClean="0">
-                          <a:solidFill>
-                            <a:schemeClr val="tx1">
-                              <a:lumMod val="90000"/>
-                              <a:lumOff val="10000"/>
-                            </a:schemeClr>
-                          </a:solidFill>
-                          <a:latin typeface="Cambria Math" panose="02040503050406030204" pitchFamily="18" charset="0"/>
-                        </a:rPr>
-                        <m:t>𝑅</m:t>
-                      </m:r>
-                      <m:r>
-                        <a:rPr lang="en-US" sz="2400" b="0" i="1" smtClean="0">
-                          <a:solidFill>
-                            <a:schemeClr val="tx1">
-                              <a:lumMod val="90000"/>
-                              <a:lumOff val="10000"/>
-                            </a:schemeClr>
-                          </a:solidFill>
-                          <a:latin typeface="Cambria Math" panose="02040503050406030204" pitchFamily="18" charset="0"/>
-                        </a:rPr>
-                        <m:t>𝑆𝑆</m:t>
-                      </m:r>
-                      <m:r>
-                        <a:rPr lang="en-US" sz="2400" b="0" i="1" smtClean="0">
-                          <a:solidFill>
-                            <a:schemeClr val="tx1">
-                              <a:lumMod val="90000"/>
-                              <a:lumOff val="10000"/>
-                            </a:schemeClr>
-                          </a:solidFill>
-                          <a:latin typeface="Cambria Math" panose="02040503050406030204" pitchFamily="18" charset="0"/>
-                        </a:rPr>
-                        <m:t>+</m:t>
-                      </m:r>
-                      <m:r>
-                        <a:rPr lang="en-US" sz="2400" b="0" i="1" smtClean="0">
-                          <a:solidFill>
-                            <a:schemeClr val="tx1">
-                              <a:lumMod val="90000"/>
-                              <a:lumOff val="10000"/>
-                            </a:schemeClr>
-                          </a:solidFill>
-                          <a:latin typeface="Cambria Math" panose="02040503050406030204" pitchFamily="18" charset="0"/>
-                        </a:rPr>
-                        <m:t>𝜆</m:t>
-                      </m:r>
-                      <m:nary>
-                        <m:naryPr>
-                          <m:chr m:val="∑"/>
-                          <m:ctrlPr>
-                            <a:rPr lang="en-US" sz="2400" b="0" i="1" smtClean="0">
-                              <a:solidFill>
-                                <a:schemeClr val="tx1">
-                                  <a:lumMod val="90000"/>
-                                  <a:lumOff val="10000"/>
-                                </a:schemeClr>
-                              </a:solidFill>
-                              <a:latin typeface="Cambria Math" panose="02040503050406030204" pitchFamily="18" charset="0"/>
-                            </a:rPr>
-                          </m:ctrlPr>
-                        </m:naryPr>
-                        <m:sub>
-                          <m:r>
-                            <m:rPr>
-                              <m:brk m:alnAt="23"/>
-                            </m:rPr>
-                            <a:rPr lang="en-US" sz="2400" b="0" i="1" smtClean="0">
-                              <a:solidFill>
-                                <a:schemeClr val="tx1">
-                                  <a:lumMod val="90000"/>
-                                  <a:lumOff val="10000"/>
-                                </a:schemeClr>
-                              </a:solidFill>
-                              <a:latin typeface="Cambria Math" panose="02040503050406030204" pitchFamily="18" charset="0"/>
-                            </a:rPr>
-                            <m:t>𝑗</m:t>
-                          </m:r>
-                          <m:r>
-                            <a:rPr lang="en-US" sz="2400" b="0" i="1" smtClean="0">
-                              <a:solidFill>
-                                <a:schemeClr val="tx1">
-                                  <a:lumMod val="90000"/>
-                                  <a:lumOff val="10000"/>
-                                </a:schemeClr>
-                              </a:solidFill>
-                              <a:latin typeface="Cambria Math" panose="02040503050406030204" pitchFamily="18" charset="0"/>
-                            </a:rPr>
-                            <m:t>=1</m:t>
-                          </m:r>
-                        </m:sub>
-                        <m:sup>
-                          <m:r>
-                            <a:rPr lang="en-US" sz="2400" b="0" i="1" smtClean="0">
-                              <a:solidFill>
-                                <a:schemeClr val="tx1">
-                                  <a:lumMod val="90000"/>
-                                  <a:lumOff val="10000"/>
-                                </a:schemeClr>
-                              </a:solidFill>
-                              <a:latin typeface="Cambria Math" panose="02040503050406030204" pitchFamily="18" charset="0"/>
-                            </a:rPr>
-                            <m:t>𝑝</m:t>
-                          </m:r>
-                        </m:sup>
-                        <m:e>
-                          <m:sSubSup>
-                            <m:sSubSupPr>
-                              <m:ctrlPr>
-                                <a:rPr lang="en-US" sz="2400" b="0" i="1" smtClean="0">
-                                  <a:solidFill>
-                                    <a:schemeClr val="tx1">
-                                      <a:lumMod val="90000"/>
-                                      <a:lumOff val="10000"/>
-                                    </a:schemeClr>
-                                  </a:solidFill>
-                                  <a:latin typeface="Cambria Math" panose="02040503050406030204" pitchFamily="18" charset="0"/>
-                                </a:rPr>
-                              </m:ctrlPr>
-                            </m:sSubSupPr>
-                            <m:e>
-                              <m:r>
-                                <a:rPr lang="en-US" sz="2400" b="0" i="1" smtClean="0">
-                                  <a:solidFill>
-                                    <a:schemeClr val="tx1">
-                                      <a:lumMod val="90000"/>
-                                      <a:lumOff val="10000"/>
-                                    </a:schemeClr>
-                                  </a:solidFill>
-                                  <a:latin typeface="Cambria Math" panose="02040503050406030204" pitchFamily="18" charset="0"/>
-                                </a:rPr>
-                                <m:t>𝛽</m:t>
-                              </m:r>
-                            </m:e>
-                            <m:sub>
-                              <m:r>
-                                <a:rPr lang="en-US" sz="2400" b="0" i="1" smtClean="0">
-                                  <a:solidFill>
-                                    <a:schemeClr val="tx1">
-                                      <a:lumMod val="90000"/>
-                                      <a:lumOff val="10000"/>
-                                    </a:schemeClr>
-                                  </a:solidFill>
-                                  <a:latin typeface="Cambria Math" panose="02040503050406030204" pitchFamily="18" charset="0"/>
-                                </a:rPr>
-                                <m:t>𝑗</m:t>
-                              </m:r>
-                            </m:sub>
-                            <m:sup>
-                              <m:r>
-                                <a:rPr lang="en-US" sz="2400" b="0" i="1" smtClean="0">
-                                  <a:solidFill>
-                                    <a:schemeClr val="tx1">
-                                      <a:lumMod val="90000"/>
-                                      <a:lumOff val="10000"/>
-                                    </a:schemeClr>
-                                  </a:solidFill>
-                                  <a:latin typeface="Cambria Math" panose="02040503050406030204" pitchFamily="18" charset="0"/>
-                                </a:rPr>
-                                <m:t>2</m:t>
-                              </m:r>
-                            </m:sup>
-                          </m:sSubSup>
-                        </m:e>
-                      </m:nary>
-                    </m:oMath>
-                  </m:oMathPara>
-                </a14:m>
-                <a:endParaRPr lang="en-US" sz="2400" dirty="0">
-                  <a:solidFill>
-                    <a:schemeClr val="tx1">
-                      <a:lumMod val="90000"/>
-                      <a:lumOff val="10000"/>
-                    </a:schemeClr>
-                  </a:solidFill>
-                </a:endParaRPr>
-              </a:p>
-              <a:p>
-                <a:pPr marL="0" indent="0">
-                  <a:buNone/>
-                  <a:defRPr/>
-                </a:pPr>
-                <a:r>
-                  <a:rPr lang="en-US" sz="2400" dirty="0">
-                    <a:solidFill>
-                      <a:schemeClr val="tx1">
-                        <a:lumMod val="90000"/>
-                        <a:lumOff val="10000"/>
-                      </a:schemeClr>
-                    </a:solidFill>
-                  </a:rPr>
-                  <a:t>where </a:t>
-                </a:r>
-                <a14:m>
-                  <m:oMath xmlns:m="http://schemas.openxmlformats.org/officeDocument/2006/math">
-                    <m:r>
-                      <a:rPr lang="en-US" sz="2400" b="0" i="1" smtClean="0">
-                        <a:solidFill>
-                          <a:schemeClr val="tx1">
-                            <a:lumMod val="90000"/>
-                            <a:lumOff val="10000"/>
-                          </a:schemeClr>
-                        </a:solidFill>
-                        <a:latin typeface="Cambria Math" panose="02040503050406030204" pitchFamily="18" charset="0"/>
-                      </a:rPr>
-                      <m:t>𝜆</m:t>
-                    </m:r>
-                    <m:r>
-                      <a:rPr lang="en-US" sz="2400" b="0" i="1" smtClean="0">
-                        <a:solidFill>
-                          <a:schemeClr val="tx1">
-                            <a:lumMod val="90000"/>
-                            <a:lumOff val="10000"/>
-                          </a:schemeClr>
-                        </a:solidFill>
-                        <a:latin typeface="Cambria Math" panose="02040503050406030204" pitchFamily="18" charset="0"/>
-                      </a:rPr>
-                      <m:t>≥0</m:t>
-                    </m:r>
-                  </m:oMath>
-                </a14:m>
-                <a:r>
-                  <a:rPr lang="en-US" sz="2400" dirty="0">
-                    <a:solidFill>
-                      <a:schemeClr val="tx1">
-                        <a:lumMod val="90000"/>
-                        <a:lumOff val="10000"/>
-                      </a:schemeClr>
-                    </a:solidFill>
-                  </a:rPr>
-                  <a:t> is a tuning parameter determined separately</a:t>
-                </a:r>
-              </a:p>
-            </p:txBody>
-          </p:sp>
-        </mc:Choice>
-        <mc:Fallback xmlns="">
-          <p:sp>
-            <p:nvSpPr>
-              <p:cNvPr id="8" name="Content Placeholder 2">
-                <a:extLst>
-                  <a:ext uri="{FF2B5EF4-FFF2-40B4-BE49-F238E27FC236}">
-                    <a16:creationId xmlns:a16="http://schemas.microsoft.com/office/drawing/2014/main" id="{240DBC71-789D-5E2F-2986-984B3D17DF5C}"/>
-                  </a:ext>
-                </a:extLst>
-              </p:cNvPr>
-              <p:cNvSpPr txBox="1">
-                <a:spLocks noRot="1" noChangeAspect="1" noMove="1" noResize="1" noEditPoints="1" noAdjustHandles="1" noChangeArrowheads="1" noChangeShapeType="1" noTextEdit="1"/>
-              </p:cNvSpPr>
-              <p:nvPr/>
-            </p:nvSpPr>
-            <p:spPr>
-              <a:xfrm>
-                <a:off x="4021668" y="801666"/>
-                <a:ext cx="7467600" cy="5407068"/>
-              </a:xfrm>
-              <a:prstGeom prst="rect">
-                <a:avLst/>
-              </a:prstGeom>
-              <a:blipFill>
-                <a:blip r:embed="rId3"/>
-                <a:stretch>
-                  <a:fillRect l="-1188" t="-1408" r="-1358" b="-11972"/>
-                </a:stretch>
-              </a:blipFill>
-            </p:spPr>
-            <p:txBody>
-              <a:bodyPr/>
-              <a:lstStyle/>
-              <a:p>
-                <a:r>
-                  <a:rPr lang="en-US">
-                    <a:noFill/>
-                  </a:rPr>
-                  <a:t> </a:t>
-                </a:r>
-              </a:p>
-            </p:txBody>
-          </p:sp>
-        </mc:Fallback>
-      </mc:AlternateContent>
-      <p:sp>
-        <p:nvSpPr>
-          <p:cNvPr id="3" name="Rounded Rectangular Callout 2">
-            <a:extLst>
-              <a:ext uri="{FF2B5EF4-FFF2-40B4-BE49-F238E27FC236}">
-                <a16:creationId xmlns:a16="http://schemas.microsoft.com/office/drawing/2014/main" id="{2ACC2915-3CBE-EF09-E3CE-9D837E5E35DF}"/>
-              </a:ext>
-            </a:extLst>
-          </p:cNvPr>
-          <p:cNvSpPr/>
-          <p:nvPr/>
-        </p:nvSpPr>
-        <p:spPr>
-          <a:xfrm>
-            <a:off x="9405258" y="4093028"/>
-            <a:ext cx="1719942" cy="903515"/>
-          </a:xfrm>
-          <a:prstGeom prst="wedgeRoundRectCallout">
-            <a:avLst>
-              <a:gd name="adj1" fmla="val -90211"/>
-              <a:gd name="adj2" fmla="val -4655"/>
-              <a:gd name="adj3" fmla="val 16667"/>
-            </a:avLst>
-          </a:prstGeom>
-        </p:spPr>
-        <p:style>
-          <a:lnRef idx="0">
-            <a:schemeClr val="accent3"/>
-          </a:lnRef>
-          <a:fillRef idx="3">
-            <a:schemeClr val="accent3"/>
-          </a:fillRef>
-          <a:effectRef idx="3">
-            <a:schemeClr val="accent3"/>
-          </a:effectRef>
-          <a:fontRef idx="minor">
-            <a:schemeClr val="lt1"/>
-          </a:fontRef>
-        </p:style>
-        <p:txBody>
-          <a:bodyPr rtlCol="0" anchor="ctr"/>
-          <a:lstStyle/>
-          <a:p>
-            <a:pPr algn="ctr"/>
-            <a:r>
-              <a:rPr lang="en-US" sz="2400" dirty="0"/>
-              <a:t>Shrinkage Penalty</a:t>
-            </a:r>
-          </a:p>
-        </p:txBody>
-      </p:sp>
-      <p:sp>
-        <p:nvSpPr>
-          <p:cNvPr id="4" name="Rounded Rectangle 3">
-            <a:extLst>
-              <a:ext uri="{FF2B5EF4-FFF2-40B4-BE49-F238E27FC236}">
-                <a16:creationId xmlns:a16="http://schemas.microsoft.com/office/drawing/2014/main" id="{54F20718-FAB8-EDB6-D479-F4851C2E0460}"/>
-              </a:ext>
-            </a:extLst>
-          </p:cNvPr>
-          <p:cNvSpPr/>
-          <p:nvPr/>
-        </p:nvSpPr>
-        <p:spPr>
-          <a:xfrm>
-            <a:off x="3512278" y="5540830"/>
-            <a:ext cx="7976990" cy="1110490"/>
-          </a:xfrm>
-          <a:prstGeom prst="roundRect">
-            <a:avLst/>
-          </a:prstGeom>
-        </p:spPr>
-        <p:style>
-          <a:lnRef idx="0">
-            <a:schemeClr val="accent5"/>
-          </a:lnRef>
-          <a:fillRef idx="3">
-            <a:schemeClr val="accent5"/>
-          </a:fillRef>
-          <a:effectRef idx="3">
-            <a:schemeClr val="accent5"/>
-          </a:effectRef>
-          <a:fontRef idx="minor">
-            <a:schemeClr val="lt1"/>
-          </a:fontRef>
-        </p:style>
-        <p:txBody>
-          <a:bodyPr rtlCol="0" anchor="ctr"/>
-          <a:lstStyle/>
-          <a:p>
-            <a:pPr algn="ctr"/>
-            <a:r>
-              <a:rPr lang="en-US" sz="2400" dirty="0"/>
-              <a:t>RSS is scale invariant (multiplying any predictor by a constant won’t change RSS). Is the shrinkage penalty? </a:t>
-            </a:r>
-          </a:p>
-        </p:txBody>
-      </p:sp>
-    </p:spTree>
-    <p:extLst>
-      <p:ext uri="{BB962C8B-B14F-4D97-AF65-F5344CB8AC3E}">
-        <p14:creationId xmlns:p14="http://schemas.microsoft.com/office/powerpoint/2010/main" val="2330486351"/>
-      </p:ext>
-    </p:extLst>
-  </p:cSld>
-  <p:clrMapOvr>
-    <a:masterClrMapping/>
-  </p:clrMapOvr>
-</p:sld>
-</file>
-
 <file path=ppt/theme/theme1.xml><?xml version="1.0" encoding="utf-8"?>
 <a:theme xmlns:a="http://schemas.openxmlformats.org/drawingml/2006/main" name="Frame">
   <a:themeElements>

--- a/slides/11-shrinkage-methods.pptx
+++ b/slides/11-shrinkage-methods.pptx
@@ -5,30 +5,29 @@
     <p:sldMasterId id="2147483852" r:id="rId1"/>
   </p:sldMasterIdLst>
   <p:notesMasterIdLst>
-    <p:notesMasterId r:id="rId23"/>
+    <p:notesMasterId r:id="rId22"/>
   </p:notesMasterIdLst>
   <p:sldIdLst>
     <p:sldId id="256" r:id="rId2"/>
-    <p:sldId id="335" r:id="rId3"/>
-    <p:sldId id="570" r:id="rId4"/>
-    <p:sldId id="491" r:id="rId5"/>
-    <p:sldId id="572" r:id="rId6"/>
-    <p:sldId id="573" r:id="rId7"/>
-    <p:sldId id="574" r:id="rId8"/>
-    <p:sldId id="575" r:id="rId9"/>
-    <p:sldId id="576" r:id="rId10"/>
-    <p:sldId id="577" r:id="rId11"/>
-    <p:sldId id="578" r:id="rId12"/>
-    <p:sldId id="579" r:id="rId13"/>
-    <p:sldId id="580" r:id="rId14"/>
-    <p:sldId id="581" r:id="rId15"/>
-    <p:sldId id="582" r:id="rId16"/>
-    <p:sldId id="583" r:id="rId17"/>
-    <p:sldId id="584" r:id="rId18"/>
-    <p:sldId id="585" r:id="rId19"/>
-    <p:sldId id="586" r:id="rId20"/>
-    <p:sldId id="587" r:id="rId21"/>
-    <p:sldId id="588" r:id="rId22"/>
+    <p:sldId id="570" r:id="rId3"/>
+    <p:sldId id="491" r:id="rId4"/>
+    <p:sldId id="572" r:id="rId5"/>
+    <p:sldId id="573" r:id="rId6"/>
+    <p:sldId id="574" r:id="rId7"/>
+    <p:sldId id="575" r:id="rId8"/>
+    <p:sldId id="576" r:id="rId9"/>
+    <p:sldId id="577" r:id="rId10"/>
+    <p:sldId id="578" r:id="rId11"/>
+    <p:sldId id="579" r:id="rId12"/>
+    <p:sldId id="580" r:id="rId13"/>
+    <p:sldId id="581" r:id="rId14"/>
+    <p:sldId id="582" r:id="rId15"/>
+    <p:sldId id="583" r:id="rId16"/>
+    <p:sldId id="584" r:id="rId17"/>
+    <p:sldId id="585" r:id="rId18"/>
+    <p:sldId id="586" r:id="rId19"/>
+    <p:sldId id="587" r:id="rId20"/>
+    <p:sldId id="588" r:id="rId21"/>
   </p:sldIdLst>
   <p:sldSz cx="12192000" cy="6858000"/>
   <p:notesSz cx="6858000" cy="9144000"/>
@@ -217,7 +216,7 @@
           <a:p>
             <a:fld id="{3CBB8A52-8AC5-C74C-97FB-632C448F3674}" type="datetimeFigureOut">
               <a:rPr lang="en-US" smtClean="0"/>
-              <a:t>2/29/24</a:t>
+              <a:t>3/4/24</a:t>
             </a:fld>
             <a:endParaRPr lang="en-US"/>
           </a:p>
@@ -587,7 +586,7 @@
           <a:p>
             <a:fld id="{E666506D-5C9B-294C-B2AE-15ACE8B5B9F7}" type="slidenum">
               <a:rPr lang="en-US" smtClean="0"/>
-              <a:t>4</a:t>
+              <a:t>3</a:t>
             </a:fld>
             <a:endParaRPr lang="en-US"/>
           </a:p>
@@ -699,7 +698,7 @@
           <a:p>
             <a:fld id="{E666506D-5C9B-294C-B2AE-15ACE8B5B9F7}" type="slidenum">
               <a:rPr lang="en-US" smtClean="0"/>
-              <a:t>13</a:t>
+              <a:t>12</a:t>
             </a:fld>
             <a:endParaRPr lang="en-US"/>
           </a:p>
@@ -811,7 +810,7 @@
           <a:p>
             <a:fld id="{E666506D-5C9B-294C-B2AE-15ACE8B5B9F7}" type="slidenum">
               <a:rPr lang="en-US" smtClean="0"/>
-              <a:t>14</a:t>
+              <a:t>13</a:t>
             </a:fld>
             <a:endParaRPr lang="en-US"/>
           </a:p>
@@ -923,7 +922,7 @@
           <a:p>
             <a:fld id="{E666506D-5C9B-294C-B2AE-15ACE8B5B9F7}" type="slidenum">
               <a:rPr lang="en-US" smtClean="0"/>
-              <a:t>15</a:t>
+              <a:t>14</a:t>
             </a:fld>
             <a:endParaRPr lang="en-US"/>
           </a:p>
@@ -1035,7 +1034,7 @@
           <a:p>
             <a:fld id="{E666506D-5C9B-294C-B2AE-15ACE8B5B9F7}" type="slidenum">
               <a:rPr lang="en-US" smtClean="0"/>
-              <a:t>16</a:t>
+              <a:t>15</a:t>
             </a:fld>
             <a:endParaRPr lang="en-US"/>
           </a:p>
@@ -1160,7 +1159,7 @@
           <a:p>
             <a:fld id="{E666506D-5C9B-294C-B2AE-15ACE8B5B9F7}" type="slidenum">
               <a:rPr lang="en-US" smtClean="0"/>
-              <a:t>17</a:t>
+              <a:t>16</a:t>
             </a:fld>
             <a:endParaRPr lang="en-US"/>
           </a:p>
@@ -1323,7 +1322,7 @@
           <a:p>
             <a:fld id="{E666506D-5C9B-294C-B2AE-15ACE8B5B9F7}" type="slidenum">
               <a:rPr lang="en-US" smtClean="0"/>
-              <a:t>18</a:t>
+              <a:t>17</a:t>
             </a:fld>
             <a:endParaRPr lang="en-US"/>
           </a:p>
@@ -1514,7 +1513,7 @@
           <a:p>
             <a:fld id="{E666506D-5C9B-294C-B2AE-15ACE8B5B9F7}" type="slidenum">
               <a:rPr lang="en-US" smtClean="0"/>
-              <a:t>19</a:t>
+              <a:t>18</a:t>
             </a:fld>
             <a:endParaRPr lang="en-US"/>
           </a:p>
@@ -1626,7 +1625,7 @@
           <a:p>
             <a:fld id="{E666506D-5C9B-294C-B2AE-15ACE8B5B9F7}" type="slidenum">
               <a:rPr lang="en-US" smtClean="0"/>
-              <a:t>20</a:t>
+              <a:t>19</a:t>
             </a:fld>
             <a:endParaRPr lang="en-US"/>
           </a:p>
@@ -1738,7 +1737,7 @@
           <a:p>
             <a:fld id="{E666506D-5C9B-294C-B2AE-15ACE8B5B9F7}" type="slidenum">
               <a:rPr lang="en-US" smtClean="0"/>
-              <a:t>21</a:t>
+              <a:t>20</a:t>
             </a:fld>
             <a:endParaRPr lang="en-US"/>
           </a:p>
@@ -1858,7 +1857,7 @@
           <a:p>
             <a:fld id="{E666506D-5C9B-294C-B2AE-15ACE8B5B9F7}" type="slidenum">
               <a:rPr lang="en-US" smtClean="0"/>
-              <a:t>5</a:t>
+              <a:t>4</a:t>
             </a:fld>
             <a:endParaRPr lang="en-US"/>
           </a:p>
@@ -1970,7 +1969,7 @@
           <a:p>
             <a:fld id="{E666506D-5C9B-294C-B2AE-15ACE8B5B9F7}" type="slidenum">
               <a:rPr lang="en-US" smtClean="0"/>
-              <a:t>6</a:t>
+              <a:t>5</a:t>
             </a:fld>
             <a:endParaRPr lang="en-US"/>
           </a:p>
@@ -2082,7 +2081,7 @@
           <a:p>
             <a:fld id="{E666506D-5C9B-294C-B2AE-15ACE8B5B9F7}" type="slidenum">
               <a:rPr lang="en-US" smtClean="0"/>
-              <a:t>7</a:t>
+              <a:t>6</a:t>
             </a:fld>
             <a:endParaRPr lang="en-US"/>
           </a:p>
@@ -2197,7 +2196,7 @@
           <a:p>
             <a:fld id="{E666506D-5C9B-294C-B2AE-15ACE8B5B9F7}" type="slidenum">
               <a:rPr lang="en-US" smtClean="0"/>
-              <a:t>8</a:t>
+              <a:t>7</a:t>
             </a:fld>
             <a:endParaRPr lang="en-US"/>
           </a:p>
@@ -2342,7 +2341,7 @@
           <a:p>
             <a:fld id="{E666506D-5C9B-294C-B2AE-15ACE8B5B9F7}" type="slidenum">
               <a:rPr lang="en-US" smtClean="0"/>
-              <a:t>9</a:t>
+              <a:t>8</a:t>
             </a:fld>
             <a:endParaRPr lang="en-US"/>
           </a:p>
@@ -2467,7 +2466,7 @@
           <a:p>
             <a:fld id="{E666506D-5C9B-294C-B2AE-15ACE8B5B9F7}" type="slidenum">
               <a:rPr lang="en-US" smtClean="0"/>
-              <a:t>10</a:t>
+              <a:t>9</a:t>
             </a:fld>
             <a:endParaRPr lang="en-US"/>
           </a:p>
@@ -2648,7 +2647,7 @@
           <a:p>
             <a:fld id="{E666506D-5C9B-294C-B2AE-15ACE8B5B9F7}" type="slidenum">
               <a:rPr lang="en-US" smtClean="0"/>
-              <a:t>11</a:t>
+              <a:t>10</a:t>
             </a:fld>
             <a:endParaRPr lang="en-US"/>
           </a:p>
@@ -2760,7 +2759,7 @@
           <a:p>
             <a:fld id="{E666506D-5C9B-294C-B2AE-15ACE8B5B9F7}" type="slidenum">
               <a:rPr lang="en-US" smtClean="0"/>
-              <a:t>12</a:t>
+              <a:t>11</a:t>
             </a:fld>
             <a:endParaRPr lang="en-US"/>
           </a:p>
@@ -3004,7 +3003,7 @@
             <a:fld id="{5586B75A-687E-405C-8A0B-8D00578BA2C3}" type="datetimeFigureOut">
               <a:rPr lang="en-US" smtClean="0"/>
               <a:pPr/>
-              <a:t>2/29/24</a:t>
+              <a:t>3/4/24</a:t>
             </a:fld>
             <a:endParaRPr lang="en-US" dirty="0"/>
           </a:p>
@@ -3176,7 +3175,7 @@
             <a:fld id="{5586B75A-687E-405C-8A0B-8D00578BA2C3}" type="datetimeFigureOut">
               <a:rPr lang="en-US" smtClean="0"/>
               <a:pPr/>
-              <a:t>2/29/24</a:t>
+              <a:t>3/4/24</a:t>
             </a:fld>
             <a:endParaRPr lang="en-US" dirty="0"/>
           </a:p>
@@ -3358,7 +3357,7 @@
             <a:fld id="{5586B75A-687E-405C-8A0B-8D00578BA2C3}" type="datetimeFigureOut">
               <a:rPr lang="en-US" smtClean="0"/>
               <a:pPr/>
-              <a:t>2/29/24</a:t>
+              <a:t>3/4/24</a:t>
             </a:fld>
             <a:endParaRPr lang="en-US" dirty="0"/>
           </a:p>
@@ -3530,7 +3529,7 @@
             <a:fld id="{5586B75A-687E-405C-8A0B-8D00578BA2C3}" type="datetimeFigureOut">
               <a:rPr lang="en-US" smtClean="0"/>
               <a:pPr/>
-              <a:t>2/29/24</a:t>
+              <a:t>3/4/24</a:t>
             </a:fld>
             <a:endParaRPr lang="en-US" dirty="0"/>
           </a:p>
@@ -3786,7 +3785,7 @@
             <a:fld id="{5586B75A-687E-405C-8A0B-8D00578BA2C3}" type="datetimeFigureOut">
               <a:rPr lang="en-US" smtClean="0"/>
               <a:pPr/>
-              <a:t>2/29/24</a:t>
+              <a:t>3/4/24</a:t>
             </a:fld>
             <a:endParaRPr lang="en-US" dirty="0"/>
           </a:p>
@@ -4076,7 +4075,7 @@
             <a:fld id="{5586B75A-687E-405C-8A0B-8D00578BA2C3}" type="datetimeFigureOut">
               <a:rPr lang="en-US" smtClean="0"/>
               <a:pPr/>
-              <a:t>2/29/24</a:t>
+              <a:t>3/4/24</a:t>
             </a:fld>
             <a:endParaRPr lang="en-US" dirty="0"/>
           </a:p>
@@ -4520,7 +4519,7 @@
             <a:fld id="{5586B75A-687E-405C-8A0B-8D00578BA2C3}" type="datetimeFigureOut">
               <a:rPr lang="en-US" smtClean="0"/>
               <a:pPr/>
-              <a:t>2/29/24</a:t>
+              <a:t>3/4/24</a:t>
             </a:fld>
             <a:endParaRPr lang="en-US" dirty="0"/>
           </a:p>
@@ -4640,7 +4639,7 @@
             <a:fld id="{5586B75A-687E-405C-8A0B-8D00578BA2C3}" type="datetimeFigureOut">
               <a:rPr lang="en-US" smtClean="0"/>
               <a:pPr/>
-              <a:t>2/29/24</a:t>
+              <a:t>3/4/24</a:t>
             </a:fld>
             <a:endParaRPr lang="en-US" dirty="0"/>
           </a:p>
@@ -4737,7 +4736,7 @@
             <a:fld id="{5586B75A-687E-405C-8A0B-8D00578BA2C3}" type="datetimeFigureOut">
               <a:rPr lang="en-US" smtClean="0"/>
               <a:pPr/>
-              <a:t>2/29/24</a:t>
+              <a:t>3/4/24</a:t>
             </a:fld>
             <a:endParaRPr lang="en-US" dirty="0"/>
           </a:p>
@@ -5027,7 +5026,7 @@
             <a:fld id="{5586B75A-687E-405C-8A0B-8D00578BA2C3}" type="datetimeFigureOut">
               <a:rPr lang="en-US" smtClean="0"/>
               <a:pPr/>
-              <a:t>2/29/24</a:t>
+              <a:t>3/4/24</a:t>
             </a:fld>
             <a:endParaRPr lang="en-US" dirty="0"/>
           </a:p>
@@ -5302,7 +5301,7 @@
             <a:fld id="{5586B75A-687E-405C-8A0B-8D00578BA2C3}" type="datetimeFigureOut">
               <a:rPr lang="en-US" smtClean="0"/>
               <a:pPr/>
-              <a:t>2/29/24</a:t>
+              <a:t>3/4/24</a:t>
             </a:fld>
             <a:endParaRPr lang="en-US" dirty="0"/>
           </a:p>
@@ -5601,7 +5600,7 @@
             <a:fld id="{5586B75A-687E-405C-8A0B-8D00578BA2C3}" type="datetimeFigureOut">
               <a:rPr lang="en-US" smtClean="0"/>
               <a:pPr/>
-              <a:t>2/29/24</a:t>
+              <a:t>3/4/24</a:t>
             </a:fld>
             <a:endParaRPr lang="en-US" dirty="0"/>
           </a:p>
@@ -6202,1783 +6201,6 @@
 </file>
 
 <file path=ppt/slides/slide10.xml><?xml version="1.0" encoding="utf-8"?>
-<p:sld xmlns:a="http://schemas.openxmlformats.org/drawingml/2006/main" xmlns:r="http://schemas.openxmlformats.org/officeDocument/2006/relationships" xmlns:p="http://schemas.openxmlformats.org/presentationml/2006/main">
-  <p:cSld>
-    <p:spTree>
-      <p:nvGrpSpPr>
-        <p:cNvPr id="1" name="">
-          <a:extLst>
-            <a:ext uri="{FF2B5EF4-FFF2-40B4-BE49-F238E27FC236}">
-              <a16:creationId xmlns:a16="http://schemas.microsoft.com/office/drawing/2014/main" id="{712AAF67-A345-98DA-69C3-3CA71EDF3495}"/>
-            </a:ext>
-          </a:extLst>
-        </p:cNvPr>
-        <p:cNvGrpSpPr/>
-        <p:nvPr/>
-      </p:nvGrpSpPr>
-      <p:grpSpPr>
-        <a:xfrm>
-          <a:off x="0" y="0"/>
-          <a:ext cx="0" cy="0"/>
-          <a:chOff x="0" y="0"/>
-          <a:chExt cx="0" cy="0"/>
-        </a:xfrm>
-      </p:grpSpPr>
-      <p:sp>
-        <p:nvSpPr>
-          <p:cNvPr id="2" name="Title 1">
-            <a:extLst>
-              <a:ext uri="{FF2B5EF4-FFF2-40B4-BE49-F238E27FC236}">
-                <a16:creationId xmlns:a16="http://schemas.microsoft.com/office/drawing/2014/main" id="{49D68B16-1444-0535-4551-B35753588DA5}"/>
-              </a:ext>
-            </a:extLst>
-          </p:cNvPr>
-          <p:cNvSpPr>
-            <a:spLocks noGrp="1"/>
-          </p:cNvSpPr>
-          <p:nvPr>
-            <p:ph type="title"/>
-          </p:nvPr>
-        </p:nvSpPr>
-        <p:spPr/>
-        <p:txBody>
-          <a:bodyPr/>
-          <a:lstStyle/>
-          <a:p>
-            <a:r>
-              <a:rPr lang="en-US" dirty="0"/>
-              <a:t>Ridge Regression</a:t>
-            </a:r>
-          </a:p>
-        </p:txBody>
-      </p:sp>
-      <p:sp>
-        <p:nvSpPr>
-          <p:cNvPr id="14" name="Content Placeholder 2">
-            <a:extLst>
-              <a:ext uri="{FF2B5EF4-FFF2-40B4-BE49-F238E27FC236}">
-                <a16:creationId xmlns:a16="http://schemas.microsoft.com/office/drawing/2014/main" id="{0D922CBD-9289-F23A-D0BF-C7BFADFFE4A8}"/>
-              </a:ext>
-            </a:extLst>
-          </p:cNvPr>
-          <p:cNvSpPr txBox="1">
-            <a:spLocks/>
-          </p:cNvSpPr>
-          <p:nvPr/>
-        </p:nvSpPr>
-        <p:spPr>
-          <a:xfrm>
-            <a:off x="3557392" y="801666"/>
-            <a:ext cx="7779476" cy="5849653"/>
-          </a:xfrm>
-          <a:prstGeom prst="rect">
-            <a:avLst/>
-          </a:prstGeom>
-        </p:spPr>
-        <p:txBody>
-          <a:bodyPr vert="horz" lIns="91440" tIns="45720" rIns="91440" bIns="45720" rtlCol="0" anchor="t">
-            <a:normAutofit/>
-          </a:bodyPr>
-          <a:lstStyle>
-            <a:lvl1pPr marL="182880" indent="-182880" algn="l" defTabSz="914400" rtl="0" eaLnBrk="1" latinLnBrk="0" hangingPunct="1">
-              <a:lnSpc>
-                <a:spcPct val="90000"/>
-              </a:lnSpc>
-              <a:spcBef>
-                <a:spcPts val="1200"/>
-              </a:spcBef>
-              <a:buClr>
-                <a:schemeClr val="accent1"/>
-              </a:buClr>
-              <a:buFont typeface="Wingdings 2" pitchFamily="18" charset="2"/>
-              <a:buChar char=""/>
-              <a:defRPr sz="2000" kern="1200">
-                <a:solidFill>
-                  <a:schemeClr val="tx1">
-                    <a:lumMod val="75000"/>
-                    <a:lumOff val="25000"/>
-                  </a:schemeClr>
-                </a:solidFill>
-                <a:latin typeface="+mn-lt"/>
-                <a:ea typeface="+mn-ea"/>
-                <a:cs typeface="+mn-cs"/>
-              </a:defRPr>
-            </a:lvl1pPr>
-            <a:lvl2pPr marL="685800" indent="-182880" algn="l" defTabSz="914400" rtl="0" eaLnBrk="1" latinLnBrk="0" hangingPunct="1">
-              <a:lnSpc>
-                <a:spcPct val="90000"/>
-              </a:lnSpc>
-              <a:spcBef>
-                <a:spcPts val="250"/>
-              </a:spcBef>
-              <a:spcAft>
-                <a:spcPts val="250"/>
-              </a:spcAft>
-              <a:buClr>
-                <a:schemeClr val="accent1"/>
-              </a:buClr>
-              <a:buFont typeface="Wingdings 2" pitchFamily="18" charset="2"/>
-              <a:buChar char=""/>
-              <a:defRPr sz="1800" kern="1200">
-                <a:solidFill>
-                  <a:schemeClr val="tx1">
-                    <a:lumMod val="75000"/>
-                    <a:lumOff val="25000"/>
-                  </a:schemeClr>
-                </a:solidFill>
-                <a:latin typeface="+mn-lt"/>
-                <a:ea typeface="+mn-ea"/>
-                <a:cs typeface="+mn-cs"/>
-              </a:defRPr>
-            </a:lvl2pPr>
-            <a:lvl3pPr marL="1143000" indent="-182880" algn="l" defTabSz="914400" rtl="0" eaLnBrk="1" latinLnBrk="0" hangingPunct="1">
-              <a:lnSpc>
-                <a:spcPct val="90000"/>
-              </a:lnSpc>
-              <a:spcBef>
-                <a:spcPts val="250"/>
-              </a:spcBef>
-              <a:spcAft>
-                <a:spcPts val="250"/>
-              </a:spcAft>
-              <a:buClr>
-                <a:schemeClr val="accent1"/>
-              </a:buClr>
-              <a:buFont typeface="Wingdings 2" pitchFamily="18" charset="2"/>
-              <a:buChar char=""/>
-              <a:defRPr sz="1600" kern="1200">
-                <a:solidFill>
-                  <a:schemeClr val="tx1">
-                    <a:lumMod val="75000"/>
-                    <a:lumOff val="25000"/>
-                  </a:schemeClr>
-                </a:solidFill>
-                <a:latin typeface="+mn-lt"/>
-                <a:ea typeface="+mn-ea"/>
-                <a:cs typeface="+mn-cs"/>
-              </a:defRPr>
-            </a:lvl3pPr>
-            <a:lvl4pPr marL="1600200" indent="-182880" algn="l" defTabSz="914400" rtl="0" eaLnBrk="1" latinLnBrk="0" hangingPunct="1">
-              <a:lnSpc>
-                <a:spcPct val="90000"/>
-              </a:lnSpc>
-              <a:spcBef>
-                <a:spcPts val="250"/>
-              </a:spcBef>
-              <a:spcAft>
-                <a:spcPts val="250"/>
-              </a:spcAft>
-              <a:buClr>
-                <a:schemeClr val="accent1"/>
-              </a:buClr>
-              <a:buFont typeface="Wingdings 2" pitchFamily="18" charset="2"/>
-              <a:buChar char=""/>
-              <a:defRPr sz="1400" kern="1200">
-                <a:solidFill>
-                  <a:schemeClr val="tx1">
-                    <a:lumMod val="75000"/>
-                    <a:lumOff val="25000"/>
-                  </a:schemeClr>
-                </a:solidFill>
-                <a:latin typeface="+mn-lt"/>
-                <a:ea typeface="+mn-ea"/>
-                <a:cs typeface="+mn-cs"/>
-              </a:defRPr>
-            </a:lvl4pPr>
-            <a:lvl5pPr marL="2057400" indent="-182880" algn="l" defTabSz="914400" rtl="0" eaLnBrk="1" latinLnBrk="0" hangingPunct="1">
-              <a:lnSpc>
-                <a:spcPct val="90000"/>
-              </a:lnSpc>
-              <a:spcBef>
-                <a:spcPts val="250"/>
-              </a:spcBef>
-              <a:spcAft>
-                <a:spcPts val="250"/>
-              </a:spcAft>
-              <a:buClr>
-                <a:schemeClr val="accent1"/>
-              </a:buClr>
-              <a:buFont typeface="Wingdings 2" pitchFamily="18" charset="2"/>
-              <a:buChar char=""/>
-              <a:defRPr sz="1400" kern="1200">
-                <a:solidFill>
-                  <a:schemeClr val="tx1">
-                    <a:lumMod val="75000"/>
-                    <a:lumOff val="25000"/>
-                  </a:schemeClr>
-                </a:solidFill>
-                <a:latin typeface="+mn-lt"/>
-                <a:ea typeface="+mn-ea"/>
-                <a:cs typeface="+mn-cs"/>
-              </a:defRPr>
-            </a:lvl5pPr>
-            <a:lvl6pPr marL="2514600" indent="-228600" algn="l" defTabSz="914400" rtl="0" eaLnBrk="1" latinLnBrk="0" hangingPunct="1">
-              <a:lnSpc>
-                <a:spcPct val="90000"/>
-              </a:lnSpc>
-              <a:spcBef>
-                <a:spcPts val="250"/>
-              </a:spcBef>
-              <a:spcAft>
-                <a:spcPts val="250"/>
-              </a:spcAft>
-              <a:buClr>
-                <a:schemeClr val="accent1"/>
-              </a:buClr>
-              <a:buFont typeface="Wingdings 2" pitchFamily="18" charset="2"/>
-              <a:buChar char=""/>
-              <a:defRPr sz="1400" kern="1200">
-                <a:solidFill>
-                  <a:schemeClr val="tx1">
-                    <a:lumMod val="75000"/>
-                    <a:lumOff val="25000"/>
-                  </a:schemeClr>
-                </a:solidFill>
-                <a:latin typeface="+mn-lt"/>
-                <a:ea typeface="+mn-ea"/>
-                <a:cs typeface="+mn-cs"/>
-              </a:defRPr>
-            </a:lvl6pPr>
-            <a:lvl7pPr marL="2971800" indent="-228600" algn="l" defTabSz="914400" rtl="0" eaLnBrk="1" latinLnBrk="0" hangingPunct="1">
-              <a:lnSpc>
-                <a:spcPct val="90000"/>
-              </a:lnSpc>
-              <a:spcBef>
-                <a:spcPts val="250"/>
-              </a:spcBef>
-              <a:spcAft>
-                <a:spcPts val="250"/>
-              </a:spcAft>
-              <a:buClr>
-                <a:schemeClr val="accent1"/>
-              </a:buClr>
-              <a:buFont typeface="Wingdings 2" pitchFamily="18" charset="2"/>
-              <a:buChar char=""/>
-              <a:defRPr sz="1400" kern="1200">
-                <a:solidFill>
-                  <a:schemeClr val="tx1">
-                    <a:lumMod val="75000"/>
-                    <a:lumOff val="25000"/>
-                  </a:schemeClr>
-                </a:solidFill>
-                <a:latin typeface="+mn-lt"/>
-                <a:ea typeface="+mn-ea"/>
-                <a:cs typeface="+mn-cs"/>
-              </a:defRPr>
-            </a:lvl7pPr>
-            <a:lvl8pPr marL="3429000" indent="-228600" algn="l" defTabSz="914400" rtl="0" eaLnBrk="1" latinLnBrk="0" hangingPunct="1">
-              <a:lnSpc>
-                <a:spcPct val="90000"/>
-              </a:lnSpc>
-              <a:spcBef>
-                <a:spcPts val="250"/>
-              </a:spcBef>
-              <a:spcAft>
-                <a:spcPts val="250"/>
-              </a:spcAft>
-              <a:buClr>
-                <a:schemeClr val="accent1"/>
-              </a:buClr>
-              <a:buFont typeface="Wingdings 2" pitchFamily="18" charset="2"/>
-              <a:buChar char=""/>
-              <a:defRPr sz="1400" kern="1200">
-                <a:solidFill>
-                  <a:schemeClr val="tx1">
-                    <a:lumMod val="75000"/>
-                    <a:lumOff val="25000"/>
-                  </a:schemeClr>
-                </a:solidFill>
-                <a:latin typeface="+mn-lt"/>
-                <a:ea typeface="+mn-ea"/>
-                <a:cs typeface="+mn-cs"/>
-              </a:defRPr>
-            </a:lvl8pPr>
-            <a:lvl9pPr marL="3886200" indent="-228600" algn="l" defTabSz="914400" rtl="0" eaLnBrk="1" latinLnBrk="0" hangingPunct="1">
-              <a:lnSpc>
-                <a:spcPct val="90000"/>
-              </a:lnSpc>
-              <a:spcBef>
-                <a:spcPts val="250"/>
-              </a:spcBef>
-              <a:spcAft>
-                <a:spcPts val="250"/>
-              </a:spcAft>
-              <a:buClr>
-                <a:schemeClr val="accent1"/>
-              </a:buClr>
-              <a:buFont typeface="Wingdings 2" pitchFamily="18" charset="2"/>
-              <a:buChar char=""/>
-              <a:defRPr sz="1400" kern="1200">
-                <a:solidFill>
-                  <a:schemeClr val="tx1">
-                    <a:lumMod val="75000"/>
-                    <a:lumOff val="25000"/>
-                  </a:schemeClr>
-                </a:solidFill>
-                <a:latin typeface="+mn-lt"/>
-                <a:ea typeface="+mn-ea"/>
-                <a:cs typeface="+mn-cs"/>
-              </a:defRPr>
-            </a:lvl9pPr>
-          </a:lstStyle>
-          <a:p>
-            <a:pPr marL="502920" lvl="1" indent="0">
-              <a:buNone/>
-            </a:pPr>
-            <a:endParaRPr lang="en-US" sz="2200" dirty="0"/>
-          </a:p>
-        </p:txBody>
-      </p:sp>
-      <p:sp>
-        <p:nvSpPr>
-          <p:cNvPr id="12" name="Content Placeholder 2">
-            <a:extLst>
-              <a:ext uri="{FF2B5EF4-FFF2-40B4-BE49-F238E27FC236}">
-                <a16:creationId xmlns:a16="http://schemas.microsoft.com/office/drawing/2014/main" id="{AC3521A5-7227-AA6B-AB4B-63920AA02E24}"/>
-              </a:ext>
-            </a:extLst>
-          </p:cNvPr>
-          <p:cNvSpPr txBox="1">
-            <a:spLocks/>
-          </p:cNvSpPr>
-          <p:nvPr/>
-        </p:nvSpPr>
-        <p:spPr>
-          <a:xfrm>
-            <a:off x="3869268" y="864108"/>
-            <a:ext cx="7467600" cy="5192226"/>
-          </a:xfrm>
-          <a:prstGeom prst="rect">
-            <a:avLst/>
-          </a:prstGeom>
-        </p:spPr>
-        <p:txBody>
-          <a:bodyPr vert="horz" lIns="91440" tIns="45720" rIns="91440" bIns="45720" rtlCol="0" anchor="t">
-            <a:normAutofit/>
-          </a:bodyPr>
-          <a:lstStyle>
-            <a:lvl1pPr marL="182880" indent="-182880" algn="l" defTabSz="914400" rtl="0" eaLnBrk="1" latinLnBrk="0" hangingPunct="1">
-              <a:lnSpc>
-                <a:spcPct val="90000"/>
-              </a:lnSpc>
-              <a:spcBef>
-                <a:spcPts val="1200"/>
-              </a:spcBef>
-              <a:buClr>
-                <a:schemeClr val="accent1"/>
-              </a:buClr>
-              <a:buFont typeface="Wingdings 2" pitchFamily="18" charset="2"/>
-              <a:buChar char=""/>
-              <a:defRPr sz="2000" kern="1200">
-                <a:solidFill>
-                  <a:schemeClr val="tx1">
-                    <a:lumMod val="75000"/>
-                    <a:lumOff val="25000"/>
-                  </a:schemeClr>
-                </a:solidFill>
-                <a:latin typeface="+mn-lt"/>
-                <a:ea typeface="+mn-ea"/>
-                <a:cs typeface="+mn-cs"/>
-              </a:defRPr>
-            </a:lvl1pPr>
-            <a:lvl2pPr marL="685800" indent="-182880" algn="l" defTabSz="914400" rtl="0" eaLnBrk="1" latinLnBrk="0" hangingPunct="1">
-              <a:lnSpc>
-                <a:spcPct val="90000"/>
-              </a:lnSpc>
-              <a:spcBef>
-                <a:spcPts val="250"/>
-              </a:spcBef>
-              <a:spcAft>
-                <a:spcPts val="250"/>
-              </a:spcAft>
-              <a:buClr>
-                <a:schemeClr val="accent1"/>
-              </a:buClr>
-              <a:buFont typeface="Wingdings 2" pitchFamily="18" charset="2"/>
-              <a:buChar char=""/>
-              <a:defRPr sz="1800" kern="1200">
-                <a:solidFill>
-                  <a:schemeClr val="tx1">
-                    <a:lumMod val="75000"/>
-                    <a:lumOff val="25000"/>
-                  </a:schemeClr>
-                </a:solidFill>
-                <a:latin typeface="+mn-lt"/>
-                <a:ea typeface="+mn-ea"/>
-                <a:cs typeface="+mn-cs"/>
-              </a:defRPr>
-            </a:lvl2pPr>
-            <a:lvl3pPr marL="1143000" indent="-182880" algn="l" defTabSz="914400" rtl="0" eaLnBrk="1" latinLnBrk="0" hangingPunct="1">
-              <a:lnSpc>
-                <a:spcPct val="90000"/>
-              </a:lnSpc>
-              <a:spcBef>
-                <a:spcPts val="250"/>
-              </a:spcBef>
-              <a:spcAft>
-                <a:spcPts val="250"/>
-              </a:spcAft>
-              <a:buClr>
-                <a:schemeClr val="accent1"/>
-              </a:buClr>
-              <a:buFont typeface="Wingdings 2" pitchFamily="18" charset="2"/>
-              <a:buChar char=""/>
-              <a:defRPr sz="1600" kern="1200">
-                <a:solidFill>
-                  <a:schemeClr val="tx1">
-                    <a:lumMod val="75000"/>
-                    <a:lumOff val="25000"/>
-                  </a:schemeClr>
-                </a:solidFill>
-                <a:latin typeface="+mn-lt"/>
-                <a:ea typeface="+mn-ea"/>
-                <a:cs typeface="+mn-cs"/>
-              </a:defRPr>
-            </a:lvl3pPr>
-            <a:lvl4pPr marL="1600200" indent="-182880" algn="l" defTabSz="914400" rtl="0" eaLnBrk="1" latinLnBrk="0" hangingPunct="1">
-              <a:lnSpc>
-                <a:spcPct val="90000"/>
-              </a:lnSpc>
-              <a:spcBef>
-                <a:spcPts val="250"/>
-              </a:spcBef>
-              <a:spcAft>
-                <a:spcPts val="250"/>
-              </a:spcAft>
-              <a:buClr>
-                <a:schemeClr val="accent1"/>
-              </a:buClr>
-              <a:buFont typeface="Wingdings 2" pitchFamily="18" charset="2"/>
-              <a:buChar char=""/>
-              <a:defRPr sz="1400" kern="1200">
-                <a:solidFill>
-                  <a:schemeClr val="tx1">
-                    <a:lumMod val="75000"/>
-                    <a:lumOff val="25000"/>
-                  </a:schemeClr>
-                </a:solidFill>
-                <a:latin typeface="+mn-lt"/>
-                <a:ea typeface="+mn-ea"/>
-                <a:cs typeface="+mn-cs"/>
-              </a:defRPr>
-            </a:lvl4pPr>
-            <a:lvl5pPr marL="2057400" indent="-182880" algn="l" defTabSz="914400" rtl="0" eaLnBrk="1" latinLnBrk="0" hangingPunct="1">
-              <a:lnSpc>
-                <a:spcPct val="90000"/>
-              </a:lnSpc>
-              <a:spcBef>
-                <a:spcPts val="250"/>
-              </a:spcBef>
-              <a:spcAft>
-                <a:spcPts val="250"/>
-              </a:spcAft>
-              <a:buClr>
-                <a:schemeClr val="accent1"/>
-              </a:buClr>
-              <a:buFont typeface="Wingdings 2" pitchFamily="18" charset="2"/>
-              <a:buChar char=""/>
-              <a:defRPr sz="1400" kern="1200">
-                <a:solidFill>
-                  <a:schemeClr val="tx1">
-                    <a:lumMod val="75000"/>
-                    <a:lumOff val="25000"/>
-                  </a:schemeClr>
-                </a:solidFill>
-                <a:latin typeface="+mn-lt"/>
-                <a:ea typeface="+mn-ea"/>
-                <a:cs typeface="+mn-cs"/>
-              </a:defRPr>
-            </a:lvl5pPr>
-            <a:lvl6pPr marL="2514600" indent="-228600" algn="l" defTabSz="914400" rtl="0" eaLnBrk="1" latinLnBrk="0" hangingPunct="1">
-              <a:lnSpc>
-                <a:spcPct val="90000"/>
-              </a:lnSpc>
-              <a:spcBef>
-                <a:spcPts val="250"/>
-              </a:spcBef>
-              <a:spcAft>
-                <a:spcPts val="250"/>
-              </a:spcAft>
-              <a:buClr>
-                <a:schemeClr val="accent1"/>
-              </a:buClr>
-              <a:buFont typeface="Wingdings 2" pitchFamily="18" charset="2"/>
-              <a:buChar char=""/>
-              <a:defRPr sz="1400" kern="1200">
-                <a:solidFill>
-                  <a:schemeClr val="tx1">
-                    <a:lumMod val="75000"/>
-                    <a:lumOff val="25000"/>
-                  </a:schemeClr>
-                </a:solidFill>
-                <a:latin typeface="+mn-lt"/>
-                <a:ea typeface="+mn-ea"/>
-                <a:cs typeface="+mn-cs"/>
-              </a:defRPr>
-            </a:lvl6pPr>
-            <a:lvl7pPr marL="2971800" indent="-228600" algn="l" defTabSz="914400" rtl="0" eaLnBrk="1" latinLnBrk="0" hangingPunct="1">
-              <a:lnSpc>
-                <a:spcPct val="90000"/>
-              </a:lnSpc>
-              <a:spcBef>
-                <a:spcPts val="250"/>
-              </a:spcBef>
-              <a:spcAft>
-                <a:spcPts val="250"/>
-              </a:spcAft>
-              <a:buClr>
-                <a:schemeClr val="accent1"/>
-              </a:buClr>
-              <a:buFont typeface="Wingdings 2" pitchFamily="18" charset="2"/>
-              <a:buChar char=""/>
-              <a:defRPr sz="1400" kern="1200">
-                <a:solidFill>
-                  <a:schemeClr val="tx1">
-                    <a:lumMod val="75000"/>
-                    <a:lumOff val="25000"/>
-                  </a:schemeClr>
-                </a:solidFill>
-                <a:latin typeface="+mn-lt"/>
-                <a:ea typeface="+mn-ea"/>
-                <a:cs typeface="+mn-cs"/>
-              </a:defRPr>
-            </a:lvl7pPr>
-            <a:lvl8pPr marL="3429000" indent="-228600" algn="l" defTabSz="914400" rtl="0" eaLnBrk="1" latinLnBrk="0" hangingPunct="1">
-              <a:lnSpc>
-                <a:spcPct val="90000"/>
-              </a:lnSpc>
-              <a:spcBef>
-                <a:spcPts val="250"/>
-              </a:spcBef>
-              <a:spcAft>
-                <a:spcPts val="250"/>
-              </a:spcAft>
-              <a:buClr>
-                <a:schemeClr val="accent1"/>
-              </a:buClr>
-              <a:buFont typeface="Wingdings 2" pitchFamily="18" charset="2"/>
-              <a:buChar char=""/>
-              <a:defRPr sz="1400" kern="1200">
-                <a:solidFill>
-                  <a:schemeClr val="tx1">
-                    <a:lumMod val="75000"/>
-                    <a:lumOff val="25000"/>
-                  </a:schemeClr>
-                </a:solidFill>
-                <a:latin typeface="+mn-lt"/>
-                <a:ea typeface="+mn-ea"/>
-                <a:cs typeface="+mn-cs"/>
-              </a:defRPr>
-            </a:lvl8pPr>
-            <a:lvl9pPr marL="3886200" indent="-228600" algn="l" defTabSz="914400" rtl="0" eaLnBrk="1" latinLnBrk="0" hangingPunct="1">
-              <a:lnSpc>
-                <a:spcPct val="90000"/>
-              </a:lnSpc>
-              <a:spcBef>
-                <a:spcPts val="250"/>
-              </a:spcBef>
-              <a:spcAft>
-                <a:spcPts val="250"/>
-              </a:spcAft>
-              <a:buClr>
-                <a:schemeClr val="accent1"/>
-              </a:buClr>
-              <a:buFont typeface="Wingdings 2" pitchFamily="18" charset="2"/>
-              <a:buChar char=""/>
-              <a:defRPr sz="1400" kern="1200">
-                <a:solidFill>
-                  <a:schemeClr val="tx1">
-                    <a:lumMod val="75000"/>
-                    <a:lumOff val="25000"/>
-                  </a:schemeClr>
-                </a:solidFill>
-                <a:latin typeface="+mn-lt"/>
-                <a:ea typeface="+mn-ea"/>
-                <a:cs typeface="+mn-cs"/>
-              </a:defRPr>
-            </a:lvl9pPr>
-          </a:lstStyle>
-          <a:p>
-            <a:pPr marL="0" indent="0">
-              <a:buNone/>
-              <a:defRPr/>
-            </a:pPr>
-            <a:endParaRPr lang="en-US" dirty="0">
-              <a:solidFill>
-                <a:schemeClr val="tx1">
-                  <a:lumMod val="90000"/>
-                  <a:lumOff val="10000"/>
-                </a:schemeClr>
-              </a:solidFill>
-            </a:endParaRPr>
-          </a:p>
-        </p:txBody>
-      </p:sp>
-      <mc:AlternateContent xmlns:mc="http://schemas.openxmlformats.org/markup-compatibility/2006" xmlns:a14="http://schemas.microsoft.com/office/drawing/2010/main">
-        <mc:Choice Requires="a14">
-          <p:sp>
-            <p:nvSpPr>
-              <p:cNvPr id="8" name="Content Placeholder 2">
-                <a:extLst>
-                  <a:ext uri="{FF2B5EF4-FFF2-40B4-BE49-F238E27FC236}">
-                    <a16:creationId xmlns:a16="http://schemas.microsoft.com/office/drawing/2014/main" id="{240DBC71-789D-5E2F-2986-984B3D17DF5C}"/>
-                  </a:ext>
-                </a:extLst>
-              </p:cNvPr>
-              <p:cNvSpPr txBox="1">
-                <a:spLocks/>
-              </p:cNvSpPr>
-              <p:nvPr/>
-            </p:nvSpPr>
-            <p:spPr>
-              <a:xfrm>
-                <a:off x="4021668" y="801666"/>
-                <a:ext cx="7467600" cy="5407068"/>
-              </a:xfrm>
-              <a:prstGeom prst="rect">
-                <a:avLst/>
-              </a:prstGeom>
-            </p:spPr>
-            <p:txBody>
-              <a:bodyPr vert="horz" lIns="91440" tIns="45720" rIns="91440" bIns="45720" rtlCol="0" anchor="t">
-                <a:normAutofit/>
-              </a:bodyPr>
-              <a:lstStyle>
-                <a:lvl1pPr marL="182880" indent="-182880" algn="l" defTabSz="914400" rtl="0" eaLnBrk="1" latinLnBrk="0" hangingPunct="1">
-                  <a:lnSpc>
-                    <a:spcPct val="90000"/>
-                  </a:lnSpc>
-                  <a:spcBef>
-                    <a:spcPts val="1200"/>
-                  </a:spcBef>
-                  <a:buClr>
-                    <a:schemeClr val="accent1"/>
-                  </a:buClr>
-                  <a:buFont typeface="Wingdings 2" pitchFamily="18" charset="2"/>
-                  <a:buChar char=""/>
-                  <a:defRPr sz="2000" kern="1200">
-                    <a:solidFill>
-                      <a:schemeClr val="tx1">
-                        <a:lumMod val="75000"/>
-                        <a:lumOff val="25000"/>
-                      </a:schemeClr>
-                    </a:solidFill>
-                    <a:latin typeface="+mn-lt"/>
-                    <a:ea typeface="+mn-ea"/>
-                    <a:cs typeface="+mn-cs"/>
-                  </a:defRPr>
-                </a:lvl1pPr>
-                <a:lvl2pPr marL="685800" indent="-182880" algn="l" defTabSz="914400" rtl="0" eaLnBrk="1" latinLnBrk="0" hangingPunct="1">
-                  <a:lnSpc>
-                    <a:spcPct val="90000"/>
-                  </a:lnSpc>
-                  <a:spcBef>
-                    <a:spcPts val="250"/>
-                  </a:spcBef>
-                  <a:spcAft>
-                    <a:spcPts val="250"/>
-                  </a:spcAft>
-                  <a:buClr>
-                    <a:schemeClr val="accent1"/>
-                  </a:buClr>
-                  <a:buFont typeface="Wingdings 2" pitchFamily="18" charset="2"/>
-                  <a:buChar char=""/>
-                  <a:defRPr sz="1800" kern="1200">
-                    <a:solidFill>
-                      <a:schemeClr val="tx1">
-                        <a:lumMod val="75000"/>
-                        <a:lumOff val="25000"/>
-                      </a:schemeClr>
-                    </a:solidFill>
-                    <a:latin typeface="+mn-lt"/>
-                    <a:ea typeface="+mn-ea"/>
-                    <a:cs typeface="+mn-cs"/>
-                  </a:defRPr>
-                </a:lvl2pPr>
-                <a:lvl3pPr marL="1143000" indent="-182880" algn="l" defTabSz="914400" rtl="0" eaLnBrk="1" latinLnBrk="0" hangingPunct="1">
-                  <a:lnSpc>
-                    <a:spcPct val="90000"/>
-                  </a:lnSpc>
-                  <a:spcBef>
-                    <a:spcPts val="250"/>
-                  </a:spcBef>
-                  <a:spcAft>
-                    <a:spcPts val="250"/>
-                  </a:spcAft>
-                  <a:buClr>
-                    <a:schemeClr val="accent1"/>
-                  </a:buClr>
-                  <a:buFont typeface="Wingdings 2" pitchFamily="18" charset="2"/>
-                  <a:buChar char=""/>
-                  <a:defRPr sz="1600" kern="1200">
-                    <a:solidFill>
-                      <a:schemeClr val="tx1">
-                        <a:lumMod val="75000"/>
-                        <a:lumOff val="25000"/>
-                      </a:schemeClr>
-                    </a:solidFill>
-                    <a:latin typeface="+mn-lt"/>
-                    <a:ea typeface="+mn-ea"/>
-                    <a:cs typeface="+mn-cs"/>
-                  </a:defRPr>
-                </a:lvl3pPr>
-                <a:lvl4pPr marL="1600200" indent="-182880" algn="l" defTabSz="914400" rtl="0" eaLnBrk="1" latinLnBrk="0" hangingPunct="1">
-                  <a:lnSpc>
-                    <a:spcPct val="90000"/>
-                  </a:lnSpc>
-                  <a:spcBef>
-                    <a:spcPts val="250"/>
-                  </a:spcBef>
-                  <a:spcAft>
-                    <a:spcPts val="250"/>
-                  </a:spcAft>
-                  <a:buClr>
-                    <a:schemeClr val="accent1"/>
-                  </a:buClr>
-                  <a:buFont typeface="Wingdings 2" pitchFamily="18" charset="2"/>
-                  <a:buChar char=""/>
-                  <a:defRPr sz="1400" kern="1200">
-                    <a:solidFill>
-                      <a:schemeClr val="tx1">
-                        <a:lumMod val="75000"/>
-                        <a:lumOff val="25000"/>
-                      </a:schemeClr>
-                    </a:solidFill>
-                    <a:latin typeface="+mn-lt"/>
-                    <a:ea typeface="+mn-ea"/>
-                    <a:cs typeface="+mn-cs"/>
-                  </a:defRPr>
-                </a:lvl4pPr>
-                <a:lvl5pPr marL="2057400" indent="-182880" algn="l" defTabSz="914400" rtl="0" eaLnBrk="1" latinLnBrk="0" hangingPunct="1">
-                  <a:lnSpc>
-                    <a:spcPct val="90000"/>
-                  </a:lnSpc>
-                  <a:spcBef>
-                    <a:spcPts val="250"/>
-                  </a:spcBef>
-                  <a:spcAft>
-                    <a:spcPts val="250"/>
-                  </a:spcAft>
-                  <a:buClr>
-                    <a:schemeClr val="accent1"/>
-                  </a:buClr>
-                  <a:buFont typeface="Wingdings 2" pitchFamily="18" charset="2"/>
-                  <a:buChar char=""/>
-                  <a:defRPr sz="1400" kern="1200">
-                    <a:solidFill>
-                      <a:schemeClr val="tx1">
-                        <a:lumMod val="75000"/>
-                        <a:lumOff val="25000"/>
-                      </a:schemeClr>
-                    </a:solidFill>
-                    <a:latin typeface="+mn-lt"/>
-                    <a:ea typeface="+mn-ea"/>
-                    <a:cs typeface="+mn-cs"/>
-                  </a:defRPr>
-                </a:lvl5pPr>
-                <a:lvl6pPr marL="2514600" indent="-228600" algn="l" defTabSz="914400" rtl="0" eaLnBrk="1" latinLnBrk="0" hangingPunct="1">
-                  <a:lnSpc>
-                    <a:spcPct val="90000"/>
-                  </a:lnSpc>
-                  <a:spcBef>
-                    <a:spcPts val="250"/>
-                  </a:spcBef>
-                  <a:spcAft>
-                    <a:spcPts val="250"/>
-                  </a:spcAft>
-                  <a:buClr>
-                    <a:schemeClr val="accent1"/>
-                  </a:buClr>
-                  <a:buFont typeface="Wingdings 2" pitchFamily="18" charset="2"/>
-                  <a:buChar char=""/>
-                  <a:defRPr sz="1400" kern="1200">
-                    <a:solidFill>
-                      <a:schemeClr val="tx1">
-                        <a:lumMod val="75000"/>
-                        <a:lumOff val="25000"/>
-                      </a:schemeClr>
-                    </a:solidFill>
-                    <a:latin typeface="+mn-lt"/>
-                    <a:ea typeface="+mn-ea"/>
-                    <a:cs typeface="+mn-cs"/>
-                  </a:defRPr>
-                </a:lvl6pPr>
-                <a:lvl7pPr marL="2971800" indent="-228600" algn="l" defTabSz="914400" rtl="0" eaLnBrk="1" latinLnBrk="0" hangingPunct="1">
-                  <a:lnSpc>
-                    <a:spcPct val="90000"/>
-                  </a:lnSpc>
-                  <a:spcBef>
-                    <a:spcPts val="250"/>
-                  </a:spcBef>
-                  <a:spcAft>
-                    <a:spcPts val="250"/>
-                  </a:spcAft>
-                  <a:buClr>
-                    <a:schemeClr val="accent1"/>
-                  </a:buClr>
-                  <a:buFont typeface="Wingdings 2" pitchFamily="18" charset="2"/>
-                  <a:buChar char=""/>
-                  <a:defRPr sz="1400" kern="1200">
-                    <a:solidFill>
-                      <a:schemeClr val="tx1">
-                        <a:lumMod val="75000"/>
-                        <a:lumOff val="25000"/>
-                      </a:schemeClr>
-                    </a:solidFill>
-                    <a:latin typeface="+mn-lt"/>
-                    <a:ea typeface="+mn-ea"/>
-                    <a:cs typeface="+mn-cs"/>
-                  </a:defRPr>
-                </a:lvl7pPr>
-                <a:lvl8pPr marL="3429000" indent="-228600" algn="l" defTabSz="914400" rtl="0" eaLnBrk="1" latinLnBrk="0" hangingPunct="1">
-                  <a:lnSpc>
-                    <a:spcPct val="90000"/>
-                  </a:lnSpc>
-                  <a:spcBef>
-                    <a:spcPts val="250"/>
-                  </a:spcBef>
-                  <a:spcAft>
-                    <a:spcPts val="250"/>
-                  </a:spcAft>
-                  <a:buClr>
-                    <a:schemeClr val="accent1"/>
-                  </a:buClr>
-                  <a:buFont typeface="Wingdings 2" pitchFamily="18" charset="2"/>
-                  <a:buChar char=""/>
-                  <a:defRPr sz="1400" kern="1200">
-                    <a:solidFill>
-                      <a:schemeClr val="tx1">
-                        <a:lumMod val="75000"/>
-                        <a:lumOff val="25000"/>
-                      </a:schemeClr>
-                    </a:solidFill>
-                    <a:latin typeface="+mn-lt"/>
-                    <a:ea typeface="+mn-ea"/>
-                    <a:cs typeface="+mn-cs"/>
-                  </a:defRPr>
-                </a:lvl8pPr>
-                <a:lvl9pPr marL="3886200" indent="-228600" algn="l" defTabSz="914400" rtl="0" eaLnBrk="1" latinLnBrk="0" hangingPunct="1">
-                  <a:lnSpc>
-                    <a:spcPct val="90000"/>
-                  </a:lnSpc>
-                  <a:spcBef>
-                    <a:spcPts val="250"/>
-                  </a:spcBef>
-                  <a:spcAft>
-                    <a:spcPts val="250"/>
-                  </a:spcAft>
-                  <a:buClr>
-                    <a:schemeClr val="accent1"/>
-                  </a:buClr>
-                  <a:buFont typeface="Wingdings 2" pitchFamily="18" charset="2"/>
-                  <a:buChar char=""/>
-                  <a:defRPr sz="1400" kern="1200">
-                    <a:solidFill>
-                      <a:schemeClr val="tx1">
-                        <a:lumMod val="75000"/>
-                        <a:lumOff val="25000"/>
-                      </a:schemeClr>
-                    </a:solidFill>
-                    <a:latin typeface="+mn-lt"/>
-                    <a:ea typeface="+mn-ea"/>
-                    <a:cs typeface="+mn-cs"/>
-                  </a:defRPr>
-                </a:lvl9pPr>
-              </a:lstStyle>
-              <a:p>
-                <a:pPr marL="0" indent="0">
-                  <a:buNone/>
-                  <a:defRPr/>
-                </a:pPr>
-                <a:r>
-                  <a:rPr lang="en-US" sz="2400" b="1" dirty="0">
-                    <a:solidFill>
-                      <a:schemeClr val="tx1">
-                        <a:lumMod val="90000"/>
-                        <a:lumOff val="10000"/>
-                      </a:schemeClr>
-                    </a:solidFill>
-                  </a:rPr>
-                  <a:t>Big idea</a:t>
-                </a:r>
-                <a:r>
-                  <a:rPr lang="en-US" sz="2400" dirty="0">
-                    <a:solidFill>
-                      <a:schemeClr val="tx1">
-                        <a:lumMod val="90000"/>
-                        <a:lumOff val="10000"/>
-                      </a:schemeClr>
-                    </a:solidFill>
-                  </a:rPr>
-                  <a:t>: minimize RSS plus an additional penalty that rewards small (sum of) coefficient values.</a:t>
-                </a:r>
-              </a:p>
-              <a:p>
-                <a:pPr marL="0" indent="0">
-                  <a:buNone/>
-                  <a:defRPr/>
-                </a:pPr>
-                <a:endParaRPr lang="en-US" sz="2400" dirty="0">
-                  <a:solidFill>
-                    <a:schemeClr val="tx1">
-                      <a:lumMod val="90000"/>
-                      <a:lumOff val="10000"/>
-                    </a:schemeClr>
-                  </a:solidFill>
-                </a:endParaRPr>
-              </a:p>
-              <a:p>
-                <a:pPr marL="0" indent="0">
-                  <a:buNone/>
-                  <a:defRPr/>
-                </a:pPr>
-                <a:r>
-                  <a:rPr lang="en-US" sz="2400" dirty="0">
-                    <a:solidFill>
-                      <a:schemeClr val="tx1">
-                        <a:lumMod val="90000"/>
-                        <a:lumOff val="10000"/>
-                      </a:schemeClr>
-                    </a:solidFill>
-                  </a:rPr>
-                  <a:t>Least squares fits by finding coefficients that minimize</a:t>
-                </a:r>
-              </a:p>
-              <a:p>
-                <a:pPr marL="0" indent="0">
-                  <a:buNone/>
-                  <a:defRPr/>
-                </a:pPr>
-                <a14:m>
-                  <m:oMathPara xmlns:m="http://schemas.openxmlformats.org/officeDocument/2006/math">
-                    <m:oMathParaPr>
-                      <m:jc m:val="centerGroup"/>
-                    </m:oMathParaPr>
-                    <m:oMath xmlns:m="http://schemas.openxmlformats.org/officeDocument/2006/math">
-                      <m:r>
-                        <a:rPr lang="en-US" sz="2400" b="0" i="1" smtClean="0">
-                          <a:solidFill>
-                            <a:schemeClr val="tx1">
-                              <a:lumMod val="90000"/>
-                              <a:lumOff val="10000"/>
-                            </a:schemeClr>
-                          </a:solidFill>
-                          <a:latin typeface="Cambria Math" panose="02040503050406030204" pitchFamily="18" charset="0"/>
-                        </a:rPr>
-                        <m:t>𝑅𝑆𝑆</m:t>
-                      </m:r>
-                      <m:r>
-                        <a:rPr lang="en-US" sz="2400" b="0" i="1" smtClean="0">
-                          <a:solidFill>
-                            <a:schemeClr val="tx1">
-                              <a:lumMod val="90000"/>
-                              <a:lumOff val="10000"/>
-                            </a:schemeClr>
-                          </a:solidFill>
-                          <a:latin typeface="Cambria Math" panose="02040503050406030204" pitchFamily="18" charset="0"/>
-                        </a:rPr>
-                        <m:t>=</m:t>
-                      </m:r>
-                      <m:nary>
-                        <m:naryPr>
-                          <m:chr m:val="∑"/>
-                          <m:ctrlPr>
-                            <a:rPr lang="en-US" sz="2400" b="0" i="1" smtClean="0">
-                              <a:solidFill>
-                                <a:schemeClr val="tx1">
-                                  <a:lumMod val="90000"/>
-                                  <a:lumOff val="10000"/>
-                                </a:schemeClr>
-                              </a:solidFill>
-                              <a:latin typeface="Cambria Math" panose="02040503050406030204" pitchFamily="18" charset="0"/>
-                            </a:rPr>
-                          </m:ctrlPr>
-                        </m:naryPr>
-                        <m:sub>
-                          <m:r>
-                            <m:rPr>
-                              <m:brk m:alnAt="23"/>
-                            </m:rPr>
-                            <a:rPr lang="en-US" sz="2400" b="0" i="1" smtClean="0">
-                              <a:solidFill>
-                                <a:schemeClr val="tx1">
-                                  <a:lumMod val="90000"/>
-                                  <a:lumOff val="10000"/>
-                                </a:schemeClr>
-                              </a:solidFill>
-                              <a:latin typeface="Cambria Math" panose="02040503050406030204" pitchFamily="18" charset="0"/>
-                            </a:rPr>
-                            <m:t>𝑖</m:t>
-                          </m:r>
-                          <m:r>
-                            <a:rPr lang="en-US" sz="2400" b="0" i="1" smtClean="0">
-                              <a:solidFill>
-                                <a:schemeClr val="tx1">
-                                  <a:lumMod val="90000"/>
-                                  <a:lumOff val="10000"/>
-                                </a:schemeClr>
-                              </a:solidFill>
-                              <a:latin typeface="Cambria Math" panose="02040503050406030204" pitchFamily="18" charset="0"/>
-                            </a:rPr>
-                            <m:t>=1</m:t>
-                          </m:r>
-                        </m:sub>
-                        <m:sup>
-                          <m:r>
-                            <a:rPr lang="en-US" sz="2400" b="0" i="1" smtClean="0">
-                              <a:solidFill>
-                                <a:schemeClr val="tx1">
-                                  <a:lumMod val="90000"/>
-                                  <a:lumOff val="10000"/>
-                                </a:schemeClr>
-                              </a:solidFill>
-                              <a:latin typeface="Cambria Math" panose="02040503050406030204" pitchFamily="18" charset="0"/>
-                            </a:rPr>
-                            <m:t>𝑛</m:t>
-                          </m:r>
-                        </m:sup>
-                        <m:e>
-                          <m:sSup>
-                            <m:sSupPr>
-                              <m:ctrlPr>
-                                <a:rPr lang="en-US" sz="2400" b="0" i="1" smtClean="0">
-                                  <a:solidFill>
-                                    <a:schemeClr val="tx1">
-                                      <a:lumMod val="90000"/>
-                                      <a:lumOff val="10000"/>
-                                    </a:schemeClr>
-                                  </a:solidFill>
-                                  <a:latin typeface="Cambria Math" panose="02040503050406030204" pitchFamily="18" charset="0"/>
-                                </a:rPr>
-                              </m:ctrlPr>
-                            </m:sSupPr>
-                            <m:e>
-                              <m:d>
-                                <m:dPr>
-                                  <m:ctrlPr>
-                                    <a:rPr lang="en-US" sz="2400" b="0" i="1" smtClean="0">
-                                      <a:solidFill>
-                                        <a:schemeClr val="tx1">
-                                          <a:lumMod val="90000"/>
-                                          <a:lumOff val="10000"/>
-                                        </a:schemeClr>
-                                      </a:solidFill>
-                                      <a:latin typeface="Cambria Math" panose="02040503050406030204" pitchFamily="18" charset="0"/>
-                                    </a:rPr>
-                                  </m:ctrlPr>
-                                </m:dPr>
-                                <m:e>
-                                  <m:sSub>
-                                    <m:sSubPr>
-                                      <m:ctrlPr>
-                                        <a:rPr lang="en-US" sz="2400" b="0" i="1" smtClean="0">
-                                          <a:solidFill>
-                                            <a:schemeClr val="tx1">
-                                              <a:lumMod val="90000"/>
-                                              <a:lumOff val="10000"/>
-                                            </a:schemeClr>
-                                          </a:solidFill>
-                                          <a:latin typeface="Cambria Math" panose="02040503050406030204" pitchFamily="18" charset="0"/>
-                                        </a:rPr>
-                                      </m:ctrlPr>
-                                    </m:sSubPr>
-                                    <m:e>
-                                      <m:r>
-                                        <a:rPr lang="en-US" sz="2400" b="0" i="1" smtClean="0">
-                                          <a:solidFill>
-                                            <a:schemeClr val="tx1">
-                                              <a:lumMod val="90000"/>
-                                              <a:lumOff val="10000"/>
-                                            </a:schemeClr>
-                                          </a:solidFill>
-                                          <a:latin typeface="Cambria Math" panose="02040503050406030204" pitchFamily="18" charset="0"/>
-                                        </a:rPr>
-                                        <m:t>𝑦</m:t>
-                                      </m:r>
-                                    </m:e>
-                                    <m:sub>
-                                      <m:r>
-                                        <a:rPr lang="en-US" sz="2400" b="0" i="1" smtClean="0">
-                                          <a:solidFill>
-                                            <a:schemeClr val="tx1">
-                                              <a:lumMod val="90000"/>
-                                              <a:lumOff val="10000"/>
-                                            </a:schemeClr>
-                                          </a:solidFill>
-                                          <a:latin typeface="Cambria Math" panose="02040503050406030204" pitchFamily="18" charset="0"/>
-                                        </a:rPr>
-                                        <m:t>𝑖</m:t>
-                                      </m:r>
-                                    </m:sub>
-                                  </m:sSub>
-                                  <m:r>
-                                    <a:rPr lang="en-US" sz="2400" b="0" i="1" smtClean="0">
-                                      <a:solidFill>
-                                        <a:schemeClr val="tx1">
-                                          <a:lumMod val="90000"/>
-                                          <a:lumOff val="10000"/>
-                                        </a:schemeClr>
-                                      </a:solidFill>
-                                      <a:latin typeface="Cambria Math" panose="02040503050406030204" pitchFamily="18" charset="0"/>
-                                    </a:rPr>
-                                    <m:t>−</m:t>
-                                  </m:r>
-                                  <m:sSub>
-                                    <m:sSubPr>
-                                      <m:ctrlPr>
-                                        <a:rPr lang="en-US" sz="2400" b="0" i="1" smtClean="0">
-                                          <a:solidFill>
-                                            <a:schemeClr val="tx1">
-                                              <a:lumMod val="90000"/>
-                                              <a:lumOff val="10000"/>
-                                            </a:schemeClr>
-                                          </a:solidFill>
-                                          <a:latin typeface="Cambria Math" panose="02040503050406030204" pitchFamily="18" charset="0"/>
-                                        </a:rPr>
-                                      </m:ctrlPr>
-                                    </m:sSubPr>
-                                    <m:e>
-                                      <m:r>
-                                        <a:rPr lang="en-US" sz="2400" b="0" i="1" smtClean="0">
-                                          <a:solidFill>
-                                            <a:schemeClr val="tx1">
-                                              <a:lumMod val="90000"/>
-                                              <a:lumOff val="10000"/>
-                                            </a:schemeClr>
-                                          </a:solidFill>
-                                          <a:latin typeface="Cambria Math" panose="02040503050406030204" pitchFamily="18" charset="0"/>
-                                        </a:rPr>
-                                        <m:t>𝛽</m:t>
-                                      </m:r>
-                                    </m:e>
-                                    <m:sub>
-                                      <m:r>
-                                        <a:rPr lang="en-US" sz="2400" b="0" i="1" smtClean="0">
-                                          <a:solidFill>
-                                            <a:schemeClr val="tx1">
-                                              <a:lumMod val="90000"/>
-                                              <a:lumOff val="10000"/>
-                                            </a:schemeClr>
-                                          </a:solidFill>
-                                          <a:latin typeface="Cambria Math" panose="02040503050406030204" pitchFamily="18" charset="0"/>
-                                        </a:rPr>
-                                        <m:t>0</m:t>
-                                      </m:r>
-                                    </m:sub>
-                                  </m:sSub>
-                                  <m:r>
-                                    <a:rPr lang="en-US" sz="2400" b="0" i="1" smtClean="0">
-                                      <a:solidFill>
-                                        <a:schemeClr val="tx1">
-                                          <a:lumMod val="90000"/>
-                                          <a:lumOff val="10000"/>
-                                        </a:schemeClr>
-                                      </a:solidFill>
-                                      <a:latin typeface="Cambria Math" panose="02040503050406030204" pitchFamily="18" charset="0"/>
-                                    </a:rPr>
-                                    <m:t>−</m:t>
-                                  </m:r>
-                                  <m:nary>
-                                    <m:naryPr>
-                                      <m:chr m:val="∑"/>
-                                      <m:ctrlPr>
-                                        <a:rPr lang="en-US" sz="2400" b="0" i="1" smtClean="0">
-                                          <a:solidFill>
-                                            <a:schemeClr val="tx1">
-                                              <a:lumMod val="90000"/>
-                                              <a:lumOff val="10000"/>
-                                            </a:schemeClr>
-                                          </a:solidFill>
-                                          <a:latin typeface="Cambria Math" panose="02040503050406030204" pitchFamily="18" charset="0"/>
-                                        </a:rPr>
-                                      </m:ctrlPr>
-                                    </m:naryPr>
-                                    <m:sub>
-                                      <m:r>
-                                        <m:rPr>
-                                          <m:brk m:alnAt="23"/>
-                                        </m:rPr>
-                                        <a:rPr lang="en-US" sz="2400" b="0" i="1" smtClean="0">
-                                          <a:solidFill>
-                                            <a:schemeClr val="tx1">
-                                              <a:lumMod val="90000"/>
-                                              <a:lumOff val="10000"/>
-                                            </a:schemeClr>
-                                          </a:solidFill>
-                                          <a:latin typeface="Cambria Math" panose="02040503050406030204" pitchFamily="18" charset="0"/>
-                                        </a:rPr>
-                                        <m:t>𝑗</m:t>
-                                      </m:r>
-                                      <m:r>
-                                        <a:rPr lang="en-US" sz="2400" b="0" i="1" smtClean="0">
-                                          <a:solidFill>
-                                            <a:schemeClr val="tx1">
-                                              <a:lumMod val="90000"/>
-                                              <a:lumOff val="10000"/>
-                                            </a:schemeClr>
-                                          </a:solidFill>
-                                          <a:latin typeface="Cambria Math" panose="02040503050406030204" pitchFamily="18" charset="0"/>
-                                        </a:rPr>
-                                        <m:t>=1</m:t>
-                                      </m:r>
-                                    </m:sub>
-                                    <m:sup>
-                                      <m:r>
-                                        <a:rPr lang="en-US" sz="2400" b="0" i="1" smtClean="0">
-                                          <a:solidFill>
-                                            <a:schemeClr val="tx1">
-                                              <a:lumMod val="90000"/>
-                                              <a:lumOff val="10000"/>
-                                            </a:schemeClr>
-                                          </a:solidFill>
-                                          <a:latin typeface="Cambria Math" panose="02040503050406030204" pitchFamily="18" charset="0"/>
-                                        </a:rPr>
-                                        <m:t>𝑝</m:t>
-                                      </m:r>
-                                    </m:sup>
-                                    <m:e>
-                                      <m:sSub>
-                                        <m:sSubPr>
-                                          <m:ctrlPr>
-                                            <a:rPr lang="en-US" sz="2400" b="0" i="1" smtClean="0">
-                                              <a:solidFill>
-                                                <a:schemeClr val="tx1">
-                                                  <a:lumMod val="90000"/>
-                                                  <a:lumOff val="10000"/>
-                                                </a:schemeClr>
-                                              </a:solidFill>
-                                              <a:latin typeface="Cambria Math" panose="02040503050406030204" pitchFamily="18" charset="0"/>
-                                            </a:rPr>
-                                          </m:ctrlPr>
-                                        </m:sSubPr>
-                                        <m:e>
-                                          <m:r>
-                                            <a:rPr lang="en-US" sz="2400" b="0" i="1" smtClean="0">
-                                              <a:solidFill>
-                                                <a:schemeClr val="tx1">
-                                                  <a:lumMod val="90000"/>
-                                                  <a:lumOff val="10000"/>
-                                                </a:schemeClr>
-                                              </a:solidFill>
-                                              <a:latin typeface="Cambria Math" panose="02040503050406030204" pitchFamily="18" charset="0"/>
-                                            </a:rPr>
-                                            <m:t>𝛽</m:t>
-                                          </m:r>
-                                        </m:e>
-                                        <m:sub>
-                                          <m:r>
-                                            <a:rPr lang="en-US" sz="2400" b="0" i="1" smtClean="0">
-                                              <a:solidFill>
-                                                <a:schemeClr val="tx1">
-                                                  <a:lumMod val="90000"/>
-                                                  <a:lumOff val="10000"/>
-                                                </a:schemeClr>
-                                              </a:solidFill>
-                                              <a:latin typeface="Cambria Math" panose="02040503050406030204" pitchFamily="18" charset="0"/>
-                                            </a:rPr>
-                                            <m:t>𝑗</m:t>
-                                          </m:r>
-                                        </m:sub>
-                                      </m:sSub>
-                                      <m:sSub>
-                                        <m:sSubPr>
-                                          <m:ctrlPr>
-                                            <a:rPr lang="en-US" sz="2400" b="0" i="1" smtClean="0">
-                                              <a:solidFill>
-                                                <a:schemeClr val="tx1">
-                                                  <a:lumMod val="90000"/>
-                                                  <a:lumOff val="10000"/>
-                                                </a:schemeClr>
-                                              </a:solidFill>
-                                              <a:latin typeface="Cambria Math" panose="02040503050406030204" pitchFamily="18" charset="0"/>
-                                            </a:rPr>
-                                          </m:ctrlPr>
-                                        </m:sSubPr>
-                                        <m:e>
-                                          <m:r>
-                                            <a:rPr lang="en-US" sz="2400" b="0" i="1" smtClean="0">
-                                              <a:solidFill>
-                                                <a:schemeClr val="tx1">
-                                                  <a:lumMod val="90000"/>
-                                                  <a:lumOff val="10000"/>
-                                                </a:schemeClr>
-                                              </a:solidFill>
-                                              <a:latin typeface="Cambria Math" panose="02040503050406030204" pitchFamily="18" charset="0"/>
-                                            </a:rPr>
-                                            <m:t>𝑥</m:t>
-                                          </m:r>
-                                        </m:e>
-                                        <m:sub>
-                                          <m:r>
-                                            <a:rPr lang="en-US" sz="2400" b="0" i="1" smtClean="0">
-                                              <a:solidFill>
-                                                <a:schemeClr val="tx1">
-                                                  <a:lumMod val="90000"/>
-                                                  <a:lumOff val="10000"/>
-                                                </a:schemeClr>
-                                              </a:solidFill>
-                                              <a:latin typeface="Cambria Math" panose="02040503050406030204" pitchFamily="18" charset="0"/>
-                                            </a:rPr>
-                                            <m:t>𝑖𝑗</m:t>
-                                          </m:r>
-                                        </m:sub>
-                                      </m:sSub>
-                                    </m:e>
-                                  </m:nary>
-                                </m:e>
-                              </m:d>
-                            </m:e>
-                            <m:sup>
-                              <m:r>
-                                <a:rPr lang="en-US" sz="2400" b="0" i="1" smtClean="0">
-                                  <a:solidFill>
-                                    <a:schemeClr val="tx1">
-                                      <a:lumMod val="90000"/>
-                                      <a:lumOff val="10000"/>
-                                    </a:schemeClr>
-                                  </a:solidFill>
-                                  <a:latin typeface="Cambria Math" panose="02040503050406030204" pitchFamily="18" charset="0"/>
-                                </a:rPr>
-                                <m:t>2</m:t>
-                              </m:r>
-                            </m:sup>
-                          </m:sSup>
-                        </m:e>
-                      </m:nary>
-                    </m:oMath>
-                  </m:oMathPara>
-                </a14:m>
-                <a:endParaRPr lang="en-US" sz="2400" dirty="0">
-                  <a:solidFill>
-                    <a:schemeClr val="tx1">
-                      <a:lumMod val="90000"/>
-                      <a:lumOff val="10000"/>
-                    </a:schemeClr>
-                  </a:solidFill>
-                </a:endParaRPr>
-              </a:p>
-              <a:p>
-                <a:pPr marL="0" indent="0">
-                  <a:buNone/>
-                  <a:defRPr/>
-                </a:pPr>
-                <a:r>
-                  <a:rPr lang="en-US" sz="2400" dirty="0">
-                    <a:solidFill>
-                      <a:schemeClr val="tx1">
-                        <a:lumMod val="90000"/>
-                        <a:lumOff val="10000"/>
-                      </a:schemeClr>
-                    </a:solidFill>
-                  </a:rPr>
-                  <a:t>Ridge Regression fits by finding coefficients that minimize</a:t>
-                </a:r>
-              </a:p>
-              <a:p>
-                <a:pPr marL="0" indent="0">
-                  <a:buNone/>
-                  <a:defRPr/>
-                </a:pPr>
-                <a14:m>
-                  <m:oMathPara xmlns:m="http://schemas.openxmlformats.org/officeDocument/2006/math">
-                    <m:oMathParaPr>
-                      <m:jc m:val="centerGroup"/>
-                    </m:oMathParaPr>
-                    <m:oMath xmlns:m="http://schemas.openxmlformats.org/officeDocument/2006/math">
-                      <m:r>
-                        <a:rPr lang="en-US" sz="2400" i="1" smtClean="0">
-                          <a:solidFill>
-                            <a:schemeClr val="tx1">
-                              <a:lumMod val="90000"/>
-                              <a:lumOff val="10000"/>
-                            </a:schemeClr>
-                          </a:solidFill>
-                          <a:latin typeface="Cambria Math" panose="02040503050406030204" pitchFamily="18" charset="0"/>
-                        </a:rPr>
-                        <m:t>𝑅</m:t>
-                      </m:r>
-                      <m:r>
-                        <a:rPr lang="en-US" sz="2400" b="0" i="1" smtClean="0">
-                          <a:solidFill>
-                            <a:schemeClr val="tx1">
-                              <a:lumMod val="90000"/>
-                              <a:lumOff val="10000"/>
-                            </a:schemeClr>
-                          </a:solidFill>
-                          <a:latin typeface="Cambria Math" panose="02040503050406030204" pitchFamily="18" charset="0"/>
-                        </a:rPr>
-                        <m:t>𝑆𝑆</m:t>
-                      </m:r>
-                      <m:r>
-                        <a:rPr lang="en-US" sz="2400" b="0" i="1" smtClean="0">
-                          <a:solidFill>
-                            <a:schemeClr val="tx1">
-                              <a:lumMod val="90000"/>
-                              <a:lumOff val="10000"/>
-                            </a:schemeClr>
-                          </a:solidFill>
-                          <a:latin typeface="Cambria Math" panose="02040503050406030204" pitchFamily="18" charset="0"/>
-                        </a:rPr>
-                        <m:t>+</m:t>
-                      </m:r>
-                      <m:r>
-                        <a:rPr lang="en-US" sz="2400" b="0" i="1" smtClean="0">
-                          <a:solidFill>
-                            <a:schemeClr val="tx1">
-                              <a:lumMod val="90000"/>
-                              <a:lumOff val="10000"/>
-                            </a:schemeClr>
-                          </a:solidFill>
-                          <a:latin typeface="Cambria Math" panose="02040503050406030204" pitchFamily="18" charset="0"/>
-                        </a:rPr>
-                        <m:t>𝜆</m:t>
-                      </m:r>
-                      <m:nary>
-                        <m:naryPr>
-                          <m:chr m:val="∑"/>
-                          <m:ctrlPr>
-                            <a:rPr lang="en-US" sz="2400" b="0" i="1" smtClean="0">
-                              <a:solidFill>
-                                <a:schemeClr val="tx1">
-                                  <a:lumMod val="90000"/>
-                                  <a:lumOff val="10000"/>
-                                </a:schemeClr>
-                              </a:solidFill>
-                              <a:latin typeface="Cambria Math" panose="02040503050406030204" pitchFamily="18" charset="0"/>
-                            </a:rPr>
-                          </m:ctrlPr>
-                        </m:naryPr>
-                        <m:sub>
-                          <m:r>
-                            <m:rPr>
-                              <m:brk m:alnAt="23"/>
-                            </m:rPr>
-                            <a:rPr lang="en-US" sz="2400" b="0" i="1" smtClean="0">
-                              <a:solidFill>
-                                <a:schemeClr val="tx1">
-                                  <a:lumMod val="90000"/>
-                                  <a:lumOff val="10000"/>
-                                </a:schemeClr>
-                              </a:solidFill>
-                              <a:latin typeface="Cambria Math" panose="02040503050406030204" pitchFamily="18" charset="0"/>
-                            </a:rPr>
-                            <m:t>𝑗</m:t>
-                          </m:r>
-                          <m:r>
-                            <a:rPr lang="en-US" sz="2400" b="0" i="1" smtClean="0">
-                              <a:solidFill>
-                                <a:schemeClr val="tx1">
-                                  <a:lumMod val="90000"/>
-                                  <a:lumOff val="10000"/>
-                                </a:schemeClr>
-                              </a:solidFill>
-                              <a:latin typeface="Cambria Math" panose="02040503050406030204" pitchFamily="18" charset="0"/>
-                            </a:rPr>
-                            <m:t>=1</m:t>
-                          </m:r>
-                        </m:sub>
-                        <m:sup>
-                          <m:r>
-                            <a:rPr lang="en-US" sz="2400" b="0" i="1" smtClean="0">
-                              <a:solidFill>
-                                <a:schemeClr val="tx1">
-                                  <a:lumMod val="90000"/>
-                                  <a:lumOff val="10000"/>
-                                </a:schemeClr>
-                              </a:solidFill>
-                              <a:latin typeface="Cambria Math" panose="02040503050406030204" pitchFamily="18" charset="0"/>
-                            </a:rPr>
-                            <m:t>𝑝</m:t>
-                          </m:r>
-                        </m:sup>
-                        <m:e>
-                          <m:sSubSup>
-                            <m:sSubSupPr>
-                              <m:ctrlPr>
-                                <a:rPr lang="en-US" sz="2400" b="0" i="1" smtClean="0">
-                                  <a:solidFill>
-                                    <a:schemeClr val="tx1">
-                                      <a:lumMod val="90000"/>
-                                      <a:lumOff val="10000"/>
-                                    </a:schemeClr>
-                                  </a:solidFill>
-                                  <a:latin typeface="Cambria Math" panose="02040503050406030204" pitchFamily="18" charset="0"/>
-                                </a:rPr>
-                              </m:ctrlPr>
-                            </m:sSubSupPr>
-                            <m:e>
-                              <m:r>
-                                <a:rPr lang="en-US" sz="2400" b="0" i="1" smtClean="0">
-                                  <a:solidFill>
-                                    <a:schemeClr val="tx1">
-                                      <a:lumMod val="90000"/>
-                                      <a:lumOff val="10000"/>
-                                    </a:schemeClr>
-                                  </a:solidFill>
-                                  <a:latin typeface="Cambria Math" panose="02040503050406030204" pitchFamily="18" charset="0"/>
-                                </a:rPr>
-                                <m:t>𝛽</m:t>
-                              </m:r>
-                            </m:e>
-                            <m:sub>
-                              <m:r>
-                                <a:rPr lang="en-US" sz="2400" b="0" i="1" smtClean="0">
-                                  <a:solidFill>
-                                    <a:schemeClr val="tx1">
-                                      <a:lumMod val="90000"/>
-                                      <a:lumOff val="10000"/>
-                                    </a:schemeClr>
-                                  </a:solidFill>
-                                  <a:latin typeface="Cambria Math" panose="02040503050406030204" pitchFamily="18" charset="0"/>
-                                </a:rPr>
-                                <m:t>𝑗</m:t>
-                              </m:r>
-                            </m:sub>
-                            <m:sup>
-                              <m:r>
-                                <a:rPr lang="en-US" sz="2400" b="0" i="1" smtClean="0">
-                                  <a:solidFill>
-                                    <a:schemeClr val="tx1">
-                                      <a:lumMod val="90000"/>
-                                      <a:lumOff val="10000"/>
-                                    </a:schemeClr>
-                                  </a:solidFill>
-                                  <a:latin typeface="Cambria Math" panose="02040503050406030204" pitchFamily="18" charset="0"/>
-                                </a:rPr>
-                                <m:t>2</m:t>
-                              </m:r>
-                            </m:sup>
-                          </m:sSubSup>
-                        </m:e>
-                      </m:nary>
-                    </m:oMath>
-                  </m:oMathPara>
-                </a14:m>
-                <a:endParaRPr lang="en-US" sz="2400" dirty="0">
-                  <a:solidFill>
-                    <a:schemeClr val="tx1">
-                      <a:lumMod val="90000"/>
-                      <a:lumOff val="10000"/>
-                    </a:schemeClr>
-                  </a:solidFill>
-                </a:endParaRPr>
-              </a:p>
-              <a:p>
-                <a:pPr marL="0" indent="0">
-                  <a:buNone/>
-                  <a:defRPr/>
-                </a:pPr>
-                <a:r>
-                  <a:rPr lang="en-US" sz="2400" dirty="0">
-                    <a:solidFill>
-                      <a:schemeClr val="tx1">
-                        <a:lumMod val="90000"/>
-                        <a:lumOff val="10000"/>
-                      </a:schemeClr>
-                    </a:solidFill>
-                  </a:rPr>
-                  <a:t>where </a:t>
-                </a:r>
-                <a14:m>
-                  <m:oMath xmlns:m="http://schemas.openxmlformats.org/officeDocument/2006/math">
-                    <m:r>
-                      <a:rPr lang="en-US" sz="2400" b="0" i="1" smtClean="0">
-                        <a:solidFill>
-                          <a:schemeClr val="tx1">
-                            <a:lumMod val="90000"/>
-                            <a:lumOff val="10000"/>
-                          </a:schemeClr>
-                        </a:solidFill>
-                        <a:latin typeface="Cambria Math" panose="02040503050406030204" pitchFamily="18" charset="0"/>
-                      </a:rPr>
-                      <m:t>𝜆</m:t>
-                    </m:r>
-                    <m:r>
-                      <a:rPr lang="en-US" sz="2400" b="0" i="1" smtClean="0">
-                        <a:solidFill>
-                          <a:schemeClr val="tx1">
-                            <a:lumMod val="90000"/>
-                            <a:lumOff val="10000"/>
-                          </a:schemeClr>
-                        </a:solidFill>
-                        <a:latin typeface="Cambria Math" panose="02040503050406030204" pitchFamily="18" charset="0"/>
-                      </a:rPr>
-                      <m:t>≥0</m:t>
-                    </m:r>
-                  </m:oMath>
-                </a14:m>
-                <a:r>
-                  <a:rPr lang="en-US" sz="2400" dirty="0">
-                    <a:solidFill>
-                      <a:schemeClr val="tx1">
-                        <a:lumMod val="90000"/>
-                        <a:lumOff val="10000"/>
-                      </a:schemeClr>
-                    </a:solidFill>
-                  </a:rPr>
-                  <a:t> is a tuning parameter determined separately</a:t>
-                </a:r>
-              </a:p>
-            </p:txBody>
-          </p:sp>
-        </mc:Choice>
-        <mc:Fallback xmlns="">
-          <p:sp>
-            <p:nvSpPr>
-              <p:cNvPr id="8" name="Content Placeholder 2">
-                <a:extLst>
-                  <a:ext uri="{FF2B5EF4-FFF2-40B4-BE49-F238E27FC236}">
-                    <a16:creationId xmlns:a16="http://schemas.microsoft.com/office/drawing/2014/main" id="{240DBC71-789D-5E2F-2986-984B3D17DF5C}"/>
-                  </a:ext>
-                </a:extLst>
-              </p:cNvPr>
-              <p:cNvSpPr txBox="1">
-                <a:spLocks noRot="1" noChangeAspect="1" noMove="1" noResize="1" noEditPoints="1" noAdjustHandles="1" noChangeArrowheads="1" noChangeShapeType="1" noTextEdit="1"/>
-              </p:cNvSpPr>
-              <p:nvPr/>
-            </p:nvSpPr>
-            <p:spPr>
-              <a:xfrm>
-                <a:off x="4021668" y="801666"/>
-                <a:ext cx="7467600" cy="5407068"/>
-              </a:xfrm>
-              <a:prstGeom prst="rect">
-                <a:avLst/>
-              </a:prstGeom>
-              <a:blipFill>
-                <a:blip r:embed="rId3"/>
-                <a:stretch>
-                  <a:fillRect l="-1188" t="-1408" r="-1358" b="-11972"/>
-                </a:stretch>
-              </a:blipFill>
-            </p:spPr>
-            <p:txBody>
-              <a:bodyPr/>
-              <a:lstStyle/>
-              <a:p>
-                <a:r>
-                  <a:rPr lang="en-US">
-                    <a:noFill/>
-                  </a:rPr>
-                  <a:t> </a:t>
-                </a:r>
-              </a:p>
-            </p:txBody>
-          </p:sp>
-        </mc:Fallback>
-      </mc:AlternateContent>
-      <p:sp>
-        <p:nvSpPr>
-          <p:cNvPr id="3" name="Rounded Rectangular Callout 2">
-            <a:extLst>
-              <a:ext uri="{FF2B5EF4-FFF2-40B4-BE49-F238E27FC236}">
-                <a16:creationId xmlns:a16="http://schemas.microsoft.com/office/drawing/2014/main" id="{2ACC2915-3CBE-EF09-E3CE-9D837E5E35DF}"/>
-              </a:ext>
-            </a:extLst>
-          </p:cNvPr>
-          <p:cNvSpPr/>
-          <p:nvPr/>
-        </p:nvSpPr>
-        <p:spPr>
-          <a:xfrm>
-            <a:off x="9405258" y="4093028"/>
-            <a:ext cx="1719942" cy="903515"/>
-          </a:xfrm>
-          <a:prstGeom prst="wedgeRoundRectCallout">
-            <a:avLst>
-              <a:gd name="adj1" fmla="val -90211"/>
-              <a:gd name="adj2" fmla="val -4655"/>
-              <a:gd name="adj3" fmla="val 16667"/>
-            </a:avLst>
-          </a:prstGeom>
-        </p:spPr>
-        <p:style>
-          <a:lnRef idx="0">
-            <a:schemeClr val="accent3"/>
-          </a:lnRef>
-          <a:fillRef idx="3">
-            <a:schemeClr val="accent3"/>
-          </a:fillRef>
-          <a:effectRef idx="3">
-            <a:schemeClr val="accent3"/>
-          </a:effectRef>
-          <a:fontRef idx="minor">
-            <a:schemeClr val="lt1"/>
-          </a:fontRef>
-        </p:style>
-        <p:txBody>
-          <a:bodyPr rtlCol="0" anchor="ctr"/>
-          <a:lstStyle/>
-          <a:p>
-            <a:pPr algn="ctr"/>
-            <a:r>
-              <a:rPr lang="en-US" sz="2400" dirty="0"/>
-              <a:t>Shrinkage Penalty</a:t>
-            </a:r>
-          </a:p>
-        </p:txBody>
-      </p:sp>
-      <p:sp>
-        <p:nvSpPr>
-          <p:cNvPr id="4" name="Rounded Rectangle 3">
-            <a:extLst>
-              <a:ext uri="{FF2B5EF4-FFF2-40B4-BE49-F238E27FC236}">
-                <a16:creationId xmlns:a16="http://schemas.microsoft.com/office/drawing/2014/main" id="{54F20718-FAB8-EDB6-D479-F4851C2E0460}"/>
-              </a:ext>
-            </a:extLst>
-          </p:cNvPr>
-          <p:cNvSpPr/>
-          <p:nvPr/>
-        </p:nvSpPr>
-        <p:spPr>
-          <a:xfrm>
-            <a:off x="3512278" y="5540830"/>
-            <a:ext cx="7976990" cy="1110490"/>
-          </a:xfrm>
-          <a:prstGeom prst="roundRect">
-            <a:avLst/>
-          </a:prstGeom>
-        </p:spPr>
-        <p:style>
-          <a:lnRef idx="0">
-            <a:schemeClr val="accent5"/>
-          </a:lnRef>
-          <a:fillRef idx="3">
-            <a:schemeClr val="accent5"/>
-          </a:fillRef>
-          <a:effectRef idx="3">
-            <a:schemeClr val="accent5"/>
-          </a:effectRef>
-          <a:fontRef idx="minor">
-            <a:schemeClr val="lt1"/>
-          </a:fontRef>
-        </p:style>
-        <p:txBody>
-          <a:bodyPr rtlCol="0" anchor="ctr"/>
-          <a:lstStyle/>
-          <a:p>
-            <a:pPr algn="ctr"/>
-            <a:r>
-              <a:rPr lang="en-US" sz="2400" dirty="0"/>
-              <a:t>RSS is scale invariant (multiplying any predictor by a constant won’t change RSS). Is the shrinkage penalty? </a:t>
-            </a:r>
-          </a:p>
-        </p:txBody>
-      </p:sp>
-    </p:spTree>
-    <p:extLst>
-      <p:ext uri="{BB962C8B-B14F-4D97-AF65-F5344CB8AC3E}">
-        <p14:creationId xmlns:p14="http://schemas.microsoft.com/office/powerpoint/2010/main" val="2330486351"/>
-      </p:ext>
-    </p:extLst>
-  </p:cSld>
-  <p:clrMapOvr>
-    <a:masterClrMapping/>
-  </p:clrMapOvr>
-</p:sld>
-</file>
-
-<file path=ppt/slides/slide11.xml><?xml version="1.0" encoding="utf-8"?>
 <p:sld xmlns:a="http://schemas.openxmlformats.org/drawingml/2006/main" xmlns:r="http://schemas.openxmlformats.org/officeDocument/2006/relationships" xmlns:p="http://schemas.openxmlformats.org/presentationml/2006/main">
   <p:cSld>
     <p:spTree>
@@ -9232,7 +7454,7 @@
 </p:sld>
 </file>
 
-<file path=ppt/slides/slide12.xml><?xml version="1.0" encoding="utf-8"?>
+<file path=ppt/slides/slide11.xml><?xml version="1.0" encoding="utf-8"?>
 <p:sld xmlns:a="http://schemas.openxmlformats.org/drawingml/2006/main" xmlns:r="http://schemas.openxmlformats.org/officeDocument/2006/relationships" xmlns:p="http://schemas.openxmlformats.org/presentationml/2006/main">
   <p:cSld>
     <p:spTree>
@@ -10544,7 +8766,7 @@
 </p:sld>
 </file>
 
-<file path=ppt/slides/slide13.xml><?xml version="1.0" encoding="utf-8"?>
+<file path=ppt/slides/slide12.xml><?xml version="1.0" encoding="utf-8"?>
 <p:sld xmlns:a="http://schemas.openxmlformats.org/drawingml/2006/main" xmlns:r="http://schemas.openxmlformats.org/officeDocument/2006/relationships" xmlns:p="http://schemas.openxmlformats.org/presentationml/2006/main">
   <p:cSld>
     <p:spTree>
@@ -11522,7 +9744,7 @@
 </p:sld>
 </file>
 
-<file path=ppt/slides/slide14.xml><?xml version="1.0" encoding="utf-8"?>
+<file path=ppt/slides/slide13.xml><?xml version="1.0" encoding="utf-8"?>
 <p:sld xmlns:a="http://schemas.openxmlformats.org/drawingml/2006/main" xmlns:r="http://schemas.openxmlformats.org/officeDocument/2006/relationships" xmlns:p="http://schemas.openxmlformats.org/presentationml/2006/main">
   <p:cSld>
     <p:spTree>
@@ -12420,8 +10642,8 @@
           </a:p>
         </p:txBody>
       </p:sp>
-      <mc:AlternateContent xmlns:mc="http://schemas.openxmlformats.org/markup-compatibility/2006" xmlns:a14="http://schemas.microsoft.com/office/drawing/2010/main">
-        <mc:Choice Requires="a14">
+      <mc:AlternateContent xmlns:mc="http://schemas.openxmlformats.org/markup-compatibility/2006">
+        <mc:Choice xmlns:a14="http://schemas.microsoft.com/office/drawing/2010/main" Requires="a14">
           <p:sp>
             <p:nvSpPr>
               <p:cNvPr id="3" name="Content Placeholder 2">
@@ -13366,20 +11588,7 @@
                                 <m:t>𝑗</m:t>
                               </m:r>
                             </m:sub>
-                            <m:sup>
-                              <m:r>
-                                <a:rPr lang="en-US" sz="2400" b="0" i="1" smtClean="0">
-                                  <a:solidFill>
-                                    <a:schemeClr val="tx1">
-                                      <a:lumMod val="90000"/>
-                                      <a:lumOff val="10000"/>
-                                    </a:schemeClr>
-                                  </a:solidFill>
-                                  <a:latin typeface="Cambria Math" panose="02040503050406030204" pitchFamily="18" charset="0"/>
-                                </a:rPr>
-                                <m:t>2</m:t>
-                              </m:r>
-                            </m:sup>
+                            <m:sup/>
                           </m:sSubSup>
                           <m:r>
                             <a:rPr lang="en-US" sz="2400" b="0" i="1" smtClean="0">
@@ -13480,7 +11689,7 @@
             </p:txBody>
           </p:sp>
         </mc:Choice>
-        <mc:Fallback xmlns="">
+        <mc:Fallback>
           <p:sp>
             <p:nvSpPr>
               <p:cNvPr id="3" name="Content Placeholder 2">
@@ -13589,7 +11798,7 @@
 </p:sld>
 </file>
 
-<file path=ppt/slides/slide15.xml><?xml version="1.0" encoding="utf-8"?>
+<file path=ppt/slides/slide14.xml><?xml version="1.0" encoding="utf-8"?>
 <p:sld xmlns:a="http://schemas.openxmlformats.org/drawingml/2006/main" xmlns:r="http://schemas.openxmlformats.org/officeDocument/2006/relationships" xmlns:p="http://schemas.openxmlformats.org/presentationml/2006/main">
   <p:cSld>
     <p:spTree>
@@ -14487,8 +12696,8 @@
           </a:p>
         </p:txBody>
       </p:sp>
-      <mc:AlternateContent xmlns:mc="http://schemas.openxmlformats.org/markup-compatibility/2006" xmlns:a14="http://schemas.microsoft.com/office/drawing/2010/main">
-        <mc:Choice Requires="a14">
+      <mc:AlternateContent xmlns:mc="http://schemas.openxmlformats.org/markup-compatibility/2006">
+        <mc:Choice xmlns:a14="http://schemas.microsoft.com/office/drawing/2010/main" Requires="a14">
           <p:sp>
             <p:nvSpPr>
               <p:cNvPr id="3" name="Content Placeholder 2">
@@ -15433,20 +13642,7 @@
                                 <m:t>𝑗</m:t>
                               </m:r>
                             </m:sub>
-                            <m:sup>
-                              <m:r>
-                                <a:rPr lang="en-US" sz="2400" b="0" i="1" smtClean="0">
-                                  <a:solidFill>
-                                    <a:schemeClr val="tx1">
-                                      <a:lumMod val="90000"/>
-                                      <a:lumOff val="10000"/>
-                                    </a:schemeClr>
-                                  </a:solidFill>
-                                  <a:latin typeface="Cambria Math" panose="02040503050406030204" pitchFamily="18" charset="0"/>
-                                </a:rPr>
-                                <m:t>2</m:t>
-                              </m:r>
-                            </m:sup>
+                            <m:sup/>
                           </m:sSubSup>
                           <m:r>
                             <a:rPr lang="en-US" sz="2400" b="0" i="1" smtClean="0">
@@ -15547,7 +13743,7 @@
             </p:txBody>
           </p:sp>
         </mc:Choice>
-        <mc:Fallback xmlns="">
+        <mc:Fallback>
           <p:sp>
             <p:nvSpPr>
               <p:cNvPr id="3" name="Content Placeholder 2">
@@ -15738,7 +13934,7 @@
 </p:sld>
 </file>
 
-<file path=ppt/slides/slide16.xml><?xml version="1.0" encoding="utf-8"?>
+<file path=ppt/slides/slide15.xml><?xml version="1.0" encoding="utf-8"?>
 <p:sld xmlns:a="http://schemas.openxmlformats.org/drawingml/2006/main" xmlns:r="http://schemas.openxmlformats.org/officeDocument/2006/relationships" xmlns:p="http://schemas.openxmlformats.org/presentationml/2006/main">
   <p:cSld>
     <p:spTree>
@@ -17408,7 +15604,7 @@
 </p:sld>
 </file>
 
-<file path=ppt/slides/slide17.xml><?xml version="1.0" encoding="utf-8"?>
+<file path=ppt/slides/slide16.xml><?xml version="1.0" encoding="utf-8"?>
 <p:sld xmlns:a="http://schemas.openxmlformats.org/drawingml/2006/main" xmlns:r="http://schemas.openxmlformats.org/officeDocument/2006/relationships" xmlns:p="http://schemas.openxmlformats.org/presentationml/2006/main">
   <p:cSld>
     <p:spTree>
@@ -19207,7 +17403,7 @@
 </p:sld>
 </file>
 
-<file path=ppt/slides/slide18.xml><?xml version="1.0" encoding="utf-8"?>
+<file path=ppt/slides/slide17.xml><?xml version="1.0" encoding="utf-8"?>
 <p:sld xmlns:a="http://schemas.openxmlformats.org/drawingml/2006/main" xmlns:r="http://schemas.openxmlformats.org/officeDocument/2006/relationships" xmlns:p="http://schemas.openxmlformats.org/presentationml/2006/main">
   <p:cSld>
     <p:spTree>
@@ -20981,7 +19177,7 @@
 </p:sld>
 </file>
 
-<file path=ppt/slides/slide19.xml><?xml version="1.0" encoding="utf-8"?>
+<file path=ppt/slides/slide18.xml><?xml version="1.0" encoding="utf-8"?>
 <p:sld xmlns:a="http://schemas.openxmlformats.org/drawingml/2006/main" xmlns:r="http://schemas.openxmlformats.org/officeDocument/2006/relationships" xmlns:p="http://schemas.openxmlformats.org/presentationml/2006/main">
   <p:cSld>
     <p:spTree>
@@ -22030,115 +20226,7 @@
 </p:sld>
 </file>
 
-<file path=ppt/slides/slide2.xml><?xml version="1.0" encoding="utf-8"?>
-<p:sld xmlns:a="http://schemas.openxmlformats.org/drawingml/2006/main" xmlns:r="http://schemas.openxmlformats.org/officeDocument/2006/relationships" xmlns:p="http://schemas.openxmlformats.org/presentationml/2006/main">
-  <p:cSld>
-    <p:spTree>
-      <p:nvGrpSpPr>
-        <p:cNvPr id="1" name=""/>
-        <p:cNvGrpSpPr/>
-        <p:nvPr/>
-      </p:nvGrpSpPr>
-      <p:grpSpPr>
-        <a:xfrm>
-          <a:off x="0" y="0"/>
-          <a:ext cx="0" cy="0"/>
-          <a:chOff x="0" y="0"/>
-          <a:chExt cx="0" cy="0"/>
-        </a:xfrm>
-      </p:grpSpPr>
-      <p:sp>
-        <p:nvSpPr>
-          <p:cNvPr id="2" name="Title 1">
-            <a:extLst>
-              <a:ext uri="{FF2B5EF4-FFF2-40B4-BE49-F238E27FC236}">
-                <a16:creationId xmlns:a16="http://schemas.microsoft.com/office/drawing/2014/main" id="{BEA6A380-698D-F04F-898D-CC6BD20937D1}"/>
-              </a:ext>
-            </a:extLst>
-          </p:cNvPr>
-          <p:cNvSpPr>
-            <a:spLocks noGrp="1"/>
-          </p:cNvSpPr>
-          <p:nvPr>
-            <p:ph type="title"/>
-          </p:nvPr>
-        </p:nvSpPr>
-        <p:spPr/>
-        <p:txBody>
-          <a:bodyPr/>
-          <a:lstStyle/>
-          <a:p>
-            <a:r>
-              <a:rPr lang="en-US" dirty="0"/>
-              <a:t>Reminder</a:t>
-            </a:r>
-          </a:p>
-        </p:txBody>
-      </p:sp>
-      <p:sp>
-        <p:nvSpPr>
-          <p:cNvPr id="3" name="Content Placeholder 2">
-            <a:extLst>
-              <a:ext uri="{FF2B5EF4-FFF2-40B4-BE49-F238E27FC236}">
-                <a16:creationId xmlns:a16="http://schemas.microsoft.com/office/drawing/2014/main" id="{E5144880-6285-A04C-B6DB-BE442B8A2762}"/>
-              </a:ext>
-            </a:extLst>
-          </p:cNvPr>
-          <p:cNvSpPr>
-            <a:spLocks noGrp="1"/>
-          </p:cNvSpPr>
-          <p:nvPr>
-            <p:ph idx="1"/>
-          </p:nvPr>
-        </p:nvSpPr>
-        <p:spPr/>
-        <p:txBody>
-          <a:bodyPr>
-            <a:normAutofit/>
-          </a:bodyPr>
-          <a:lstStyle/>
-          <a:p>
-            <a:r>
-              <a:rPr lang="en-US" sz="2400" dirty="0"/>
-              <a:t>It is your responsibility to submit your assignments on </a:t>
-            </a:r>
-            <a:r>
-              <a:rPr lang="en-US" sz="2400" dirty="0" err="1"/>
-              <a:t>Gradescope</a:t>
-            </a:r>
-            <a:r>
-              <a:rPr lang="en-US" sz="2400" dirty="0"/>
-              <a:t> (and quizzes on PLATO) on time</a:t>
-            </a:r>
-          </a:p>
-          <a:p>
-            <a:r>
-              <a:rPr lang="en-US" sz="2400" dirty="0"/>
-              <a:t>A lot of people are missing submissions – I will not track you down and I will not accept late assignments</a:t>
-            </a:r>
-          </a:p>
-          <a:p>
-            <a:pPr marL="0" indent="0">
-              <a:buNone/>
-            </a:pPr>
-            <a:endParaRPr lang="en-US" sz="2400" dirty="0"/>
-          </a:p>
-        </p:txBody>
-      </p:sp>
-    </p:spTree>
-    <p:extLst>
-      <p:ext uri="{BB962C8B-B14F-4D97-AF65-F5344CB8AC3E}">
-        <p14:creationId xmlns:p14="http://schemas.microsoft.com/office/powerpoint/2010/main" val="973025610"/>
-      </p:ext>
-    </p:extLst>
-  </p:cSld>
-  <p:clrMapOvr>
-    <a:masterClrMapping/>
-  </p:clrMapOvr>
-</p:sld>
-</file>
-
-<file path=ppt/slides/slide20.xml><?xml version="1.0" encoding="utf-8"?>
+<file path=ppt/slides/slide19.xml><?xml version="1.0" encoding="utf-8"?>
 <p:sld xmlns:a="http://schemas.openxmlformats.org/drawingml/2006/main" xmlns:r="http://schemas.openxmlformats.org/officeDocument/2006/relationships" xmlns:p="http://schemas.openxmlformats.org/presentationml/2006/main">
   <p:cSld>
     <p:spTree>
@@ -23543,7 +21631,139 @@
 </p:sld>
 </file>
 
-<file path=ppt/slides/slide21.xml><?xml version="1.0" encoding="utf-8"?>
+<file path=ppt/slides/slide2.xml><?xml version="1.0" encoding="utf-8"?>
+<p:sld xmlns:a="http://schemas.openxmlformats.org/drawingml/2006/main" xmlns:r="http://schemas.openxmlformats.org/officeDocument/2006/relationships" xmlns:p="http://schemas.openxmlformats.org/presentationml/2006/main">
+  <p:cSld>
+    <p:spTree>
+      <p:nvGrpSpPr>
+        <p:cNvPr id="1" name="">
+          <a:extLst>
+            <a:ext uri="{FF2B5EF4-FFF2-40B4-BE49-F238E27FC236}">
+              <a16:creationId xmlns:a16="http://schemas.microsoft.com/office/drawing/2014/main" id="{8EBF25BF-81E1-D2F9-F9C7-87C78428BB2A}"/>
+            </a:ext>
+          </a:extLst>
+        </p:cNvPr>
+        <p:cNvGrpSpPr/>
+        <p:nvPr/>
+      </p:nvGrpSpPr>
+      <p:grpSpPr>
+        <a:xfrm>
+          <a:off x="0" y="0"/>
+          <a:ext cx="0" cy="0"/>
+          <a:chOff x="0" y="0"/>
+          <a:chExt cx="0" cy="0"/>
+        </a:xfrm>
+      </p:grpSpPr>
+      <p:sp>
+        <p:nvSpPr>
+          <p:cNvPr id="2" name="Title 1">
+            <a:extLst>
+              <a:ext uri="{FF2B5EF4-FFF2-40B4-BE49-F238E27FC236}">
+                <a16:creationId xmlns:a16="http://schemas.microsoft.com/office/drawing/2014/main" id="{7F30B909-1AF2-8068-958E-2F7DA03E518D}"/>
+              </a:ext>
+            </a:extLst>
+          </p:cNvPr>
+          <p:cNvSpPr>
+            <a:spLocks noGrp="1"/>
+          </p:cNvSpPr>
+          <p:nvPr>
+            <p:ph type="title"/>
+          </p:nvPr>
+        </p:nvSpPr>
+        <p:spPr/>
+        <p:txBody>
+          <a:bodyPr/>
+          <a:lstStyle/>
+          <a:p>
+            <a:r>
+              <a:rPr lang="en-US" dirty="0"/>
+              <a:t>Plan for Today</a:t>
+            </a:r>
+          </a:p>
+        </p:txBody>
+      </p:sp>
+      <p:sp>
+        <p:nvSpPr>
+          <p:cNvPr id="3" name="Content Placeholder 2">
+            <a:extLst>
+              <a:ext uri="{FF2B5EF4-FFF2-40B4-BE49-F238E27FC236}">
+                <a16:creationId xmlns:a16="http://schemas.microsoft.com/office/drawing/2014/main" id="{285E77D7-FA87-7FF8-FBA7-E956B4B4A406}"/>
+              </a:ext>
+            </a:extLst>
+          </p:cNvPr>
+          <p:cNvSpPr>
+            <a:spLocks noGrp="1"/>
+          </p:cNvSpPr>
+          <p:nvPr>
+            <p:ph idx="1"/>
+          </p:nvPr>
+        </p:nvSpPr>
+        <p:spPr/>
+        <p:txBody>
+          <a:bodyPr>
+            <a:normAutofit/>
+          </a:bodyPr>
+          <a:lstStyle/>
+          <a:p>
+            <a:pPr marL="0" indent="0">
+              <a:buNone/>
+              <a:defRPr/>
+            </a:pPr>
+            <a:endParaRPr lang="en-US" sz="2400" dirty="0"/>
+          </a:p>
+          <a:p>
+            <a:pPr>
+              <a:defRPr/>
+            </a:pPr>
+            <a:r>
+              <a:rPr lang="en-US" sz="2400" dirty="0"/>
+              <a:t>Shrinkage Methods</a:t>
+            </a:r>
+          </a:p>
+          <a:p>
+            <a:pPr lvl="1">
+              <a:defRPr/>
+            </a:pPr>
+            <a:r>
+              <a:rPr lang="en-US" sz="2400" dirty="0"/>
+              <a:t>Ridge Regression</a:t>
+            </a:r>
+          </a:p>
+          <a:p>
+            <a:pPr lvl="1">
+              <a:defRPr/>
+            </a:pPr>
+            <a:r>
+              <a:rPr lang="en-US" sz="2400" dirty="0"/>
+              <a:t>The Lasso </a:t>
+            </a:r>
+          </a:p>
+          <a:p>
+            <a:pPr lvl="1">
+              <a:defRPr/>
+            </a:pPr>
+            <a:r>
+              <a:rPr lang="en-US" sz="2400" dirty="0"/>
+              <a:t>Selecting the Tuning Parameter </a:t>
+            </a:r>
+            <a:endParaRPr lang="en-US" sz="2000" dirty="0"/>
+          </a:p>
+        </p:txBody>
+      </p:sp>
+    </p:spTree>
+    <p:extLst>
+      <p:ext uri="{BB962C8B-B14F-4D97-AF65-F5344CB8AC3E}">
+        <p14:creationId xmlns:p14="http://schemas.microsoft.com/office/powerpoint/2010/main" val="2864165093"/>
+      </p:ext>
+    </p:extLst>
+  </p:cSld>
+  <p:clrMapOvr>
+    <a:masterClrMapping/>
+  </p:clrMapOvr>
+</p:sld>
+</file>
+
+<file path=ppt/slides/slide20.xml><?xml version="1.0" encoding="utf-8"?>
 <p:sld xmlns:a="http://schemas.openxmlformats.org/drawingml/2006/main" xmlns:r="http://schemas.openxmlformats.org/officeDocument/2006/relationships" xmlns:p="http://schemas.openxmlformats.org/presentationml/2006/main">
   <p:cSld>
     <p:spTree>
@@ -25052,138 +23272,6 @@
   <p:cSld>
     <p:spTree>
       <p:nvGrpSpPr>
-        <p:cNvPr id="1" name="">
-          <a:extLst>
-            <a:ext uri="{FF2B5EF4-FFF2-40B4-BE49-F238E27FC236}">
-              <a16:creationId xmlns:a16="http://schemas.microsoft.com/office/drawing/2014/main" id="{8EBF25BF-81E1-D2F9-F9C7-87C78428BB2A}"/>
-            </a:ext>
-          </a:extLst>
-        </p:cNvPr>
-        <p:cNvGrpSpPr/>
-        <p:nvPr/>
-      </p:nvGrpSpPr>
-      <p:grpSpPr>
-        <a:xfrm>
-          <a:off x="0" y="0"/>
-          <a:ext cx="0" cy="0"/>
-          <a:chOff x="0" y="0"/>
-          <a:chExt cx="0" cy="0"/>
-        </a:xfrm>
-      </p:grpSpPr>
-      <p:sp>
-        <p:nvSpPr>
-          <p:cNvPr id="2" name="Title 1">
-            <a:extLst>
-              <a:ext uri="{FF2B5EF4-FFF2-40B4-BE49-F238E27FC236}">
-                <a16:creationId xmlns:a16="http://schemas.microsoft.com/office/drawing/2014/main" id="{7F30B909-1AF2-8068-958E-2F7DA03E518D}"/>
-              </a:ext>
-            </a:extLst>
-          </p:cNvPr>
-          <p:cNvSpPr>
-            <a:spLocks noGrp="1"/>
-          </p:cNvSpPr>
-          <p:nvPr>
-            <p:ph type="title"/>
-          </p:nvPr>
-        </p:nvSpPr>
-        <p:spPr/>
-        <p:txBody>
-          <a:bodyPr/>
-          <a:lstStyle/>
-          <a:p>
-            <a:r>
-              <a:rPr lang="en-US" dirty="0"/>
-              <a:t>Plan for Today</a:t>
-            </a:r>
-          </a:p>
-        </p:txBody>
-      </p:sp>
-      <p:sp>
-        <p:nvSpPr>
-          <p:cNvPr id="3" name="Content Placeholder 2">
-            <a:extLst>
-              <a:ext uri="{FF2B5EF4-FFF2-40B4-BE49-F238E27FC236}">
-                <a16:creationId xmlns:a16="http://schemas.microsoft.com/office/drawing/2014/main" id="{285E77D7-FA87-7FF8-FBA7-E956B4B4A406}"/>
-              </a:ext>
-            </a:extLst>
-          </p:cNvPr>
-          <p:cNvSpPr>
-            <a:spLocks noGrp="1"/>
-          </p:cNvSpPr>
-          <p:nvPr>
-            <p:ph idx="1"/>
-          </p:nvPr>
-        </p:nvSpPr>
-        <p:spPr/>
-        <p:txBody>
-          <a:bodyPr>
-            <a:normAutofit/>
-          </a:bodyPr>
-          <a:lstStyle/>
-          <a:p>
-            <a:pPr marL="0" indent="0">
-              <a:buNone/>
-              <a:defRPr/>
-            </a:pPr>
-            <a:endParaRPr lang="en-US" sz="2400" dirty="0"/>
-          </a:p>
-          <a:p>
-            <a:pPr>
-              <a:defRPr/>
-            </a:pPr>
-            <a:r>
-              <a:rPr lang="en-US" sz="2400" dirty="0"/>
-              <a:t>Shrinkage Methods</a:t>
-            </a:r>
-          </a:p>
-          <a:p>
-            <a:pPr lvl="1">
-              <a:defRPr/>
-            </a:pPr>
-            <a:r>
-              <a:rPr lang="en-US" sz="2400" dirty="0"/>
-              <a:t>Ridge Regression</a:t>
-            </a:r>
-          </a:p>
-          <a:p>
-            <a:pPr lvl="1">
-              <a:defRPr/>
-            </a:pPr>
-            <a:r>
-              <a:rPr lang="en-US" sz="2400" dirty="0"/>
-              <a:t>The Lasso </a:t>
-            </a:r>
-          </a:p>
-          <a:p>
-            <a:pPr lvl="1">
-              <a:defRPr/>
-            </a:pPr>
-            <a:r>
-              <a:rPr lang="en-US" sz="2400" dirty="0"/>
-              <a:t>Selecting the Tuning Parameter </a:t>
-            </a:r>
-            <a:endParaRPr lang="en-US" sz="2000" dirty="0"/>
-          </a:p>
-        </p:txBody>
-      </p:sp>
-    </p:spTree>
-    <p:extLst>
-      <p:ext uri="{BB962C8B-B14F-4D97-AF65-F5344CB8AC3E}">
-        <p14:creationId xmlns:p14="http://schemas.microsoft.com/office/powerpoint/2010/main" val="2864165093"/>
-      </p:ext>
-    </p:extLst>
-  </p:cSld>
-  <p:clrMapOvr>
-    <a:masterClrMapping/>
-  </p:clrMapOvr>
-</p:sld>
-</file>
-
-<file path=ppt/slides/slide4.xml><?xml version="1.0" encoding="utf-8"?>
-<p:sld xmlns:a="http://schemas.openxmlformats.org/drawingml/2006/main" xmlns:r="http://schemas.openxmlformats.org/officeDocument/2006/relationships" xmlns:p="http://schemas.openxmlformats.org/presentationml/2006/main">
-  <p:cSld>
-    <p:spTree>
-      <p:nvGrpSpPr>
         <p:cNvPr id="1" name=""/>
         <p:cNvGrpSpPr/>
         <p:nvPr/>
@@ -25919,7 +24007,7 @@
 </p:sld>
 </file>
 
-<file path=ppt/slides/slide5.xml><?xml version="1.0" encoding="utf-8"?>
+<file path=ppt/slides/slide4.xml><?xml version="1.0" encoding="utf-8"?>
 <p:sld xmlns:a="http://schemas.openxmlformats.org/drawingml/2006/main" xmlns:r="http://schemas.openxmlformats.org/officeDocument/2006/relationships" xmlns:p="http://schemas.openxmlformats.org/presentationml/2006/main">
   <p:cSld>
     <p:spTree>
@@ -26833,7 +24921,7 @@
 </p:sld>
 </file>
 
-<file path=ppt/slides/slide6.xml><?xml version="1.0" encoding="utf-8"?>
+<file path=ppt/slides/slide5.xml><?xml version="1.0" encoding="utf-8"?>
 <p:sld xmlns:a="http://schemas.openxmlformats.org/drawingml/2006/main" xmlns:r="http://schemas.openxmlformats.org/officeDocument/2006/relationships" xmlns:p="http://schemas.openxmlformats.org/presentationml/2006/main">
   <p:cSld>
     <p:spTree>
@@ -27897,7 +25985,7 @@
 </p:sld>
 </file>
 
-<file path=ppt/slides/slide7.xml><?xml version="1.0" encoding="utf-8"?>
+<file path=ppt/slides/slide6.xml><?xml version="1.0" encoding="utf-8"?>
 <p:sld xmlns:a="http://schemas.openxmlformats.org/drawingml/2006/main" xmlns:r="http://schemas.openxmlformats.org/officeDocument/2006/relationships" xmlns:p="http://schemas.openxmlformats.org/presentationml/2006/main">
   <p:cSld>
     <p:spTree>
@@ -29314,7 +27402,7 @@
 </p:sld>
 </file>
 
-<file path=ppt/slides/slide8.xml><?xml version="1.0" encoding="utf-8"?>
+<file path=ppt/slides/slide7.xml><?xml version="1.0" encoding="utf-8"?>
 <p:sld xmlns:a="http://schemas.openxmlformats.org/drawingml/2006/main" xmlns:r="http://schemas.openxmlformats.org/officeDocument/2006/relationships" xmlns:p="http://schemas.openxmlformats.org/presentationml/2006/main">
   <p:cSld>
     <p:spTree>
@@ -31091,7 +29179,7 @@
 </p:sld>
 </file>
 
-<file path=ppt/slides/slide9.xml><?xml version="1.0" encoding="utf-8"?>
+<file path=ppt/slides/slide8.xml><?xml version="1.0" encoding="utf-8"?>
 <p:sld xmlns:a="http://schemas.openxmlformats.org/drawingml/2006/main" xmlns:r="http://schemas.openxmlformats.org/officeDocument/2006/relationships" xmlns:p="http://schemas.openxmlformats.org/presentationml/2006/main">
   <p:cSld>
     <p:spTree>
@@ -32930,6 +31018,1783 @@
 </p:sld>
 </file>
 
+<file path=ppt/slides/slide9.xml><?xml version="1.0" encoding="utf-8"?>
+<p:sld xmlns:a="http://schemas.openxmlformats.org/drawingml/2006/main" xmlns:r="http://schemas.openxmlformats.org/officeDocument/2006/relationships" xmlns:p="http://schemas.openxmlformats.org/presentationml/2006/main">
+  <p:cSld>
+    <p:spTree>
+      <p:nvGrpSpPr>
+        <p:cNvPr id="1" name="">
+          <a:extLst>
+            <a:ext uri="{FF2B5EF4-FFF2-40B4-BE49-F238E27FC236}">
+              <a16:creationId xmlns:a16="http://schemas.microsoft.com/office/drawing/2014/main" id="{712AAF67-A345-98DA-69C3-3CA71EDF3495}"/>
+            </a:ext>
+          </a:extLst>
+        </p:cNvPr>
+        <p:cNvGrpSpPr/>
+        <p:nvPr/>
+      </p:nvGrpSpPr>
+      <p:grpSpPr>
+        <a:xfrm>
+          <a:off x="0" y="0"/>
+          <a:ext cx="0" cy="0"/>
+          <a:chOff x="0" y="0"/>
+          <a:chExt cx="0" cy="0"/>
+        </a:xfrm>
+      </p:grpSpPr>
+      <p:sp>
+        <p:nvSpPr>
+          <p:cNvPr id="2" name="Title 1">
+            <a:extLst>
+              <a:ext uri="{FF2B5EF4-FFF2-40B4-BE49-F238E27FC236}">
+                <a16:creationId xmlns:a16="http://schemas.microsoft.com/office/drawing/2014/main" id="{49D68B16-1444-0535-4551-B35753588DA5}"/>
+              </a:ext>
+            </a:extLst>
+          </p:cNvPr>
+          <p:cNvSpPr>
+            <a:spLocks noGrp="1"/>
+          </p:cNvSpPr>
+          <p:nvPr>
+            <p:ph type="title"/>
+          </p:nvPr>
+        </p:nvSpPr>
+        <p:spPr/>
+        <p:txBody>
+          <a:bodyPr/>
+          <a:lstStyle/>
+          <a:p>
+            <a:r>
+              <a:rPr lang="en-US" dirty="0"/>
+              <a:t>Ridge Regression</a:t>
+            </a:r>
+          </a:p>
+        </p:txBody>
+      </p:sp>
+      <p:sp>
+        <p:nvSpPr>
+          <p:cNvPr id="14" name="Content Placeholder 2">
+            <a:extLst>
+              <a:ext uri="{FF2B5EF4-FFF2-40B4-BE49-F238E27FC236}">
+                <a16:creationId xmlns:a16="http://schemas.microsoft.com/office/drawing/2014/main" id="{0D922CBD-9289-F23A-D0BF-C7BFADFFE4A8}"/>
+              </a:ext>
+            </a:extLst>
+          </p:cNvPr>
+          <p:cNvSpPr txBox="1">
+            <a:spLocks/>
+          </p:cNvSpPr>
+          <p:nvPr/>
+        </p:nvSpPr>
+        <p:spPr>
+          <a:xfrm>
+            <a:off x="3557392" y="801666"/>
+            <a:ext cx="7779476" cy="5849653"/>
+          </a:xfrm>
+          <a:prstGeom prst="rect">
+            <a:avLst/>
+          </a:prstGeom>
+        </p:spPr>
+        <p:txBody>
+          <a:bodyPr vert="horz" lIns="91440" tIns="45720" rIns="91440" bIns="45720" rtlCol="0" anchor="t">
+            <a:normAutofit/>
+          </a:bodyPr>
+          <a:lstStyle>
+            <a:lvl1pPr marL="182880" indent="-182880" algn="l" defTabSz="914400" rtl="0" eaLnBrk="1" latinLnBrk="0" hangingPunct="1">
+              <a:lnSpc>
+                <a:spcPct val="90000"/>
+              </a:lnSpc>
+              <a:spcBef>
+                <a:spcPts val="1200"/>
+              </a:spcBef>
+              <a:buClr>
+                <a:schemeClr val="accent1"/>
+              </a:buClr>
+              <a:buFont typeface="Wingdings 2" pitchFamily="18" charset="2"/>
+              <a:buChar char=""/>
+              <a:defRPr sz="2000" kern="1200">
+                <a:solidFill>
+                  <a:schemeClr val="tx1">
+                    <a:lumMod val="75000"/>
+                    <a:lumOff val="25000"/>
+                  </a:schemeClr>
+                </a:solidFill>
+                <a:latin typeface="+mn-lt"/>
+                <a:ea typeface="+mn-ea"/>
+                <a:cs typeface="+mn-cs"/>
+              </a:defRPr>
+            </a:lvl1pPr>
+            <a:lvl2pPr marL="685800" indent="-182880" algn="l" defTabSz="914400" rtl="0" eaLnBrk="1" latinLnBrk="0" hangingPunct="1">
+              <a:lnSpc>
+                <a:spcPct val="90000"/>
+              </a:lnSpc>
+              <a:spcBef>
+                <a:spcPts val="250"/>
+              </a:spcBef>
+              <a:spcAft>
+                <a:spcPts val="250"/>
+              </a:spcAft>
+              <a:buClr>
+                <a:schemeClr val="accent1"/>
+              </a:buClr>
+              <a:buFont typeface="Wingdings 2" pitchFamily="18" charset="2"/>
+              <a:buChar char=""/>
+              <a:defRPr sz="1800" kern="1200">
+                <a:solidFill>
+                  <a:schemeClr val="tx1">
+                    <a:lumMod val="75000"/>
+                    <a:lumOff val="25000"/>
+                  </a:schemeClr>
+                </a:solidFill>
+                <a:latin typeface="+mn-lt"/>
+                <a:ea typeface="+mn-ea"/>
+                <a:cs typeface="+mn-cs"/>
+              </a:defRPr>
+            </a:lvl2pPr>
+            <a:lvl3pPr marL="1143000" indent="-182880" algn="l" defTabSz="914400" rtl="0" eaLnBrk="1" latinLnBrk="0" hangingPunct="1">
+              <a:lnSpc>
+                <a:spcPct val="90000"/>
+              </a:lnSpc>
+              <a:spcBef>
+                <a:spcPts val="250"/>
+              </a:spcBef>
+              <a:spcAft>
+                <a:spcPts val="250"/>
+              </a:spcAft>
+              <a:buClr>
+                <a:schemeClr val="accent1"/>
+              </a:buClr>
+              <a:buFont typeface="Wingdings 2" pitchFamily="18" charset="2"/>
+              <a:buChar char=""/>
+              <a:defRPr sz="1600" kern="1200">
+                <a:solidFill>
+                  <a:schemeClr val="tx1">
+                    <a:lumMod val="75000"/>
+                    <a:lumOff val="25000"/>
+                  </a:schemeClr>
+                </a:solidFill>
+                <a:latin typeface="+mn-lt"/>
+                <a:ea typeface="+mn-ea"/>
+                <a:cs typeface="+mn-cs"/>
+              </a:defRPr>
+            </a:lvl3pPr>
+            <a:lvl4pPr marL="1600200" indent="-182880" algn="l" defTabSz="914400" rtl="0" eaLnBrk="1" latinLnBrk="0" hangingPunct="1">
+              <a:lnSpc>
+                <a:spcPct val="90000"/>
+              </a:lnSpc>
+              <a:spcBef>
+                <a:spcPts val="250"/>
+              </a:spcBef>
+              <a:spcAft>
+                <a:spcPts val="250"/>
+              </a:spcAft>
+              <a:buClr>
+                <a:schemeClr val="accent1"/>
+              </a:buClr>
+              <a:buFont typeface="Wingdings 2" pitchFamily="18" charset="2"/>
+              <a:buChar char=""/>
+              <a:defRPr sz="1400" kern="1200">
+                <a:solidFill>
+                  <a:schemeClr val="tx1">
+                    <a:lumMod val="75000"/>
+                    <a:lumOff val="25000"/>
+                  </a:schemeClr>
+                </a:solidFill>
+                <a:latin typeface="+mn-lt"/>
+                <a:ea typeface="+mn-ea"/>
+                <a:cs typeface="+mn-cs"/>
+              </a:defRPr>
+            </a:lvl4pPr>
+            <a:lvl5pPr marL="2057400" indent="-182880" algn="l" defTabSz="914400" rtl="0" eaLnBrk="1" latinLnBrk="0" hangingPunct="1">
+              <a:lnSpc>
+                <a:spcPct val="90000"/>
+              </a:lnSpc>
+              <a:spcBef>
+                <a:spcPts val="250"/>
+              </a:spcBef>
+              <a:spcAft>
+                <a:spcPts val="250"/>
+              </a:spcAft>
+              <a:buClr>
+                <a:schemeClr val="accent1"/>
+              </a:buClr>
+              <a:buFont typeface="Wingdings 2" pitchFamily="18" charset="2"/>
+              <a:buChar char=""/>
+              <a:defRPr sz="1400" kern="1200">
+                <a:solidFill>
+                  <a:schemeClr val="tx1">
+                    <a:lumMod val="75000"/>
+                    <a:lumOff val="25000"/>
+                  </a:schemeClr>
+                </a:solidFill>
+                <a:latin typeface="+mn-lt"/>
+                <a:ea typeface="+mn-ea"/>
+                <a:cs typeface="+mn-cs"/>
+              </a:defRPr>
+            </a:lvl5pPr>
+            <a:lvl6pPr marL="2514600" indent="-228600" algn="l" defTabSz="914400" rtl="0" eaLnBrk="1" latinLnBrk="0" hangingPunct="1">
+              <a:lnSpc>
+                <a:spcPct val="90000"/>
+              </a:lnSpc>
+              <a:spcBef>
+                <a:spcPts val="250"/>
+              </a:spcBef>
+              <a:spcAft>
+                <a:spcPts val="250"/>
+              </a:spcAft>
+              <a:buClr>
+                <a:schemeClr val="accent1"/>
+              </a:buClr>
+              <a:buFont typeface="Wingdings 2" pitchFamily="18" charset="2"/>
+              <a:buChar char=""/>
+              <a:defRPr sz="1400" kern="1200">
+                <a:solidFill>
+                  <a:schemeClr val="tx1">
+                    <a:lumMod val="75000"/>
+                    <a:lumOff val="25000"/>
+                  </a:schemeClr>
+                </a:solidFill>
+                <a:latin typeface="+mn-lt"/>
+                <a:ea typeface="+mn-ea"/>
+                <a:cs typeface="+mn-cs"/>
+              </a:defRPr>
+            </a:lvl6pPr>
+            <a:lvl7pPr marL="2971800" indent="-228600" algn="l" defTabSz="914400" rtl="0" eaLnBrk="1" latinLnBrk="0" hangingPunct="1">
+              <a:lnSpc>
+                <a:spcPct val="90000"/>
+              </a:lnSpc>
+              <a:spcBef>
+                <a:spcPts val="250"/>
+              </a:spcBef>
+              <a:spcAft>
+                <a:spcPts val="250"/>
+              </a:spcAft>
+              <a:buClr>
+                <a:schemeClr val="accent1"/>
+              </a:buClr>
+              <a:buFont typeface="Wingdings 2" pitchFamily="18" charset="2"/>
+              <a:buChar char=""/>
+              <a:defRPr sz="1400" kern="1200">
+                <a:solidFill>
+                  <a:schemeClr val="tx1">
+                    <a:lumMod val="75000"/>
+                    <a:lumOff val="25000"/>
+                  </a:schemeClr>
+                </a:solidFill>
+                <a:latin typeface="+mn-lt"/>
+                <a:ea typeface="+mn-ea"/>
+                <a:cs typeface="+mn-cs"/>
+              </a:defRPr>
+            </a:lvl7pPr>
+            <a:lvl8pPr marL="3429000" indent="-228600" algn="l" defTabSz="914400" rtl="0" eaLnBrk="1" latinLnBrk="0" hangingPunct="1">
+              <a:lnSpc>
+                <a:spcPct val="90000"/>
+              </a:lnSpc>
+              <a:spcBef>
+                <a:spcPts val="250"/>
+              </a:spcBef>
+              <a:spcAft>
+                <a:spcPts val="250"/>
+              </a:spcAft>
+              <a:buClr>
+                <a:schemeClr val="accent1"/>
+              </a:buClr>
+              <a:buFont typeface="Wingdings 2" pitchFamily="18" charset="2"/>
+              <a:buChar char=""/>
+              <a:defRPr sz="1400" kern="1200">
+                <a:solidFill>
+                  <a:schemeClr val="tx1">
+                    <a:lumMod val="75000"/>
+                    <a:lumOff val="25000"/>
+                  </a:schemeClr>
+                </a:solidFill>
+                <a:latin typeface="+mn-lt"/>
+                <a:ea typeface="+mn-ea"/>
+                <a:cs typeface="+mn-cs"/>
+              </a:defRPr>
+            </a:lvl8pPr>
+            <a:lvl9pPr marL="3886200" indent="-228600" algn="l" defTabSz="914400" rtl="0" eaLnBrk="1" latinLnBrk="0" hangingPunct="1">
+              <a:lnSpc>
+                <a:spcPct val="90000"/>
+              </a:lnSpc>
+              <a:spcBef>
+                <a:spcPts val="250"/>
+              </a:spcBef>
+              <a:spcAft>
+                <a:spcPts val="250"/>
+              </a:spcAft>
+              <a:buClr>
+                <a:schemeClr val="accent1"/>
+              </a:buClr>
+              <a:buFont typeface="Wingdings 2" pitchFamily="18" charset="2"/>
+              <a:buChar char=""/>
+              <a:defRPr sz="1400" kern="1200">
+                <a:solidFill>
+                  <a:schemeClr val="tx1">
+                    <a:lumMod val="75000"/>
+                    <a:lumOff val="25000"/>
+                  </a:schemeClr>
+                </a:solidFill>
+                <a:latin typeface="+mn-lt"/>
+                <a:ea typeface="+mn-ea"/>
+                <a:cs typeface="+mn-cs"/>
+              </a:defRPr>
+            </a:lvl9pPr>
+          </a:lstStyle>
+          <a:p>
+            <a:pPr marL="502920" lvl="1" indent="0">
+              <a:buNone/>
+            </a:pPr>
+            <a:endParaRPr lang="en-US" sz="2200" dirty="0"/>
+          </a:p>
+        </p:txBody>
+      </p:sp>
+      <p:sp>
+        <p:nvSpPr>
+          <p:cNvPr id="12" name="Content Placeholder 2">
+            <a:extLst>
+              <a:ext uri="{FF2B5EF4-FFF2-40B4-BE49-F238E27FC236}">
+                <a16:creationId xmlns:a16="http://schemas.microsoft.com/office/drawing/2014/main" id="{AC3521A5-7227-AA6B-AB4B-63920AA02E24}"/>
+              </a:ext>
+            </a:extLst>
+          </p:cNvPr>
+          <p:cNvSpPr txBox="1">
+            <a:spLocks/>
+          </p:cNvSpPr>
+          <p:nvPr/>
+        </p:nvSpPr>
+        <p:spPr>
+          <a:xfrm>
+            <a:off x="3869268" y="864108"/>
+            <a:ext cx="7467600" cy="5192226"/>
+          </a:xfrm>
+          <a:prstGeom prst="rect">
+            <a:avLst/>
+          </a:prstGeom>
+        </p:spPr>
+        <p:txBody>
+          <a:bodyPr vert="horz" lIns="91440" tIns="45720" rIns="91440" bIns="45720" rtlCol="0" anchor="t">
+            <a:normAutofit/>
+          </a:bodyPr>
+          <a:lstStyle>
+            <a:lvl1pPr marL="182880" indent="-182880" algn="l" defTabSz="914400" rtl="0" eaLnBrk="1" latinLnBrk="0" hangingPunct="1">
+              <a:lnSpc>
+                <a:spcPct val="90000"/>
+              </a:lnSpc>
+              <a:spcBef>
+                <a:spcPts val="1200"/>
+              </a:spcBef>
+              <a:buClr>
+                <a:schemeClr val="accent1"/>
+              </a:buClr>
+              <a:buFont typeface="Wingdings 2" pitchFamily="18" charset="2"/>
+              <a:buChar char=""/>
+              <a:defRPr sz="2000" kern="1200">
+                <a:solidFill>
+                  <a:schemeClr val="tx1">
+                    <a:lumMod val="75000"/>
+                    <a:lumOff val="25000"/>
+                  </a:schemeClr>
+                </a:solidFill>
+                <a:latin typeface="+mn-lt"/>
+                <a:ea typeface="+mn-ea"/>
+                <a:cs typeface="+mn-cs"/>
+              </a:defRPr>
+            </a:lvl1pPr>
+            <a:lvl2pPr marL="685800" indent="-182880" algn="l" defTabSz="914400" rtl="0" eaLnBrk="1" latinLnBrk="0" hangingPunct="1">
+              <a:lnSpc>
+                <a:spcPct val="90000"/>
+              </a:lnSpc>
+              <a:spcBef>
+                <a:spcPts val="250"/>
+              </a:spcBef>
+              <a:spcAft>
+                <a:spcPts val="250"/>
+              </a:spcAft>
+              <a:buClr>
+                <a:schemeClr val="accent1"/>
+              </a:buClr>
+              <a:buFont typeface="Wingdings 2" pitchFamily="18" charset="2"/>
+              <a:buChar char=""/>
+              <a:defRPr sz="1800" kern="1200">
+                <a:solidFill>
+                  <a:schemeClr val="tx1">
+                    <a:lumMod val="75000"/>
+                    <a:lumOff val="25000"/>
+                  </a:schemeClr>
+                </a:solidFill>
+                <a:latin typeface="+mn-lt"/>
+                <a:ea typeface="+mn-ea"/>
+                <a:cs typeface="+mn-cs"/>
+              </a:defRPr>
+            </a:lvl2pPr>
+            <a:lvl3pPr marL="1143000" indent="-182880" algn="l" defTabSz="914400" rtl="0" eaLnBrk="1" latinLnBrk="0" hangingPunct="1">
+              <a:lnSpc>
+                <a:spcPct val="90000"/>
+              </a:lnSpc>
+              <a:spcBef>
+                <a:spcPts val="250"/>
+              </a:spcBef>
+              <a:spcAft>
+                <a:spcPts val="250"/>
+              </a:spcAft>
+              <a:buClr>
+                <a:schemeClr val="accent1"/>
+              </a:buClr>
+              <a:buFont typeface="Wingdings 2" pitchFamily="18" charset="2"/>
+              <a:buChar char=""/>
+              <a:defRPr sz="1600" kern="1200">
+                <a:solidFill>
+                  <a:schemeClr val="tx1">
+                    <a:lumMod val="75000"/>
+                    <a:lumOff val="25000"/>
+                  </a:schemeClr>
+                </a:solidFill>
+                <a:latin typeface="+mn-lt"/>
+                <a:ea typeface="+mn-ea"/>
+                <a:cs typeface="+mn-cs"/>
+              </a:defRPr>
+            </a:lvl3pPr>
+            <a:lvl4pPr marL="1600200" indent="-182880" algn="l" defTabSz="914400" rtl="0" eaLnBrk="1" latinLnBrk="0" hangingPunct="1">
+              <a:lnSpc>
+                <a:spcPct val="90000"/>
+              </a:lnSpc>
+              <a:spcBef>
+                <a:spcPts val="250"/>
+              </a:spcBef>
+              <a:spcAft>
+                <a:spcPts val="250"/>
+              </a:spcAft>
+              <a:buClr>
+                <a:schemeClr val="accent1"/>
+              </a:buClr>
+              <a:buFont typeface="Wingdings 2" pitchFamily="18" charset="2"/>
+              <a:buChar char=""/>
+              <a:defRPr sz="1400" kern="1200">
+                <a:solidFill>
+                  <a:schemeClr val="tx1">
+                    <a:lumMod val="75000"/>
+                    <a:lumOff val="25000"/>
+                  </a:schemeClr>
+                </a:solidFill>
+                <a:latin typeface="+mn-lt"/>
+                <a:ea typeface="+mn-ea"/>
+                <a:cs typeface="+mn-cs"/>
+              </a:defRPr>
+            </a:lvl4pPr>
+            <a:lvl5pPr marL="2057400" indent="-182880" algn="l" defTabSz="914400" rtl="0" eaLnBrk="1" latinLnBrk="0" hangingPunct="1">
+              <a:lnSpc>
+                <a:spcPct val="90000"/>
+              </a:lnSpc>
+              <a:spcBef>
+                <a:spcPts val="250"/>
+              </a:spcBef>
+              <a:spcAft>
+                <a:spcPts val="250"/>
+              </a:spcAft>
+              <a:buClr>
+                <a:schemeClr val="accent1"/>
+              </a:buClr>
+              <a:buFont typeface="Wingdings 2" pitchFamily="18" charset="2"/>
+              <a:buChar char=""/>
+              <a:defRPr sz="1400" kern="1200">
+                <a:solidFill>
+                  <a:schemeClr val="tx1">
+                    <a:lumMod val="75000"/>
+                    <a:lumOff val="25000"/>
+                  </a:schemeClr>
+                </a:solidFill>
+                <a:latin typeface="+mn-lt"/>
+                <a:ea typeface="+mn-ea"/>
+                <a:cs typeface="+mn-cs"/>
+              </a:defRPr>
+            </a:lvl5pPr>
+            <a:lvl6pPr marL="2514600" indent="-228600" algn="l" defTabSz="914400" rtl="0" eaLnBrk="1" latinLnBrk="0" hangingPunct="1">
+              <a:lnSpc>
+                <a:spcPct val="90000"/>
+              </a:lnSpc>
+              <a:spcBef>
+                <a:spcPts val="250"/>
+              </a:spcBef>
+              <a:spcAft>
+                <a:spcPts val="250"/>
+              </a:spcAft>
+              <a:buClr>
+                <a:schemeClr val="accent1"/>
+              </a:buClr>
+              <a:buFont typeface="Wingdings 2" pitchFamily="18" charset="2"/>
+              <a:buChar char=""/>
+              <a:defRPr sz="1400" kern="1200">
+                <a:solidFill>
+                  <a:schemeClr val="tx1">
+                    <a:lumMod val="75000"/>
+                    <a:lumOff val="25000"/>
+                  </a:schemeClr>
+                </a:solidFill>
+                <a:latin typeface="+mn-lt"/>
+                <a:ea typeface="+mn-ea"/>
+                <a:cs typeface="+mn-cs"/>
+              </a:defRPr>
+            </a:lvl6pPr>
+            <a:lvl7pPr marL="2971800" indent="-228600" algn="l" defTabSz="914400" rtl="0" eaLnBrk="1" latinLnBrk="0" hangingPunct="1">
+              <a:lnSpc>
+                <a:spcPct val="90000"/>
+              </a:lnSpc>
+              <a:spcBef>
+                <a:spcPts val="250"/>
+              </a:spcBef>
+              <a:spcAft>
+                <a:spcPts val="250"/>
+              </a:spcAft>
+              <a:buClr>
+                <a:schemeClr val="accent1"/>
+              </a:buClr>
+              <a:buFont typeface="Wingdings 2" pitchFamily="18" charset="2"/>
+              <a:buChar char=""/>
+              <a:defRPr sz="1400" kern="1200">
+                <a:solidFill>
+                  <a:schemeClr val="tx1">
+                    <a:lumMod val="75000"/>
+                    <a:lumOff val="25000"/>
+                  </a:schemeClr>
+                </a:solidFill>
+                <a:latin typeface="+mn-lt"/>
+                <a:ea typeface="+mn-ea"/>
+                <a:cs typeface="+mn-cs"/>
+              </a:defRPr>
+            </a:lvl7pPr>
+            <a:lvl8pPr marL="3429000" indent="-228600" algn="l" defTabSz="914400" rtl="0" eaLnBrk="1" latinLnBrk="0" hangingPunct="1">
+              <a:lnSpc>
+                <a:spcPct val="90000"/>
+              </a:lnSpc>
+              <a:spcBef>
+                <a:spcPts val="250"/>
+              </a:spcBef>
+              <a:spcAft>
+                <a:spcPts val="250"/>
+              </a:spcAft>
+              <a:buClr>
+                <a:schemeClr val="accent1"/>
+              </a:buClr>
+              <a:buFont typeface="Wingdings 2" pitchFamily="18" charset="2"/>
+              <a:buChar char=""/>
+              <a:defRPr sz="1400" kern="1200">
+                <a:solidFill>
+                  <a:schemeClr val="tx1">
+                    <a:lumMod val="75000"/>
+                    <a:lumOff val="25000"/>
+                  </a:schemeClr>
+                </a:solidFill>
+                <a:latin typeface="+mn-lt"/>
+                <a:ea typeface="+mn-ea"/>
+                <a:cs typeface="+mn-cs"/>
+              </a:defRPr>
+            </a:lvl8pPr>
+            <a:lvl9pPr marL="3886200" indent="-228600" algn="l" defTabSz="914400" rtl="0" eaLnBrk="1" latinLnBrk="0" hangingPunct="1">
+              <a:lnSpc>
+                <a:spcPct val="90000"/>
+              </a:lnSpc>
+              <a:spcBef>
+                <a:spcPts val="250"/>
+              </a:spcBef>
+              <a:spcAft>
+                <a:spcPts val="250"/>
+              </a:spcAft>
+              <a:buClr>
+                <a:schemeClr val="accent1"/>
+              </a:buClr>
+              <a:buFont typeface="Wingdings 2" pitchFamily="18" charset="2"/>
+              <a:buChar char=""/>
+              <a:defRPr sz="1400" kern="1200">
+                <a:solidFill>
+                  <a:schemeClr val="tx1">
+                    <a:lumMod val="75000"/>
+                    <a:lumOff val="25000"/>
+                  </a:schemeClr>
+                </a:solidFill>
+                <a:latin typeface="+mn-lt"/>
+                <a:ea typeface="+mn-ea"/>
+                <a:cs typeface="+mn-cs"/>
+              </a:defRPr>
+            </a:lvl9pPr>
+          </a:lstStyle>
+          <a:p>
+            <a:pPr marL="0" indent="0">
+              <a:buNone/>
+              <a:defRPr/>
+            </a:pPr>
+            <a:endParaRPr lang="en-US" dirty="0">
+              <a:solidFill>
+                <a:schemeClr val="tx1">
+                  <a:lumMod val="90000"/>
+                  <a:lumOff val="10000"/>
+                </a:schemeClr>
+              </a:solidFill>
+            </a:endParaRPr>
+          </a:p>
+        </p:txBody>
+      </p:sp>
+      <mc:AlternateContent xmlns:mc="http://schemas.openxmlformats.org/markup-compatibility/2006" xmlns:a14="http://schemas.microsoft.com/office/drawing/2010/main">
+        <mc:Choice Requires="a14">
+          <p:sp>
+            <p:nvSpPr>
+              <p:cNvPr id="8" name="Content Placeholder 2">
+                <a:extLst>
+                  <a:ext uri="{FF2B5EF4-FFF2-40B4-BE49-F238E27FC236}">
+                    <a16:creationId xmlns:a16="http://schemas.microsoft.com/office/drawing/2014/main" id="{240DBC71-789D-5E2F-2986-984B3D17DF5C}"/>
+                  </a:ext>
+                </a:extLst>
+              </p:cNvPr>
+              <p:cNvSpPr txBox="1">
+                <a:spLocks/>
+              </p:cNvSpPr>
+              <p:nvPr/>
+            </p:nvSpPr>
+            <p:spPr>
+              <a:xfrm>
+                <a:off x="4021668" y="801666"/>
+                <a:ext cx="7467600" cy="5407068"/>
+              </a:xfrm>
+              <a:prstGeom prst="rect">
+                <a:avLst/>
+              </a:prstGeom>
+            </p:spPr>
+            <p:txBody>
+              <a:bodyPr vert="horz" lIns="91440" tIns="45720" rIns="91440" bIns="45720" rtlCol="0" anchor="t">
+                <a:normAutofit/>
+              </a:bodyPr>
+              <a:lstStyle>
+                <a:lvl1pPr marL="182880" indent="-182880" algn="l" defTabSz="914400" rtl="0" eaLnBrk="1" latinLnBrk="0" hangingPunct="1">
+                  <a:lnSpc>
+                    <a:spcPct val="90000"/>
+                  </a:lnSpc>
+                  <a:spcBef>
+                    <a:spcPts val="1200"/>
+                  </a:spcBef>
+                  <a:buClr>
+                    <a:schemeClr val="accent1"/>
+                  </a:buClr>
+                  <a:buFont typeface="Wingdings 2" pitchFamily="18" charset="2"/>
+                  <a:buChar char=""/>
+                  <a:defRPr sz="2000" kern="1200">
+                    <a:solidFill>
+                      <a:schemeClr val="tx1">
+                        <a:lumMod val="75000"/>
+                        <a:lumOff val="25000"/>
+                      </a:schemeClr>
+                    </a:solidFill>
+                    <a:latin typeface="+mn-lt"/>
+                    <a:ea typeface="+mn-ea"/>
+                    <a:cs typeface="+mn-cs"/>
+                  </a:defRPr>
+                </a:lvl1pPr>
+                <a:lvl2pPr marL="685800" indent="-182880" algn="l" defTabSz="914400" rtl="0" eaLnBrk="1" latinLnBrk="0" hangingPunct="1">
+                  <a:lnSpc>
+                    <a:spcPct val="90000"/>
+                  </a:lnSpc>
+                  <a:spcBef>
+                    <a:spcPts val="250"/>
+                  </a:spcBef>
+                  <a:spcAft>
+                    <a:spcPts val="250"/>
+                  </a:spcAft>
+                  <a:buClr>
+                    <a:schemeClr val="accent1"/>
+                  </a:buClr>
+                  <a:buFont typeface="Wingdings 2" pitchFamily="18" charset="2"/>
+                  <a:buChar char=""/>
+                  <a:defRPr sz="1800" kern="1200">
+                    <a:solidFill>
+                      <a:schemeClr val="tx1">
+                        <a:lumMod val="75000"/>
+                        <a:lumOff val="25000"/>
+                      </a:schemeClr>
+                    </a:solidFill>
+                    <a:latin typeface="+mn-lt"/>
+                    <a:ea typeface="+mn-ea"/>
+                    <a:cs typeface="+mn-cs"/>
+                  </a:defRPr>
+                </a:lvl2pPr>
+                <a:lvl3pPr marL="1143000" indent="-182880" algn="l" defTabSz="914400" rtl="0" eaLnBrk="1" latinLnBrk="0" hangingPunct="1">
+                  <a:lnSpc>
+                    <a:spcPct val="90000"/>
+                  </a:lnSpc>
+                  <a:spcBef>
+                    <a:spcPts val="250"/>
+                  </a:spcBef>
+                  <a:spcAft>
+                    <a:spcPts val="250"/>
+                  </a:spcAft>
+                  <a:buClr>
+                    <a:schemeClr val="accent1"/>
+                  </a:buClr>
+                  <a:buFont typeface="Wingdings 2" pitchFamily="18" charset="2"/>
+                  <a:buChar char=""/>
+                  <a:defRPr sz="1600" kern="1200">
+                    <a:solidFill>
+                      <a:schemeClr val="tx1">
+                        <a:lumMod val="75000"/>
+                        <a:lumOff val="25000"/>
+                      </a:schemeClr>
+                    </a:solidFill>
+                    <a:latin typeface="+mn-lt"/>
+                    <a:ea typeface="+mn-ea"/>
+                    <a:cs typeface="+mn-cs"/>
+                  </a:defRPr>
+                </a:lvl3pPr>
+                <a:lvl4pPr marL="1600200" indent="-182880" algn="l" defTabSz="914400" rtl="0" eaLnBrk="1" latinLnBrk="0" hangingPunct="1">
+                  <a:lnSpc>
+                    <a:spcPct val="90000"/>
+                  </a:lnSpc>
+                  <a:spcBef>
+                    <a:spcPts val="250"/>
+                  </a:spcBef>
+                  <a:spcAft>
+                    <a:spcPts val="250"/>
+                  </a:spcAft>
+                  <a:buClr>
+                    <a:schemeClr val="accent1"/>
+                  </a:buClr>
+                  <a:buFont typeface="Wingdings 2" pitchFamily="18" charset="2"/>
+                  <a:buChar char=""/>
+                  <a:defRPr sz="1400" kern="1200">
+                    <a:solidFill>
+                      <a:schemeClr val="tx1">
+                        <a:lumMod val="75000"/>
+                        <a:lumOff val="25000"/>
+                      </a:schemeClr>
+                    </a:solidFill>
+                    <a:latin typeface="+mn-lt"/>
+                    <a:ea typeface="+mn-ea"/>
+                    <a:cs typeface="+mn-cs"/>
+                  </a:defRPr>
+                </a:lvl4pPr>
+                <a:lvl5pPr marL="2057400" indent="-182880" algn="l" defTabSz="914400" rtl="0" eaLnBrk="1" latinLnBrk="0" hangingPunct="1">
+                  <a:lnSpc>
+                    <a:spcPct val="90000"/>
+                  </a:lnSpc>
+                  <a:spcBef>
+                    <a:spcPts val="250"/>
+                  </a:spcBef>
+                  <a:spcAft>
+                    <a:spcPts val="250"/>
+                  </a:spcAft>
+                  <a:buClr>
+                    <a:schemeClr val="accent1"/>
+                  </a:buClr>
+                  <a:buFont typeface="Wingdings 2" pitchFamily="18" charset="2"/>
+                  <a:buChar char=""/>
+                  <a:defRPr sz="1400" kern="1200">
+                    <a:solidFill>
+                      <a:schemeClr val="tx1">
+                        <a:lumMod val="75000"/>
+                        <a:lumOff val="25000"/>
+                      </a:schemeClr>
+                    </a:solidFill>
+                    <a:latin typeface="+mn-lt"/>
+                    <a:ea typeface="+mn-ea"/>
+                    <a:cs typeface="+mn-cs"/>
+                  </a:defRPr>
+                </a:lvl5pPr>
+                <a:lvl6pPr marL="2514600" indent="-228600" algn="l" defTabSz="914400" rtl="0" eaLnBrk="1" latinLnBrk="0" hangingPunct="1">
+                  <a:lnSpc>
+                    <a:spcPct val="90000"/>
+                  </a:lnSpc>
+                  <a:spcBef>
+                    <a:spcPts val="250"/>
+                  </a:spcBef>
+                  <a:spcAft>
+                    <a:spcPts val="250"/>
+                  </a:spcAft>
+                  <a:buClr>
+                    <a:schemeClr val="accent1"/>
+                  </a:buClr>
+                  <a:buFont typeface="Wingdings 2" pitchFamily="18" charset="2"/>
+                  <a:buChar char=""/>
+                  <a:defRPr sz="1400" kern="1200">
+                    <a:solidFill>
+                      <a:schemeClr val="tx1">
+                        <a:lumMod val="75000"/>
+                        <a:lumOff val="25000"/>
+                      </a:schemeClr>
+                    </a:solidFill>
+                    <a:latin typeface="+mn-lt"/>
+                    <a:ea typeface="+mn-ea"/>
+                    <a:cs typeface="+mn-cs"/>
+                  </a:defRPr>
+                </a:lvl6pPr>
+                <a:lvl7pPr marL="2971800" indent="-228600" algn="l" defTabSz="914400" rtl="0" eaLnBrk="1" latinLnBrk="0" hangingPunct="1">
+                  <a:lnSpc>
+                    <a:spcPct val="90000"/>
+                  </a:lnSpc>
+                  <a:spcBef>
+                    <a:spcPts val="250"/>
+                  </a:spcBef>
+                  <a:spcAft>
+                    <a:spcPts val="250"/>
+                  </a:spcAft>
+                  <a:buClr>
+                    <a:schemeClr val="accent1"/>
+                  </a:buClr>
+                  <a:buFont typeface="Wingdings 2" pitchFamily="18" charset="2"/>
+                  <a:buChar char=""/>
+                  <a:defRPr sz="1400" kern="1200">
+                    <a:solidFill>
+                      <a:schemeClr val="tx1">
+                        <a:lumMod val="75000"/>
+                        <a:lumOff val="25000"/>
+                      </a:schemeClr>
+                    </a:solidFill>
+                    <a:latin typeface="+mn-lt"/>
+                    <a:ea typeface="+mn-ea"/>
+                    <a:cs typeface="+mn-cs"/>
+                  </a:defRPr>
+                </a:lvl7pPr>
+                <a:lvl8pPr marL="3429000" indent="-228600" algn="l" defTabSz="914400" rtl="0" eaLnBrk="1" latinLnBrk="0" hangingPunct="1">
+                  <a:lnSpc>
+                    <a:spcPct val="90000"/>
+                  </a:lnSpc>
+                  <a:spcBef>
+                    <a:spcPts val="250"/>
+                  </a:spcBef>
+                  <a:spcAft>
+                    <a:spcPts val="250"/>
+                  </a:spcAft>
+                  <a:buClr>
+                    <a:schemeClr val="accent1"/>
+                  </a:buClr>
+                  <a:buFont typeface="Wingdings 2" pitchFamily="18" charset="2"/>
+                  <a:buChar char=""/>
+                  <a:defRPr sz="1400" kern="1200">
+                    <a:solidFill>
+                      <a:schemeClr val="tx1">
+                        <a:lumMod val="75000"/>
+                        <a:lumOff val="25000"/>
+                      </a:schemeClr>
+                    </a:solidFill>
+                    <a:latin typeface="+mn-lt"/>
+                    <a:ea typeface="+mn-ea"/>
+                    <a:cs typeface="+mn-cs"/>
+                  </a:defRPr>
+                </a:lvl8pPr>
+                <a:lvl9pPr marL="3886200" indent="-228600" algn="l" defTabSz="914400" rtl="0" eaLnBrk="1" latinLnBrk="0" hangingPunct="1">
+                  <a:lnSpc>
+                    <a:spcPct val="90000"/>
+                  </a:lnSpc>
+                  <a:spcBef>
+                    <a:spcPts val="250"/>
+                  </a:spcBef>
+                  <a:spcAft>
+                    <a:spcPts val="250"/>
+                  </a:spcAft>
+                  <a:buClr>
+                    <a:schemeClr val="accent1"/>
+                  </a:buClr>
+                  <a:buFont typeface="Wingdings 2" pitchFamily="18" charset="2"/>
+                  <a:buChar char=""/>
+                  <a:defRPr sz="1400" kern="1200">
+                    <a:solidFill>
+                      <a:schemeClr val="tx1">
+                        <a:lumMod val="75000"/>
+                        <a:lumOff val="25000"/>
+                      </a:schemeClr>
+                    </a:solidFill>
+                    <a:latin typeface="+mn-lt"/>
+                    <a:ea typeface="+mn-ea"/>
+                    <a:cs typeface="+mn-cs"/>
+                  </a:defRPr>
+                </a:lvl9pPr>
+              </a:lstStyle>
+              <a:p>
+                <a:pPr marL="0" indent="0">
+                  <a:buNone/>
+                  <a:defRPr/>
+                </a:pPr>
+                <a:r>
+                  <a:rPr lang="en-US" sz="2400" b="1" dirty="0">
+                    <a:solidFill>
+                      <a:schemeClr val="tx1">
+                        <a:lumMod val="90000"/>
+                        <a:lumOff val="10000"/>
+                      </a:schemeClr>
+                    </a:solidFill>
+                  </a:rPr>
+                  <a:t>Big idea</a:t>
+                </a:r>
+                <a:r>
+                  <a:rPr lang="en-US" sz="2400" dirty="0">
+                    <a:solidFill>
+                      <a:schemeClr val="tx1">
+                        <a:lumMod val="90000"/>
+                        <a:lumOff val="10000"/>
+                      </a:schemeClr>
+                    </a:solidFill>
+                  </a:rPr>
+                  <a:t>: minimize RSS plus an additional penalty that rewards small (sum of) coefficient values.</a:t>
+                </a:r>
+              </a:p>
+              <a:p>
+                <a:pPr marL="0" indent="0">
+                  <a:buNone/>
+                  <a:defRPr/>
+                </a:pPr>
+                <a:endParaRPr lang="en-US" sz="2400" dirty="0">
+                  <a:solidFill>
+                    <a:schemeClr val="tx1">
+                      <a:lumMod val="90000"/>
+                      <a:lumOff val="10000"/>
+                    </a:schemeClr>
+                  </a:solidFill>
+                </a:endParaRPr>
+              </a:p>
+              <a:p>
+                <a:pPr marL="0" indent="0">
+                  <a:buNone/>
+                  <a:defRPr/>
+                </a:pPr>
+                <a:r>
+                  <a:rPr lang="en-US" sz="2400" dirty="0">
+                    <a:solidFill>
+                      <a:schemeClr val="tx1">
+                        <a:lumMod val="90000"/>
+                        <a:lumOff val="10000"/>
+                      </a:schemeClr>
+                    </a:solidFill>
+                  </a:rPr>
+                  <a:t>Least squares fits by finding coefficients that minimize</a:t>
+                </a:r>
+              </a:p>
+              <a:p>
+                <a:pPr marL="0" indent="0">
+                  <a:buNone/>
+                  <a:defRPr/>
+                </a:pPr>
+                <a14:m>
+                  <m:oMathPara xmlns:m="http://schemas.openxmlformats.org/officeDocument/2006/math">
+                    <m:oMathParaPr>
+                      <m:jc m:val="centerGroup"/>
+                    </m:oMathParaPr>
+                    <m:oMath xmlns:m="http://schemas.openxmlformats.org/officeDocument/2006/math">
+                      <m:r>
+                        <a:rPr lang="en-US" sz="2400" b="0" i="1" smtClean="0">
+                          <a:solidFill>
+                            <a:schemeClr val="tx1">
+                              <a:lumMod val="90000"/>
+                              <a:lumOff val="10000"/>
+                            </a:schemeClr>
+                          </a:solidFill>
+                          <a:latin typeface="Cambria Math" panose="02040503050406030204" pitchFamily="18" charset="0"/>
+                        </a:rPr>
+                        <m:t>𝑅𝑆𝑆</m:t>
+                      </m:r>
+                      <m:r>
+                        <a:rPr lang="en-US" sz="2400" b="0" i="1" smtClean="0">
+                          <a:solidFill>
+                            <a:schemeClr val="tx1">
+                              <a:lumMod val="90000"/>
+                              <a:lumOff val="10000"/>
+                            </a:schemeClr>
+                          </a:solidFill>
+                          <a:latin typeface="Cambria Math" panose="02040503050406030204" pitchFamily="18" charset="0"/>
+                        </a:rPr>
+                        <m:t>=</m:t>
+                      </m:r>
+                      <m:nary>
+                        <m:naryPr>
+                          <m:chr m:val="∑"/>
+                          <m:ctrlPr>
+                            <a:rPr lang="en-US" sz="2400" b="0" i="1" smtClean="0">
+                              <a:solidFill>
+                                <a:schemeClr val="tx1">
+                                  <a:lumMod val="90000"/>
+                                  <a:lumOff val="10000"/>
+                                </a:schemeClr>
+                              </a:solidFill>
+                              <a:latin typeface="Cambria Math" panose="02040503050406030204" pitchFamily="18" charset="0"/>
+                            </a:rPr>
+                          </m:ctrlPr>
+                        </m:naryPr>
+                        <m:sub>
+                          <m:r>
+                            <m:rPr>
+                              <m:brk m:alnAt="23"/>
+                            </m:rPr>
+                            <a:rPr lang="en-US" sz="2400" b="0" i="1" smtClean="0">
+                              <a:solidFill>
+                                <a:schemeClr val="tx1">
+                                  <a:lumMod val="90000"/>
+                                  <a:lumOff val="10000"/>
+                                </a:schemeClr>
+                              </a:solidFill>
+                              <a:latin typeface="Cambria Math" panose="02040503050406030204" pitchFamily="18" charset="0"/>
+                            </a:rPr>
+                            <m:t>𝑖</m:t>
+                          </m:r>
+                          <m:r>
+                            <a:rPr lang="en-US" sz="2400" b="0" i="1" smtClean="0">
+                              <a:solidFill>
+                                <a:schemeClr val="tx1">
+                                  <a:lumMod val="90000"/>
+                                  <a:lumOff val="10000"/>
+                                </a:schemeClr>
+                              </a:solidFill>
+                              <a:latin typeface="Cambria Math" panose="02040503050406030204" pitchFamily="18" charset="0"/>
+                            </a:rPr>
+                            <m:t>=1</m:t>
+                          </m:r>
+                        </m:sub>
+                        <m:sup>
+                          <m:r>
+                            <a:rPr lang="en-US" sz="2400" b="0" i="1" smtClean="0">
+                              <a:solidFill>
+                                <a:schemeClr val="tx1">
+                                  <a:lumMod val="90000"/>
+                                  <a:lumOff val="10000"/>
+                                </a:schemeClr>
+                              </a:solidFill>
+                              <a:latin typeface="Cambria Math" panose="02040503050406030204" pitchFamily="18" charset="0"/>
+                            </a:rPr>
+                            <m:t>𝑛</m:t>
+                          </m:r>
+                        </m:sup>
+                        <m:e>
+                          <m:sSup>
+                            <m:sSupPr>
+                              <m:ctrlPr>
+                                <a:rPr lang="en-US" sz="2400" b="0" i="1" smtClean="0">
+                                  <a:solidFill>
+                                    <a:schemeClr val="tx1">
+                                      <a:lumMod val="90000"/>
+                                      <a:lumOff val="10000"/>
+                                    </a:schemeClr>
+                                  </a:solidFill>
+                                  <a:latin typeface="Cambria Math" panose="02040503050406030204" pitchFamily="18" charset="0"/>
+                                </a:rPr>
+                              </m:ctrlPr>
+                            </m:sSupPr>
+                            <m:e>
+                              <m:d>
+                                <m:dPr>
+                                  <m:ctrlPr>
+                                    <a:rPr lang="en-US" sz="2400" b="0" i="1" smtClean="0">
+                                      <a:solidFill>
+                                        <a:schemeClr val="tx1">
+                                          <a:lumMod val="90000"/>
+                                          <a:lumOff val="10000"/>
+                                        </a:schemeClr>
+                                      </a:solidFill>
+                                      <a:latin typeface="Cambria Math" panose="02040503050406030204" pitchFamily="18" charset="0"/>
+                                    </a:rPr>
+                                  </m:ctrlPr>
+                                </m:dPr>
+                                <m:e>
+                                  <m:sSub>
+                                    <m:sSubPr>
+                                      <m:ctrlPr>
+                                        <a:rPr lang="en-US" sz="2400" b="0" i="1" smtClean="0">
+                                          <a:solidFill>
+                                            <a:schemeClr val="tx1">
+                                              <a:lumMod val="90000"/>
+                                              <a:lumOff val="10000"/>
+                                            </a:schemeClr>
+                                          </a:solidFill>
+                                          <a:latin typeface="Cambria Math" panose="02040503050406030204" pitchFamily="18" charset="0"/>
+                                        </a:rPr>
+                                      </m:ctrlPr>
+                                    </m:sSubPr>
+                                    <m:e>
+                                      <m:r>
+                                        <a:rPr lang="en-US" sz="2400" b="0" i="1" smtClean="0">
+                                          <a:solidFill>
+                                            <a:schemeClr val="tx1">
+                                              <a:lumMod val="90000"/>
+                                              <a:lumOff val="10000"/>
+                                            </a:schemeClr>
+                                          </a:solidFill>
+                                          <a:latin typeface="Cambria Math" panose="02040503050406030204" pitchFamily="18" charset="0"/>
+                                        </a:rPr>
+                                        <m:t>𝑦</m:t>
+                                      </m:r>
+                                    </m:e>
+                                    <m:sub>
+                                      <m:r>
+                                        <a:rPr lang="en-US" sz="2400" b="0" i="1" smtClean="0">
+                                          <a:solidFill>
+                                            <a:schemeClr val="tx1">
+                                              <a:lumMod val="90000"/>
+                                              <a:lumOff val="10000"/>
+                                            </a:schemeClr>
+                                          </a:solidFill>
+                                          <a:latin typeface="Cambria Math" panose="02040503050406030204" pitchFamily="18" charset="0"/>
+                                        </a:rPr>
+                                        <m:t>𝑖</m:t>
+                                      </m:r>
+                                    </m:sub>
+                                  </m:sSub>
+                                  <m:r>
+                                    <a:rPr lang="en-US" sz="2400" b="0" i="1" smtClean="0">
+                                      <a:solidFill>
+                                        <a:schemeClr val="tx1">
+                                          <a:lumMod val="90000"/>
+                                          <a:lumOff val="10000"/>
+                                        </a:schemeClr>
+                                      </a:solidFill>
+                                      <a:latin typeface="Cambria Math" panose="02040503050406030204" pitchFamily="18" charset="0"/>
+                                    </a:rPr>
+                                    <m:t>−</m:t>
+                                  </m:r>
+                                  <m:sSub>
+                                    <m:sSubPr>
+                                      <m:ctrlPr>
+                                        <a:rPr lang="en-US" sz="2400" b="0" i="1" smtClean="0">
+                                          <a:solidFill>
+                                            <a:schemeClr val="tx1">
+                                              <a:lumMod val="90000"/>
+                                              <a:lumOff val="10000"/>
+                                            </a:schemeClr>
+                                          </a:solidFill>
+                                          <a:latin typeface="Cambria Math" panose="02040503050406030204" pitchFamily="18" charset="0"/>
+                                        </a:rPr>
+                                      </m:ctrlPr>
+                                    </m:sSubPr>
+                                    <m:e>
+                                      <m:r>
+                                        <a:rPr lang="en-US" sz="2400" b="0" i="1" smtClean="0">
+                                          <a:solidFill>
+                                            <a:schemeClr val="tx1">
+                                              <a:lumMod val="90000"/>
+                                              <a:lumOff val="10000"/>
+                                            </a:schemeClr>
+                                          </a:solidFill>
+                                          <a:latin typeface="Cambria Math" panose="02040503050406030204" pitchFamily="18" charset="0"/>
+                                        </a:rPr>
+                                        <m:t>𝛽</m:t>
+                                      </m:r>
+                                    </m:e>
+                                    <m:sub>
+                                      <m:r>
+                                        <a:rPr lang="en-US" sz="2400" b="0" i="1" smtClean="0">
+                                          <a:solidFill>
+                                            <a:schemeClr val="tx1">
+                                              <a:lumMod val="90000"/>
+                                              <a:lumOff val="10000"/>
+                                            </a:schemeClr>
+                                          </a:solidFill>
+                                          <a:latin typeface="Cambria Math" panose="02040503050406030204" pitchFamily="18" charset="0"/>
+                                        </a:rPr>
+                                        <m:t>0</m:t>
+                                      </m:r>
+                                    </m:sub>
+                                  </m:sSub>
+                                  <m:r>
+                                    <a:rPr lang="en-US" sz="2400" b="0" i="1" smtClean="0">
+                                      <a:solidFill>
+                                        <a:schemeClr val="tx1">
+                                          <a:lumMod val="90000"/>
+                                          <a:lumOff val="10000"/>
+                                        </a:schemeClr>
+                                      </a:solidFill>
+                                      <a:latin typeface="Cambria Math" panose="02040503050406030204" pitchFamily="18" charset="0"/>
+                                    </a:rPr>
+                                    <m:t>−</m:t>
+                                  </m:r>
+                                  <m:nary>
+                                    <m:naryPr>
+                                      <m:chr m:val="∑"/>
+                                      <m:ctrlPr>
+                                        <a:rPr lang="en-US" sz="2400" b="0" i="1" smtClean="0">
+                                          <a:solidFill>
+                                            <a:schemeClr val="tx1">
+                                              <a:lumMod val="90000"/>
+                                              <a:lumOff val="10000"/>
+                                            </a:schemeClr>
+                                          </a:solidFill>
+                                          <a:latin typeface="Cambria Math" panose="02040503050406030204" pitchFamily="18" charset="0"/>
+                                        </a:rPr>
+                                      </m:ctrlPr>
+                                    </m:naryPr>
+                                    <m:sub>
+                                      <m:r>
+                                        <m:rPr>
+                                          <m:brk m:alnAt="23"/>
+                                        </m:rPr>
+                                        <a:rPr lang="en-US" sz="2400" b="0" i="1" smtClean="0">
+                                          <a:solidFill>
+                                            <a:schemeClr val="tx1">
+                                              <a:lumMod val="90000"/>
+                                              <a:lumOff val="10000"/>
+                                            </a:schemeClr>
+                                          </a:solidFill>
+                                          <a:latin typeface="Cambria Math" panose="02040503050406030204" pitchFamily="18" charset="0"/>
+                                        </a:rPr>
+                                        <m:t>𝑗</m:t>
+                                      </m:r>
+                                      <m:r>
+                                        <a:rPr lang="en-US" sz="2400" b="0" i="1" smtClean="0">
+                                          <a:solidFill>
+                                            <a:schemeClr val="tx1">
+                                              <a:lumMod val="90000"/>
+                                              <a:lumOff val="10000"/>
+                                            </a:schemeClr>
+                                          </a:solidFill>
+                                          <a:latin typeface="Cambria Math" panose="02040503050406030204" pitchFamily="18" charset="0"/>
+                                        </a:rPr>
+                                        <m:t>=1</m:t>
+                                      </m:r>
+                                    </m:sub>
+                                    <m:sup>
+                                      <m:r>
+                                        <a:rPr lang="en-US" sz="2400" b="0" i="1" smtClean="0">
+                                          <a:solidFill>
+                                            <a:schemeClr val="tx1">
+                                              <a:lumMod val="90000"/>
+                                              <a:lumOff val="10000"/>
+                                            </a:schemeClr>
+                                          </a:solidFill>
+                                          <a:latin typeface="Cambria Math" panose="02040503050406030204" pitchFamily="18" charset="0"/>
+                                        </a:rPr>
+                                        <m:t>𝑝</m:t>
+                                      </m:r>
+                                    </m:sup>
+                                    <m:e>
+                                      <m:sSub>
+                                        <m:sSubPr>
+                                          <m:ctrlPr>
+                                            <a:rPr lang="en-US" sz="2400" b="0" i="1" smtClean="0">
+                                              <a:solidFill>
+                                                <a:schemeClr val="tx1">
+                                                  <a:lumMod val="90000"/>
+                                                  <a:lumOff val="10000"/>
+                                                </a:schemeClr>
+                                              </a:solidFill>
+                                              <a:latin typeface="Cambria Math" panose="02040503050406030204" pitchFamily="18" charset="0"/>
+                                            </a:rPr>
+                                          </m:ctrlPr>
+                                        </m:sSubPr>
+                                        <m:e>
+                                          <m:r>
+                                            <a:rPr lang="en-US" sz="2400" b="0" i="1" smtClean="0">
+                                              <a:solidFill>
+                                                <a:schemeClr val="tx1">
+                                                  <a:lumMod val="90000"/>
+                                                  <a:lumOff val="10000"/>
+                                                </a:schemeClr>
+                                              </a:solidFill>
+                                              <a:latin typeface="Cambria Math" panose="02040503050406030204" pitchFamily="18" charset="0"/>
+                                            </a:rPr>
+                                            <m:t>𝛽</m:t>
+                                          </m:r>
+                                        </m:e>
+                                        <m:sub>
+                                          <m:r>
+                                            <a:rPr lang="en-US" sz="2400" b="0" i="1" smtClean="0">
+                                              <a:solidFill>
+                                                <a:schemeClr val="tx1">
+                                                  <a:lumMod val="90000"/>
+                                                  <a:lumOff val="10000"/>
+                                                </a:schemeClr>
+                                              </a:solidFill>
+                                              <a:latin typeface="Cambria Math" panose="02040503050406030204" pitchFamily="18" charset="0"/>
+                                            </a:rPr>
+                                            <m:t>𝑗</m:t>
+                                          </m:r>
+                                        </m:sub>
+                                      </m:sSub>
+                                      <m:sSub>
+                                        <m:sSubPr>
+                                          <m:ctrlPr>
+                                            <a:rPr lang="en-US" sz="2400" b="0" i="1" smtClean="0">
+                                              <a:solidFill>
+                                                <a:schemeClr val="tx1">
+                                                  <a:lumMod val="90000"/>
+                                                  <a:lumOff val="10000"/>
+                                                </a:schemeClr>
+                                              </a:solidFill>
+                                              <a:latin typeface="Cambria Math" panose="02040503050406030204" pitchFamily="18" charset="0"/>
+                                            </a:rPr>
+                                          </m:ctrlPr>
+                                        </m:sSubPr>
+                                        <m:e>
+                                          <m:r>
+                                            <a:rPr lang="en-US" sz="2400" b="0" i="1" smtClean="0">
+                                              <a:solidFill>
+                                                <a:schemeClr val="tx1">
+                                                  <a:lumMod val="90000"/>
+                                                  <a:lumOff val="10000"/>
+                                                </a:schemeClr>
+                                              </a:solidFill>
+                                              <a:latin typeface="Cambria Math" panose="02040503050406030204" pitchFamily="18" charset="0"/>
+                                            </a:rPr>
+                                            <m:t>𝑥</m:t>
+                                          </m:r>
+                                        </m:e>
+                                        <m:sub>
+                                          <m:r>
+                                            <a:rPr lang="en-US" sz="2400" b="0" i="1" smtClean="0">
+                                              <a:solidFill>
+                                                <a:schemeClr val="tx1">
+                                                  <a:lumMod val="90000"/>
+                                                  <a:lumOff val="10000"/>
+                                                </a:schemeClr>
+                                              </a:solidFill>
+                                              <a:latin typeface="Cambria Math" panose="02040503050406030204" pitchFamily="18" charset="0"/>
+                                            </a:rPr>
+                                            <m:t>𝑖𝑗</m:t>
+                                          </m:r>
+                                        </m:sub>
+                                      </m:sSub>
+                                    </m:e>
+                                  </m:nary>
+                                </m:e>
+                              </m:d>
+                            </m:e>
+                            <m:sup>
+                              <m:r>
+                                <a:rPr lang="en-US" sz="2400" b="0" i="1" smtClean="0">
+                                  <a:solidFill>
+                                    <a:schemeClr val="tx1">
+                                      <a:lumMod val="90000"/>
+                                      <a:lumOff val="10000"/>
+                                    </a:schemeClr>
+                                  </a:solidFill>
+                                  <a:latin typeface="Cambria Math" panose="02040503050406030204" pitchFamily="18" charset="0"/>
+                                </a:rPr>
+                                <m:t>2</m:t>
+                              </m:r>
+                            </m:sup>
+                          </m:sSup>
+                        </m:e>
+                      </m:nary>
+                    </m:oMath>
+                  </m:oMathPara>
+                </a14:m>
+                <a:endParaRPr lang="en-US" sz="2400" dirty="0">
+                  <a:solidFill>
+                    <a:schemeClr val="tx1">
+                      <a:lumMod val="90000"/>
+                      <a:lumOff val="10000"/>
+                    </a:schemeClr>
+                  </a:solidFill>
+                </a:endParaRPr>
+              </a:p>
+              <a:p>
+                <a:pPr marL="0" indent="0">
+                  <a:buNone/>
+                  <a:defRPr/>
+                </a:pPr>
+                <a:r>
+                  <a:rPr lang="en-US" sz="2400" dirty="0">
+                    <a:solidFill>
+                      <a:schemeClr val="tx1">
+                        <a:lumMod val="90000"/>
+                        <a:lumOff val="10000"/>
+                      </a:schemeClr>
+                    </a:solidFill>
+                  </a:rPr>
+                  <a:t>Ridge Regression fits by finding coefficients that minimize</a:t>
+                </a:r>
+              </a:p>
+              <a:p>
+                <a:pPr marL="0" indent="0">
+                  <a:buNone/>
+                  <a:defRPr/>
+                </a:pPr>
+                <a14:m>
+                  <m:oMathPara xmlns:m="http://schemas.openxmlformats.org/officeDocument/2006/math">
+                    <m:oMathParaPr>
+                      <m:jc m:val="centerGroup"/>
+                    </m:oMathParaPr>
+                    <m:oMath xmlns:m="http://schemas.openxmlformats.org/officeDocument/2006/math">
+                      <m:r>
+                        <a:rPr lang="en-US" sz="2400" i="1" smtClean="0">
+                          <a:solidFill>
+                            <a:schemeClr val="tx1">
+                              <a:lumMod val="90000"/>
+                              <a:lumOff val="10000"/>
+                            </a:schemeClr>
+                          </a:solidFill>
+                          <a:latin typeface="Cambria Math" panose="02040503050406030204" pitchFamily="18" charset="0"/>
+                        </a:rPr>
+                        <m:t>𝑅</m:t>
+                      </m:r>
+                      <m:r>
+                        <a:rPr lang="en-US" sz="2400" b="0" i="1" smtClean="0">
+                          <a:solidFill>
+                            <a:schemeClr val="tx1">
+                              <a:lumMod val="90000"/>
+                              <a:lumOff val="10000"/>
+                            </a:schemeClr>
+                          </a:solidFill>
+                          <a:latin typeface="Cambria Math" panose="02040503050406030204" pitchFamily="18" charset="0"/>
+                        </a:rPr>
+                        <m:t>𝑆𝑆</m:t>
+                      </m:r>
+                      <m:r>
+                        <a:rPr lang="en-US" sz="2400" b="0" i="1" smtClean="0">
+                          <a:solidFill>
+                            <a:schemeClr val="tx1">
+                              <a:lumMod val="90000"/>
+                              <a:lumOff val="10000"/>
+                            </a:schemeClr>
+                          </a:solidFill>
+                          <a:latin typeface="Cambria Math" panose="02040503050406030204" pitchFamily="18" charset="0"/>
+                        </a:rPr>
+                        <m:t>+</m:t>
+                      </m:r>
+                      <m:r>
+                        <a:rPr lang="en-US" sz="2400" b="0" i="1" smtClean="0">
+                          <a:solidFill>
+                            <a:schemeClr val="tx1">
+                              <a:lumMod val="90000"/>
+                              <a:lumOff val="10000"/>
+                            </a:schemeClr>
+                          </a:solidFill>
+                          <a:latin typeface="Cambria Math" panose="02040503050406030204" pitchFamily="18" charset="0"/>
+                        </a:rPr>
+                        <m:t>𝜆</m:t>
+                      </m:r>
+                      <m:nary>
+                        <m:naryPr>
+                          <m:chr m:val="∑"/>
+                          <m:ctrlPr>
+                            <a:rPr lang="en-US" sz="2400" b="0" i="1" smtClean="0">
+                              <a:solidFill>
+                                <a:schemeClr val="tx1">
+                                  <a:lumMod val="90000"/>
+                                  <a:lumOff val="10000"/>
+                                </a:schemeClr>
+                              </a:solidFill>
+                              <a:latin typeface="Cambria Math" panose="02040503050406030204" pitchFamily="18" charset="0"/>
+                            </a:rPr>
+                          </m:ctrlPr>
+                        </m:naryPr>
+                        <m:sub>
+                          <m:r>
+                            <m:rPr>
+                              <m:brk m:alnAt="23"/>
+                            </m:rPr>
+                            <a:rPr lang="en-US" sz="2400" b="0" i="1" smtClean="0">
+                              <a:solidFill>
+                                <a:schemeClr val="tx1">
+                                  <a:lumMod val="90000"/>
+                                  <a:lumOff val="10000"/>
+                                </a:schemeClr>
+                              </a:solidFill>
+                              <a:latin typeface="Cambria Math" panose="02040503050406030204" pitchFamily="18" charset="0"/>
+                            </a:rPr>
+                            <m:t>𝑗</m:t>
+                          </m:r>
+                          <m:r>
+                            <a:rPr lang="en-US" sz="2400" b="0" i="1" smtClean="0">
+                              <a:solidFill>
+                                <a:schemeClr val="tx1">
+                                  <a:lumMod val="90000"/>
+                                  <a:lumOff val="10000"/>
+                                </a:schemeClr>
+                              </a:solidFill>
+                              <a:latin typeface="Cambria Math" panose="02040503050406030204" pitchFamily="18" charset="0"/>
+                            </a:rPr>
+                            <m:t>=1</m:t>
+                          </m:r>
+                        </m:sub>
+                        <m:sup>
+                          <m:r>
+                            <a:rPr lang="en-US" sz="2400" b="0" i="1" smtClean="0">
+                              <a:solidFill>
+                                <a:schemeClr val="tx1">
+                                  <a:lumMod val="90000"/>
+                                  <a:lumOff val="10000"/>
+                                </a:schemeClr>
+                              </a:solidFill>
+                              <a:latin typeface="Cambria Math" panose="02040503050406030204" pitchFamily="18" charset="0"/>
+                            </a:rPr>
+                            <m:t>𝑝</m:t>
+                          </m:r>
+                        </m:sup>
+                        <m:e>
+                          <m:sSubSup>
+                            <m:sSubSupPr>
+                              <m:ctrlPr>
+                                <a:rPr lang="en-US" sz="2400" b="0" i="1" smtClean="0">
+                                  <a:solidFill>
+                                    <a:schemeClr val="tx1">
+                                      <a:lumMod val="90000"/>
+                                      <a:lumOff val="10000"/>
+                                    </a:schemeClr>
+                                  </a:solidFill>
+                                  <a:latin typeface="Cambria Math" panose="02040503050406030204" pitchFamily="18" charset="0"/>
+                                </a:rPr>
+                              </m:ctrlPr>
+                            </m:sSubSupPr>
+                            <m:e>
+                              <m:r>
+                                <a:rPr lang="en-US" sz="2400" b="0" i="1" smtClean="0">
+                                  <a:solidFill>
+                                    <a:schemeClr val="tx1">
+                                      <a:lumMod val="90000"/>
+                                      <a:lumOff val="10000"/>
+                                    </a:schemeClr>
+                                  </a:solidFill>
+                                  <a:latin typeface="Cambria Math" panose="02040503050406030204" pitchFamily="18" charset="0"/>
+                                </a:rPr>
+                                <m:t>𝛽</m:t>
+                              </m:r>
+                            </m:e>
+                            <m:sub>
+                              <m:r>
+                                <a:rPr lang="en-US" sz="2400" b="0" i="1" smtClean="0">
+                                  <a:solidFill>
+                                    <a:schemeClr val="tx1">
+                                      <a:lumMod val="90000"/>
+                                      <a:lumOff val="10000"/>
+                                    </a:schemeClr>
+                                  </a:solidFill>
+                                  <a:latin typeface="Cambria Math" panose="02040503050406030204" pitchFamily="18" charset="0"/>
+                                </a:rPr>
+                                <m:t>𝑗</m:t>
+                              </m:r>
+                            </m:sub>
+                            <m:sup>
+                              <m:r>
+                                <a:rPr lang="en-US" sz="2400" b="0" i="1" smtClean="0">
+                                  <a:solidFill>
+                                    <a:schemeClr val="tx1">
+                                      <a:lumMod val="90000"/>
+                                      <a:lumOff val="10000"/>
+                                    </a:schemeClr>
+                                  </a:solidFill>
+                                  <a:latin typeface="Cambria Math" panose="02040503050406030204" pitchFamily="18" charset="0"/>
+                                </a:rPr>
+                                <m:t>2</m:t>
+                              </m:r>
+                            </m:sup>
+                          </m:sSubSup>
+                        </m:e>
+                      </m:nary>
+                    </m:oMath>
+                  </m:oMathPara>
+                </a14:m>
+                <a:endParaRPr lang="en-US" sz="2400" dirty="0">
+                  <a:solidFill>
+                    <a:schemeClr val="tx1">
+                      <a:lumMod val="90000"/>
+                      <a:lumOff val="10000"/>
+                    </a:schemeClr>
+                  </a:solidFill>
+                </a:endParaRPr>
+              </a:p>
+              <a:p>
+                <a:pPr marL="0" indent="0">
+                  <a:buNone/>
+                  <a:defRPr/>
+                </a:pPr>
+                <a:r>
+                  <a:rPr lang="en-US" sz="2400" dirty="0">
+                    <a:solidFill>
+                      <a:schemeClr val="tx1">
+                        <a:lumMod val="90000"/>
+                        <a:lumOff val="10000"/>
+                      </a:schemeClr>
+                    </a:solidFill>
+                  </a:rPr>
+                  <a:t>where </a:t>
+                </a:r>
+                <a14:m>
+                  <m:oMath xmlns:m="http://schemas.openxmlformats.org/officeDocument/2006/math">
+                    <m:r>
+                      <a:rPr lang="en-US" sz="2400" b="0" i="1" smtClean="0">
+                        <a:solidFill>
+                          <a:schemeClr val="tx1">
+                            <a:lumMod val="90000"/>
+                            <a:lumOff val="10000"/>
+                          </a:schemeClr>
+                        </a:solidFill>
+                        <a:latin typeface="Cambria Math" panose="02040503050406030204" pitchFamily="18" charset="0"/>
+                      </a:rPr>
+                      <m:t>𝜆</m:t>
+                    </m:r>
+                    <m:r>
+                      <a:rPr lang="en-US" sz="2400" b="0" i="1" smtClean="0">
+                        <a:solidFill>
+                          <a:schemeClr val="tx1">
+                            <a:lumMod val="90000"/>
+                            <a:lumOff val="10000"/>
+                          </a:schemeClr>
+                        </a:solidFill>
+                        <a:latin typeface="Cambria Math" panose="02040503050406030204" pitchFamily="18" charset="0"/>
+                      </a:rPr>
+                      <m:t>≥0</m:t>
+                    </m:r>
+                  </m:oMath>
+                </a14:m>
+                <a:r>
+                  <a:rPr lang="en-US" sz="2400" dirty="0">
+                    <a:solidFill>
+                      <a:schemeClr val="tx1">
+                        <a:lumMod val="90000"/>
+                        <a:lumOff val="10000"/>
+                      </a:schemeClr>
+                    </a:solidFill>
+                  </a:rPr>
+                  <a:t> is a tuning parameter determined separately</a:t>
+                </a:r>
+              </a:p>
+            </p:txBody>
+          </p:sp>
+        </mc:Choice>
+        <mc:Fallback xmlns="">
+          <p:sp>
+            <p:nvSpPr>
+              <p:cNvPr id="8" name="Content Placeholder 2">
+                <a:extLst>
+                  <a:ext uri="{FF2B5EF4-FFF2-40B4-BE49-F238E27FC236}">
+                    <a16:creationId xmlns:a16="http://schemas.microsoft.com/office/drawing/2014/main" id="{240DBC71-789D-5E2F-2986-984B3D17DF5C}"/>
+                  </a:ext>
+                </a:extLst>
+              </p:cNvPr>
+              <p:cNvSpPr txBox="1">
+                <a:spLocks noRot="1" noChangeAspect="1" noMove="1" noResize="1" noEditPoints="1" noAdjustHandles="1" noChangeArrowheads="1" noChangeShapeType="1" noTextEdit="1"/>
+              </p:cNvSpPr>
+              <p:nvPr/>
+            </p:nvSpPr>
+            <p:spPr>
+              <a:xfrm>
+                <a:off x="4021668" y="801666"/>
+                <a:ext cx="7467600" cy="5407068"/>
+              </a:xfrm>
+              <a:prstGeom prst="rect">
+                <a:avLst/>
+              </a:prstGeom>
+              <a:blipFill>
+                <a:blip r:embed="rId3"/>
+                <a:stretch>
+                  <a:fillRect l="-1188" t="-1408" r="-1358" b="-11972"/>
+                </a:stretch>
+              </a:blipFill>
+            </p:spPr>
+            <p:txBody>
+              <a:bodyPr/>
+              <a:lstStyle/>
+              <a:p>
+                <a:r>
+                  <a:rPr lang="en-US">
+                    <a:noFill/>
+                  </a:rPr>
+                  <a:t> </a:t>
+                </a:r>
+              </a:p>
+            </p:txBody>
+          </p:sp>
+        </mc:Fallback>
+      </mc:AlternateContent>
+      <p:sp>
+        <p:nvSpPr>
+          <p:cNvPr id="3" name="Rounded Rectangular Callout 2">
+            <a:extLst>
+              <a:ext uri="{FF2B5EF4-FFF2-40B4-BE49-F238E27FC236}">
+                <a16:creationId xmlns:a16="http://schemas.microsoft.com/office/drawing/2014/main" id="{2ACC2915-3CBE-EF09-E3CE-9D837E5E35DF}"/>
+              </a:ext>
+            </a:extLst>
+          </p:cNvPr>
+          <p:cNvSpPr/>
+          <p:nvPr/>
+        </p:nvSpPr>
+        <p:spPr>
+          <a:xfrm>
+            <a:off x="9405258" y="4093028"/>
+            <a:ext cx="1719942" cy="903515"/>
+          </a:xfrm>
+          <a:prstGeom prst="wedgeRoundRectCallout">
+            <a:avLst>
+              <a:gd name="adj1" fmla="val -90211"/>
+              <a:gd name="adj2" fmla="val -4655"/>
+              <a:gd name="adj3" fmla="val 16667"/>
+            </a:avLst>
+          </a:prstGeom>
+        </p:spPr>
+        <p:style>
+          <a:lnRef idx="0">
+            <a:schemeClr val="accent3"/>
+          </a:lnRef>
+          <a:fillRef idx="3">
+            <a:schemeClr val="accent3"/>
+          </a:fillRef>
+          <a:effectRef idx="3">
+            <a:schemeClr val="accent3"/>
+          </a:effectRef>
+          <a:fontRef idx="minor">
+            <a:schemeClr val="lt1"/>
+          </a:fontRef>
+        </p:style>
+        <p:txBody>
+          <a:bodyPr rtlCol="0" anchor="ctr"/>
+          <a:lstStyle/>
+          <a:p>
+            <a:pPr algn="ctr"/>
+            <a:r>
+              <a:rPr lang="en-US" sz="2400" dirty="0"/>
+              <a:t>Shrinkage Penalty</a:t>
+            </a:r>
+          </a:p>
+        </p:txBody>
+      </p:sp>
+      <p:sp>
+        <p:nvSpPr>
+          <p:cNvPr id="4" name="Rounded Rectangle 3">
+            <a:extLst>
+              <a:ext uri="{FF2B5EF4-FFF2-40B4-BE49-F238E27FC236}">
+                <a16:creationId xmlns:a16="http://schemas.microsoft.com/office/drawing/2014/main" id="{54F20718-FAB8-EDB6-D479-F4851C2E0460}"/>
+              </a:ext>
+            </a:extLst>
+          </p:cNvPr>
+          <p:cNvSpPr/>
+          <p:nvPr/>
+        </p:nvSpPr>
+        <p:spPr>
+          <a:xfrm>
+            <a:off x="3512278" y="5540830"/>
+            <a:ext cx="7976990" cy="1110490"/>
+          </a:xfrm>
+          <a:prstGeom prst="roundRect">
+            <a:avLst/>
+          </a:prstGeom>
+        </p:spPr>
+        <p:style>
+          <a:lnRef idx="0">
+            <a:schemeClr val="accent5"/>
+          </a:lnRef>
+          <a:fillRef idx="3">
+            <a:schemeClr val="accent5"/>
+          </a:fillRef>
+          <a:effectRef idx="3">
+            <a:schemeClr val="accent5"/>
+          </a:effectRef>
+          <a:fontRef idx="minor">
+            <a:schemeClr val="lt1"/>
+          </a:fontRef>
+        </p:style>
+        <p:txBody>
+          <a:bodyPr rtlCol="0" anchor="ctr"/>
+          <a:lstStyle/>
+          <a:p>
+            <a:pPr algn="ctr"/>
+            <a:r>
+              <a:rPr lang="en-US" sz="2400" dirty="0"/>
+              <a:t>RSS is scale invariant (multiplying any predictor by a constant won’t change RSS). Is the shrinkage penalty? </a:t>
+            </a:r>
+          </a:p>
+        </p:txBody>
+      </p:sp>
+    </p:spTree>
+    <p:extLst>
+      <p:ext uri="{BB962C8B-B14F-4D97-AF65-F5344CB8AC3E}">
+        <p14:creationId xmlns:p14="http://schemas.microsoft.com/office/powerpoint/2010/main" val="2330486351"/>
+      </p:ext>
+    </p:extLst>
+  </p:cSld>
+  <p:clrMapOvr>
+    <a:masterClrMapping/>
+  </p:clrMapOvr>
+</p:sld>
+</file>
+
 <file path=ppt/theme/theme1.xml><?xml version="1.0" encoding="utf-8"?>
 <a:theme xmlns:a="http://schemas.openxmlformats.org/drawingml/2006/main" name="Frame">
   <a:themeElements>
